--- a/Report/FYP_Presentation.pptx
+++ b/Report/FYP_Presentation.pptx
@@ -296,7 +296,7 @@
             <a:fld id="{1D8BD707-D9CF-40AE-B4C6-C98DA3205C09}" type="datetimeFigureOut">
               <a:rPr lang="en-US" smtClean="0"/>
               <a:pPr/>
-              <a:t>3/22/2014</a:t>
+              <a:t>3/23/2014</a:t>
             </a:fld>
             <a:endParaRPr lang="en-US"/>
           </a:p>
@@ -463,7 +463,7 @@
             <a:fld id="{1D8BD707-D9CF-40AE-B4C6-C98DA3205C09}" type="datetimeFigureOut">
               <a:rPr lang="en-US" smtClean="0"/>
               <a:pPr/>
-              <a:t>3/22/2014</a:t>
+              <a:t>3/23/2014</a:t>
             </a:fld>
             <a:endParaRPr lang="en-US"/>
           </a:p>
@@ -640,7 +640,7 @@
             <a:fld id="{1D8BD707-D9CF-40AE-B4C6-C98DA3205C09}" type="datetimeFigureOut">
               <a:rPr lang="en-US" smtClean="0"/>
               <a:pPr/>
-              <a:t>3/22/2014</a:t>
+              <a:t>3/23/2014</a:t>
             </a:fld>
             <a:endParaRPr lang="en-US"/>
           </a:p>
@@ -807,7 +807,7 @@
             <a:fld id="{1D8BD707-D9CF-40AE-B4C6-C98DA3205C09}" type="datetimeFigureOut">
               <a:rPr lang="en-US" smtClean="0"/>
               <a:pPr/>
-              <a:t>3/22/2014</a:t>
+              <a:t>3/23/2014</a:t>
             </a:fld>
             <a:endParaRPr lang="en-US"/>
           </a:p>
@@ -1050,7 +1050,7 @@
             <a:fld id="{1D8BD707-D9CF-40AE-B4C6-C98DA3205C09}" type="datetimeFigureOut">
               <a:rPr lang="en-US" smtClean="0"/>
               <a:pPr/>
-              <a:t>3/22/2014</a:t>
+              <a:t>3/23/2014</a:t>
             </a:fld>
             <a:endParaRPr lang="en-US"/>
           </a:p>
@@ -1335,7 +1335,7 @@
             <a:fld id="{1D8BD707-D9CF-40AE-B4C6-C98DA3205C09}" type="datetimeFigureOut">
               <a:rPr lang="en-US" smtClean="0"/>
               <a:pPr/>
-              <a:t>3/22/2014</a:t>
+              <a:t>3/23/2014</a:t>
             </a:fld>
             <a:endParaRPr lang="en-US"/>
           </a:p>
@@ -1754,7 +1754,7 @@
             <a:fld id="{1D8BD707-D9CF-40AE-B4C6-C98DA3205C09}" type="datetimeFigureOut">
               <a:rPr lang="en-US" smtClean="0"/>
               <a:pPr/>
-              <a:t>3/22/2014</a:t>
+              <a:t>3/23/2014</a:t>
             </a:fld>
             <a:endParaRPr lang="en-US"/>
           </a:p>
@@ -1869,7 +1869,7 @@
             <a:fld id="{1D8BD707-D9CF-40AE-B4C6-C98DA3205C09}" type="datetimeFigureOut">
               <a:rPr lang="en-US" smtClean="0"/>
               <a:pPr/>
-              <a:t>3/22/2014</a:t>
+              <a:t>3/23/2014</a:t>
             </a:fld>
             <a:endParaRPr lang="en-US"/>
           </a:p>
@@ -1961,7 +1961,7 @@
             <a:fld id="{1D8BD707-D9CF-40AE-B4C6-C98DA3205C09}" type="datetimeFigureOut">
               <a:rPr lang="en-US" smtClean="0"/>
               <a:pPr/>
-              <a:t>3/22/2014</a:t>
+              <a:t>3/23/2014</a:t>
             </a:fld>
             <a:endParaRPr lang="en-US"/>
           </a:p>
@@ -2235,7 +2235,7 @@
             <a:fld id="{1D8BD707-D9CF-40AE-B4C6-C98DA3205C09}" type="datetimeFigureOut">
               <a:rPr lang="en-US" smtClean="0"/>
               <a:pPr/>
-              <a:t>3/22/2014</a:t>
+              <a:t>3/23/2014</a:t>
             </a:fld>
             <a:endParaRPr lang="en-US"/>
           </a:p>
@@ -2485,7 +2485,7 @@
             <a:fld id="{1D8BD707-D9CF-40AE-B4C6-C98DA3205C09}" type="datetimeFigureOut">
               <a:rPr lang="en-US" smtClean="0"/>
               <a:pPr/>
-              <a:t>3/22/2014</a:t>
+              <a:t>3/23/2014</a:t>
             </a:fld>
             <a:endParaRPr lang="en-US"/>
           </a:p>
@@ -2695,7 +2695,7 @@
             <a:fld id="{1D8BD707-D9CF-40AE-B4C6-C98DA3205C09}" type="datetimeFigureOut">
               <a:rPr lang="en-US" smtClean="0"/>
               <a:pPr/>
-              <a:t>3/22/2014</a:t>
+              <a:t>3/23/2014</a:t>
             </a:fld>
             <a:endParaRPr lang="en-US"/>
           </a:p>
@@ -3179,7 +3179,21 @@
           <a:bodyPr/>
           <a:lstStyle/>
           <a:p>
-            <a:endParaRPr lang="en-IE"/>
+            <a:r>
+              <a:rPr lang="en-IE" dirty="0" smtClean="0"/>
+              <a:t>Not much data comparing the different types of concurrent data structure</a:t>
+            </a:r>
+          </a:p>
+          <a:p>
+            <a:r>
+              <a:rPr lang="en-IE" dirty="0" smtClean="0"/>
+              <a:t>Locked, Lock-free</a:t>
+            </a:r>
+            <a:r>
+              <a:rPr lang="en-IE" smtClean="0"/>
+              <a:t>, Wait-free</a:t>
+            </a:r>
+            <a:endParaRPr lang="en-IE" dirty="0" smtClean="0"/>
           </a:p>
         </p:txBody>
       </p:sp>

--- a/Report/FYP_Presentation.pptx
+++ b/Report/FYP_Presentation.pptx
@@ -296,7 +296,7 @@
             <a:fld id="{1D8BD707-D9CF-40AE-B4C6-C98DA3205C09}" type="datetimeFigureOut">
               <a:rPr lang="en-US" smtClean="0"/>
               <a:pPr/>
-              <a:t>3/23/2014</a:t>
+              <a:t>3/24/2014</a:t>
             </a:fld>
             <a:endParaRPr lang="en-US"/>
           </a:p>
@@ -463,7 +463,7 @@
             <a:fld id="{1D8BD707-D9CF-40AE-B4C6-C98DA3205C09}" type="datetimeFigureOut">
               <a:rPr lang="en-US" smtClean="0"/>
               <a:pPr/>
-              <a:t>3/23/2014</a:t>
+              <a:t>3/24/2014</a:t>
             </a:fld>
             <a:endParaRPr lang="en-US"/>
           </a:p>
@@ -640,7 +640,7 @@
             <a:fld id="{1D8BD707-D9CF-40AE-B4C6-C98DA3205C09}" type="datetimeFigureOut">
               <a:rPr lang="en-US" smtClean="0"/>
               <a:pPr/>
-              <a:t>3/23/2014</a:t>
+              <a:t>3/24/2014</a:t>
             </a:fld>
             <a:endParaRPr lang="en-US"/>
           </a:p>
@@ -807,7 +807,7 @@
             <a:fld id="{1D8BD707-D9CF-40AE-B4C6-C98DA3205C09}" type="datetimeFigureOut">
               <a:rPr lang="en-US" smtClean="0"/>
               <a:pPr/>
-              <a:t>3/23/2014</a:t>
+              <a:t>3/24/2014</a:t>
             </a:fld>
             <a:endParaRPr lang="en-US"/>
           </a:p>
@@ -1050,7 +1050,7 @@
             <a:fld id="{1D8BD707-D9CF-40AE-B4C6-C98DA3205C09}" type="datetimeFigureOut">
               <a:rPr lang="en-US" smtClean="0"/>
               <a:pPr/>
-              <a:t>3/23/2014</a:t>
+              <a:t>3/24/2014</a:t>
             </a:fld>
             <a:endParaRPr lang="en-US"/>
           </a:p>
@@ -1335,7 +1335,7 @@
             <a:fld id="{1D8BD707-D9CF-40AE-B4C6-C98DA3205C09}" type="datetimeFigureOut">
               <a:rPr lang="en-US" smtClean="0"/>
               <a:pPr/>
-              <a:t>3/23/2014</a:t>
+              <a:t>3/24/2014</a:t>
             </a:fld>
             <a:endParaRPr lang="en-US"/>
           </a:p>
@@ -1754,7 +1754,7 @@
             <a:fld id="{1D8BD707-D9CF-40AE-B4C6-C98DA3205C09}" type="datetimeFigureOut">
               <a:rPr lang="en-US" smtClean="0"/>
               <a:pPr/>
-              <a:t>3/23/2014</a:t>
+              <a:t>3/24/2014</a:t>
             </a:fld>
             <a:endParaRPr lang="en-US"/>
           </a:p>
@@ -1869,7 +1869,7 @@
             <a:fld id="{1D8BD707-D9CF-40AE-B4C6-C98DA3205C09}" type="datetimeFigureOut">
               <a:rPr lang="en-US" smtClean="0"/>
               <a:pPr/>
-              <a:t>3/23/2014</a:t>
+              <a:t>3/24/2014</a:t>
             </a:fld>
             <a:endParaRPr lang="en-US"/>
           </a:p>
@@ -1961,7 +1961,7 @@
             <a:fld id="{1D8BD707-D9CF-40AE-B4C6-C98DA3205C09}" type="datetimeFigureOut">
               <a:rPr lang="en-US" smtClean="0"/>
               <a:pPr/>
-              <a:t>3/23/2014</a:t>
+              <a:t>3/24/2014</a:t>
             </a:fld>
             <a:endParaRPr lang="en-US"/>
           </a:p>
@@ -2235,7 +2235,7 @@
             <a:fld id="{1D8BD707-D9CF-40AE-B4C6-C98DA3205C09}" type="datetimeFigureOut">
               <a:rPr lang="en-US" smtClean="0"/>
               <a:pPr/>
-              <a:t>3/23/2014</a:t>
+              <a:t>3/24/2014</a:t>
             </a:fld>
             <a:endParaRPr lang="en-US"/>
           </a:p>
@@ -2485,7 +2485,7 @@
             <a:fld id="{1D8BD707-D9CF-40AE-B4C6-C98DA3205C09}" type="datetimeFigureOut">
               <a:rPr lang="en-US" smtClean="0"/>
               <a:pPr/>
-              <a:t>3/23/2014</a:t>
+              <a:t>3/24/2014</a:t>
             </a:fld>
             <a:endParaRPr lang="en-US"/>
           </a:p>
@@ -2695,7 +2695,7 @@
             <a:fld id="{1D8BD707-D9CF-40AE-B4C6-C98DA3205C09}" type="datetimeFigureOut">
               <a:rPr lang="en-US" smtClean="0"/>
               <a:pPr/>
-              <a:t>3/23/2014</a:t>
+              <a:t>3/24/2014</a:t>
             </a:fld>
             <a:endParaRPr lang="en-US"/>
           </a:p>
@@ -3181,19 +3181,36 @@
           <a:p>
             <a:r>
               <a:rPr lang="en-IE" dirty="0" smtClean="0"/>
-              <a:t>Not much data comparing the different types of concurrent data structure</a:t>
+              <a:t>Plenty of work done on how to implement concurrent objects</a:t>
             </a:r>
           </a:p>
           <a:p>
             <a:r>
               <a:rPr lang="en-IE" dirty="0" smtClean="0"/>
-              <a:t>Locked, Lock-free</a:t>
+              <a:t>Not </a:t>
+            </a:r>
+            <a:r>
+              <a:rPr lang="en-IE" dirty="0" smtClean="0"/>
+              <a:t>much </a:t>
             </a:r>
             <a:r>
               <a:rPr lang="en-IE" smtClean="0"/>
-              <a:t>, Wait-free</a:t>
-            </a:r>
-            <a:endParaRPr lang="en-IE" dirty="0" smtClean="0"/>
+              <a:t>data </a:t>
+            </a:r>
+            <a:r>
+              <a:rPr lang="en-IE" smtClean="0"/>
+              <a:t>on comparing </a:t>
+            </a:r>
+            <a:r>
+              <a:rPr lang="en-IE" dirty="0" smtClean="0"/>
+              <a:t>the different types of concurrent data structure</a:t>
+            </a:r>
+          </a:p>
+          <a:p>
+            <a:r>
+              <a:rPr lang="en-IE" dirty="0" smtClean="0"/>
+              <a:t>Locked, Lock-free, Wait-free</a:t>
+            </a:r>
           </a:p>
         </p:txBody>
       </p:sp>
@@ -3265,7 +3282,17 @@
           <a:bodyPr/>
           <a:lstStyle/>
           <a:p>
-            <a:endParaRPr lang="en-IE"/>
+            <a:r>
+              <a:rPr lang="en-IE" dirty="0" smtClean="0"/>
+              <a:t>Potential for high scalability</a:t>
+            </a:r>
+          </a:p>
+          <a:p>
+            <a:r>
+              <a:rPr lang="en-IE" dirty="0" smtClean="0"/>
+              <a:t>Increased Speeds</a:t>
+            </a:r>
+            <a:endParaRPr lang="en-IE" dirty="0"/>
           </a:p>
         </p:txBody>
       </p:sp>
@@ -3337,7 +3364,23 @@
           <a:bodyPr/>
           <a:lstStyle/>
           <a:p>
-            <a:endParaRPr lang="en-IE"/>
+            <a:r>
+              <a:rPr lang="en-IE" dirty="0" smtClean="0"/>
+              <a:t>“The Art of Multiprocessor Programming”</a:t>
+            </a:r>
+          </a:p>
+          <a:p>
+            <a:r>
+              <a:rPr lang="en-IE" dirty="0" smtClean="0"/>
+              <a:t>“Designing Concurrent Data Structures”</a:t>
+            </a:r>
+          </a:p>
+          <a:p>
+            <a:r>
+              <a:rPr lang="en-IE" dirty="0" smtClean="0"/>
+              <a:t>“Implementing Concurrent Data Objects”</a:t>
+            </a:r>
+            <a:endParaRPr lang="en-IE" dirty="0"/>
           </a:p>
         </p:txBody>
       </p:sp>
@@ -3409,7 +3452,23 @@
           <a:bodyPr/>
           <a:lstStyle/>
           <a:p>
-            <a:endParaRPr lang="en-IE"/>
+            <a:r>
+              <a:rPr lang="en-IE" dirty="0" smtClean="0"/>
+              <a:t>Implemented 3 concurrent data structures</a:t>
+            </a:r>
+          </a:p>
+          <a:p>
+            <a:r>
+              <a:rPr lang="en-IE" dirty="0" smtClean="0"/>
+              <a:t>Implemented both locked and lock-free variations</a:t>
+            </a:r>
+          </a:p>
+          <a:p>
+            <a:r>
+              <a:rPr lang="en-IE" dirty="0" smtClean="0"/>
+              <a:t>Tested &amp; compared them on 3 different systems</a:t>
+            </a:r>
+            <a:endParaRPr lang="en-IE" dirty="0"/>
           </a:p>
         </p:txBody>
       </p:sp>
@@ -3481,7 +3540,23 @@
           <a:bodyPr/>
           <a:lstStyle/>
           <a:p>
-            <a:endParaRPr lang="en-IE"/>
+            <a:r>
+              <a:rPr lang="en-IE" dirty="0" smtClean="0"/>
+              <a:t>Ran each mode for one second</a:t>
+            </a:r>
+          </a:p>
+          <a:p>
+            <a:r>
+              <a:rPr lang="en-IE" dirty="0" smtClean="0"/>
+              <a:t>Thread count went from 1-128</a:t>
+            </a:r>
+          </a:p>
+          <a:p>
+            <a:r>
+              <a:rPr lang="en-IE" dirty="0" smtClean="0"/>
+              <a:t>Recorded iterations per second  </a:t>
+            </a:r>
+            <a:endParaRPr lang="en-IE" dirty="0"/>
           </a:p>
         </p:txBody>
       </p:sp>

--- a/Report/FYP_Presentation.pptx
+++ b/Report/FYP_Presentation.pptx
@@ -4,15 +4,20 @@
   <p:sldMasterIdLst>
     <p:sldMasterId id="2147483648" r:id="rId1"/>
   </p:sldMasterIdLst>
+  <p:notesMasterIdLst>
+    <p:notesMasterId r:id="rId12"/>
+  </p:notesMasterIdLst>
   <p:sldIdLst>
     <p:sldId id="256" r:id="rId2"/>
     <p:sldId id="257" r:id="rId3"/>
     <p:sldId id="258" r:id="rId4"/>
     <p:sldId id="259" r:id="rId5"/>
     <p:sldId id="260" r:id="rId6"/>
-    <p:sldId id="261" r:id="rId7"/>
-    <p:sldId id="262" r:id="rId8"/>
-    <p:sldId id="263" r:id="rId9"/>
+    <p:sldId id="265" r:id="rId7"/>
+    <p:sldId id="261" r:id="rId8"/>
+    <p:sldId id="262" r:id="rId9"/>
+    <p:sldId id="264" r:id="rId10"/>
+    <p:sldId id="263" r:id="rId11"/>
   </p:sldIdLst>
   <p:sldSz cx="9144000" cy="6858000" type="screen4x3"/>
   <p:notesSz cx="6858000" cy="9144000"/>
@@ -114,6 +119,2938 @@
 </p:presentation>
 </file>
 
+<file path=ppt/charts/chart1.xml><?xml version="1.0" encoding="utf-8"?>
+<c:chartSpace xmlns:c="http://schemas.openxmlformats.org/drawingml/2006/chart" xmlns:a="http://schemas.openxmlformats.org/drawingml/2006/main" xmlns:r="http://schemas.openxmlformats.org/officeDocument/2006/relationships">
+  <c:date1904 val="0"/>
+  <c:lang val="en-IE"/>
+  <c:roundedCorners val="0"/>
+  <mc:AlternateContent xmlns:mc="http://schemas.openxmlformats.org/markup-compatibility/2006">
+    <mc:Choice xmlns:c14="http://schemas.microsoft.com/office/drawing/2007/8/2/chart" Requires="c14">
+      <c14:style val="102"/>
+    </mc:Choice>
+    <mc:Fallback>
+      <c:style val="2"/>
+    </mc:Fallback>
+  </mc:AlternateContent>
+  <c:chart>
+    <c:title>
+      <c:tx>
+        <c:rich>
+          <a:bodyPr/>
+          <a:lstStyle/>
+          <a:p>
+            <a:pPr>
+              <a:defRPr/>
+            </a:pPr>
+            <a:r>
+              <a:rPr lang="en-US" dirty="0" smtClean="0"/>
+              <a:t>Single Link Linked List Buffer </a:t>
+            </a:r>
+            <a:r>
+              <a:rPr lang="en-US" dirty="0"/>
+              <a:t>All Machines Lockless All Key Ranges</a:t>
+            </a:r>
+          </a:p>
+        </c:rich>
+      </c:tx>
+      <c:layout/>
+      <c:overlay val="0"/>
+    </c:title>
+    <c:autoTitleDeleted val="0"/>
+    <c:plotArea>
+      <c:layout/>
+      <c:lineChart>
+        <c:grouping val="standard"/>
+        <c:varyColors val="0"/>
+        <c:ser>
+          <c:idx val="0"/>
+          <c:order val="0"/>
+          <c:tx>
+            <c:strRef>
+              <c:f>Sheet1!$A$51</c:f>
+              <c:strCache>
+                <c:ptCount val="1"/>
+                <c:pt idx="0">
+                  <c:v>Stoker 128</c:v>
+                </c:pt>
+              </c:strCache>
+            </c:strRef>
+          </c:tx>
+          <c:cat>
+            <c:numRef>
+              <c:f>Sheet1!$B$50:$I$50</c:f>
+              <c:numCache>
+                <c:formatCode>General</c:formatCode>
+                <c:ptCount val="8"/>
+                <c:pt idx="0">
+                  <c:v>1</c:v>
+                </c:pt>
+                <c:pt idx="1">
+                  <c:v>2</c:v>
+                </c:pt>
+                <c:pt idx="2">
+                  <c:v>4</c:v>
+                </c:pt>
+                <c:pt idx="3">
+                  <c:v>8</c:v>
+                </c:pt>
+                <c:pt idx="4">
+                  <c:v>16</c:v>
+                </c:pt>
+                <c:pt idx="5">
+                  <c:v>32</c:v>
+                </c:pt>
+                <c:pt idx="6">
+                  <c:v>64</c:v>
+                </c:pt>
+                <c:pt idx="7">
+                  <c:v>128</c:v>
+                </c:pt>
+              </c:numCache>
+            </c:numRef>
+          </c:cat>
+          <c:val>
+            <c:numRef>
+              <c:f>Sheet1!$B$51:$I$51</c:f>
+              <c:numCache>
+                <c:formatCode>_(* #,##0.00_);_(* \(#,##0.00\);_(* "-"??_);_(@_)</c:formatCode>
+                <c:ptCount val="8"/>
+                <c:pt idx="0">
+                  <c:v>2903255</c:v>
+                </c:pt>
+                <c:pt idx="1">
+                  <c:v>2302230</c:v>
+                </c:pt>
+                <c:pt idx="2">
+                  <c:v>1643140</c:v>
+                </c:pt>
+                <c:pt idx="3">
+                  <c:v>1661205</c:v>
+                </c:pt>
+                <c:pt idx="4">
+                  <c:v>1646202</c:v>
+                </c:pt>
+                <c:pt idx="5">
+                  <c:v>1609534</c:v>
+                </c:pt>
+                <c:pt idx="6">
+                  <c:v>1659569</c:v>
+                </c:pt>
+                <c:pt idx="7">
+                  <c:v>2013186</c:v>
+                </c:pt>
+              </c:numCache>
+            </c:numRef>
+          </c:val>
+          <c:smooth val="0"/>
+        </c:ser>
+        <c:ser>
+          <c:idx val="1"/>
+          <c:order val="1"/>
+          <c:tx>
+            <c:strRef>
+              <c:f>Sheet1!$A$52</c:f>
+              <c:strCache>
+                <c:ptCount val="1"/>
+                <c:pt idx="0">
+                  <c:v>Local 128</c:v>
+                </c:pt>
+              </c:strCache>
+            </c:strRef>
+          </c:tx>
+          <c:cat>
+            <c:numRef>
+              <c:f>Sheet1!$B$50:$I$50</c:f>
+              <c:numCache>
+                <c:formatCode>General</c:formatCode>
+                <c:ptCount val="8"/>
+                <c:pt idx="0">
+                  <c:v>1</c:v>
+                </c:pt>
+                <c:pt idx="1">
+                  <c:v>2</c:v>
+                </c:pt>
+                <c:pt idx="2">
+                  <c:v>4</c:v>
+                </c:pt>
+                <c:pt idx="3">
+                  <c:v>8</c:v>
+                </c:pt>
+                <c:pt idx="4">
+                  <c:v>16</c:v>
+                </c:pt>
+                <c:pt idx="5">
+                  <c:v>32</c:v>
+                </c:pt>
+                <c:pt idx="6">
+                  <c:v>64</c:v>
+                </c:pt>
+                <c:pt idx="7">
+                  <c:v>128</c:v>
+                </c:pt>
+              </c:numCache>
+            </c:numRef>
+          </c:cat>
+          <c:val>
+            <c:numRef>
+              <c:f>Sheet1!$B$52:$I$52</c:f>
+              <c:numCache>
+                <c:formatCode>_(* #,##0.00_);_(* \(#,##0.00\);_(* "-"??_);_(@_)</c:formatCode>
+                <c:ptCount val="8"/>
+                <c:pt idx="0">
+                  <c:v>5705844</c:v>
+                </c:pt>
+                <c:pt idx="1">
+                  <c:v>8696890</c:v>
+                </c:pt>
+                <c:pt idx="2">
+                  <c:v>11042185</c:v>
+                </c:pt>
+                <c:pt idx="3">
+                  <c:v>13860795</c:v>
+                </c:pt>
+                <c:pt idx="4">
+                  <c:v>13008780</c:v>
+                </c:pt>
+                <c:pt idx="5">
+                  <c:v>13963041</c:v>
+                </c:pt>
+                <c:pt idx="6">
+                  <c:v>13891453</c:v>
+                </c:pt>
+                <c:pt idx="7">
+                  <c:v>13866634</c:v>
+                </c:pt>
+              </c:numCache>
+            </c:numRef>
+          </c:val>
+          <c:smooth val="0"/>
+        </c:ser>
+        <c:ser>
+          <c:idx val="2"/>
+          <c:order val="2"/>
+          <c:tx>
+            <c:strRef>
+              <c:f>Sheet1!$A$53</c:f>
+              <c:strCache>
+                <c:ptCount val="1"/>
+                <c:pt idx="0">
+                  <c:v>Cube 128</c:v>
+                </c:pt>
+              </c:strCache>
+            </c:strRef>
+          </c:tx>
+          <c:cat>
+            <c:numRef>
+              <c:f>Sheet1!$B$50:$I$50</c:f>
+              <c:numCache>
+                <c:formatCode>General</c:formatCode>
+                <c:ptCount val="8"/>
+                <c:pt idx="0">
+                  <c:v>1</c:v>
+                </c:pt>
+                <c:pt idx="1">
+                  <c:v>2</c:v>
+                </c:pt>
+                <c:pt idx="2">
+                  <c:v>4</c:v>
+                </c:pt>
+                <c:pt idx="3">
+                  <c:v>8</c:v>
+                </c:pt>
+                <c:pt idx="4">
+                  <c:v>16</c:v>
+                </c:pt>
+                <c:pt idx="5">
+                  <c:v>32</c:v>
+                </c:pt>
+                <c:pt idx="6">
+                  <c:v>64</c:v>
+                </c:pt>
+                <c:pt idx="7">
+                  <c:v>128</c:v>
+                </c:pt>
+              </c:numCache>
+            </c:numRef>
+          </c:cat>
+          <c:val>
+            <c:numRef>
+              <c:f>Sheet1!$B$53:$I$53</c:f>
+              <c:numCache>
+                <c:formatCode>_(* #,##0.00_);_(* \(#,##0.00\);_(* "-"??_);_(@_)</c:formatCode>
+                <c:ptCount val="8"/>
+                <c:pt idx="0">
+                  <c:v>3676761</c:v>
+                </c:pt>
+                <c:pt idx="1">
+                  <c:v>6399825</c:v>
+                </c:pt>
+                <c:pt idx="2">
+                  <c:v>4956513</c:v>
+                </c:pt>
+                <c:pt idx="3">
+                  <c:v>5942809</c:v>
+                </c:pt>
+                <c:pt idx="4">
+                  <c:v>5193797</c:v>
+                </c:pt>
+                <c:pt idx="5">
+                  <c:v>6876868</c:v>
+                </c:pt>
+                <c:pt idx="6">
+                  <c:v>5572043</c:v>
+                </c:pt>
+                <c:pt idx="7">
+                  <c:v>7276298</c:v>
+                </c:pt>
+              </c:numCache>
+            </c:numRef>
+          </c:val>
+          <c:smooth val="0"/>
+        </c:ser>
+        <c:ser>
+          <c:idx val="3"/>
+          <c:order val="3"/>
+          <c:tx>
+            <c:strRef>
+              <c:f>Sheet1!$A$59</c:f>
+              <c:strCache>
+                <c:ptCount val="1"/>
+                <c:pt idx="0">
+                  <c:v>Stoker 131072</c:v>
+                </c:pt>
+              </c:strCache>
+            </c:strRef>
+          </c:tx>
+          <c:cat>
+            <c:numRef>
+              <c:f>Sheet1!$B$50:$I$50</c:f>
+              <c:numCache>
+                <c:formatCode>General</c:formatCode>
+                <c:ptCount val="8"/>
+                <c:pt idx="0">
+                  <c:v>1</c:v>
+                </c:pt>
+                <c:pt idx="1">
+                  <c:v>2</c:v>
+                </c:pt>
+                <c:pt idx="2">
+                  <c:v>4</c:v>
+                </c:pt>
+                <c:pt idx="3">
+                  <c:v>8</c:v>
+                </c:pt>
+                <c:pt idx="4">
+                  <c:v>16</c:v>
+                </c:pt>
+                <c:pt idx="5">
+                  <c:v>32</c:v>
+                </c:pt>
+                <c:pt idx="6">
+                  <c:v>64</c:v>
+                </c:pt>
+                <c:pt idx="7">
+                  <c:v>128</c:v>
+                </c:pt>
+              </c:numCache>
+            </c:numRef>
+          </c:cat>
+          <c:val>
+            <c:numRef>
+              <c:f>Sheet1!$B$59:$I$59</c:f>
+              <c:numCache>
+                <c:formatCode>_(* #,##0.00_);_(* \(#,##0.00\);_(* "-"??_);_(@_)</c:formatCode>
+                <c:ptCount val="8"/>
+                <c:pt idx="0">
+                  <c:v>3085326</c:v>
+                </c:pt>
+                <c:pt idx="1">
+                  <c:v>2294553</c:v>
+                </c:pt>
+                <c:pt idx="2">
+                  <c:v>2313742</c:v>
+                </c:pt>
+                <c:pt idx="3">
+                  <c:v>1593021</c:v>
+                </c:pt>
+                <c:pt idx="4">
+                  <c:v>1621292</c:v>
+                </c:pt>
+                <c:pt idx="5">
+                  <c:v>1607634</c:v>
+                </c:pt>
+                <c:pt idx="6">
+                  <c:v>1651884</c:v>
+                </c:pt>
+                <c:pt idx="7">
+                  <c:v>1696833</c:v>
+                </c:pt>
+              </c:numCache>
+            </c:numRef>
+          </c:val>
+          <c:smooth val="0"/>
+        </c:ser>
+        <c:ser>
+          <c:idx val="4"/>
+          <c:order val="4"/>
+          <c:tx>
+            <c:strRef>
+              <c:f>Sheet1!$A$60</c:f>
+              <c:strCache>
+                <c:ptCount val="1"/>
+                <c:pt idx="0">
+                  <c:v>Local 131072</c:v>
+                </c:pt>
+              </c:strCache>
+            </c:strRef>
+          </c:tx>
+          <c:cat>
+            <c:numRef>
+              <c:f>Sheet1!$B$50:$I$50</c:f>
+              <c:numCache>
+                <c:formatCode>General</c:formatCode>
+                <c:ptCount val="8"/>
+                <c:pt idx="0">
+                  <c:v>1</c:v>
+                </c:pt>
+                <c:pt idx="1">
+                  <c:v>2</c:v>
+                </c:pt>
+                <c:pt idx="2">
+                  <c:v>4</c:v>
+                </c:pt>
+                <c:pt idx="3">
+                  <c:v>8</c:v>
+                </c:pt>
+                <c:pt idx="4">
+                  <c:v>16</c:v>
+                </c:pt>
+                <c:pt idx="5">
+                  <c:v>32</c:v>
+                </c:pt>
+                <c:pt idx="6">
+                  <c:v>64</c:v>
+                </c:pt>
+                <c:pt idx="7">
+                  <c:v>128</c:v>
+                </c:pt>
+              </c:numCache>
+            </c:numRef>
+          </c:cat>
+          <c:val>
+            <c:numRef>
+              <c:f>Sheet1!$B$60:$I$60</c:f>
+              <c:numCache>
+                <c:formatCode>_(* #,##0.00_);_(* \(#,##0.00\);_(* "-"??_);_(@_)</c:formatCode>
+                <c:ptCount val="8"/>
+                <c:pt idx="0">
+                  <c:v>5703600</c:v>
+                </c:pt>
+                <c:pt idx="1">
+                  <c:v>8588528</c:v>
+                </c:pt>
+                <c:pt idx="2">
+                  <c:v>11111591</c:v>
+                </c:pt>
+                <c:pt idx="3">
+                  <c:v>13892636</c:v>
+                </c:pt>
+                <c:pt idx="4">
+                  <c:v>13637538</c:v>
+                </c:pt>
+                <c:pt idx="5">
+                  <c:v>12640811</c:v>
+                </c:pt>
+                <c:pt idx="6">
+                  <c:v>13632672</c:v>
+                </c:pt>
+                <c:pt idx="7">
+                  <c:v>13754293</c:v>
+                </c:pt>
+              </c:numCache>
+            </c:numRef>
+          </c:val>
+          <c:smooth val="0"/>
+        </c:ser>
+        <c:ser>
+          <c:idx val="5"/>
+          <c:order val="5"/>
+          <c:tx>
+            <c:strRef>
+              <c:f>Sheet1!$A$61</c:f>
+              <c:strCache>
+                <c:ptCount val="1"/>
+                <c:pt idx="0">
+                  <c:v>Cube 131072</c:v>
+                </c:pt>
+              </c:strCache>
+            </c:strRef>
+          </c:tx>
+          <c:cat>
+            <c:numRef>
+              <c:f>Sheet1!$B$50:$I$50</c:f>
+              <c:numCache>
+                <c:formatCode>General</c:formatCode>
+                <c:ptCount val="8"/>
+                <c:pt idx="0">
+                  <c:v>1</c:v>
+                </c:pt>
+                <c:pt idx="1">
+                  <c:v>2</c:v>
+                </c:pt>
+                <c:pt idx="2">
+                  <c:v>4</c:v>
+                </c:pt>
+                <c:pt idx="3">
+                  <c:v>8</c:v>
+                </c:pt>
+                <c:pt idx="4">
+                  <c:v>16</c:v>
+                </c:pt>
+                <c:pt idx="5">
+                  <c:v>32</c:v>
+                </c:pt>
+                <c:pt idx="6">
+                  <c:v>64</c:v>
+                </c:pt>
+                <c:pt idx="7">
+                  <c:v>128</c:v>
+                </c:pt>
+              </c:numCache>
+            </c:numRef>
+          </c:cat>
+          <c:val>
+            <c:numRef>
+              <c:f>Sheet1!$B$61:$I$61</c:f>
+              <c:numCache>
+                <c:formatCode>_(* #,##0.00_);_(* \(#,##0.00\);_(* "-"??_);_(@_)</c:formatCode>
+                <c:ptCount val="8"/>
+                <c:pt idx="0">
+                  <c:v>3695638</c:v>
+                </c:pt>
+                <c:pt idx="1">
+                  <c:v>3662236</c:v>
+                </c:pt>
+                <c:pt idx="2">
+                  <c:v>10397162</c:v>
+                </c:pt>
+                <c:pt idx="3">
+                  <c:v>5022700</c:v>
+                </c:pt>
+                <c:pt idx="4">
+                  <c:v>6268867</c:v>
+                </c:pt>
+                <c:pt idx="5">
+                  <c:v>3888263</c:v>
+                </c:pt>
+                <c:pt idx="6">
+                  <c:v>7292982</c:v>
+                </c:pt>
+                <c:pt idx="7">
+                  <c:v>10656371</c:v>
+                </c:pt>
+              </c:numCache>
+            </c:numRef>
+          </c:val>
+          <c:smooth val="0"/>
+        </c:ser>
+        <c:ser>
+          <c:idx val="6"/>
+          <c:order val="6"/>
+          <c:tx>
+            <c:strRef>
+              <c:f>Sheet1!$A$67</c:f>
+              <c:strCache>
+                <c:ptCount val="1"/>
+                <c:pt idx="0">
+                  <c:v>Stoker 134217728</c:v>
+                </c:pt>
+              </c:strCache>
+            </c:strRef>
+          </c:tx>
+          <c:cat>
+            <c:numRef>
+              <c:f>Sheet1!$B$50:$I$50</c:f>
+              <c:numCache>
+                <c:formatCode>General</c:formatCode>
+                <c:ptCount val="8"/>
+                <c:pt idx="0">
+                  <c:v>1</c:v>
+                </c:pt>
+                <c:pt idx="1">
+                  <c:v>2</c:v>
+                </c:pt>
+                <c:pt idx="2">
+                  <c:v>4</c:v>
+                </c:pt>
+                <c:pt idx="3">
+                  <c:v>8</c:v>
+                </c:pt>
+                <c:pt idx="4">
+                  <c:v>16</c:v>
+                </c:pt>
+                <c:pt idx="5">
+                  <c:v>32</c:v>
+                </c:pt>
+                <c:pt idx="6">
+                  <c:v>64</c:v>
+                </c:pt>
+                <c:pt idx="7">
+                  <c:v>128</c:v>
+                </c:pt>
+              </c:numCache>
+            </c:numRef>
+          </c:cat>
+          <c:val>
+            <c:numRef>
+              <c:f>Sheet1!$B$67:$I$67</c:f>
+              <c:numCache>
+                <c:formatCode>_(* #,##0.00_);_(* \(#,##0.00\);_(* "-"??_);_(@_)</c:formatCode>
+                <c:ptCount val="8"/>
+                <c:pt idx="0">
+                  <c:v>3757737</c:v>
+                </c:pt>
+                <c:pt idx="1">
+                  <c:v>2442497</c:v>
+                </c:pt>
+                <c:pt idx="2">
+                  <c:v>2536779</c:v>
+                </c:pt>
+                <c:pt idx="3">
+                  <c:v>1731615</c:v>
+                </c:pt>
+                <c:pt idx="4">
+                  <c:v>1634806</c:v>
+                </c:pt>
+                <c:pt idx="5">
+                  <c:v>1635979</c:v>
+                </c:pt>
+                <c:pt idx="6">
+                  <c:v>1680443</c:v>
+                </c:pt>
+                <c:pt idx="7">
+                  <c:v>1725530</c:v>
+                </c:pt>
+              </c:numCache>
+            </c:numRef>
+          </c:val>
+          <c:smooth val="0"/>
+        </c:ser>
+        <c:ser>
+          <c:idx val="7"/>
+          <c:order val="7"/>
+          <c:tx>
+            <c:strRef>
+              <c:f>Sheet1!$A$68</c:f>
+              <c:strCache>
+                <c:ptCount val="1"/>
+                <c:pt idx="0">
+                  <c:v>Local 134217728</c:v>
+                </c:pt>
+              </c:strCache>
+            </c:strRef>
+          </c:tx>
+          <c:cat>
+            <c:numRef>
+              <c:f>Sheet1!$B$50:$I$50</c:f>
+              <c:numCache>
+                <c:formatCode>General</c:formatCode>
+                <c:ptCount val="8"/>
+                <c:pt idx="0">
+                  <c:v>1</c:v>
+                </c:pt>
+                <c:pt idx="1">
+                  <c:v>2</c:v>
+                </c:pt>
+                <c:pt idx="2">
+                  <c:v>4</c:v>
+                </c:pt>
+                <c:pt idx="3">
+                  <c:v>8</c:v>
+                </c:pt>
+                <c:pt idx="4">
+                  <c:v>16</c:v>
+                </c:pt>
+                <c:pt idx="5">
+                  <c:v>32</c:v>
+                </c:pt>
+                <c:pt idx="6">
+                  <c:v>64</c:v>
+                </c:pt>
+                <c:pt idx="7">
+                  <c:v>128</c:v>
+                </c:pt>
+              </c:numCache>
+            </c:numRef>
+          </c:cat>
+          <c:val>
+            <c:numRef>
+              <c:f>Sheet1!$B$68:$I$68</c:f>
+              <c:numCache>
+                <c:formatCode>_(* #,##0.00_);_(* \(#,##0.00\);_(* "-"??_);_(@_)</c:formatCode>
+                <c:ptCount val="8"/>
+                <c:pt idx="0">
+                  <c:v>5720444</c:v>
+                </c:pt>
+                <c:pt idx="1">
+                  <c:v>8759991</c:v>
+                </c:pt>
+                <c:pt idx="2">
+                  <c:v>11213554</c:v>
+                </c:pt>
+                <c:pt idx="3">
+                  <c:v>13756219</c:v>
+                </c:pt>
+                <c:pt idx="4">
+                  <c:v>13462318</c:v>
+                </c:pt>
+                <c:pt idx="5">
+                  <c:v>13664092</c:v>
+                </c:pt>
+                <c:pt idx="6">
+                  <c:v>12967883</c:v>
+                </c:pt>
+                <c:pt idx="7">
+                  <c:v>13421220</c:v>
+                </c:pt>
+              </c:numCache>
+            </c:numRef>
+          </c:val>
+          <c:smooth val="0"/>
+        </c:ser>
+        <c:ser>
+          <c:idx val="8"/>
+          <c:order val="8"/>
+          <c:tx>
+            <c:strRef>
+              <c:f>Sheet1!$A$69</c:f>
+              <c:strCache>
+                <c:ptCount val="1"/>
+                <c:pt idx="0">
+                  <c:v>Cube 134217728</c:v>
+                </c:pt>
+              </c:strCache>
+            </c:strRef>
+          </c:tx>
+          <c:cat>
+            <c:numRef>
+              <c:f>Sheet1!$B$50:$I$50</c:f>
+              <c:numCache>
+                <c:formatCode>General</c:formatCode>
+                <c:ptCount val="8"/>
+                <c:pt idx="0">
+                  <c:v>1</c:v>
+                </c:pt>
+                <c:pt idx="1">
+                  <c:v>2</c:v>
+                </c:pt>
+                <c:pt idx="2">
+                  <c:v>4</c:v>
+                </c:pt>
+                <c:pt idx="3">
+                  <c:v>8</c:v>
+                </c:pt>
+                <c:pt idx="4">
+                  <c:v>16</c:v>
+                </c:pt>
+                <c:pt idx="5">
+                  <c:v>32</c:v>
+                </c:pt>
+                <c:pt idx="6">
+                  <c:v>64</c:v>
+                </c:pt>
+                <c:pt idx="7">
+                  <c:v>128</c:v>
+                </c:pt>
+              </c:numCache>
+            </c:numRef>
+          </c:cat>
+          <c:val>
+            <c:numRef>
+              <c:f>Sheet1!$B$69:$I$69</c:f>
+              <c:numCache>
+                <c:formatCode>_(* #,##0.00_);_(* \(#,##0.00\);_(* "-"??_);_(@_)</c:formatCode>
+                <c:ptCount val="8"/>
+                <c:pt idx="0">
+                  <c:v>3735679</c:v>
+                </c:pt>
+                <c:pt idx="1">
+                  <c:v>4207470</c:v>
+                </c:pt>
+                <c:pt idx="2">
+                  <c:v>5332245</c:v>
+                </c:pt>
+                <c:pt idx="3">
+                  <c:v>3837889</c:v>
+                </c:pt>
+                <c:pt idx="4">
+                  <c:v>4331372</c:v>
+                </c:pt>
+                <c:pt idx="5">
+                  <c:v>4878603</c:v>
+                </c:pt>
+                <c:pt idx="6">
+                  <c:v>6225616</c:v>
+                </c:pt>
+                <c:pt idx="7">
+                  <c:v>6335318</c:v>
+                </c:pt>
+              </c:numCache>
+            </c:numRef>
+          </c:val>
+          <c:smooth val="0"/>
+        </c:ser>
+        <c:dLbls>
+          <c:showLegendKey val="0"/>
+          <c:showVal val="0"/>
+          <c:showCatName val="0"/>
+          <c:showSerName val="0"/>
+          <c:showPercent val="0"/>
+          <c:showBubbleSize val="0"/>
+        </c:dLbls>
+        <c:marker val="1"/>
+        <c:smooth val="0"/>
+        <c:axId val="72009984"/>
+        <c:axId val="77755904"/>
+      </c:lineChart>
+      <c:catAx>
+        <c:axId val="72009984"/>
+        <c:scaling>
+          <c:orientation val="minMax"/>
+        </c:scaling>
+        <c:delete val="0"/>
+        <c:axPos val="b"/>
+        <c:title>
+          <c:tx>
+            <c:rich>
+              <a:bodyPr/>
+              <a:lstStyle/>
+              <a:p>
+                <a:pPr>
+                  <a:defRPr/>
+                </a:pPr>
+                <a:r>
+                  <a:rPr lang="en-US"/>
+                  <a:t>Number of threads</a:t>
+                </a:r>
+              </a:p>
+            </c:rich>
+          </c:tx>
+          <c:layout/>
+          <c:overlay val="0"/>
+        </c:title>
+        <c:numFmt formatCode="General" sourceLinked="1"/>
+        <c:majorTickMark val="out"/>
+        <c:minorTickMark val="none"/>
+        <c:tickLblPos val="nextTo"/>
+        <c:crossAx val="77755904"/>
+        <c:crosses val="autoZero"/>
+        <c:auto val="1"/>
+        <c:lblAlgn val="ctr"/>
+        <c:lblOffset val="100"/>
+        <c:noMultiLvlLbl val="0"/>
+      </c:catAx>
+      <c:valAx>
+        <c:axId val="77755904"/>
+        <c:scaling>
+          <c:orientation val="minMax"/>
+        </c:scaling>
+        <c:delete val="0"/>
+        <c:axPos val="l"/>
+        <c:majorGridlines/>
+        <c:title>
+          <c:tx>
+            <c:rich>
+              <a:bodyPr rot="-5400000" vert="horz"/>
+              <a:lstStyle/>
+              <a:p>
+                <a:pPr>
+                  <a:defRPr/>
+                </a:pPr>
+                <a:r>
+                  <a:rPr lang="en-US"/>
+                  <a:t>Iterations per second</a:t>
+                </a:r>
+              </a:p>
+            </c:rich>
+          </c:tx>
+          <c:layout/>
+          <c:overlay val="0"/>
+        </c:title>
+        <c:numFmt formatCode="_(* #,##0.00_);_(* \(#,##0.00\);_(* &quot;-&quot;??_);_(@_)" sourceLinked="1"/>
+        <c:majorTickMark val="out"/>
+        <c:minorTickMark val="none"/>
+        <c:tickLblPos val="nextTo"/>
+        <c:crossAx val="72009984"/>
+        <c:crosses val="autoZero"/>
+        <c:crossBetween val="between"/>
+      </c:valAx>
+    </c:plotArea>
+    <c:legend>
+      <c:legendPos val="r"/>
+      <c:layout/>
+      <c:overlay val="0"/>
+    </c:legend>
+    <c:plotVisOnly val="1"/>
+    <c:dispBlanksAs val="gap"/>
+    <c:showDLblsOverMax val="0"/>
+  </c:chart>
+  <c:externalData r:id="rId1">
+    <c:autoUpdate val="0"/>
+  </c:externalData>
+</c:chartSpace>
+</file>
+
+<file path=ppt/charts/chart2.xml><?xml version="1.0" encoding="utf-8"?>
+<c:chartSpace xmlns:c="http://schemas.openxmlformats.org/drawingml/2006/chart" xmlns:a="http://schemas.openxmlformats.org/drawingml/2006/main" xmlns:r="http://schemas.openxmlformats.org/officeDocument/2006/relationships">
+  <c:date1904 val="0"/>
+  <c:lang val="en-IE"/>
+  <c:roundedCorners val="0"/>
+  <mc:AlternateContent xmlns:mc="http://schemas.openxmlformats.org/markup-compatibility/2006">
+    <mc:Choice xmlns:c14="http://schemas.microsoft.com/office/drawing/2007/8/2/chart" Requires="c14">
+      <c14:style val="102"/>
+    </mc:Choice>
+    <mc:Fallback>
+      <c:style val="2"/>
+    </mc:Fallback>
+  </mc:AlternateContent>
+  <c:chart>
+    <c:title>
+      <c:tx>
+        <c:rich>
+          <a:bodyPr/>
+          <a:lstStyle/>
+          <a:p>
+            <a:pPr>
+              <a:defRPr/>
+            </a:pPr>
+            <a:r>
+              <a:rPr lang="en-US" dirty="0" smtClean="0"/>
+              <a:t>Single Link Linked </a:t>
+            </a:r>
+            <a:r>
+              <a:rPr lang="en-US" dirty="0"/>
+              <a:t>List All Machines Lockless All Key Ranges</a:t>
+            </a:r>
+          </a:p>
+        </c:rich>
+      </c:tx>
+      <c:layout/>
+      <c:overlay val="0"/>
+    </c:title>
+    <c:autoTitleDeleted val="0"/>
+    <c:plotArea>
+      <c:layout/>
+      <c:lineChart>
+        <c:grouping val="standard"/>
+        <c:varyColors val="0"/>
+        <c:ser>
+          <c:idx val="0"/>
+          <c:order val="0"/>
+          <c:tx>
+            <c:strRef>
+              <c:f>Sheet1!$A$92</c:f>
+              <c:strCache>
+                <c:ptCount val="1"/>
+                <c:pt idx="0">
+                  <c:v>Stoker 128</c:v>
+                </c:pt>
+              </c:strCache>
+            </c:strRef>
+          </c:tx>
+          <c:cat>
+            <c:numRef>
+              <c:f>Sheet1!$B$91:$I$91</c:f>
+              <c:numCache>
+                <c:formatCode>General</c:formatCode>
+                <c:ptCount val="8"/>
+                <c:pt idx="0">
+                  <c:v>1</c:v>
+                </c:pt>
+                <c:pt idx="1">
+                  <c:v>2</c:v>
+                </c:pt>
+                <c:pt idx="2">
+                  <c:v>4</c:v>
+                </c:pt>
+                <c:pt idx="3">
+                  <c:v>8</c:v>
+                </c:pt>
+                <c:pt idx="4">
+                  <c:v>16</c:v>
+                </c:pt>
+                <c:pt idx="5">
+                  <c:v>32</c:v>
+                </c:pt>
+                <c:pt idx="6">
+                  <c:v>64</c:v>
+                </c:pt>
+                <c:pt idx="7">
+                  <c:v>128</c:v>
+                </c:pt>
+              </c:numCache>
+            </c:numRef>
+          </c:cat>
+          <c:val>
+            <c:numRef>
+              <c:f>Sheet1!$B$92:$I$92</c:f>
+              <c:numCache>
+                <c:formatCode>_(* #,##0.00_);_(* \(#,##0.00\);_(* "-"??_);_(@_)</c:formatCode>
+                <c:ptCount val="8"/>
+                <c:pt idx="0">
+                  <c:v>991484</c:v>
+                </c:pt>
+                <c:pt idx="1">
+                  <c:v>1685199</c:v>
+                </c:pt>
+                <c:pt idx="2">
+                  <c:v>1166779</c:v>
+                </c:pt>
+                <c:pt idx="3">
+                  <c:v>719258</c:v>
+                </c:pt>
+                <c:pt idx="4">
+                  <c:v>690663</c:v>
+                </c:pt>
+                <c:pt idx="5">
+                  <c:v>627234</c:v>
+                </c:pt>
+                <c:pt idx="6">
+                  <c:v>666569</c:v>
+                </c:pt>
+                <c:pt idx="7">
+                  <c:v>671182</c:v>
+                </c:pt>
+              </c:numCache>
+            </c:numRef>
+          </c:val>
+          <c:smooth val="0"/>
+        </c:ser>
+        <c:ser>
+          <c:idx val="1"/>
+          <c:order val="1"/>
+          <c:tx>
+            <c:strRef>
+              <c:f>Sheet1!$A$93</c:f>
+              <c:strCache>
+                <c:ptCount val="1"/>
+                <c:pt idx="0">
+                  <c:v>Local 128</c:v>
+                </c:pt>
+              </c:strCache>
+            </c:strRef>
+          </c:tx>
+          <c:cat>
+            <c:numRef>
+              <c:f>Sheet1!$B$91:$I$91</c:f>
+              <c:numCache>
+                <c:formatCode>General</c:formatCode>
+                <c:ptCount val="8"/>
+                <c:pt idx="0">
+                  <c:v>1</c:v>
+                </c:pt>
+                <c:pt idx="1">
+                  <c:v>2</c:v>
+                </c:pt>
+                <c:pt idx="2">
+                  <c:v>4</c:v>
+                </c:pt>
+                <c:pt idx="3">
+                  <c:v>8</c:v>
+                </c:pt>
+                <c:pt idx="4">
+                  <c:v>16</c:v>
+                </c:pt>
+                <c:pt idx="5">
+                  <c:v>32</c:v>
+                </c:pt>
+                <c:pt idx="6">
+                  <c:v>64</c:v>
+                </c:pt>
+                <c:pt idx="7">
+                  <c:v>128</c:v>
+                </c:pt>
+              </c:numCache>
+            </c:numRef>
+          </c:cat>
+          <c:val>
+            <c:numRef>
+              <c:f>Sheet1!$B$93:$I$93</c:f>
+              <c:numCache>
+                <c:formatCode>_(* #,##0.00_);_(* \(#,##0.00\);_(* "-"??_);_(@_)</c:formatCode>
+                <c:ptCount val="8"/>
+                <c:pt idx="0">
+                  <c:v>2597972</c:v>
+                </c:pt>
+                <c:pt idx="1">
+                  <c:v>5933138</c:v>
+                </c:pt>
+                <c:pt idx="2">
+                  <c:v>11066666</c:v>
+                </c:pt>
+                <c:pt idx="3">
+                  <c:v>14458128</c:v>
+                </c:pt>
+                <c:pt idx="4">
+                  <c:v>16338123</c:v>
+                </c:pt>
+                <c:pt idx="5">
+                  <c:v>16222973</c:v>
+                </c:pt>
+                <c:pt idx="6">
+                  <c:v>15641009</c:v>
+                </c:pt>
+                <c:pt idx="7">
+                  <c:v>15761452</c:v>
+                </c:pt>
+              </c:numCache>
+            </c:numRef>
+          </c:val>
+          <c:smooth val="0"/>
+        </c:ser>
+        <c:ser>
+          <c:idx val="2"/>
+          <c:order val="2"/>
+          <c:tx>
+            <c:strRef>
+              <c:f>Sheet1!$A$94</c:f>
+              <c:strCache>
+                <c:ptCount val="1"/>
+                <c:pt idx="0">
+                  <c:v>Cube 128</c:v>
+                </c:pt>
+              </c:strCache>
+            </c:strRef>
+          </c:tx>
+          <c:cat>
+            <c:numRef>
+              <c:f>Sheet1!$B$91:$I$91</c:f>
+              <c:numCache>
+                <c:formatCode>General</c:formatCode>
+                <c:ptCount val="8"/>
+                <c:pt idx="0">
+                  <c:v>1</c:v>
+                </c:pt>
+                <c:pt idx="1">
+                  <c:v>2</c:v>
+                </c:pt>
+                <c:pt idx="2">
+                  <c:v>4</c:v>
+                </c:pt>
+                <c:pt idx="3">
+                  <c:v>8</c:v>
+                </c:pt>
+                <c:pt idx="4">
+                  <c:v>16</c:v>
+                </c:pt>
+                <c:pt idx="5">
+                  <c:v>32</c:v>
+                </c:pt>
+                <c:pt idx="6">
+                  <c:v>64</c:v>
+                </c:pt>
+                <c:pt idx="7">
+                  <c:v>128</c:v>
+                </c:pt>
+              </c:numCache>
+            </c:numRef>
+          </c:cat>
+          <c:val>
+            <c:numRef>
+              <c:f>Sheet1!$B$94:$I$94</c:f>
+              <c:numCache>
+                <c:formatCode>_(* #,##0.00_);_(* \(#,##0.00\);_(* "-"??_);_(@_)</c:formatCode>
+                <c:ptCount val="8"/>
+                <c:pt idx="0">
+                  <c:v>1337861</c:v>
+                </c:pt>
+                <c:pt idx="1">
+                  <c:v>1950493</c:v>
+                </c:pt>
+                <c:pt idx="2">
+                  <c:v>3238299</c:v>
+                </c:pt>
+                <c:pt idx="3">
+                  <c:v>1860926</c:v>
+                </c:pt>
+                <c:pt idx="4">
+                  <c:v>6532522</c:v>
+                </c:pt>
+                <c:pt idx="5">
+                  <c:v>1376020</c:v>
+                </c:pt>
+                <c:pt idx="6">
+                  <c:v>7412770</c:v>
+                </c:pt>
+                <c:pt idx="7">
+                  <c:v>1469781</c:v>
+                </c:pt>
+              </c:numCache>
+            </c:numRef>
+          </c:val>
+          <c:smooth val="0"/>
+        </c:ser>
+        <c:ser>
+          <c:idx val="3"/>
+          <c:order val="3"/>
+          <c:tx>
+            <c:strRef>
+              <c:f>Sheet1!$A$100</c:f>
+              <c:strCache>
+                <c:ptCount val="1"/>
+                <c:pt idx="0">
+                  <c:v>Stoker 131072</c:v>
+                </c:pt>
+              </c:strCache>
+            </c:strRef>
+          </c:tx>
+          <c:cat>
+            <c:numRef>
+              <c:f>Sheet1!$B$91:$I$91</c:f>
+              <c:numCache>
+                <c:formatCode>General</c:formatCode>
+                <c:ptCount val="8"/>
+                <c:pt idx="0">
+                  <c:v>1</c:v>
+                </c:pt>
+                <c:pt idx="1">
+                  <c:v>2</c:v>
+                </c:pt>
+                <c:pt idx="2">
+                  <c:v>4</c:v>
+                </c:pt>
+                <c:pt idx="3">
+                  <c:v>8</c:v>
+                </c:pt>
+                <c:pt idx="4">
+                  <c:v>16</c:v>
+                </c:pt>
+                <c:pt idx="5">
+                  <c:v>32</c:v>
+                </c:pt>
+                <c:pt idx="6">
+                  <c:v>64</c:v>
+                </c:pt>
+                <c:pt idx="7">
+                  <c:v>128</c:v>
+                </c:pt>
+              </c:numCache>
+            </c:numRef>
+          </c:cat>
+          <c:val>
+            <c:numRef>
+              <c:f>Sheet1!$B$100:$I$100</c:f>
+              <c:numCache>
+                <c:formatCode>_(* #,##0.00_);_(* \(#,##0.00\);_(* "-"??_);_(@_)</c:formatCode>
+                <c:ptCount val="8"/>
+                <c:pt idx="0">
+                  <c:v>14256</c:v>
+                </c:pt>
+                <c:pt idx="1">
+                  <c:v>8201</c:v>
+                </c:pt>
+                <c:pt idx="2">
+                  <c:v>10464</c:v>
+                </c:pt>
+                <c:pt idx="3">
+                  <c:v>17762</c:v>
+                </c:pt>
+                <c:pt idx="4">
+                  <c:v>25309</c:v>
+                </c:pt>
+                <c:pt idx="5">
+                  <c:v>39116</c:v>
+                </c:pt>
+                <c:pt idx="6">
+                  <c:v>52297</c:v>
+                </c:pt>
+                <c:pt idx="7">
+                  <c:v>46693</c:v>
+                </c:pt>
+              </c:numCache>
+            </c:numRef>
+          </c:val>
+          <c:smooth val="0"/>
+        </c:ser>
+        <c:ser>
+          <c:idx val="4"/>
+          <c:order val="4"/>
+          <c:tx>
+            <c:strRef>
+              <c:f>Sheet1!$A$101</c:f>
+              <c:strCache>
+                <c:ptCount val="1"/>
+                <c:pt idx="0">
+                  <c:v>Local 131072</c:v>
+                </c:pt>
+              </c:strCache>
+            </c:strRef>
+          </c:tx>
+          <c:cat>
+            <c:numRef>
+              <c:f>Sheet1!$B$91:$I$91</c:f>
+              <c:numCache>
+                <c:formatCode>General</c:formatCode>
+                <c:ptCount val="8"/>
+                <c:pt idx="0">
+                  <c:v>1</c:v>
+                </c:pt>
+                <c:pt idx="1">
+                  <c:v>2</c:v>
+                </c:pt>
+                <c:pt idx="2">
+                  <c:v>4</c:v>
+                </c:pt>
+                <c:pt idx="3">
+                  <c:v>8</c:v>
+                </c:pt>
+                <c:pt idx="4">
+                  <c:v>16</c:v>
+                </c:pt>
+                <c:pt idx="5">
+                  <c:v>32</c:v>
+                </c:pt>
+                <c:pt idx="6">
+                  <c:v>64</c:v>
+                </c:pt>
+                <c:pt idx="7">
+                  <c:v>128</c:v>
+                </c:pt>
+              </c:numCache>
+            </c:numRef>
+          </c:cat>
+          <c:val>
+            <c:numRef>
+              <c:f>Sheet1!$B$101:$I$101</c:f>
+              <c:numCache>
+                <c:formatCode>_(* #,##0.00_);_(* \(#,##0.00\);_(* "-"??_);_(@_)</c:formatCode>
+                <c:ptCount val="8"/>
+                <c:pt idx="0">
+                  <c:v>21890</c:v>
+                </c:pt>
+                <c:pt idx="1">
+                  <c:v>19239</c:v>
+                </c:pt>
+                <c:pt idx="2">
+                  <c:v>171464</c:v>
+                </c:pt>
+                <c:pt idx="3">
+                  <c:v>150932</c:v>
+                </c:pt>
+                <c:pt idx="4">
+                  <c:v>109933</c:v>
+                </c:pt>
+                <c:pt idx="5">
+                  <c:v>64956</c:v>
+                </c:pt>
+                <c:pt idx="6">
+                  <c:v>51922</c:v>
+                </c:pt>
+                <c:pt idx="7">
+                  <c:v>50133</c:v>
+                </c:pt>
+              </c:numCache>
+            </c:numRef>
+          </c:val>
+          <c:smooth val="0"/>
+        </c:ser>
+        <c:ser>
+          <c:idx val="5"/>
+          <c:order val="5"/>
+          <c:tx>
+            <c:strRef>
+              <c:f>Sheet1!$A$102</c:f>
+              <c:strCache>
+                <c:ptCount val="1"/>
+                <c:pt idx="0">
+                  <c:v>Cube 131072</c:v>
+                </c:pt>
+              </c:strCache>
+            </c:strRef>
+          </c:tx>
+          <c:cat>
+            <c:numRef>
+              <c:f>Sheet1!$B$91:$I$91</c:f>
+              <c:numCache>
+                <c:formatCode>General</c:formatCode>
+                <c:ptCount val="8"/>
+                <c:pt idx="0">
+                  <c:v>1</c:v>
+                </c:pt>
+                <c:pt idx="1">
+                  <c:v>2</c:v>
+                </c:pt>
+                <c:pt idx="2">
+                  <c:v>4</c:v>
+                </c:pt>
+                <c:pt idx="3">
+                  <c:v>8</c:v>
+                </c:pt>
+                <c:pt idx="4">
+                  <c:v>16</c:v>
+                </c:pt>
+                <c:pt idx="5">
+                  <c:v>32</c:v>
+                </c:pt>
+                <c:pt idx="6">
+                  <c:v>64</c:v>
+                </c:pt>
+                <c:pt idx="7">
+                  <c:v>128</c:v>
+                </c:pt>
+              </c:numCache>
+            </c:numRef>
+          </c:cat>
+          <c:val>
+            <c:numRef>
+              <c:f>Sheet1!$B$102:$I$102</c:f>
+              <c:numCache>
+                <c:formatCode>_(* #,##0.00_);_(* \(#,##0.00\);_(* "-"??_);_(@_)</c:formatCode>
+                <c:ptCount val="8"/>
+                <c:pt idx="0">
+                  <c:v>15643</c:v>
+                </c:pt>
+                <c:pt idx="1">
+                  <c:v>8792</c:v>
+                </c:pt>
+                <c:pt idx="2">
+                  <c:v>13651</c:v>
+                </c:pt>
+                <c:pt idx="3">
+                  <c:v>19751</c:v>
+                </c:pt>
+                <c:pt idx="4">
+                  <c:v>25451</c:v>
+                </c:pt>
+                <c:pt idx="5">
+                  <c:v>21236</c:v>
+                </c:pt>
+                <c:pt idx="6">
+                  <c:v>19033</c:v>
+                </c:pt>
+                <c:pt idx="7">
+                  <c:v>17365</c:v>
+                </c:pt>
+              </c:numCache>
+            </c:numRef>
+          </c:val>
+          <c:smooth val="0"/>
+        </c:ser>
+        <c:ser>
+          <c:idx val="6"/>
+          <c:order val="6"/>
+          <c:tx>
+            <c:strRef>
+              <c:f>Sheet1!$A$108</c:f>
+              <c:strCache>
+                <c:ptCount val="1"/>
+                <c:pt idx="0">
+                  <c:v>Stoker 134217728</c:v>
+                </c:pt>
+              </c:strCache>
+            </c:strRef>
+          </c:tx>
+          <c:cat>
+            <c:numRef>
+              <c:f>Sheet1!$B$91:$I$91</c:f>
+              <c:numCache>
+                <c:formatCode>General</c:formatCode>
+                <c:ptCount val="8"/>
+                <c:pt idx="0">
+                  <c:v>1</c:v>
+                </c:pt>
+                <c:pt idx="1">
+                  <c:v>2</c:v>
+                </c:pt>
+                <c:pt idx="2">
+                  <c:v>4</c:v>
+                </c:pt>
+                <c:pt idx="3">
+                  <c:v>8</c:v>
+                </c:pt>
+                <c:pt idx="4">
+                  <c:v>16</c:v>
+                </c:pt>
+                <c:pt idx="5">
+                  <c:v>32</c:v>
+                </c:pt>
+                <c:pt idx="6">
+                  <c:v>64</c:v>
+                </c:pt>
+                <c:pt idx="7">
+                  <c:v>128</c:v>
+                </c:pt>
+              </c:numCache>
+            </c:numRef>
+          </c:cat>
+          <c:val>
+            <c:numRef>
+              <c:f>Sheet1!$B$108:$I$108</c:f>
+              <c:numCache>
+                <c:formatCode>_(* #,##0.00_);_(* \(#,##0.00\);_(* "-"??_);_(@_)</c:formatCode>
+                <c:ptCount val="8"/>
+                <c:pt idx="0">
+                  <c:v>13710</c:v>
+                </c:pt>
+                <c:pt idx="1">
+                  <c:v>7755</c:v>
+                </c:pt>
+                <c:pt idx="2">
+                  <c:v>9559</c:v>
+                </c:pt>
+                <c:pt idx="3">
+                  <c:v>15295</c:v>
+                </c:pt>
+                <c:pt idx="4">
+                  <c:v>20391</c:v>
+                </c:pt>
+                <c:pt idx="5">
+                  <c:v>28856</c:v>
+                </c:pt>
+                <c:pt idx="6">
+                  <c:v>33696</c:v>
+                </c:pt>
+                <c:pt idx="7">
+                  <c:v>26351</c:v>
+                </c:pt>
+              </c:numCache>
+            </c:numRef>
+          </c:val>
+          <c:smooth val="0"/>
+        </c:ser>
+        <c:ser>
+          <c:idx val="7"/>
+          <c:order val="7"/>
+          <c:tx>
+            <c:strRef>
+              <c:f>Sheet1!$A$109</c:f>
+              <c:strCache>
+                <c:ptCount val="1"/>
+                <c:pt idx="0">
+                  <c:v>Local 134217728</c:v>
+                </c:pt>
+              </c:strCache>
+            </c:strRef>
+          </c:tx>
+          <c:cat>
+            <c:numRef>
+              <c:f>Sheet1!$B$91:$I$91</c:f>
+              <c:numCache>
+                <c:formatCode>General</c:formatCode>
+                <c:ptCount val="8"/>
+                <c:pt idx="0">
+                  <c:v>1</c:v>
+                </c:pt>
+                <c:pt idx="1">
+                  <c:v>2</c:v>
+                </c:pt>
+                <c:pt idx="2">
+                  <c:v>4</c:v>
+                </c:pt>
+                <c:pt idx="3">
+                  <c:v>8</c:v>
+                </c:pt>
+                <c:pt idx="4">
+                  <c:v>16</c:v>
+                </c:pt>
+                <c:pt idx="5">
+                  <c:v>32</c:v>
+                </c:pt>
+                <c:pt idx="6">
+                  <c:v>64</c:v>
+                </c:pt>
+                <c:pt idx="7">
+                  <c:v>128</c:v>
+                </c:pt>
+              </c:numCache>
+            </c:numRef>
+          </c:cat>
+          <c:val>
+            <c:numRef>
+              <c:f>Sheet1!$B$109:$I$109</c:f>
+              <c:numCache>
+                <c:formatCode>_(* #,##0.00_);_(* \(#,##0.00\);_(* "-"??_);_(@_)</c:formatCode>
+                <c:ptCount val="8"/>
+                <c:pt idx="0">
+                  <c:v>21364</c:v>
+                </c:pt>
+                <c:pt idx="1">
+                  <c:v>17943</c:v>
+                </c:pt>
+                <c:pt idx="2">
+                  <c:v>59351</c:v>
+                </c:pt>
+                <c:pt idx="3">
+                  <c:v>80595</c:v>
+                </c:pt>
+                <c:pt idx="4">
+                  <c:v>93777</c:v>
+                </c:pt>
+                <c:pt idx="5">
+                  <c:v>109158</c:v>
+                </c:pt>
+                <c:pt idx="6">
+                  <c:v>71404</c:v>
+                </c:pt>
+                <c:pt idx="7">
+                  <c:v>42142</c:v>
+                </c:pt>
+              </c:numCache>
+            </c:numRef>
+          </c:val>
+          <c:smooth val="0"/>
+        </c:ser>
+        <c:ser>
+          <c:idx val="8"/>
+          <c:order val="8"/>
+          <c:tx>
+            <c:strRef>
+              <c:f>Sheet1!$A$110</c:f>
+              <c:strCache>
+                <c:ptCount val="1"/>
+                <c:pt idx="0">
+                  <c:v>Cube 134217728</c:v>
+                </c:pt>
+              </c:strCache>
+            </c:strRef>
+          </c:tx>
+          <c:cat>
+            <c:numRef>
+              <c:f>Sheet1!$B$91:$I$91</c:f>
+              <c:numCache>
+                <c:formatCode>General</c:formatCode>
+                <c:ptCount val="8"/>
+                <c:pt idx="0">
+                  <c:v>1</c:v>
+                </c:pt>
+                <c:pt idx="1">
+                  <c:v>2</c:v>
+                </c:pt>
+                <c:pt idx="2">
+                  <c:v>4</c:v>
+                </c:pt>
+                <c:pt idx="3">
+                  <c:v>8</c:v>
+                </c:pt>
+                <c:pt idx="4">
+                  <c:v>16</c:v>
+                </c:pt>
+                <c:pt idx="5">
+                  <c:v>32</c:v>
+                </c:pt>
+                <c:pt idx="6">
+                  <c:v>64</c:v>
+                </c:pt>
+                <c:pt idx="7">
+                  <c:v>128</c:v>
+                </c:pt>
+              </c:numCache>
+            </c:numRef>
+          </c:cat>
+          <c:val>
+            <c:numRef>
+              <c:f>Sheet1!$B$110:$I$110</c:f>
+              <c:numCache>
+                <c:formatCode>_(* #,##0.00_);_(* \(#,##0.00\);_(* "-"??_);_(@_)</c:formatCode>
+                <c:ptCount val="8"/>
+                <c:pt idx="0">
+                  <c:v>15380</c:v>
+                </c:pt>
+                <c:pt idx="1">
+                  <c:v>7759</c:v>
+                </c:pt>
+                <c:pt idx="2">
+                  <c:v>11644</c:v>
+                </c:pt>
+                <c:pt idx="3">
+                  <c:v>16313</c:v>
+                </c:pt>
+                <c:pt idx="4">
+                  <c:v>20051</c:v>
+                </c:pt>
+                <c:pt idx="5">
+                  <c:v>15379</c:v>
+                </c:pt>
+                <c:pt idx="6">
+                  <c:v>13292</c:v>
+                </c:pt>
+                <c:pt idx="7">
+                  <c:v>11875</c:v>
+                </c:pt>
+              </c:numCache>
+            </c:numRef>
+          </c:val>
+          <c:smooth val="0"/>
+        </c:ser>
+        <c:dLbls>
+          <c:showLegendKey val="0"/>
+          <c:showVal val="0"/>
+          <c:showCatName val="0"/>
+          <c:showSerName val="0"/>
+          <c:showPercent val="0"/>
+          <c:showBubbleSize val="0"/>
+        </c:dLbls>
+        <c:marker val="1"/>
+        <c:smooth val="0"/>
+        <c:axId val="83765888"/>
+        <c:axId val="84281600"/>
+      </c:lineChart>
+      <c:catAx>
+        <c:axId val="83765888"/>
+        <c:scaling>
+          <c:orientation val="minMax"/>
+        </c:scaling>
+        <c:delete val="0"/>
+        <c:axPos val="b"/>
+        <c:title>
+          <c:tx>
+            <c:rich>
+              <a:bodyPr/>
+              <a:lstStyle/>
+              <a:p>
+                <a:pPr>
+                  <a:defRPr/>
+                </a:pPr>
+                <a:r>
+                  <a:rPr lang="en-US"/>
+                  <a:t>Number of threads</a:t>
+                </a:r>
+              </a:p>
+            </c:rich>
+          </c:tx>
+          <c:layout/>
+          <c:overlay val="0"/>
+        </c:title>
+        <c:numFmt formatCode="General" sourceLinked="1"/>
+        <c:majorTickMark val="out"/>
+        <c:minorTickMark val="none"/>
+        <c:tickLblPos val="nextTo"/>
+        <c:crossAx val="84281600"/>
+        <c:crosses val="autoZero"/>
+        <c:auto val="1"/>
+        <c:lblAlgn val="ctr"/>
+        <c:lblOffset val="100"/>
+        <c:noMultiLvlLbl val="0"/>
+      </c:catAx>
+      <c:valAx>
+        <c:axId val="84281600"/>
+        <c:scaling>
+          <c:orientation val="minMax"/>
+        </c:scaling>
+        <c:delete val="0"/>
+        <c:axPos val="l"/>
+        <c:majorGridlines/>
+        <c:title>
+          <c:tx>
+            <c:rich>
+              <a:bodyPr rot="-5400000" vert="horz"/>
+              <a:lstStyle/>
+              <a:p>
+                <a:pPr>
+                  <a:defRPr/>
+                </a:pPr>
+                <a:r>
+                  <a:rPr lang="en-US"/>
+                  <a:t>Iterations per second</a:t>
+                </a:r>
+              </a:p>
+            </c:rich>
+          </c:tx>
+          <c:layout/>
+          <c:overlay val="0"/>
+        </c:title>
+        <c:numFmt formatCode="_(* #,##0.00_);_(* \(#,##0.00\);_(* &quot;-&quot;??_);_(@_)" sourceLinked="1"/>
+        <c:majorTickMark val="out"/>
+        <c:minorTickMark val="none"/>
+        <c:tickLblPos val="nextTo"/>
+        <c:crossAx val="83765888"/>
+        <c:crosses val="autoZero"/>
+        <c:crossBetween val="between"/>
+      </c:valAx>
+    </c:plotArea>
+    <c:legend>
+      <c:legendPos val="r"/>
+      <c:layout/>
+      <c:overlay val="0"/>
+    </c:legend>
+    <c:plotVisOnly val="1"/>
+    <c:dispBlanksAs val="gap"/>
+    <c:showDLblsOverMax val="0"/>
+  </c:chart>
+  <c:externalData r:id="rId1">
+    <c:autoUpdate val="0"/>
+  </c:externalData>
+</c:chartSpace>
+</file>
+
+<file path=ppt/charts/chart3.xml><?xml version="1.0" encoding="utf-8"?>
+<c:chartSpace xmlns:c="http://schemas.openxmlformats.org/drawingml/2006/chart" xmlns:a="http://schemas.openxmlformats.org/drawingml/2006/main" xmlns:r="http://schemas.openxmlformats.org/officeDocument/2006/relationships">
+  <c:date1904 val="0"/>
+  <c:lang val="en-IE"/>
+  <c:roundedCorners val="0"/>
+  <mc:AlternateContent xmlns:mc="http://schemas.openxmlformats.org/markup-compatibility/2006">
+    <mc:Choice xmlns:c14="http://schemas.microsoft.com/office/drawing/2007/8/2/chart" Requires="c14">
+      <c14:style val="102"/>
+    </mc:Choice>
+    <mc:Fallback>
+      <c:style val="2"/>
+    </mc:Fallback>
+  </mc:AlternateContent>
+  <c:chart>
+    <c:title>
+      <c:tx>
+        <c:rich>
+          <a:bodyPr/>
+          <a:lstStyle/>
+          <a:p>
+            <a:pPr>
+              <a:defRPr/>
+            </a:pPr>
+            <a:r>
+              <a:rPr lang="en-US" dirty="0" smtClean="0"/>
+              <a:t>Single Linked Buffer Stoker </a:t>
+            </a:r>
+            <a:r>
+              <a:rPr lang="en-US" dirty="0"/>
+              <a:t>TAS &amp; TTAS</a:t>
+            </a:r>
+            <a:r>
+              <a:rPr lang="en-US" baseline="0" dirty="0"/>
+              <a:t> Lock</a:t>
+            </a:r>
+            <a:endParaRPr lang="en-US" dirty="0"/>
+          </a:p>
+        </c:rich>
+      </c:tx>
+      <c:layout/>
+      <c:overlay val="0"/>
+    </c:title>
+    <c:autoTitleDeleted val="0"/>
+    <c:plotArea>
+      <c:layout/>
+      <c:lineChart>
+        <c:grouping val="standard"/>
+        <c:varyColors val="0"/>
+        <c:ser>
+          <c:idx val="1"/>
+          <c:order val="0"/>
+          <c:tx>
+            <c:strRef>
+              <c:f>Sheet1!$A$15</c:f>
+              <c:strCache>
+                <c:ptCount val="1"/>
+                <c:pt idx="0">
+                  <c:v>32 Core Intel Xeon CPU E7-4820 @ 2.00GHz (A) TAS</c:v>
+                </c:pt>
+              </c:strCache>
+            </c:strRef>
+          </c:tx>
+          <c:val>
+            <c:numRef>
+              <c:f>Sheet1!$B$15:$I$15</c:f>
+              <c:numCache>
+                <c:formatCode>_(* #,##0.00_);_(* \(#,##0.00\);_(* "-"??_);_(@_)</c:formatCode>
+                <c:ptCount val="8"/>
+                <c:pt idx="0">
+                  <c:v>2693284</c:v>
+                </c:pt>
+                <c:pt idx="1">
+                  <c:v>4090659</c:v>
+                </c:pt>
+                <c:pt idx="2">
+                  <c:v>8003021</c:v>
+                </c:pt>
+                <c:pt idx="3">
+                  <c:v>8213234</c:v>
+                </c:pt>
+                <c:pt idx="4">
+                  <c:v>3974885</c:v>
+                </c:pt>
+                <c:pt idx="5">
+                  <c:v>4104354</c:v>
+                </c:pt>
+                <c:pt idx="6">
+                  <c:v>4128211</c:v>
+                </c:pt>
+                <c:pt idx="7">
+                  <c:v>2854521</c:v>
+                </c:pt>
+              </c:numCache>
+            </c:numRef>
+          </c:val>
+          <c:smooth val="0"/>
+        </c:ser>
+        <c:ser>
+          <c:idx val="0"/>
+          <c:order val="1"/>
+          <c:tx>
+            <c:strRef>
+              <c:f>Sheet1!$A$16</c:f>
+              <c:strCache>
+                <c:ptCount val="1"/>
+                <c:pt idx="0">
+                  <c:v>32 Core Intel Xeon CPU E7-4820 @ 2.00GHz (A) TAS No Pause</c:v>
+                </c:pt>
+              </c:strCache>
+            </c:strRef>
+          </c:tx>
+          <c:val>
+            <c:numRef>
+              <c:f>Sheet1!$B$16:$I$16</c:f>
+              <c:numCache>
+                <c:formatCode>_(* #,##0.00_);_(* \(#,##0.00\);_(* "-"??_);_(@_)</c:formatCode>
+                <c:ptCount val="8"/>
+                <c:pt idx="0">
+                  <c:v>3376347</c:v>
+                </c:pt>
+                <c:pt idx="1">
+                  <c:v>5828774</c:v>
+                </c:pt>
+                <c:pt idx="2">
+                  <c:v>545138</c:v>
+                </c:pt>
+                <c:pt idx="3">
+                  <c:v>243309</c:v>
+                </c:pt>
+                <c:pt idx="4">
+                  <c:v>143229</c:v>
+                </c:pt>
+                <c:pt idx="5">
+                  <c:v>74350</c:v>
+                </c:pt>
+                <c:pt idx="6">
+                  <c:v>64753</c:v>
+                </c:pt>
+                <c:pt idx="7">
+                  <c:v>35340</c:v>
+                </c:pt>
+              </c:numCache>
+            </c:numRef>
+          </c:val>
+          <c:smooth val="0"/>
+        </c:ser>
+        <c:ser>
+          <c:idx val="2"/>
+          <c:order val="2"/>
+          <c:tx>
+            <c:strRef>
+              <c:f>Sheet1!$A$17</c:f>
+              <c:strCache>
+                <c:ptCount val="1"/>
+                <c:pt idx="0">
+                  <c:v>32 Core Intel Xeon CPU E7-4820 @ 2.00GHz (A) TTAS No Pause</c:v>
+                </c:pt>
+              </c:strCache>
+            </c:strRef>
+          </c:tx>
+          <c:val>
+            <c:numRef>
+              <c:f>Sheet1!$B$17:$I$17</c:f>
+              <c:numCache>
+                <c:formatCode>_(* #,##0.00_);_(* \(#,##0.00\);_(* "-"??_);_(@_)</c:formatCode>
+                <c:ptCount val="8"/>
+                <c:pt idx="0">
+                  <c:v>3572599</c:v>
+                </c:pt>
+                <c:pt idx="1">
+                  <c:v>5475654</c:v>
+                </c:pt>
+                <c:pt idx="2">
+                  <c:v>649864</c:v>
+                </c:pt>
+                <c:pt idx="3">
+                  <c:v>609197</c:v>
+                </c:pt>
+                <c:pt idx="4">
+                  <c:v>386728</c:v>
+                </c:pt>
+                <c:pt idx="5">
+                  <c:v>386132</c:v>
+                </c:pt>
+                <c:pt idx="6">
+                  <c:v>462506</c:v>
+                </c:pt>
+                <c:pt idx="7">
+                  <c:v>435036</c:v>
+                </c:pt>
+              </c:numCache>
+            </c:numRef>
+          </c:val>
+          <c:smooth val="0"/>
+        </c:ser>
+        <c:ser>
+          <c:idx val="3"/>
+          <c:order val="3"/>
+          <c:tx>
+            <c:strRef>
+              <c:f>Sheet1!$A$18</c:f>
+              <c:strCache>
+                <c:ptCount val="1"/>
+                <c:pt idx="0">
+                  <c:v>32 Core Intel Xeon CPU E7-4820 @ 2.00GHz (A) TTAS</c:v>
+                </c:pt>
+              </c:strCache>
+            </c:strRef>
+          </c:tx>
+          <c:val>
+            <c:numRef>
+              <c:f>Sheet1!$B$18:$I$18</c:f>
+              <c:numCache>
+                <c:formatCode>_(* #,##0.00_);_(* \(#,##0.00\);_(* "-"??_);_(@_)</c:formatCode>
+                <c:ptCount val="8"/>
+                <c:pt idx="0">
+                  <c:v>2671790</c:v>
+                </c:pt>
+                <c:pt idx="1">
+                  <c:v>3235749</c:v>
+                </c:pt>
+                <c:pt idx="2">
+                  <c:v>3212408</c:v>
+                </c:pt>
+                <c:pt idx="3">
+                  <c:v>3113570</c:v>
+                </c:pt>
+                <c:pt idx="4">
+                  <c:v>3255566</c:v>
+                </c:pt>
+                <c:pt idx="5">
+                  <c:v>3245981</c:v>
+                </c:pt>
+                <c:pt idx="6">
+                  <c:v>5981039</c:v>
+                </c:pt>
+                <c:pt idx="7">
+                  <c:v>3266572</c:v>
+                </c:pt>
+              </c:numCache>
+            </c:numRef>
+          </c:val>
+          <c:smooth val="0"/>
+        </c:ser>
+        <c:ser>
+          <c:idx val="4"/>
+          <c:order val="4"/>
+          <c:tx>
+            <c:strRef>
+              <c:f>Sheet1!$A$19</c:f>
+              <c:strCache>
+                <c:ptCount val="1"/>
+                <c:pt idx="0">
+                  <c:v>32 Core Intel Xeon CPU E7-4820 @ 2.00GHz (A) TTAS_RELAX</c:v>
+                </c:pt>
+              </c:strCache>
+            </c:strRef>
+          </c:tx>
+          <c:val>
+            <c:numRef>
+              <c:f>Sheet1!$B$19:$I$19</c:f>
+              <c:numCache>
+                <c:formatCode>_(* #,##0.00_);_(* \(#,##0.00\);_(* "-"??_);_(@_)</c:formatCode>
+                <c:ptCount val="8"/>
+                <c:pt idx="0">
+                  <c:v>2795023</c:v>
+                </c:pt>
+                <c:pt idx="1">
+                  <c:v>2024175</c:v>
+                </c:pt>
+                <c:pt idx="2">
+                  <c:v>277753</c:v>
+                </c:pt>
+                <c:pt idx="3">
+                  <c:v>249662</c:v>
+                </c:pt>
+                <c:pt idx="4">
+                  <c:v>218531</c:v>
+                </c:pt>
+                <c:pt idx="5">
+                  <c:v>150643</c:v>
+                </c:pt>
+                <c:pt idx="6">
+                  <c:v>354367</c:v>
+                </c:pt>
+                <c:pt idx="7">
+                  <c:v>262502</c:v>
+                </c:pt>
+              </c:numCache>
+            </c:numRef>
+          </c:val>
+          <c:smooth val="0"/>
+        </c:ser>
+        <c:ser>
+          <c:idx val="5"/>
+          <c:order val="5"/>
+          <c:tx>
+            <c:strRef>
+              <c:f>Sheet1!$A$22</c:f>
+              <c:strCache>
+                <c:ptCount val="1"/>
+                <c:pt idx="0">
+                  <c:v>32 Core Intel Xeon CPU E7-4820 @ 2.00GHz (A) TAS_RELAX</c:v>
+                </c:pt>
+              </c:strCache>
+            </c:strRef>
+          </c:tx>
+          <c:val>
+            <c:numRef>
+              <c:f>Sheet1!$B$22:$I$22</c:f>
+              <c:numCache>
+                <c:formatCode>_(* #,##0.00_);_(* \(#,##0.00\);_(* "-"??_);_(@_)</c:formatCode>
+                <c:ptCount val="8"/>
+                <c:pt idx="0">
+                  <c:v>3787767</c:v>
+                </c:pt>
+                <c:pt idx="1">
+                  <c:v>5576289</c:v>
+                </c:pt>
+                <c:pt idx="2">
+                  <c:v>384809</c:v>
+                </c:pt>
+                <c:pt idx="3">
+                  <c:v>262593</c:v>
+                </c:pt>
+                <c:pt idx="4">
+                  <c:v>118683</c:v>
+                </c:pt>
+                <c:pt idx="5">
+                  <c:v>60922</c:v>
+                </c:pt>
+                <c:pt idx="6">
+                  <c:v>57235</c:v>
+                </c:pt>
+                <c:pt idx="7">
+                  <c:v>33330</c:v>
+                </c:pt>
+              </c:numCache>
+            </c:numRef>
+          </c:val>
+          <c:smooth val="0"/>
+        </c:ser>
+        <c:dLbls>
+          <c:showLegendKey val="0"/>
+          <c:showVal val="0"/>
+          <c:showCatName val="0"/>
+          <c:showSerName val="0"/>
+          <c:showPercent val="0"/>
+          <c:showBubbleSize val="0"/>
+        </c:dLbls>
+        <c:marker val="1"/>
+        <c:smooth val="0"/>
+        <c:axId val="71946624"/>
+        <c:axId val="71949696"/>
+      </c:lineChart>
+      <c:catAx>
+        <c:axId val="71946624"/>
+        <c:scaling>
+          <c:orientation val="minMax"/>
+        </c:scaling>
+        <c:delete val="0"/>
+        <c:axPos val="b"/>
+        <c:title>
+          <c:tx>
+            <c:rich>
+              <a:bodyPr/>
+              <a:lstStyle/>
+              <a:p>
+                <a:pPr>
+                  <a:defRPr/>
+                </a:pPr>
+                <a:r>
+                  <a:rPr lang="en-US"/>
+                  <a:t>Number of threads</a:t>
+                </a:r>
+              </a:p>
+            </c:rich>
+          </c:tx>
+          <c:layout/>
+          <c:overlay val="0"/>
+        </c:title>
+        <c:numFmt formatCode="General" sourceLinked="1"/>
+        <c:majorTickMark val="out"/>
+        <c:minorTickMark val="none"/>
+        <c:tickLblPos val="nextTo"/>
+        <c:crossAx val="71949696"/>
+        <c:crosses val="autoZero"/>
+        <c:auto val="1"/>
+        <c:lblAlgn val="ctr"/>
+        <c:lblOffset val="100"/>
+        <c:noMultiLvlLbl val="0"/>
+      </c:catAx>
+      <c:valAx>
+        <c:axId val="71949696"/>
+        <c:scaling>
+          <c:orientation val="minMax"/>
+        </c:scaling>
+        <c:delete val="0"/>
+        <c:axPos val="l"/>
+        <c:majorGridlines/>
+        <c:title>
+          <c:tx>
+            <c:rich>
+              <a:bodyPr rot="-5400000" vert="horz"/>
+              <a:lstStyle/>
+              <a:p>
+                <a:pPr>
+                  <a:defRPr/>
+                </a:pPr>
+                <a:r>
+                  <a:rPr lang="en-US"/>
+                  <a:t>Iterations per second</a:t>
+                </a:r>
+              </a:p>
+            </c:rich>
+          </c:tx>
+          <c:layout/>
+          <c:overlay val="0"/>
+        </c:title>
+        <c:numFmt formatCode="_(* #,##0.00_);_(* \(#,##0.00\);_(* &quot;-&quot;??_);_(@_)" sourceLinked="1"/>
+        <c:majorTickMark val="out"/>
+        <c:minorTickMark val="none"/>
+        <c:tickLblPos val="nextTo"/>
+        <c:crossAx val="71946624"/>
+        <c:crosses val="autoZero"/>
+        <c:crossBetween val="between"/>
+      </c:valAx>
+    </c:plotArea>
+    <c:legend>
+      <c:legendPos val="r"/>
+      <c:layout/>
+      <c:overlay val="0"/>
+    </c:legend>
+    <c:plotVisOnly val="1"/>
+    <c:dispBlanksAs val="gap"/>
+    <c:showDLblsOverMax val="0"/>
+  </c:chart>
+  <c:externalData r:id="rId1">
+    <c:autoUpdate val="0"/>
+  </c:externalData>
+</c:chartSpace>
+</file>
+
+<file path=ppt/charts/chart4.xml><?xml version="1.0" encoding="utf-8"?>
+<c:chartSpace xmlns:c="http://schemas.openxmlformats.org/drawingml/2006/chart" xmlns:a="http://schemas.openxmlformats.org/drawingml/2006/main" xmlns:r="http://schemas.openxmlformats.org/officeDocument/2006/relationships">
+  <c:date1904 val="0"/>
+  <c:lang val="en-IE"/>
+  <c:roundedCorners val="0"/>
+  <mc:AlternateContent xmlns:mc="http://schemas.openxmlformats.org/markup-compatibility/2006">
+    <mc:Choice xmlns:c14="http://schemas.microsoft.com/office/drawing/2007/8/2/chart" Requires="c14">
+      <c14:style val="102"/>
+    </mc:Choice>
+    <mc:Fallback>
+      <c:style val="2"/>
+    </mc:Fallback>
+  </mc:AlternateContent>
+  <c:chart>
+    <c:title>
+      <c:tx>
+        <c:rich>
+          <a:bodyPr/>
+          <a:lstStyle/>
+          <a:p>
+            <a:pPr>
+              <a:defRPr/>
+            </a:pPr>
+            <a:r>
+              <a:rPr lang="en-US" dirty="0" smtClean="0"/>
+              <a:t>Single Linked Buffer Stoker All </a:t>
+            </a:r>
+            <a:r>
+              <a:rPr lang="en-US" dirty="0"/>
+              <a:t>CAS</a:t>
+            </a:r>
+          </a:p>
+        </c:rich>
+      </c:tx>
+      <c:layout/>
+      <c:overlay val="0"/>
+    </c:title>
+    <c:autoTitleDeleted val="0"/>
+    <c:plotArea>
+      <c:layout/>
+      <c:lineChart>
+        <c:grouping val="standard"/>
+        <c:varyColors val="0"/>
+        <c:ser>
+          <c:idx val="1"/>
+          <c:order val="0"/>
+          <c:tx>
+            <c:strRef>
+              <c:f>Sheet1!$A$12</c:f>
+              <c:strCache>
+                <c:ptCount val="1"/>
+                <c:pt idx="0">
+                  <c:v>32 Core Intel Xeon CPU E7-4820 @ 2.00GHz (A) CAS lock</c:v>
+                </c:pt>
+              </c:strCache>
+            </c:strRef>
+          </c:tx>
+          <c:val>
+            <c:numRef>
+              <c:f>Sheet1!$B$12:$I$12</c:f>
+              <c:numCache>
+                <c:formatCode>_(* #,##0.00_);_(* \(#,##0.00\);_(* "-"??_);_(@_)</c:formatCode>
+                <c:ptCount val="8"/>
+                <c:pt idx="0">
+                  <c:v>2534484</c:v>
+                </c:pt>
+                <c:pt idx="1">
+                  <c:v>3036616</c:v>
+                </c:pt>
+                <c:pt idx="2">
+                  <c:v>3013501</c:v>
+                </c:pt>
+                <c:pt idx="3">
+                  <c:v>5034945</c:v>
+                </c:pt>
+                <c:pt idx="4">
+                  <c:v>3178399</c:v>
+                </c:pt>
+                <c:pt idx="5">
+                  <c:v>3008498</c:v>
+                </c:pt>
+                <c:pt idx="6">
+                  <c:v>2505219</c:v>
+                </c:pt>
+                <c:pt idx="7">
+                  <c:v>2931459</c:v>
+                </c:pt>
+              </c:numCache>
+            </c:numRef>
+          </c:val>
+          <c:smooth val="0"/>
+        </c:ser>
+        <c:ser>
+          <c:idx val="0"/>
+          <c:order val="1"/>
+          <c:tx>
+            <c:strRef>
+              <c:f>Sheet1!$A$13</c:f>
+              <c:strCache>
+                <c:ptCount val="1"/>
+                <c:pt idx="0">
+                  <c:v>32 Core Intel Xeon CPU E7-4820 @ 2.00GHz (A) CAS lock No Delay</c:v>
+                </c:pt>
+              </c:strCache>
+            </c:strRef>
+          </c:tx>
+          <c:val>
+            <c:numRef>
+              <c:f>Sheet1!$B$13:$I$13</c:f>
+              <c:numCache>
+                <c:formatCode>_(* #,##0.00_);_(* \(#,##0.00\);_(* "-"??_);_(@_)</c:formatCode>
+                <c:ptCount val="8"/>
+                <c:pt idx="0">
+                  <c:v>3876267</c:v>
+                </c:pt>
+                <c:pt idx="1">
+                  <c:v>5269426</c:v>
+                </c:pt>
+                <c:pt idx="2">
+                  <c:v>5029597</c:v>
+                </c:pt>
+                <c:pt idx="3">
+                  <c:v>4095378</c:v>
+                </c:pt>
+                <c:pt idx="4">
+                  <c:v>744178</c:v>
+                </c:pt>
+                <c:pt idx="5">
+                  <c:v>293748</c:v>
+                </c:pt>
+                <c:pt idx="6">
+                  <c:v>321689</c:v>
+                </c:pt>
+                <c:pt idx="7">
+                  <c:v>485116</c:v>
+                </c:pt>
+              </c:numCache>
+            </c:numRef>
+          </c:val>
+          <c:smooth val="0"/>
+        </c:ser>
+        <c:ser>
+          <c:idx val="2"/>
+          <c:order val="2"/>
+          <c:tx>
+            <c:strRef>
+              <c:f>Sheet1!$A$20</c:f>
+              <c:strCache>
+                <c:ptCount val="1"/>
+                <c:pt idx="0">
+                  <c:v>32 Core Intel Xeon CPU E7-4820 @ 2.00GHz (A) CASLOCK_RELAX</c:v>
+                </c:pt>
+              </c:strCache>
+            </c:strRef>
+          </c:tx>
+          <c:val>
+            <c:numRef>
+              <c:f>Sheet1!$B$20:$I$20</c:f>
+              <c:numCache>
+                <c:formatCode>_(* #,##0.00_);_(* \(#,##0.00\);_(* "-"??_);_(@_)</c:formatCode>
+                <c:ptCount val="8"/>
+                <c:pt idx="0">
+                  <c:v>3719776</c:v>
+                </c:pt>
+                <c:pt idx="1">
+                  <c:v>5286160</c:v>
+                </c:pt>
+                <c:pt idx="2">
+                  <c:v>7088858</c:v>
+                </c:pt>
+                <c:pt idx="3">
+                  <c:v>3104034</c:v>
+                </c:pt>
+                <c:pt idx="4">
+                  <c:v>1207727</c:v>
+                </c:pt>
+                <c:pt idx="5">
+                  <c:v>579905</c:v>
+                </c:pt>
+                <c:pt idx="6">
+                  <c:v>503468</c:v>
+                </c:pt>
+                <c:pt idx="7">
+                  <c:v>433447</c:v>
+                </c:pt>
+              </c:numCache>
+            </c:numRef>
+          </c:val>
+          <c:smooth val="0"/>
+        </c:ser>
+        <c:dLbls>
+          <c:showLegendKey val="0"/>
+          <c:showVal val="0"/>
+          <c:showCatName val="0"/>
+          <c:showSerName val="0"/>
+          <c:showPercent val="0"/>
+          <c:showBubbleSize val="0"/>
+        </c:dLbls>
+        <c:marker val="1"/>
+        <c:smooth val="0"/>
+        <c:axId val="81826944"/>
+        <c:axId val="81828864"/>
+      </c:lineChart>
+      <c:catAx>
+        <c:axId val="81826944"/>
+        <c:scaling>
+          <c:orientation val="minMax"/>
+        </c:scaling>
+        <c:delete val="0"/>
+        <c:axPos val="b"/>
+        <c:title>
+          <c:tx>
+            <c:rich>
+              <a:bodyPr/>
+              <a:lstStyle/>
+              <a:p>
+                <a:pPr>
+                  <a:defRPr/>
+                </a:pPr>
+                <a:r>
+                  <a:rPr lang="en-US"/>
+                  <a:t>Number of threads</a:t>
+                </a:r>
+              </a:p>
+            </c:rich>
+          </c:tx>
+          <c:layout/>
+          <c:overlay val="0"/>
+        </c:title>
+        <c:numFmt formatCode="General" sourceLinked="1"/>
+        <c:majorTickMark val="out"/>
+        <c:minorTickMark val="none"/>
+        <c:tickLblPos val="nextTo"/>
+        <c:crossAx val="81828864"/>
+        <c:crosses val="autoZero"/>
+        <c:auto val="1"/>
+        <c:lblAlgn val="ctr"/>
+        <c:lblOffset val="100"/>
+        <c:noMultiLvlLbl val="0"/>
+      </c:catAx>
+      <c:valAx>
+        <c:axId val="81828864"/>
+        <c:scaling>
+          <c:orientation val="minMax"/>
+        </c:scaling>
+        <c:delete val="0"/>
+        <c:axPos val="l"/>
+        <c:majorGridlines/>
+        <c:title>
+          <c:tx>
+            <c:rich>
+              <a:bodyPr rot="-5400000" vert="horz"/>
+              <a:lstStyle/>
+              <a:p>
+                <a:pPr>
+                  <a:defRPr/>
+                </a:pPr>
+                <a:r>
+                  <a:rPr lang="en-US"/>
+                  <a:t>Iterations per second</a:t>
+                </a:r>
+              </a:p>
+            </c:rich>
+          </c:tx>
+          <c:layout/>
+          <c:overlay val="0"/>
+        </c:title>
+        <c:numFmt formatCode="_(* #,##0.00_);_(* \(#,##0.00\);_(* &quot;-&quot;??_);_(@_)" sourceLinked="1"/>
+        <c:majorTickMark val="out"/>
+        <c:minorTickMark val="none"/>
+        <c:tickLblPos val="nextTo"/>
+        <c:crossAx val="81826944"/>
+        <c:crosses val="autoZero"/>
+        <c:crossBetween val="between"/>
+      </c:valAx>
+    </c:plotArea>
+    <c:legend>
+      <c:legendPos val="r"/>
+      <c:layout/>
+      <c:overlay val="0"/>
+    </c:legend>
+    <c:plotVisOnly val="1"/>
+    <c:dispBlanksAs val="gap"/>
+    <c:showDLblsOverMax val="0"/>
+  </c:chart>
+  <c:externalData r:id="rId1">
+    <c:autoUpdate val="0"/>
+  </c:externalData>
+</c:chartSpace>
+</file>
+
+<file path=ppt/notesMasters/notesMaster1.xml><?xml version="1.0" encoding="utf-8"?>
+<p:notesMaster xmlns:a="http://schemas.openxmlformats.org/drawingml/2006/main" xmlns:r="http://schemas.openxmlformats.org/officeDocument/2006/relationships" xmlns:p="http://schemas.openxmlformats.org/presentationml/2006/main">
+  <p:cSld>
+    <p:bg>
+      <p:bgRef idx="1001">
+        <a:schemeClr val="bg1"/>
+      </p:bgRef>
+    </p:bg>
+    <p:spTree>
+      <p:nvGrpSpPr>
+        <p:cNvPr id="1" name=""/>
+        <p:cNvGrpSpPr/>
+        <p:nvPr/>
+      </p:nvGrpSpPr>
+      <p:grpSpPr>
+        <a:xfrm>
+          <a:off x="0" y="0"/>
+          <a:ext cx="0" cy="0"/>
+          <a:chOff x="0" y="0"/>
+          <a:chExt cx="0" cy="0"/>
+        </a:xfrm>
+      </p:grpSpPr>
+      <p:sp>
+        <p:nvSpPr>
+          <p:cNvPr id="2" name="Header Placeholder 1"/>
+          <p:cNvSpPr>
+            <a:spLocks noGrp="1"/>
+          </p:cNvSpPr>
+          <p:nvPr>
+            <p:ph type="hdr" sz="quarter"/>
+          </p:nvPr>
+        </p:nvSpPr>
+        <p:spPr>
+          <a:xfrm>
+            <a:off x="0" y="0"/>
+            <a:ext cx="2971800" cy="457200"/>
+          </a:xfrm>
+          <a:prstGeom prst="rect">
+            <a:avLst/>
+          </a:prstGeom>
+        </p:spPr>
+        <p:txBody>
+          <a:bodyPr vert="horz" lIns="91440" tIns="45720" rIns="91440" bIns="45720" rtlCol="0"/>
+          <a:lstStyle>
+            <a:lvl1pPr algn="l">
+              <a:defRPr sz="1200"/>
+            </a:lvl1pPr>
+          </a:lstStyle>
+          <a:p>
+            <a:endParaRPr lang="en-IE"/>
+          </a:p>
+        </p:txBody>
+      </p:sp>
+      <p:sp>
+        <p:nvSpPr>
+          <p:cNvPr id="3" name="Date Placeholder 2"/>
+          <p:cNvSpPr>
+            <a:spLocks noGrp="1"/>
+          </p:cNvSpPr>
+          <p:nvPr>
+            <p:ph type="dt" idx="1"/>
+          </p:nvPr>
+        </p:nvSpPr>
+        <p:spPr>
+          <a:xfrm>
+            <a:off x="3884613" y="0"/>
+            <a:ext cx="2971800" cy="457200"/>
+          </a:xfrm>
+          <a:prstGeom prst="rect">
+            <a:avLst/>
+          </a:prstGeom>
+        </p:spPr>
+        <p:txBody>
+          <a:bodyPr vert="horz" lIns="91440" tIns="45720" rIns="91440" bIns="45720" rtlCol="0"/>
+          <a:lstStyle>
+            <a:lvl1pPr algn="r">
+              <a:defRPr sz="1200"/>
+            </a:lvl1pPr>
+          </a:lstStyle>
+          <a:p>
+            <a:fld id="{BC8F7A16-14FD-4EB5-B1E6-1AFC570F7645}" type="datetimeFigureOut">
+              <a:rPr lang="en-IE" smtClean="0"/>
+              <a:t>27/03/2014</a:t>
+            </a:fld>
+            <a:endParaRPr lang="en-IE"/>
+          </a:p>
+        </p:txBody>
+      </p:sp>
+      <p:sp>
+        <p:nvSpPr>
+          <p:cNvPr id="4" name="Slide Image Placeholder 3"/>
+          <p:cNvSpPr>
+            <a:spLocks noGrp="1" noRot="1" noChangeAspect="1"/>
+          </p:cNvSpPr>
+          <p:nvPr>
+            <p:ph type="sldImg" idx="2"/>
+          </p:nvPr>
+        </p:nvSpPr>
+        <p:spPr>
+          <a:xfrm>
+            <a:off x="1143000" y="685800"/>
+            <a:ext cx="4572000" cy="3429000"/>
+          </a:xfrm>
+          <a:prstGeom prst="rect">
+            <a:avLst/>
+          </a:prstGeom>
+          <a:noFill/>
+          <a:ln w="12700">
+            <a:solidFill>
+              <a:prstClr val="black"/>
+            </a:solidFill>
+          </a:ln>
+        </p:spPr>
+        <p:txBody>
+          <a:bodyPr vert="horz" lIns="91440" tIns="45720" rIns="91440" bIns="45720" rtlCol="0" anchor="ctr"/>
+          <a:lstStyle/>
+          <a:p>
+            <a:endParaRPr lang="en-IE"/>
+          </a:p>
+        </p:txBody>
+      </p:sp>
+      <p:sp>
+        <p:nvSpPr>
+          <p:cNvPr id="5" name="Notes Placeholder 4"/>
+          <p:cNvSpPr>
+            <a:spLocks noGrp="1"/>
+          </p:cNvSpPr>
+          <p:nvPr>
+            <p:ph type="body" sz="quarter" idx="3"/>
+          </p:nvPr>
+        </p:nvSpPr>
+        <p:spPr>
+          <a:xfrm>
+            <a:off x="685800" y="4343400"/>
+            <a:ext cx="5486400" cy="4114800"/>
+          </a:xfrm>
+          <a:prstGeom prst="rect">
+            <a:avLst/>
+          </a:prstGeom>
+        </p:spPr>
+        <p:txBody>
+          <a:bodyPr vert="horz" lIns="91440" tIns="45720" rIns="91440" bIns="45720" rtlCol="0"/>
+          <a:lstStyle/>
+          <a:p>
+            <a:pPr lvl="0"/>
+            <a:r>
+              <a:rPr lang="en-US" smtClean="0"/>
+              <a:t>Click to edit Master text styles</a:t>
+            </a:r>
+          </a:p>
+          <a:p>
+            <a:pPr lvl="1"/>
+            <a:r>
+              <a:rPr lang="en-US" smtClean="0"/>
+              <a:t>Second level</a:t>
+            </a:r>
+          </a:p>
+          <a:p>
+            <a:pPr lvl="2"/>
+            <a:r>
+              <a:rPr lang="en-US" smtClean="0"/>
+              <a:t>Third level</a:t>
+            </a:r>
+          </a:p>
+          <a:p>
+            <a:pPr lvl="3"/>
+            <a:r>
+              <a:rPr lang="en-US" smtClean="0"/>
+              <a:t>Fourth level</a:t>
+            </a:r>
+          </a:p>
+          <a:p>
+            <a:pPr lvl="4"/>
+            <a:r>
+              <a:rPr lang="en-US" smtClean="0"/>
+              <a:t>Fifth level</a:t>
+            </a:r>
+            <a:endParaRPr lang="en-IE"/>
+          </a:p>
+        </p:txBody>
+      </p:sp>
+      <p:sp>
+        <p:nvSpPr>
+          <p:cNvPr id="6" name="Footer Placeholder 5"/>
+          <p:cNvSpPr>
+            <a:spLocks noGrp="1"/>
+          </p:cNvSpPr>
+          <p:nvPr>
+            <p:ph type="ftr" sz="quarter" idx="4"/>
+          </p:nvPr>
+        </p:nvSpPr>
+        <p:spPr>
+          <a:xfrm>
+            <a:off x="0" y="8685213"/>
+            <a:ext cx="2971800" cy="457200"/>
+          </a:xfrm>
+          <a:prstGeom prst="rect">
+            <a:avLst/>
+          </a:prstGeom>
+        </p:spPr>
+        <p:txBody>
+          <a:bodyPr vert="horz" lIns="91440" tIns="45720" rIns="91440" bIns="45720" rtlCol="0" anchor="b"/>
+          <a:lstStyle>
+            <a:lvl1pPr algn="l">
+              <a:defRPr sz="1200"/>
+            </a:lvl1pPr>
+          </a:lstStyle>
+          <a:p>
+            <a:endParaRPr lang="en-IE"/>
+          </a:p>
+        </p:txBody>
+      </p:sp>
+      <p:sp>
+        <p:nvSpPr>
+          <p:cNvPr id="7" name="Slide Number Placeholder 6"/>
+          <p:cNvSpPr>
+            <a:spLocks noGrp="1"/>
+          </p:cNvSpPr>
+          <p:nvPr>
+            <p:ph type="sldNum" sz="quarter" idx="5"/>
+          </p:nvPr>
+        </p:nvSpPr>
+        <p:spPr>
+          <a:xfrm>
+            <a:off x="3884613" y="8685213"/>
+            <a:ext cx="2971800" cy="457200"/>
+          </a:xfrm>
+          <a:prstGeom prst="rect">
+            <a:avLst/>
+          </a:prstGeom>
+        </p:spPr>
+        <p:txBody>
+          <a:bodyPr vert="horz" lIns="91440" tIns="45720" rIns="91440" bIns="45720" rtlCol="0" anchor="b"/>
+          <a:lstStyle>
+            <a:lvl1pPr algn="r">
+              <a:defRPr sz="1200"/>
+            </a:lvl1pPr>
+          </a:lstStyle>
+          <a:p>
+            <a:fld id="{D42002D5-AFB6-45A7-9C98-D628785C3F80}" type="slidenum">
+              <a:rPr lang="en-IE" smtClean="0"/>
+              <a:t>‹#›</a:t>
+            </a:fld>
+            <a:endParaRPr lang="en-IE"/>
+          </a:p>
+        </p:txBody>
+      </p:sp>
+    </p:spTree>
+    <p:extLst>
+      <p:ext uri="{BB962C8B-B14F-4D97-AF65-F5344CB8AC3E}">
+        <p14:creationId xmlns:p14="http://schemas.microsoft.com/office/powerpoint/2010/main" val="2336650102"/>
+      </p:ext>
+    </p:extLst>
+  </p:cSld>
+  <p:clrMap bg1="lt1" tx1="dk1" bg2="lt2" tx2="dk2" accent1="accent1" accent2="accent2" accent3="accent3" accent4="accent4" accent5="accent5" accent6="accent6" hlink="hlink" folHlink="folHlink"/>
+  <p:notesStyle>
+    <a:lvl1pPr marL="0" algn="l" defTabSz="914400" rtl="0" eaLnBrk="1" latinLnBrk="0" hangingPunct="1">
+      <a:defRPr sz="1200" kern="1200">
+        <a:solidFill>
+          <a:schemeClr val="tx1"/>
+        </a:solidFill>
+        <a:latin typeface="+mn-lt"/>
+        <a:ea typeface="+mn-ea"/>
+        <a:cs typeface="+mn-cs"/>
+      </a:defRPr>
+    </a:lvl1pPr>
+    <a:lvl2pPr marL="457200" algn="l" defTabSz="914400" rtl="0" eaLnBrk="1" latinLnBrk="0" hangingPunct="1">
+      <a:defRPr sz="1200" kern="1200">
+        <a:solidFill>
+          <a:schemeClr val="tx1"/>
+        </a:solidFill>
+        <a:latin typeface="+mn-lt"/>
+        <a:ea typeface="+mn-ea"/>
+        <a:cs typeface="+mn-cs"/>
+      </a:defRPr>
+    </a:lvl2pPr>
+    <a:lvl3pPr marL="914400" algn="l" defTabSz="914400" rtl="0" eaLnBrk="1" latinLnBrk="0" hangingPunct="1">
+      <a:defRPr sz="1200" kern="1200">
+        <a:solidFill>
+          <a:schemeClr val="tx1"/>
+        </a:solidFill>
+        <a:latin typeface="+mn-lt"/>
+        <a:ea typeface="+mn-ea"/>
+        <a:cs typeface="+mn-cs"/>
+      </a:defRPr>
+    </a:lvl3pPr>
+    <a:lvl4pPr marL="1371600" algn="l" defTabSz="914400" rtl="0" eaLnBrk="1" latinLnBrk="0" hangingPunct="1">
+      <a:defRPr sz="1200" kern="1200">
+        <a:solidFill>
+          <a:schemeClr val="tx1"/>
+        </a:solidFill>
+        <a:latin typeface="+mn-lt"/>
+        <a:ea typeface="+mn-ea"/>
+        <a:cs typeface="+mn-cs"/>
+      </a:defRPr>
+    </a:lvl4pPr>
+    <a:lvl5pPr marL="1828800" algn="l" defTabSz="914400" rtl="0" eaLnBrk="1" latinLnBrk="0" hangingPunct="1">
+      <a:defRPr sz="1200" kern="1200">
+        <a:solidFill>
+          <a:schemeClr val="tx1"/>
+        </a:solidFill>
+        <a:latin typeface="+mn-lt"/>
+        <a:ea typeface="+mn-ea"/>
+        <a:cs typeface="+mn-cs"/>
+      </a:defRPr>
+    </a:lvl5pPr>
+    <a:lvl6pPr marL="2286000" algn="l" defTabSz="914400" rtl="0" eaLnBrk="1" latinLnBrk="0" hangingPunct="1">
+      <a:defRPr sz="1200" kern="1200">
+        <a:solidFill>
+          <a:schemeClr val="tx1"/>
+        </a:solidFill>
+        <a:latin typeface="+mn-lt"/>
+        <a:ea typeface="+mn-ea"/>
+        <a:cs typeface="+mn-cs"/>
+      </a:defRPr>
+    </a:lvl6pPr>
+    <a:lvl7pPr marL="2743200" algn="l" defTabSz="914400" rtl="0" eaLnBrk="1" latinLnBrk="0" hangingPunct="1">
+      <a:defRPr sz="1200" kern="1200">
+        <a:solidFill>
+          <a:schemeClr val="tx1"/>
+        </a:solidFill>
+        <a:latin typeface="+mn-lt"/>
+        <a:ea typeface="+mn-ea"/>
+        <a:cs typeface="+mn-cs"/>
+      </a:defRPr>
+    </a:lvl7pPr>
+    <a:lvl8pPr marL="3200400" algn="l" defTabSz="914400" rtl="0" eaLnBrk="1" latinLnBrk="0" hangingPunct="1">
+      <a:defRPr sz="1200" kern="1200">
+        <a:solidFill>
+          <a:schemeClr val="tx1"/>
+        </a:solidFill>
+        <a:latin typeface="+mn-lt"/>
+        <a:ea typeface="+mn-ea"/>
+        <a:cs typeface="+mn-cs"/>
+      </a:defRPr>
+    </a:lvl8pPr>
+    <a:lvl9pPr marL="3657600" algn="l" defTabSz="914400" rtl="0" eaLnBrk="1" latinLnBrk="0" hangingPunct="1">
+      <a:defRPr sz="1200" kern="1200">
+        <a:solidFill>
+          <a:schemeClr val="tx1"/>
+        </a:solidFill>
+        <a:latin typeface="+mn-lt"/>
+        <a:ea typeface="+mn-ea"/>
+        <a:cs typeface="+mn-cs"/>
+      </a:defRPr>
+    </a:lvl9pPr>
+  </p:notesStyle>
+</p:notesMaster>
+</file>
+
+<file path=ppt/notesSlides/notesSlide1.xml><?xml version="1.0" encoding="utf-8"?>
+<p:notes xmlns:a="http://schemas.openxmlformats.org/drawingml/2006/main" xmlns:r="http://schemas.openxmlformats.org/officeDocument/2006/relationships" xmlns:p="http://schemas.openxmlformats.org/presentationml/2006/main">
+  <p:cSld>
+    <p:spTree>
+      <p:nvGrpSpPr>
+        <p:cNvPr id="1" name=""/>
+        <p:cNvGrpSpPr/>
+        <p:nvPr/>
+      </p:nvGrpSpPr>
+      <p:grpSpPr>
+        <a:xfrm>
+          <a:off x="0" y="0"/>
+          <a:ext cx="0" cy="0"/>
+          <a:chOff x="0" y="0"/>
+          <a:chExt cx="0" cy="0"/>
+        </a:xfrm>
+      </p:grpSpPr>
+      <p:sp>
+        <p:nvSpPr>
+          <p:cNvPr id="2" name="Slide Image Placeholder 1"/>
+          <p:cNvSpPr>
+            <a:spLocks noGrp="1" noRot="1" noChangeAspect="1"/>
+          </p:cNvSpPr>
+          <p:nvPr>
+            <p:ph type="sldImg"/>
+          </p:nvPr>
+        </p:nvSpPr>
+        <p:spPr/>
+      </p:sp>
+      <p:sp>
+        <p:nvSpPr>
+          <p:cNvPr id="3" name="Notes Placeholder 2"/>
+          <p:cNvSpPr>
+            <a:spLocks noGrp="1"/>
+          </p:cNvSpPr>
+          <p:nvPr>
+            <p:ph type="body" idx="1"/>
+          </p:nvPr>
+        </p:nvSpPr>
+        <p:spPr/>
+        <p:txBody>
+          <a:bodyPr/>
+          <a:lstStyle/>
+          <a:p>
+            <a:endParaRPr lang="en-IE" dirty="0"/>
+          </a:p>
+        </p:txBody>
+      </p:sp>
+      <p:sp>
+        <p:nvSpPr>
+          <p:cNvPr id="4" name="Slide Number Placeholder 3"/>
+          <p:cNvSpPr>
+            <a:spLocks noGrp="1"/>
+          </p:cNvSpPr>
+          <p:nvPr>
+            <p:ph type="sldNum" sz="quarter" idx="10"/>
+          </p:nvPr>
+        </p:nvSpPr>
+        <p:spPr/>
+        <p:txBody>
+          <a:bodyPr/>
+          <a:lstStyle/>
+          <a:p>
+            <a:fld id="{D42002D5-AFB6-45A7-9C98-D628785C3F80}" type="slidenum">
+              <a:rPr lang="en-IE" smtClean="0"/>
+              <a:t>8</a:t>
+            </a:fld>
+            <a:endParaRPr lang="en-IE"/>
+          </a:p>
+        </p:txBody>
+      </p:sp>
+    </p:spTree>
+    <p:extLst>
+      <p:ext uri="{BB962C8B-B14F-4D97-AF65-F5344CB8AC3E}">
+        <p14:creationId xmlns:p14="http://schemas.microsoft.com/office/powerpoint/2010/main" val="954762310"/>
+      </p:ext>
+    </p:extLst>
+  </p:cSld>
+  <p:clrMapOvr>
+    <a:masterClrMapping/>
+  </p:clrMapOvr>
+</p:notes>
+</file>
+
 <file path=ppt/slideLayouts/slideLayout1.xml><?xml version="1.0" encoding="utf-8"?>
 <p:sldLayout xmlns:a="http://schemas.openxmlformats.org/drawingml/2006/main" xmlns:r="http://schemas.openxmlformats.org/officeDocument/2006/relationships" xmlns:p="http://schemas.openxmlformats.org/presentationml/2006/main" type="title" preserve="1">
   <p:cSld name="Title Slide">
@@ -296,7 +3233,7 @@
             <a:fld id="{1D8BD707-D9CF-40AE-B4C6-C98DA3205C09}" type="datetimeFigureOut">
               <a:rPr lang="en-US" smtClean="0"/>
               <a:pPr/>
-              <a:t>3/24/2014</a:t>
+              <a:t>3/27/2014</a:t>
             </a:fld>
             <a:endParaRPr lang="en-US"/>
           </a:p>
@@ -463,7 +3400,7 @@
             <a:fld id="{1D8BD707-D9CF-40AE-B4C6-C98DA3205C09}" type="datetimeFigureOut">
               <a:rPr lang="en-US" smtClean="0"/>
               <a:pPr/>
-              <a:t>3/24/2014</a:t>
+              <a:t>3/27/2014</a:t>
             </a:fld>
             <a:endParaRPr lang="en-US"/>
           </a:p>
@@ -640,7 +3577,7 @@
             <a:fld id="{1D8BD707-D9CF-40AE-B4C6-C98DA3205C09}" type="datetimeFigureOut">
               <a:rPr lang="en-US" smtClean="0"/>
               <a:pPr/>
-              <a:t>3/24/2014</a:t>
+              <a:t>3/27/2014</a:t>
             </a:fld>
             <a:endParaRPr lang="en-US"/>
           </a:p>
@@ -807,7 +3744,7 @@
             <a:fld id="{1D8BD707-D9CF-40AE-B4C6-C98DA3205C09}" type="datetimeFigureOut">
               <a:rPr lang="en-US" smtClean="0"/>
               <a:pPr/>
-              <a:t>3/24/2014</a:t>
+              <a:t>3/27/2014</a:t>
             </a:fld>
             <a:endParaRPr lang="en-US"/>
           </a:p>
@@ -1050,7 +3987,7 @@
             <a:fld id="{1D8BD707-D9CF-40AE-B4C6-C98DA3205C09}" type="datetimeFigureOut">
               <a:rPr lang="en-US" smtClean="0"/>
               <a:pPr/>
-              <a:t>3/24/2014</a:t>
+              <a:t>3/27/2014</a:t>
             </a:fld>
             <a:endParaRPr lang="en-US"/>
           </a:p>
@@ -1335,7 +4272,7 @@
             <a:fld id="{1D8BD707-D9CF-40AE-B4C6-C98DA3205C09}" type="datetimeFigureOut">
               <a:rPr lang="en-US" smtClean="0"/>
               <a:pPr/>
-              <a:t>3/24/2014</a:t>
+              <a:t>3/27/2014</a:t>
             </a:fld>
             <a:endParaRPr lang="en-US"/>
           </a:p>
@@ -1754,7 +4691,7 @@
             <a:fld id="{1D8BD707-D9CF-40AE-B4C6-C98DA3205C09}" type="datetimeFigureOut">
               <a:rPr lang="en-US" smtClean="0"/>
               <a:pPr/>
-              <a:t>3/24/2014</a:t>
+              <a:t>3/27/2014</a:t>
             </a:fld>
             <a:endParaRPr lang="en-US"/>
           </a:p>
@@ -1869,7 +4806,7 @@
             <a:fld id="{1D8BD707-D9CF-40AE-B4C6-C98DA3205C09}" type="datetimeFigureOut">
               <a:rPr lang="en-US" smtClean="0"/>
               <a:pPr/>
-              <a:t>3/24/2014</a:t>
+              <a:t>3/27/2014</a:t>
             </a:fld>
             <a:endParaRPr lang="en-US"/>
           </a:p>
@@ -1961,7 +4898,7 @@
             <a:fld id="{1D8BD707-D9CF-40AE-B4C6-C98DA3205C09}" type="datetimeFigureOut">
               <a:rPr lang="en-US" smtClean="0"/>
               <a:pPr/>
-              <a:t>3/24/2014</a:t>
+              <a:t>3/27/2014</a:t>
             </a:fld>
             <a:endParaRPr lang="en-US"/>
           </a:p>
@@ -2235,7 +5172,7 @@
             <a:fld id="{1D8BD707-D9CF-40AE-B4C6-C98DA3205C09}" type="datetimeFigureOut">
               <a:rPr lang="en-US" smtClean="0"/>
               <a:pPr/>
-              <a:t>3/24/2014</a:t>
+              <a:t>3/27/2014</a:t>
             </a:fld>
             <a:endParaRPr lang="en-US"/>
           </a:p>
@@ -2485,7 +5422,7 @@
             <a:fld id="{1D8BD707-D9CF-40AE-B4C6-C98DA3205C09}" type="datetimeFigureOut">
               <a:rPr lang="en-US" smtClean="0"/>
               <a:pPr/>
-              <a:t>3/24/2014</a:t>
+              <a:t>3/27/2014</a:t>
             </a:fld>
             <a:endParaRPr lang="en-US"/>
           </a:p>
@@ -2695,7 +5632,7 @@
             <a:fld id="{1D8BD707-D9CF-40AE-B4C6-C98DA3205C09}" type="datetimeFigureOut">
               <a:rPr lang="en-US" smtClean="0"/>
               <a:pPr/>
-              <a:t>3/24/2014</a:t>
+              <a:t>3/27/2014</a:t>
             </a:fld>
             <a:endParaRPr lang="en-US"/>
           </a:p>
@@ -3124,6 +6061,110 @@
 </p:sld>
 </file>
 
+<file path=ppt/slides/slide10.xml><?xml version="1.0" encoding="utf-8"?>
+<p:sld xmlns:a="http://schemas.openxmlformats.org/drawingml/2006/main" xmlns:r="http://schemas.openxmlformats.org/officeDocument/2006/relationships" xmlns:p="http://schemas.openxmlformats.org/presentationml/2006/main">
+  <p:cSld>
+    <p:spTree>
+      <p:nvGrpSpPr>
+        <p:cNvPr id="1" name=""/>
+        <p:cNvGrpSpPr/>
+        <p:nvPr/>
+      </p:nvGrpSpPr>
+      <p:grpSpPr>
+        <a:xfrm>
+          <a:off x="0" y="0"/>
+          <a:ext cx="0" cy="0"/>
+          <a:chOff x="0" y="0"/>
+          <a:chExt cx="0" cy="0"/>
+        </a:xfrm>
+      </p:grpSpPr>
+      <p:sp>
+        <p:nvSpPr>
+          <p:cNvPr id="2" name="Title 1"/>
+          <p:cNvSpPr>
+            <a:spLocks noGrp="1"/>
+          </p:cNvSpPr>
+          <p:nvPr>
+            <p:ph type="title"/>
+          </p:nvPr>
+        </p:nvSpPr>
+        <p:spPr/>
+        <p:txBody>
+          <a:bodyPr/>
+          <a:lstStyle/>
+          <a:p>
+            <a:r>
+              <a:rPr lang="en-IE" dirty="0" smtClean="0"/>
+              <a:t>What have </a:t>
+            </a:r>
+            <a:r>
+              <a:rPr lang="en-IE" smtClean="0"/>
+              <a:t>I learned?</a:t>
+            </a:r>
+            <a:endParaRPr lang="en-IE"/>
+          </a:p>
+        </p:txBody>
+      </p:sp>
+      <p:sp>
+        <p:nvSpPr>
+          <p:cNvPr id="3" name="Content Placeholder 2"/>
+          <p:cNvSpPr>
+            <a:spLocks noGrp="1"/>
+          </p:cNvSpPr>
+          <p:nvPr>
+            <p:ph idx="1"/>
+          </p:nvPr>
+        </p:nvSpPr>
+        <p:spPr/>
+        <p:txBody>
+          <a:bodyPr/>
+          <a:lstStyle/>
+          <a:p>
+            <a:r>
+              <a:rPr lang="en-IE" dirty="0" smtClean="0"/>
+              <a:t>Never assume results</a:t>
+            </a:r>
+          </a:p>
+          <a:p>
+            <a:r>
+              <a:rPr lang="en-IE" dirty="0" smtClean="0"/>
+              <a:t>Lockless algorithms do not guarantee better speeds</a:t>
+            </a:r>
+          </a:p>
+          <a:p>
+            <a:r>
+              <a:rPr lang="en-IE" dirty="0" smtClean="0"/>
+              <a:t>The C++11 atomic library makes it easier to implement lockless algorithms</a:t>
+            </a:r>
+          </a:p>
+          <a:p>
+            <a:endParaRPr lang="en-IE" dirty="0" smtClean="0"/>
+          </a:p>
+          <a:p>
+            <a:endParaRPr lang="en-IE" dirty="0"/>
+          </a:p>
+        </p:txBody>
+      </p:sp>
+    </p:spTree>
+    <p:extLst>
+      <p:ext uri="{BB962C8B-B14F-4D97-AF65-F5344CB8AC3E}">
+        <p14:creationId xmlns:p14="http://schemas.microsoft.com/office/powerpoint/2010/main" val="1539224103"/>
+      </p:ext>
+    </p:extLst>
+  </p:cSld>
+  <p:clrMapOvr>
+    <a:masterClrMapping/>
+  </p:clrMapOvr>
+  <p:timing>
+    <p:tnLst>
+      <p:par>
+        <p:cTn id="1" dur="indefinite" restart="never" nodeType="tmRoot"/>
+      </p:par>
+    </p:tnLst>
+  </p:timing>
+</p:sld>
+</file>
+
 <file path=ppt/slides/slide2.xml><?xml version="1.0" encoding="utf-8"?>
 <p:sld xmlns:a="http://schemas.openxmlformats.org/drawingml/2006/main" xmlns:r="http://schemas.openxmlformats.org/officeDocument/2006/relationships" xmlns:p="http://schemas.openxmlformats.org/presentationml/2006/main">
   <p:cSld>
@@ -3187,19 +6228,11 @@
           <a:p>
             <a:r>
               <a:rPr lang="en-IE" dirty="0" smtClean="0"/>
-              <a:t>Not </a:t>
-            </a:r>
-            <a:r>
-              <a:rPr lang="en-IE" dirty="0" smtClean="0"/>
-              <a:t>much </a:t>
+              <a:t>Not much </a:t>
             </a:r>
             <a:r>
               <a:rPr lang="en-IE" smtClean="0"/>
-              <a:t>data </a:t>
-            </a:r>
-            <a:r>
-              <a:rPr lang="en-IE" smtClean="0"/>
-              <a:t>on comparing </a:t>
+              <a:t>data on comparing </a:t>
             </a:r>
             <a:r>
               <a:rPr lang="en-IE" dirty="0" smtClean="0"/>
@@ -3290,7 +6323,17 @@
           <a:p>
             <a:r>
               <a:rPr lang="en-IE" dirty="0" smtClean="0"/>
-              <a:t>Increased Speeds</a:t>
+              <a:t>Increased </a:t>
+            </a:r>
+            <a:r>
+              <a:rPr lang="en-IE" dirty="0" smtClean="0"/>
+              <a:t>Speeds</a:t>
+            </a:r>
+          </a:p>
+          <a:p>
+            <a:r>
+              <a:rPr lang="en-IE" dirty="0" smtClean="0"/>
+              <a:t>Know when to apply different locking techniques</a:t>
             </a:r>
             <a:endParaRPr lang="en-IE" dirty="0"/>
           </a:p>
@@ -3366,19 +6409,57 @@
           <a:p>
             <a:r>
               <a:rPr lang="en-IE" dirty="0" smtClean="0"/>
-              <a:t>“The Art of Multiprocessor Programming”</a:t>
-            </a:r>
-          </a:p>
-          <a:p>
+              <a:t>“The Art of Multiprocessor Programming</a:t>
+            </a:r>
             <a:r>
               <a:rPr lang="en-IE" dirty="0" smtClean="0"/>
-              <a:t>“Designing Concurrent Data Structures”</a:t>
-            </a:r>
-          </a:p>
-          <a:p>
+              <a:t>”- Herlihy &amp; </a:t>
+            </a:r>
+            <a:r>
+              <a:rPr lang="en-IE" dirty="0" err="1" smtClean="0"/>
+              <a:t>Shavit</a:t>
+            </a:r>
             <a:r>
               <a:rPr lang="en-IE" dirty="0" smtClean="0"/>
-              <a:t>“Implementing Concurrent Data Objects”</a:t>
+              <a:t> - 2008</a:t>
+            </a:r>
+            <a:endParaRPr lang="en-IE" dirty="0" smtClean="0"/>
+          </a:p>
+          <a:p>
+            <a:r>
+              <a:rPr lang="en-IE" dirty="0" smtClean="0"/>
+              <a:t>“Designing Concurrent Data Structures</a:t>
+            </a:r>
+            <a:r>
+              <a:rPr lang="en-IE" dirty="0" smtClean="0"/>
+              <a:t>” – </a:t>
+            </a:r>
+            <a:r>
+              <a:rPr lang="en-IE" dirty="0" err="1" smtClean="0"/>
+              <a:t>Moir</a:t>
+            </a:r>
+            <a:r>
+              <a:rPr lang="en-IE" dirty="0" smtClean="0"/>
+              <a:t> &amp; </a:t>
+            </a:r>
+            <a:r>
+              <a:rPr lang="en-IE" dirty="0" err="1" smtClean="0"/>
+              <a:t>Shavit</a:t>
+            </a:r>
+            <a:r>
+              <a:rPr lang="en-IE" dirty="0" smtClean="0"/>
+              <a:t> - 2001</a:t>
+            </a:r>
+            <a:endParaRPr lang="en-IE" dirty="0" smtClean="0"/>
+          </a:p>
+          <a:p>
+            <a:r>
+              <a:rPr lang="en-IE" dirty="0" smtClean="0"/>
+              <a:t>“Implementing Concurrent Data Objects</a:t>
+            </a:r>
+            <a:r>
+              <a:rPr lang="en-IE" dirty="0" smtClean="0"/>
+              <a:t>” – Herlihy - 1993</a:t>
             </a:r>
             <a:endParaRPr lang="en-IE" dirty="0"/>
           </a:p>
@@ -3519,7 +6600,7 @@
           <a:p>
             <a:r>
               <a:rPr lang="en-IE" dirty="0" smtClean="0"/>
-              <a:t>Evaluation</a:t>
+              <a:t>Data Structure Variations</a:t>
             </a:r>
             <a:endParaRPr lang="en-IE" dirty="0"/>
           </a:p>
@@ -3537,25 +6618,89 @@
         </p:nvSpPr>
         <p:spPr/>
         <p:txBody>
-          <a:bodyPr/>
+          <a:bodyPr>
+            <a:normAutofit fontScale="77500" lnSpcReduction="20000"/>
+          </a:bodyPr>
           <a:lstStyle/>
           <a:p>
+            <a:endParaRPr lang="en-IE" dirty="0" smtClean="0"/>
+          </a:p>
+          <a:p>
             <a:r>
               <a:rPr lang="en-IE" dirty="0" smtClean="0"/>
-              <a:t>Ran each mode for one second</a:t>
-            </a:r>
-          </a:p>
-          <a:p>
+              <a:t>MPMC Hash Table Closed Addressing</a:t>
+            </a:r>
+          </a:p>
+          <a:p>
+            <a:pPr lvl="1"/>
             <a:r>
               <a:rPr lang="en-IE" dirty="0" smtClean="0"/>
-              <a:t>Thread count went from 1-128</a:t>
-            </a:r>
-          </a:p>
-          <a:p>
+              <a:t>Locked Table</a:t>
+            </a:r>
+          </a:p>
+          <a:p>
+            <a:pPr lvl="1"/>
             <a:r>
               <a:rPr lang="en-IE" dirty="0" smtClean="0"/>
-              <a:t>Recorded iterations per second  </a:t>
-            </a:r>
+              <a:t>Lock per Bucket</a:t>
+            </a:r>
+          </a:p>
+          <a:p>
+            <a:pPr lvl="1"/>
+            <a:r>
+              <a:rPr lang="en-IE" dirty="0" smtClean="0"/>
+              <a:t>Lockless</a:t>
+            </a:r>
+          </a:p>
+          <a:p>
+            <a:r>
+              <a:rPr lang="en-IE" dirty="0" smtClean="0"/>
+              <a:t>MPMC Linked List</a:t>
+            </a:r>
+          </a:p>
+          <a:p>
+            <a:pPr lvl="1"/>
+            <a:r>
+              <a:rPr lang="en-IE" dirty="0" smtClean="0"/>
+              <a:t>Single Link Regular Locked/Lockless</a:t>
+            </a:r>
+          </a:p>
+          <a:p>
+            <a:pPr lvl="1"/>
+            <a:r>
+              <a:rPr lang="en-IE" dirty="0" smtClean="0"/>
+              <a:t>Double Link Buffer Locked/Lockless</a:t>
+            </a:r>
+          </a:p>
+          <a:p>
+            <a:pPr lvl="1"/>
+            <a:r>
+              <a:rPr lang="en-IE" dirty="0" smtClean="0"/>
+              <a:t>Single Link Buffer Locked/Lockless</a:t>
+            </a:r>
+          </a:p>
+          <a:p>
+            <a:r>
+              <a:rPr lang="en-IE" dirty="0" smtClean="0"/>
+              <a:t>Ring Buffer</a:t>
+            </a:r>
+          </a:p>
+          <a:p>
+            <a:pPr lvl="1"/>
+            <a:r>
+              <a:rPr lang="en-IE" dirty="0" smtClean="0"/>
+              <a:t>MPMC Locked</a:t>
+            </a:r>
+          </a:p>
+          <a:p>
+            <a:pPr lvl="1"/>
+            <a:r>
+              <a:rPr lang="en-IE" dirty="0" smtClean="0"/>
+              <a:t>SPSC Lockless</a:t>
+            </a:r>
+          </a:p>
+          <a:p>
+            <a:pPr lvl="1"/>
             <a:endParaRPr lang="en-IE" dirty="0"/>
           </a:p>
         </p:txBody>
@@ -3563,7 +6708,7 @@
     </p:spTree>
     <p:extLst>
       <p:ext uri="{BB962C8B-B14F-4D97-AF65-F5344CB8AC3E}">
-        <p14:creationId xmlns:p14="http://schemas.microsoft.com/office/powerpoint/2010/main" val="792295864"/>
+        <p14:creationId xmlns:p14="http://schemas.microsoft.com/office/powerpoint/2010/main" val="546634564"/>
       </p:ext>
     </p:extLst>
   </p:cSld>
@@ -3607,7 +6752,7 @@
           <a:p>
             <a:r>
               <a:rPr lang="en-IE" dirty="0" smtClean="0"/>
-              <a:t>Results &amp; Analysis</a:t>
+              <a:t>Evaluation</a:t>
             </a:r>
             <a:endParaRPr lang="en-IE" dirty="0"/>
           </a:p>
@@ -3628,20 +6773,70 @@
           <a:bodyPr/>
           <a:lstStyle/>
           <a:p>
-            <a:endParaRPr lang="en-IE"/>
+            <a:r>
+              <a:rPr lang="en-IE" dirty="0" smtClean="0"/>
+              <a:t>Ran each variation on each machine for multiple thread counts</a:t>
+            </a:r>
+            <a:endParaRPr lang="en-IE" dirty="0" smtClean="0"/>
+          </a:p>
+          <a:p>
+            <a:r>
+              <a:rPr lang="en-IE" dirty="0" smtClean="0"/>
+              <a:t>Thread count went from 1-128</a:t>
+            </a:r>
+          </a:p>
+          <a:p>
+            <a:r>
+              <a:rPr lang="en-IE" dirty="0" smtClean="0"/>
+              <a:t>Recorded iterations per </a:t>
+            </a:r>
+            <a:r>
+              <a:rPr lang="en-IE" dirty="0" smtClean="0"/>
+              <a:t>second against number of threads  </a:t>
+            </a:r>
+          </a:p>
+          <a:p>
+            <a:r>
+              <a:rPr lang="en-IE" dirty="0" smtClean="0"/>
+              <a:t>Used </a:t>
+            </a:r>
+            <a:r>
+              <a:rPr lang="en-IE" dirty="0" err="1" smtClean="0"/>
+              <a:t>Perf</a:t>
+            </a:r>
+            <a:r>
+              <a:rPr lang="en-IE" dirty="0" smtClean="0"/>
+              <a:t> to record cache misses, </a:t>
+            </a:r>
+            <a:r>
+              <a:rPr lang="en-IE" dirty="0" err="1" smtClean="0"/>
+              <a:t>cpu</a:t>
+            </a:r>
+            <a:r>
+              <a:rPr lang="en-IE" dirty="0" smtClean="0"/>
+              <a:t> cycles etc…</a:t>
+            </a:r>
+            <a:endParaRPr lang="en-IE" dirty="0"/>
           </a:p>
         </p:txBody>
       </p:sp>
     </p:spTree>
     <p:extLst>
       <p:ext uri="{BB962C8B-B14F-4D97-AF65-F5344CB8AC3E}">
-        <p14:creationId xmlns:p14="http://schemas.microsoft.com/office/powerpoint/2010/main" val="1432556800"/>
+        <p14:creationId xmlns:p14="http://schemas.microsoft.com/office/powerpoint/2010/main" val="792295864"/>
       </p:ext>
     </p:extLst>
   </p:cSld>
   <p:clrMapOvr>
     <a:masterClrMapping/>
   </p:clrMapOvr>
+  <p:timing>
+    <p:tnLst>
+      <p:par>
+        <p:cTn id="1" dur="indefinite" restart="never" nodeType="tmRoot"/>
+      </p:par>
+    </p:tnLst>
+  </p:timing>
 </p:sld>
 </file>
 
@@ -3679,39 +6874,174 @@
           <a:p>
             <a:r>
               <a:rPr lang="en-IE" dirty="0" smtClean="0"/>
-              <a:t>What have </a:t>
-            </a:r>
-            <a:r>
-              <a:rPr lang="en-IE" smtClean="0"/>
-              <a:t>I learned?</a:t>
-            </a:r>
-            <a:endParaRPr lang="en-IE"/>
-          </a:p>
-        </p:txBody>
-      </p:sp>
-      <p:sp>
-        <p:nvSpPr>
-          <p:cNvPr id="3" name="Content Placeholder 2"/>
-          <p:cNvSpPr>
-            <a:spLocks noGrp="1"/>
-          </p:cNvSpPr>
+              <a:t>Results &amp; Analysis</a:t>
+            </a:r>
+            <a:endParaRPr lang="en-IE" dirty="0"/>
+          </a:p>
+        </p:txBody>
+      </p:sp>
+      <p:graphicFrame>
+        <p:nvGraphicFramePr>
+          <p:cNvPr id="6" name="Chart 5"/>
+          <p:cNvGraphicFramePr>
+            <a:graphicFrameLocks/>
+          </p:cNvGraphicFramePr>
+          <p:nvPr>
+            <p:extLst>
+              <p:ext uri="{D42A27DB-BD31-4B8C-83A1-F6EECF244321}">
+                <p14:modId xmlns:p14="http://schemas.microsoft.com/office/powerpoint/2010/main" val="2500187400"/>
+              </p:ext>
+            </p:extLst>
+          </p:nvPr>
+        </p:nvGraphicFramePr>
+        <p:xfrm>
+          <a:off x="4495800" y="1600200"/>
+          <a:ext cx="4191000" cy="4572000"/>
+        </p:xfrm>
+        <a:graphic>
+          <a:graphicData uri="http://schemas.openxmlformats.org/drawingml/2006/chart">
+            <c:chart xmlns:c="http://schemas.openxmlformats.org/drawingml/2006/chart" xmlns:r="http://schemas.openxmlformats.org/officeDocument/2006/relationships" r:id="rId3"/>
+          </a:graphicData>
+        </a:graphic>
+      </p:graphicFrame>
+      <p:graphicFrame>
+        <p:nvGraphicFramePr>
+          <p:cNvPr id="7" name="Content Placeholder 6"/>
+          <p:cNvGraphicFramePr>
+            <a:graphicFrameLocks noGrp="1"/>
+          </p:cNvGraphicFramePr>
           <p:nvPr>
             <p:ph idx="1"/>
-          </p:nvPr>
-        </p:nvSpPr>
-        <p:spPr/>
-        <p:txBody>
-          <a:bodyPr/>
-          <a:lstStyle/>
-          <a:p>
-            <a:endParaRPr lang="en-IE"/>
-          </a:p>
-        </p:txBody>
-      </p:sp>
+            <p:extLst>
+              <p:ext uri="{D42A27DB-BD31-4B8C-83A1-F6EECF244321}">
+                <p14:modId xmlns:p14="http://schemas.microsoft.com/office/powerpoint/2010/main" val="4119368994"/>
+              </p:ext>
+            </p:extLst>
+          </p:nvPr>
+        </p:nvGraphicFramePr>
+        <p:xfrm>
+          <a:off x="457200" y="1600200"/>
+          <a:ext cx="4343400" cy="4525963"/>
+        </p:xfrm>
+        <a:graphic>
+          <a:graphicData uri="http://schemas.openxmlformats.org/drawingml/2006/chart">
+            <c:chart xmlns:c="http://schemas.openxmlformats.org/drawingml/2006/chart" xmlns:r="http://schemas.openxmlformats.org/officeDocument/2006/relationships" r:id="rId4"/>
+          </a:graphicData>
+        </a:graphic>
+      </p:graphicFrame>
     </p:spTree>
     <p:extLst>
       <p:ext uri="{BB962C8B-B14F-4D97-AF65-F5344CB8AC3E}">
-        <p14:creationId xmlns:p14="http://schemas.microsoft.com/office/powerpoint/2010/main" val="1539224103"/>
+        <p14:creationId xmlns:p14="http://schemas.microsoft.com/office/powerpoint/2010/main" val="1432556800"/>
+      </p:ext>
+    </p:extLst>
+  </p:cSld>
+  <p:clrMapOvr>
+    <a:masterClrMapping/>
+  </p:clrMapOvr>
+  <p:timing>
+    <p:tnLst>
+      <p:par>
+        <p:cTn id="1" dur="indefinite" restart="never" nodeType="tmRoot"/>
+      </p:par>
+    </p:tnLst>
+  </p:timing>
+</p:sld>
+</file>
+
+<file path=ppt/slides/slide9.xml><?xml version="1.0" encoding="utf-8"?>
+<p:sld xmlns:a="http://schemas.openxmlformats.org/drawingml/2006/main" xmlns:r="http://schemas.openxmlformats.org/officeDocument/2006/relationships" xmlns:p="http://schemas.openxmlformats.org/presentationml/2006/main">
+  <p:cSld>
+    <p:spTree>
+      <p:nvGrpSpPr>
+        <p:cNvPr id="1" name=""/>
+        <p:cNvGrpSpPr/>
+        <p:nvPr/>
+      </p:nvGrpSpPr>
+      <p:grpSpPr>
+        <a:xfrm>
+          <a:off x="0" y="0"/>
+          <a:ext cx="0" cy="0"/>
+          <a:chOff x="0" y="0"/>
+          <a:chExt cx="0" cy="0"/>
+        </a:xfrm>
+      </p:grpSpPr>
+      <p:sp>
+        <p:nvSpPr>
+          <p:cNvPr id="2" name="Title 1"/>
+          <p:cNvSpPr>
+            <a:spLocks noGrp="1"/>
+          </p:cNvSpPr>
+          <p:nvPr>
+            <p:ph type="title"/>
+          </p:nvPr>
+        </p:nvSpPr>
+        <p:spPr/>
+        <p:txBody>
+          <a:bodyPr/>
+          <a:lstStyle/>
+          <a:p>
+            <a:r>
+              <a:rPr lang="en-IE" dirty="0" smtClean="0"/>
+              <a:t>Results &amp; Analysis</a:t>
+            </a:r>
+            <a:endParaRPr lang="en-IE" dirty="0"/>
+          </a:p>
+        </p:txBody>
+      </p:sp>
+      <p:graphicFrame>
+        <p:nvGraphicFramePr>
+          <p:cNvPr id="9" name="Content Placeholder 8"/>
+          <p:cNvGraphicFramePr>
+            <a:graphicFrameLocks noGrp="1"/>
+          </p:cNvGraphicFramePr>
+          <p:nvPr>
+            <p:ph idx="1"/>
+            <p:extLst>
+              <p:ext uri="{D42A27DB-BD31-4B8C-83A1-F6EECF244321}">
+                <p14:modId xmlns:p14="http://schemas.microsoft.com/office/powerpoint/2010/main" val="2781748911"/>
+              </p:ext>
+            </p:extLst>
+          </p:nvPr>
+        </p:nvGraphicFramePr>
+        <p:xfrm>
+          <a:off x="457200" y="1600200"/>
+          <a:ext cx="3505200" cy="4525963"/>
+        </p:xfrm>
+        <a:graphic>
+          <a:graphicData uri="http://schemas.openxmlformats.org/drawingml/2006/chart">
+            <c:chart xmlns:c="http://schemas.openxmlformats.org/drawingml/2006/chart" xmlns:r="http://schemas.openxmlformats.org/officeDocument/2006/relationships" r:id="rId2"/>
+          </a:graphicData>
+        </a:graphic>
+      </p:graphicFrame>
+      <p:graphicFrame>
+        <p:nvGraphicFramePr>
+          <p:cNvPr id="10" name="Chart 9"/>
+          <p:cNvGraphicFramePr>
+            <a:graphicFrameLocks/>
+          </p:cNvGraphicFramePr>
+          <p:nvPr>
+            <p:extLst>
+              <p:ext uri="{D42A27DB-BD31-4B8C-83A1-F6EECF244321}">
+                <p14:modId xmlns:p14="http://schemas.microsoft.com/office/powerpoint/2010/main" val="2761141773"/>
+              </p:ext>
+            </p:extLst>
+          </p:nvPr>
+        </p:nvGraphicFramePr>
+        <p:xfrm>
+          <a:off x="4191000" y="1676400"/>
+          <a:ext cx="4953000" cy="5029200"/>
+        </p:xfrm>
+        <a:graphic>
+          <a:graphicData uri="http://schemas.openxmlformats.org/drawingml/2006/chart">
+            <c:chart xmlns:c="http://schemas.openxmlformats.org/drawingml/2006/chart" xmlns:r="http://schemas.openxmlformats.org/officeDocument/2006/relationships" r:id="rId3"/>
+          </a:graphicData>
+        </a:graphic>
+      </p:graphicFrame>
+    </p:spTree>
+    <p:extLst>
+      <p:ext uri="{BB962C8B-B14F-4D97-AF65-F5344CB8AC3E}">
+        <p14:creationId xmlns:p14="http://schemas.microsoft.com/office/powerpoint/2010/main" val="469012117"/>
       </p:ext>
     </p:extLst>
   </p:cSld>
@@ -4002,4 +7332,289 @@
   <a:objectDefaults/>
   <a:extraClrSchemeLst/>
 </a:theme>
+</file>
+
+<file path=ppt/theme/theme2.xml><?xml version="1.0" encoding="utf-8"?>
+<a:theme xmlns:a="http://schemas.openxmlformats.org/drawingml/2006/main" name="Office Theme">
+  <a:themeElements>
+    <a:clrScheme name="Office">
+      <a:dk1>
+        <a:sysClr val="windowText" lastClr="000000"/>
+      </a:dk1>
+      <a:lt1>
+        <a:sysClr val="window" lastClr="FFFFFF"/>
+      </a:lt1>
+      <a:dk2>
+        <a:srgbClr val="1F497D"/>
+      </a:dk2>
+      <a:lt2>
+        <a:srgbClr val="EEECE1"/>
+      </a:lt2>
+      <a:accent1>
+        <a:srgbClr val="4F81BD"/>
+      </a:accent1>
+      <a:accent2>
+        <a:srgbClr val="C0504D"/>
+      </a:accent2>
+      <a:accent3>
+        <a:srgbClr val="9BBB59"/>
+      </a:accent3>
+      <a:accent4>
+        <a:srgbClr val="8064A2"/>
+      </a:accent4>
+      <a:accent5>
+        <a:srgbClr val="4BACC6"/>
+      </a:accent5>
+      <a:accent6>
+        <a:srgbClr val="F79646"/>
+      </a:accent6>
+      <a:hlink>
+        <a:srgbClr val="0000FF"/>
+      </a:hlink>
+      <a:folHlink>
+        <a:srgbClr val="800080"/>
+      </a:folHlink>
+    </a:clrScheme>
+    <a:fontScheme name="Office">
+      <a:majorFont>
+        <a:latin typeface="Calibri"/>
+        <a:ea typeface=""/>
+        <a:cs typeface=""/>
+        <a:font script="Jpan" typeface="ＭＳ Ｐゴシック"/>
+        <a:font script="Hang" typeface="맑은 고딕"/>
+        <a:font script="Hans" typeface="宋体"/>
+        <a:font script="Hant" typeface="新細明體"/>
+        <a:font script="Arab" typeface="Times New Roman"/>
+        <a:font script="Hebr" typeface="Times New Roman"/>
+        <a:font script="Thai" typeface="Angsana New"/>
+        <a:font script="Ethi" typeface="Nyala"/>
+        <a:font script="Beng" typeface="Vrinda"/>
+        <a:font script="Gujr" typeface="Shruti"/>
+        <a:font script="Khmr" typeface="MoolBoran"/>
+        <a:font script="Knda" typeface="Tunga"/>
+        <a:font script="Guru" typeface="Raavi"/>
+        <a:font script="Cans" typeface="Euphemia"/>
+        <a:font script="Cher" typeface="Plantagenet Cherokee"/>
+        <a:font script="Yiii" typeface="Microsoft Yi Baiti"/>
+        <a:font script="Tibt" typeface="Microsoft Himalaya"/>
+        <a:font script="Thaa" typeface="MV Boli"/>
+        <a:font script="Deva" typeface="Mangal"/>
+        <a:font script="Telu" typeface="Gautami"/>
+        <a:font script="Taml" typeface="Latha"/>
+        <a:font script="Syrc" typeface="Estrangelo Edessa"/>
+        <a:font script="Orya" typeface="Kalinga"/>
+        <a:font script="Mlym" typeface="Kartika"/>
+        <a:font script="Laoo" typeface="DokChampa"/>
+        <a:font script="Sinh" typeface="Iskoola Pota"/>
+        <a:font script="Mong" typeface="Mongolian Baiti"/>
+        <a:font script="Viet" typeface="Times New Roman"/>
+        <a:font script="Uigh" typeface="Microsoft Uighur"/>
+        <a:font script="Geor" typeface="Sylfaen"/>
+      </a:majorFont>
+      <a:minorFont>
+        <a:latin typeface="Calibri"/>
+        <a:ea typeface=""/>
+        <a:cs typeface=""/>
+        <a:font script="Jpan" typeface="ＭＳ Ｐゴシック"/>
+        <a:font script="Hang" typeface="맑은 고딕"/>
+        <a:font script="Hans" typeface="宋体"/>
+        <a:font script="Hant" typeface="新細明體"/>
+        <a:font script="Arab" typeface="Arial"/>
+        <a:font script="Hebr" typeface="Arial"/>
+        <a:font script="Thai" typeface="Cordia New"/>
+        <a:font script="Ethi" typeface="Nyala"/>
+        <a:font script="Beng" typeface="Vrinda"/>
+        <a:font script="Gujr" typeface="Shruti"/>
+        <a:font script="Khmr" typeface="DaunPenh"/>
+        <a:font script="Knda" typeface="Tunga"/>
+        <a:font script="Guru" typeface="Raavi"/>
+        <a:font script="Cans" typeface="Euphemia"/>
+        <a:font script="Cher" typeface="Plantagenet Cherokee"/>
+        <a:font script="Yiii" typeface="Microsoft Yi Baiti"/>
+        <a:font script="Tibt" typeface="Microsoft Himalaya"/>
+        <a:font script="Thaa" typeface="MV Boli"/>
+        <a:font script="Deva" typeface="Mangal"/>
+        <a:font script="Telu" typeface="Gautami"/>
+        <a:font script="Taml" typeface="Latha"/>
+        <a:font script="Syrc" typeface="Estrangelo Edessa"/>
+        <a:font script="Orya" typeface="Kalinga"/>
+        <a:font script="Mlym" typeface="Kartika"/>
+        <a:font script="Laoo" typeface="DokChampa"/>
+        <a:font script="Sinh" typeface="Iskoola Pota"/>
+        <a:font script="Mong" typeface="Mongolian Baiti"/>
+        <a:font script="Viet" typeface="Arial"/>
+        <a:font script="Uigh" typeface="Microsoft Uighur"/>
+        <a:font script="Geor" typeface="Sylfaen"/>
+      </a:minorFont>
+    </a:fontScheme>
+    <a:fmtScheme name="Office">
+      <a:fillStyleLst>
+        <a:solidFill>
+          <a:schemeClr val="phClr"/>
+        </a:solidFill>
+        <a:gradFill rotWithShape="1">
+          <a:gsLst>
+            <a:gs pos="0">
+              <a:schemeClr val="phClr">
+                <a:tint val="50000"/>
+                <a:satMod val="300000"/>
+              </a:schemeClr>
+            </a:gs>
+            <a:gs pos="35000">
+              <a:schemeClr val="phClr">
+                <a:tint val="37000"/>
+                <a:satMod val="300000"/>
+              </a:schemeClr>
+            </a:gs>
+            <a:gs pos="100000">
+              <a:schemeClr val="phClr">
+                <a:tint val="15000"/>
+                <a:satMod val="350000"/>
+              </a:schemeClr>
+            </a:gs>
+          </a:gsLst>
+          <a:lin ang="16200000" scaled="1"/>
+        </a:gradFill>
+        <a:gradFill rotWithShape="1">
+          <a:gsLst>
+            <a:gs pos="0">
+              <a:schemeClr val="phClr">
+                <a:shade val="51000"/>
+                <a:satMod val="130000"/>
+              </a:schemeClr>
+            </a:gs>
+            <a:gs pos="80000">
+              <a:schemeClr val="phClr">
+                <a:shade val="93000"/>
+                <a:satMod val="130000"/>
+              </a:schemeClr>
+            </a:gs>
+            <a:gs pos="100000">
+              <a:schemeClr val="phClr">
+                <a:shade val="94000"/>
+                <a:satMod val="135000"/>
+              </a:schemeClr>
+            </a:gs>
+          </a:gsLst>
+          <a:lin ang="16200000" scaled="0"/>
+        </a:gradFill>
+      </a:fillStyleLst>
+      <a:lnStyleLst>
+        <a:ln w="9525" cap="flat" cmpd="sng" algn="ctr">
+          <a:solidFill>
+            <a:schemeClr val="phClr">
+              <a:shade val="95000"/>
+              <a:satMod val="105000"/>
+            </a:schemeClr>
+          </a:solidFill>
+          <a:prstDash val="solid"/>
+        </a:ln>
+        <a:ln w="25400" cap="flat" cmpd="sng" algn="ctr">
+          <a:solidFill>
+            <a:schemeClr val="phClr"/>
+          </a:solidFill>
+          <a:prstDash val="solid"/>
+        </a:ln>
+        <a:ln w="38100" cap="flat" cmpd="sng" algn="ctr">
+          <a:solidFill>
+            <a:schemeClr val="phClr"/>
+          </a:solidFill>
+          <a:prstDash val="solid"/>
+        </a:ln>
+      </a:lnStyleLst>
+      <a:effectStyleLst>
+        <a:effectStyle>
+          <a:effectLst>
+            <a:outerShdw blurRad="40000" dist="20000" dir="5400000" rotWithShape="0">
+              <a:srgbClr val="000000">
+                <a:alpha val="38000"/>
+              </a:srgbClr>
+            </a:outerShdw>
+          </a:effectLst>
+        </a:effectStyle>
+        <a:effectStyle>
+          <a:effectLst>
+            <a:outerShdw blurRad="40000" dist="23000" dir="5400000" rotWithShape="0">
+              <a:srgbClr val="000000">
+                <a:alpha val="35000"/>
+              </a:srgbClr>
+            </a:outerShdw>
+          </a:effectLst>
+        </a:effectStyle>
+        <a:effectStyle>
+          <a:effectLst>
+            <a:outerShdw blurRad="40000" dist="23000" dir="5400000" rotWithShape="0">
+              <a:srgbClr val="000000">
+                <a:alpha val="35000"/>
+              </a:srgbClr>
+            </a:outerShdw>
+          </a:effectLst>
+          <a:scene3d>
+            <a:camera prst="orthographicFront">
+              <a:rot lat="0" lon="0" rev="0"/>
+            </a:camera>
+            <a:lightRig rig="threePt" dir="t">
+              <a:rot lat="0" lon="0" rev="1200000"/>
+            </a:lightRig>
+          </a:scene3d>
+          <a:sp3d>
+            <a:bevelT w="63500" h="25400"/>
+          </a:sp3d>
+        </a:effectStyle>
+      </a:effectStyleLst>
+      <a:bgFillStyleLst>
+        <a:solidFill>
+          <a:schemeClr val="phClr"/>
+        </a:solidFill>
+        <a:gradFill rotWithShape="1">
+          <a:gsLst>
+            <a:gs pos="0">
+              <a:schemeClr val="phClr">
+                <a:tint val="40000"/>
+                <a:satMod val="350000"/>
+              </a:schemeClr>
+            </a:gs>
+            <a:gs pos="40000">
+              <a:schemeClr val="phClr">
+                <a:tint val="45000"/>
+                <a:shade val="99000"/>
+                <a:satMod val="350000"/>
+              </a:schemeClr>
+            </a:gs>
+            <a:gs pos="100000">
+              <a:schemeClr val="phClr">
+                <a:shade val="20000"/>
+                <a:satMod val="255000"/>
+              </a:schemeClr>
+            </a:gs>
+          </a:gsLst>
+          <a:path path="circle">
+            <a:fillToRect l="50000" t="-80000" r="50000" b="180000"/>
+          </a:path>
+        </a:gradFill>
+        <a:gradFill rotWithShape="1">
+          <a:gsLst>
+            <a:gs pos="0">
+              <a:schemeClr val="phClr">
+                <a:tint val="80000"/>
+                <a:satMod val="300000"/>
+              </a:schemeClr>
+            </a:gs>
+            <a:gs pos="100000">
+              <a:schemeClr val="phClr">
+                <a:shade val="30000"/>
+                <a:satMod val="200000"/>
+              </a:schemeClr>
+            </a:gs>
+          </a:gsLst>
+          <a:path path="circle">
+            <a:fillToRect l="50000" t="50000" r="50000" b="50000"/>
+          </a:path>
+        </a:gradFill>
+      </a:bgFillStyleLst>
+    </a:fmtScheme>
+  </a:themeElements>
+  <a:objectDefaults/>
+  <a:extraClrSchemeLst/>
+</a:theme>
 </file>
--- a/Report/FYP_Presentation.pptx
+++ b/Report/FYP_Presentation.pptx
@@ -910,11 +910,11 @@
         </c:dLbls>
         <c:marker val="1"/>
         <c:smooth val="0"/>
-        <c:axId val="72009984"/>
-        <c:axId val="77755904"/>
+        <c:axId val="89086592"/>
+        <c:axId val="89113344"/>
       </c:lineChart>
       <c:catAx>
-        <c:axId val="72009984"/>
+        <c:axId val="89086592"/>
         <c:scaling>
           <c:orientation val="minMax"/>
         </c:scaling>
@@ -943,7 +943,7 @@
         <c:majorTickMark val="out"/>
         <c:minorTickMark val="none"/>
         <c:tickLblPos val="nextTo"/>
-        <c:crossAx val="77755904"/>
+        <c:crossAx val="89113344"/>
         <c:crosses val="autoZero"/>
         <c:auto val="1"/>
         <c:lblAlgn val="ctr"/>
@@ -951,7 +951,7 @@
         <c:noMultiLvlLbl val="0"/>
       </c:catAx>
       <c:valAx>
-        <c:axId val="77755904"/>
+        <c:axId val="89113344"/>
         <c:scaling>
           <c:orientation val="minMax"/>
         </c:scaling>
@@ -981,7 +981,7 @@
         <c:majorTickMark val="out"/>
         <c:minorTickMark val="none"/>
         <c:tickLblPos val="nextTo"/>
-        <c:crossAx val="72009984"/>
+        <c:crossAx val="89086592"/>
         <c:crosses val="autoZero"/>
         <c:crossBetween val="between"/>
       </c:valAx>
@@ -1792,11 +1792,11 @@
         </c:dLbls>
         <c:marker val="1"/>
         <c:smooth val="0"/>
-        <c:axId val="83765888"/>
-        <c:axId val="84281600"/>
+        <c:axId val="88952192"/>
+        <c:axId val="88974848"/>
       </c:lineChart>
       <c:catAx>
-        <c:axId val="83765888"/>
+        <c:axId val="88952192"/>
         <c:scaling>
           <c:orientation val="minMax"/>
         </c:scaling>
@@ -1825,7 +1825,7 @@
         <c:majorTickMark val="out"/>
         <c:minorTickMark val="none"/>
         <c:tickLblPos val="nextTo"/>
-        <c:crossAx val="84281600"/>
+        <c:crossAx val="88974848"/>
         <c:crosses val="autoZero"/>
         <c:auto val="1"/>
         <c:lblAlgn val="ctr"/>
@@ -1833,7 +1833,7 @@
         <c:noMultiLvlLbl val="0"/>
       </c:catAx>
       <c:valAx>
-        <c:axId val="84281600"/>
+        <c:axId val="88974848"/>
         <c:scaling>
           <c:orientation val="minMax"/>
         </c:scaling>
@@ -1863,7 +1863,7 @@
         <c:majorTickMark val="out"/>
         <c:minorTickMark val="none"/>
         <c:tickLblPos val="nextTo"/>
-        <c:crossAx val="83765888"/>
+        <c:crossAx val="88952192"/>
         <c:crosses val="autoZero"/>
         <c:crossBetween val="between"/>
       </c:valAx>
@@ -2235,11 +2235,11 @@
         </c:dLbls>
         <c:marker val="1"/>
         <c:smooth val="0"/>
-        <c:axId val="71946624"/>
-        <c:axId val="71949696"/>
+        <c:axId val="89013248"/>
+        <c:axId val="89019520"/>
       </c:lineChart>
       <c:catAx>
-        <c:axId val="71946624"/>
+        <c:axId val="89013248"/>
         <c:scaling>
           <c:orientation val="minMax"/>
         </c:scaling>
@@ -2268,7 +2268,7 @@
         <c:majorTickMark val="out"/>
         <c:minorTickMark val="none"/>
         <c:tickLblPos val="nextTo"/>
-        <c:crossAx val="71949696"/>
+        <c:crossAx val="89019520"/>
         <c:crosses val="autoZero"/>
         <c:auto val="1"/>
         <c:lblAlgn val="ctr"/>
@@ -2276,7 +2276,7 @@
         <c:noMultiLvlLbl val="0"/>
       </c:catAx>
       <c:valAx>
-        <c:axId val="71949696"/>
+        <c:axId val="89019520"/>
         <c:scaling>
           <c:orientation val="minMax"/>
         </c:scaling>
@@ -2306,7 +2306,7 @@
         <c:majorTickMark val="out"/>
         <c:minorTickMark val="none"/>
         <c:tickLblPos val="nextTo"/>
-        <c:crossAx val="71946624"/>
+        <c:crossAx val="89013248"/>
         <c:crosses val="autoZero"/>
         <c:crossBetween val="between"/>
       </c:valAx>
@@ -2526,11 +2526,11 @@
         </c:dLbls>
         <c:marker val="1"/>
         <c:smooth val="0"/>
-        <c:axId val="81826944"/>
-        <c:axId val="81828864"/>
+        <c:axId val="89062400"/>
+        <c:axId val="89457792"/>
       </c:lineChart>
       <c:catAx>
-        <c:axId val="81826944"/>
+        <c:axId val="89062400"/>
         <c:scaling>
           <c:orientation val="minMax"/>
         </c:scaling>
@@ -2559,7 +2559,7 @@
         <c:majorTickMark val="out"/>
         <c:minorTickMark val="none"/>
         <c:tickLblPos val="nextTo"/>
-        <c:crossAx val="81828864"/>
+        <c:crossAx val="89457792"/>
         <c:crosses val="autoZero"/>
         <c:auto val="1"/>
         <c:lblAlgn val="ctr"/>
@@ -2567,7 +2567,7 @@
         <c:noMultiLvlLbl val="0"/>
       </c:catAx>
       <c:valAx>
-        <c:axId val="81828864"/>
+        <c:axId val="89457792"/>
         <c:scaling>
           <c:orientation val="minMax"/>
         </c:scaling>
@@ -2597,7 +2597,7 @@
         <c:majorTickMark val="out"/>
         <c:minorTickMark val="none"/>
         <c:tickLblPos val="nextTo"/>
-        <c:crossAx val="81826944"/>
+        <c:crossAx val="89062400"/>
         <c:crosses val="autoZero"/>
         <c:crossBetween val="between"/>
       </c:valAx>
@@ -6323,11 +6323,7 @@
           <a:p>
             <a:r>
               <a:rPr lang="en-IE" dirty="0" smtClean="0"/>
-              <a:t>Increased </a:t>
-            </a:r>
-            <a:r>
-              <a:rPr lang="en-IE" dirty="0" smtClean="0"/>
-              <a:t>Speeds</a:t>
+              <a:t>Increased Speeds</a:t>
             </a:r>
           </a:p>
           <a:p>
@@ -6409,11 +6405,7 @@
           <a:p>
             <a:r>
               <a:rPr lang="en-IE" dirty="0" smtClean="0"/>
-              <a:t>“The Art of Multiprocessor Programming</a:t>
-            </a:r>
-            <a:r>
-              <a:rPr lang="en-IE" dirty="0" smtClean="0"/>
-              <a:t>”- Herlihy &amp; </a:t>
+              <a:t>“The Art of Multiprocessor Programming”- Herlihy &amp; </a:t>
             </a:r>
             <a:r>
               <a:rPr lang="en-IE" dirty="0" err="1" smtClean="0"/>
@@ -6423,16 +6415,11 @@
               <a:rPr lang="en-IE" dirty="0" smtClean="0"/>
               <a:t> - 2008</a:t>
             </a:r>
-            <a:endParaRPr lang="en-IE" dirty="0" smtClean="0"/>
           </a:p>
           <a:p>
             <a:r>
               <a:rPr lang="en-IE" dirty="0" smtClean="0"/>
-              <a:t>“Designing Concurrent Data Structures</a:t>
-            </a:r>
-            <a:r>
-              <a:rPr lang="en-IE" dirty="0" smtClean="0"/>
-              <a:t>” – </a:t>
+              <a:t>“Designing Concurrent Data Structures” – </a:t>
             </a:r>
             <a:r>
               <a:rPr lang="en-IE" dirty="0" err="1" smtClean="0"/>
@@ -6450,16 +6437,11 @@
               <a:rPr lang="en-IE" dirty="0" smtClean="0"/>
               <a:t> - 2001</a:t>
             </a:r>
-            <a:endParaRPr lang="en-IE" dirty="0" smtClean="0"/>
           </a:p>
           <a:p>
             <a:r>
               <a:rPr lang="en-IE" dirty="0" smtClean="0"/>
-              <a:t>“Implementing Concurrent Data Objects</a:t>
-            </a:r>
-            <a:r>
-              <a:rPr lang="en-IE" dirty="0" smtClean="0"/>
-              <a:t>” – Herlihy - 1993</a:t>
+              <a:t>“Implementing Concurrent Data Objects” – Herlihy - 1993</a:t>
             </a:r>
             <a:endParaRPr lang="en-IE" dirty="0"/>
           </a:p>
@@ -6777,7 +6759,6 @@
               <a:rPr lang="en-IE" dirty="0" smtClean="0"/>
               <a:t>Ran each variation on each machine for multiple thread counts</a:t>
             </a:r>
-            <a:endParaRPr lang="en-IE" dirty="0" smtClean="0"/>
           </a:p>
           <a:p>
             <a:r>
@@ -6788,11 +6769,7 @@
           <a:p>
             <a:r>
               <a:rPr lang="en-IE" dirty="0" smtClean="0"/>
-              <a:t>Recorded iterations per </a:t>
-            </a:r>
-            <a:r>
-              <a:rPr lang="en-IE" dirty="0" smtClean="0"/>
-              <a:t>second against number of threads  </a:t>
+              <a:t>Recorded iterations per second against number of threads  </a:t>
             </a:r>
           </a:p>
           <a:p>

--- a/Report/FYP_Presentation.pptx
+++ b/Report/FYP_Presentation.pptx
@@ -5,19 +5,24 @@
     <p:sldMasterId id="2147483648" r:id="rId1"/>
   </p:sldMasterIdLst>
   <p:notesMasterIdLst>
-    <p:notesMasterId r:id="rId12"/>
+    <p:notesMasterId r:id="rId17"/>
   </p:notesMasterIdLst>
   <p:sldIdLst>
     <p:sldId id="256" r:id="rId2"/>
     <p:sldId id="257" r:id="rId3"/>
-    <p:sldId id="258" r:id="rId4"/>
-    <p:sldId id="259" r:id="rId5"/>
-    <p:sldId id="260" r:id="rId6"/>
-    <p:sldId id="265" r:id="rId7"/>
-    <p:sldId id="261" r:id="rId8"/>
-    <p:sldId id="262" r:id="rId9"/>
-    <p:sldId id="264" r:id="rId10"/>
-    <p:sldId id="263" r:id="rId11"/>
+    <p:sldId id="266" r:id="rId4"/>
+    <p:sldId id="258" r:id="rId5"/>
+    <p:sldId id="259" r:id="rId6"/>
+    <p:sldId id="260" r:id="rId7"/>
+    <p:sldId id="267" r:id="rId8"/>
+    <p:sldId id="268" r:id="rId9"/>
+    <p:sldId id="269" r:id="rId10"/>
+    <p:sldId id="270" r:id="rId11"/>
+    <p:sldId id="265" r:id="rId12"/>
+    <p:sldId id="261" r:id="rId13"/>
+    <p:sldId id="262" r:id="rId14"/>
+    <p:sldId id="264" r:id="rId15"/>
+    <p:sldId id="263" r:id="rId16"/>
   </p:sldIdLst>
   <p:sldSz cx="9144000" cy="6858000" type="screen4x3"/>
   <p:notesSz cx="6858000" cy="9144000"/>
@@ -910,11 +915,11 @@
         </c:dLbls>
         <c:marker val="1"/>
         <c:smooth val="0"/>
-        <c:axId val="89086592"/>
-        <c:axId val="89113344"/>
+        <c:axId val="80246656"/>
+        <c:axId val="80265216"/>
       </c:lineChart>
       <c:catAx>
-        <c:axId val="89086592"/>
+        <c:axId val="80246656"/>
         <c:scaling>
           <c:orientation val="minMax"/>
         </c:scaling>
@@ -943,7 +948,7 @@
         <c:majorTickMark val="out"/>
         <c:minorTickMark val="none"/>
         <c:tickLblPos val="nextTo"/>
-        <c:crossAx val="89113344"/>
+        <c:crossAx val="80265216"/>
         <c:crosses val="autoZero"/>
         <c:auto val="1"/>
         <c:lblAlgn val="ctr"/>
@@ -951,7 +956,7 @@
         <c:noMultiLvlLbl val="0"/>
       </c:catAx>
       <c:valAx>
-        <c:axId val="89113344"/>
+        <c:axId val="80265216"/>
         <c:scaling>
           <c:orientation val="minMax"/>
         </c:scaling>
@@ -981,7 +986,7 @@
         <c:majorTickMark val="out"/>
         <c:minorTickMark val="none"/>
         <c:tickLblPos val="nextTo"/>
-        <c:crossAx val="89086592"/>
+        <c:crossAx val="80246656"/>
         <c:crosses val="autoZero"/>
         <c:crossBetween val="between"/>
       </c:valAx>
@@ -1792,11 +1797,11 @@
         </c:dLbls>
         <c:marker val="1"/>
         <c:smooth val="0"/>
-        <c:axId val="88952192"/>
-        <c:axId val="88974848"/>
+        <c:axId val="79063680"/>
+        <c:axId val="79078144"/>
       </c:lineChart>
       <c:catAx>
-        <c:axId val="88952192"/>
+        <c:axId val="79063680"/>
         <c:scaling>
           <c:orientation val="minMax"/>
         </c:scaling>
@@ -1825,7 +1830,7 @@
         <c:majorTickMark val="out"/>
         <c:minorTickMark val="none"/>
         <c:tickLblPos val="nextTo"/>
-        <c:crossAx val="88974848"/>
+        <c:crossAx val="79078144"/>
         <c:crosses val="autoZero"/>
         <c:auto val="1"/>
         <c:lblAlgn val="ctr"/>
@@ -1833,7 +1838,7 @@
         <c:noMultiLvlLbl val="0"/>
       </c:catAx>
       <c:valAx>
-        <c:axId val="88974848"/>
+        <c:axId val="79078144"/>
         <c:scaling>
           <c:orientation val="minMax"/>
         </c:scaling>
@@ -1863,7 +1868,7 @@
         <c:majorTickMark val="out"/>
         <c:minorTickMark val="none"/>
         <c:tickLblPos val="nextTo"/>
-        <c:crossAx val="88952192"/>
+        <c:crossAx val="79063680"/>
         <c:crosses val="autoZero"/>
         <c:crossBetween val="between"/>
       </c:valAx>
@@ -2235,11 +2240,11 @@
         </c:dLbls>
         <c:marker val="1"/>
         <c:smooth val="0"/>
-        <c:axId val="89013248"/>
-        <c:axId val="89019520"/>
+        <c:axId val="79113216"/>
+        <c:axId val="79119488"/>
       </c:lineChart>
       <c:catAx>
-        <c:axId val="89013248"/>
+        <c:axId val="79113216"/>
         <c:scaling>
           <c:orientation val="minMax"/>
         </c:scaling>
@@ -2268,7 +2273,7 @@
         <c:majorTickMark val="out"/>
         <c:minorTickMark val="none"/>
         <c:tickLblPos val="nextTo"/>
-        <c:crossAx val="89019520"/>
+        <c:crossAx val="79119488"/>
         <c:crosses val="autoZero"/>
         <c:auto val="1"/>
         <c:lblAlgn val="ctr"/>
@@ -2276,7 +2281,7 @@
         <c:noMultiLvlLbl val="0"/>
       </c:catAx>
       <c:valAx>
-        <c:axId val="89019520"/>
+        <c:axId val="79119488"/>
         <c:scaling>
           <c:orientation val="minMax"/>
         </c:scaling>
@@ -2306,7 +2311,7 @@
         <c:majorTickMark val="out"/>
         <c:minorTickMark val="none"/>
         <c:tickLblPos val="nextTo"/>
-        <c:crossAx val="89013248"/>
+        <c:crossAx val="79113216"/>
         <c:crosses val="autoZero"/>
         <c:crossBetween val="between"/>
       </c:valAx>
@@ -2526,11 +2531,11 @@
         </c:dLbls>
         <c:marker val="1"/>
         <c:smooth val="0"/>
-        <c:axId val="89062400"/>
-        <c:axId val="89457792"/>
+        <c:axId val="79158272"/>
+        <c:axId val="79164544"/>
       </c:lineChart>
       <c:catAx>
-        <c:axId val="89062400"/>
+        <c:axId val="79158272"/>
         <c:scaling>
           <c:orientation val="minMax"/>
         </c:scaling>
@@ -2559,7 +2564,7 @@
         <c:majorTickMark val="out"/>
         <c:minorTickMark val="none"/>
         <c:tickLblPos val="nextTo"/>
-        <c:crossAx val="89457792"/>
+        <c:crossAx val="79164544"/>
         <c:crosses val="autoZero"/>
         <c:auto val="1"/>
         <c:lblAlgn val="ctr"/>
@@ -2567,7 +2572,7 @@
         <c:noMultiLvlLbl val="0"/>
       </c:catAx>
       <c:valAx>
-        <c:axId val="89457792"/>
+        <c:axId val="79164544"/>
         <c:scaling>
           <c:orientation val="minMax"/>
         </c:scaling>
@@ -2597,7 +2602,7 @@
         <c:majorTickMark val="out"/>
         <c:minorTickMark val="none"/>
         <c:tickLblPos val="nextTo"/>
-        <c:crossAx val="89062400"/>
+        <c:crossAx val="79158272"/>
         <c:crosses val="autoZero"/>
         <c:crossBetween val="between"/>
       </c:valAx>
@@ -2699,7 +2704,7 @@
           <a:p>
             <a:fld id="{BC8F7A16-14FD-4EB5-B1E6-1AFC570F7645}" type="datetimeFigureOut">
               <a:rPr lang="en-IE" smtClean="0"/>
-              <a:t>27/03/2014</a:t>
+              <a:t>29/03/2014</a:t>
             </a:fld>
             <a:endParaRPr lang="en-IE"/>
           </a:p>
@@ -3032,7 +3037,7 @@
           <a:p>
             <a:fld id="{D42002D5-AFB6-45A7-9C98-D628785C3F80}" type="slidenum">
               <a:rPr lang="en-IE" smtClean="0"/>
-              <a:t>8</a:t>
+              <a:t>13</a:t>
             </a:fld>
             <a:endParaRPr lang="en-IE"/>
           </a:p>
@@ -3233,7 +3238,7 @@
             <a:fld id="{1D8BD707-D9CF-40AE-B4C6-C98DA3205C09}" type="datetimeFigureOut">
               <a:rPr lang="en-US" smtClean="0"/>
               <a:pPr/>
-              <a:t>3/27/2014</a:t>
+              <a:t>3/29/2014</a:t>
             </a:fld>
             <a:endParaRPr lang="en-US"/>
           </a:p>
@@ -3400,7 +3405,7 @@
             <a:fld id="{1D8BD707-D9CF-40AE-B4C6-C98DA3205C09}" type="datetimeFigureOut">
               <a:rPr lang="en-US" smtClean="0"/>
               <a:pPr/>
-              <a:t>3/27/2014</a:t>
+              <a:t>3/29/2014</a:t>
             </a:fld>
             <a:endParaRPr lang="en-US"/>
           </a:p>
@@ -3577,7 +3582,7 @@
             <a:fld id="{1D8BD707-D9CF-40AE-B4C6-C98DA3205C09}" type="datetimeFigureOut">
               <a:rPr lang="en-US" smtClean="0"/>
               <a:pPr/>
-              <a:t>3/27/2014</a:t>
+              <a:t>3/29/2014</a:t>
             </a:fld>
             <a:endParaRPr lang="en-US"/>
           </a:p>
@@ -3744,7 +3749,7 @@
             <a:fld id="{1D8BD707-D9CF-40AE-B4C6-C98DA3205C09}" type="datetimeFigureOut">
               <a:rPr lang="en-US" smtClean="0"/>
               <a:pPr/>
-              <a:t>3/27/2014</a:t>
+              <a:t>3/29/2014</a:t>
             </a:fld>
             <a:endParaRPr lang="en-US"/>
           </a:p>
@@ -3987,7 +3992,7 @@
             <a:fld id="{1D8BD707-D9CF-40AE-B4C6-C98DA3205C09}" type="datetimeFigureOut">
               <a:rPr lang="en-US" smtClean="0"/>
               <a:pPr/>
-              <a:t>3/27/2014</a:t>
+              <a:t>3/29/2014</a:t>
             </a:fld>
             <a:endParaRPr lang="en-US"/>
           </a:p>
@@ -4272,7 +4277,7 @@
             <a:fld id="{1D8BD707-D9CF-40AE-B4C6-C98DA3205C09}" type="datetimeFigureOut">
               <a:rPr lang="en-US" smtClean="0"/>
               <a:pPr/>
-              <a:t>3/27/2014</a:t>
+              <a:t>3/29/2014</a:t>
             </a:fld>
             <a:endParaRPr lang="en-US"/>
           </a:p>
@@ -4691,7 +4696,7 @@
             <a:fld id="{1D8BD707-D9CF-40AE-B4C6-C98DA3205C09}" type="datetimeFigureOut">
               <a:rPr lang="en-US" smtClean="0"/>
               <a:pPr/>
-              <a:t>3/27/2014</a:t>
+              <a:t>3/29/2014</a:t>
             </a:fld>
             <a:endParaRPr lang="en-US"/>
           </a:p>
@@ -4806,7 +4811,7 @@
             <a:fld id="{1D8BD707-D9CF-40AE-B4C6-C98DA3205C09}" type="datetimeFigureOut">
               <a:rPr lang="en-US" smtClean="0"/>
               <a:pPr/>
-              <a:t>3/27/2014</a:t>
+              <a:t>3/29/2014</a:t>
             </a:fld>
             <a:endParaRPr lang="en-US"/>
           </a:p>
@@ -4898,7 +4903,7 @@
             <a:fld id="{1D8BD707-D9CF-40AE-B4C6-C98DA3205C09}" type="datetimeFigureOut">
               <a:rPr lang="en-US" smtClean="0"/>
               <a:pPr/>
-              <a:t>3/27/2014</a:t>
+              <a:t>3/29/2014</a:t>
             </a:fld>
             <a:endParaRPr lang="en-US"/>
           </a:p>
@@ -5172,7 +5177,7 @@
             <a:fld id="{1D8BD707-D9CF-40AE-B4C6-C98DA3205C09}" type="datetimeFigureOut">
               <a:rPr lang="en-US" smtClean="0"/>
               <a:pPr/>
-              <a:t>3/27/2014</a:t>
+              <a:t>3/29/2014</a:t>
             </a:fld>
             <a:endParaRPr lang="en-US"/>
           </a:p>
@@ -5422,7 +5427,7 @@
             <a:fld id="{1D8BD707-D9CF-40AE-B4C6-C98DA3205C09}" type="datetimeFigureOut">
               <a:rPr lang="en-US" smtClean="0"/>
               <a:pPr/>
-              <a:t>3/27/2014</a:t>
+              <a:t>3/29/2014</a:t>
             </a:fld>
             <a:endParaRPr lang="en-US"/>
           </a:p>
@@ -5632,7 +5637,7 @@
             <a:fld id="{1D8BD707-D9CF-40AE-B4C6-C98DA3205C09}" type="datetimeFigureOut">
               <a:rPr lang="en-US" smtClean="0"/>
               <a:pPr/>
-              <a:t>3/27/2014</a:t>
+              <a:t>3/29/2014</a:t>
             </a:fld>
             <a:endParaRPr lang="en-US"/>
           </a:p>
@@ -6095,6 +6100,587 @@
           <a:p>
             <a:r>
               <a:rPr lang="en-IE" dirty="0" smtClean="0"/>
+              <a:t>Hash Table</a:t>
+            </a:r>
+            <a:endParaRPr lang="en-IE" dirty="0"/>
+          </a:p>
+        </p:txBody>
+      </p:sp>
+      <p:sp>
+        <p:nvSpPr>
+          <p:cNvPr id="3" name="Content Placeholder 2"/>
+          <p:cNvSpPr>
+            <a:spLocks noGrp="1"/>
+          </p:cNvSpPr>
+          <p:nvPr>
+            <p:ph idx="1"/>
+          </p:nvPr>
+        </p:nvSpPr>
+        <p:spPr/>
+        <p:txBody>
+          <a:bodyPr/>
+          <a:lstStyle/>
+          <a:p>
+            <a:r>
+              <a:rPr lang="en-IE" dirty="0" smtClean="0"/>
+              <a:t>Closed Addressing – Collisions are added onto a linked list</a:t>
+            </a:r>
+          </a:p>
+          <a:p>
+            <a:r>
+              <a:rPr lang="en-IE" smtClean="0"/>
+              <a:t>Contains/Add/Remove/Resize</a:t>
+            </a:r>
+            <a:endParaRPr lang="en-IE" dirty="0" smtClean="0"/>
+          </a:p>
+          <a:p>
+            <a:r>
+              <a:rPr lang="en-IE" dirty="0" smtClean="0"/>
+              <a:t>Globally Locked Hash Table </a:t>
+            </a:r>
+          </a:p>
+          <a:p>
+            <a:r>
+              <a:rPr lang="en-IE" dirty="0" smtClean="0"/>
+              <a:t>Lock Per List </a:t>
+            </a:r>
+          </a:p>
+          <a:p>
+            <a:r>
+              <a:rPr lang="en-IE" dirty="0" smtClean="0"/>
+              <a:t>Lockless</a:t>
+            </a:r>
+            <a:endParaRPr lang="en-IE" dirty="0"/>
+          </a:p>
+        </p:txBody>
+      </p:sp>
+    </p:spTree>
+    <p:extLst>
+      <p:ext uri="{BB962C8B-B14F-4D97-AF65-F5344CB8AC3E}">
+        <p14:creationId xmlns:p14="http://schemas.microsoft.com/office/powerpoint/2010/main" val="227156003"/>
+      </p:ext>
+    </p:extLst>
+  </p:cSld>
+  <p:clrMapOvr>
+    <a:masterClrMapping/>
+  </p:clrMapOvr>
+</p:sld>
+</file>
+
+<file path=ppt/slides/slide11.xml><?xml version="1.0" encoding="utf-8"?>
+<p:sld xmlns:a="http://schemas.openxmlformats.org/drawingml/2006/main" xmlns:r="http://schemas.openxmlformats.org/officeDocument/2006/relationships" xmlns:p="http://schemas.openxmlformats.org/presentationml/2006/main">
+  <p:cSld>
+    <p:spTree>
+      <p:nvGrpSpPr>
+        <p:cNvPr id="1" name=""/>
+        <p:cNvGrpSpPr/>
+        <p:nvPr/>
+      </p:nvGrpSpPr>
+      <p:grpSpPr>
+        <a:xfrm>
+          <a:off x="0" y="0"/>
+          <a:ext cx="0" cy="0"/>
+          <a:chOff x="0" y="0"/>
+          <a:chExt cx="0" cy="0"/>
+        </a:xfrm>
+      </p:grpSpPr>
+      <p:sp>
+        <p:nvSpPr>
+          <p:cNvPr id="2" name="Title 1"/>
+          <p:cNvSpPr>
+            <a:spLocks noGrp="1"/>
+          </p:cNvSpPr>
+          <p:nvPr>
+            <p:ph type="title"/>
+          </p:nvPr>
+        </p:nvSpPr>
+        <p:spPr/>
+        <p:txBody>
+          <a:bodyPr/>
+          <a:lstStyle/>
+          <a:p>
+            <a:r>
+              <a:rPr lang="en-IE" dirty="0" smtClean="0"/>
+              <a:t>Data Structure Variations</a:t>
+            </a:r>
+            <a:endParaRPr lang="en-IE" dirty="0"/>
+          </a:p>
+        </p:txBody>
+      </p:sp>
+      <p:sp>
+        <p:nvSpPr>
+          <p:cNvPr id="3" name="Content Placeholder 2"/>
+          <p:cNvSpPr>
+            <a:spLocks noGrp="1"/>
+          </p:cNvSpPr>
+          <p:nvPr>
+            <p:ph idx="1"/>
+          </p:nvPr>
+        </p:nvSpPr>
+        <p:spPr/>
+        <p:txBody>
+          <a:bodyPr>
+            <a:normAutofit fontScale="77500" lnSpcReduction="20000"/>
+          </a:bodyPr>
+          <a:lstStyle/>
+          <a:p>
+            <a:endParaRPr lang="en-IE" dirty="0" smtClean="0"/>
+          </a:p>
+          <a:p>
+            <a:r>
+              <a:rPr lang="en-IE" dirty="0" smtClean="0"/>
+              <a:t>MPMC Hash Table Closed Addressing</a:t>
+            </a:r>
+          </a:p>
+          <a:p>
+            <a:pPr lvl="1"/>
+            <a:r>
+              <a:rPr lang="en-IE" dirty="0" smtClean="0"/>
+              <a:t>Locked Table</a:t>
+            </a:r>
+          </a:p>
+          <a:p>
+            <a:pPr lvl="1"/>
+            <a:r>
+              <a:rPr lang="en-IE" dirty="0" smtClean="0"/>
+              <a:t>Lock per Bucket</a:t>
+            </a:r>
+          </a:p>
+          <a:p>
+            <a:pPr lvl="1"/>
+            <a:r>
+              <a:rPr lang="en-IE" dirty="0" smtClean="0"/>
+              <a:t>Lockless</a:t>
+            </a:r>
+          </a:p>
+          <a:p>
+            <a:r>
+              <a:rPr lang="en-IE" dirty="0" smtClean="0"/>
+              <a:t>MPMC Linked List</a:t>
+            </a:r>
+          </a:p>
+          <a:p>
+            <a:pPr lvl="1"/>
+            <a:r>
+              <a:rPr lang="en-IE" dirty="0" smtClean="0"/>
+              <a:t>Single Link Regular Locked/Lockless</a:t>
+            </a:r>
+          </a:p>
+          <a:p>
+            <a:pPr lvl="1"/>
+            <a:r>
+              <a:rPr lang="en-IE" dirty="0" smtClean="0"/>
+              <a:t>Double Link Buffer Locked/Lockless</a:t>
+            </a:r>
+          </a:p>
+          <a:p>
+            <a:pPr lvl="1"/>
+            <a:r>
+              <a:rPr lang="en-IE" dirty="0" smtClean="0"/>
+              <a:t>Single Link Buffer Locked/Lockless</a:t>
+            </a:r>
+          </a:p>
+          <a:p>
+            <a:r>
+              <a:rPr lang="en-IE" dirty="0" smtClean="0"/>
+              <a:t>Ring Buffer</a:t>
+            </a:r>
+          </a:p>
+          <a:p>
+            <a:pPr lvl="1"/>
+            <a:r>
+              <a:rPr lang="en-IE" dirty="0" smtClean="0"/>
+              <a:t>MPMC Locked</a:t>
+            </a:r>
+          </a:p>
+          <a:p>
+            <a:pPr lvl="1"/>
+            <a:r>
+              <a:rPr lang="en-IE" dirty="0" smtClean="0"/>
+              <a:t>SPSC Lockless</a:t>
+            </a:r>
+          </a:p>
+          <a:p>
+            <a:pPr lvl="1"/>
+            <a:endParaRPr lang="en-IE" dirty="0"/>
+          </a:p>
+        </p:txBody>
+      </p:sp>
+    </p:spTree>
+    <p:extLst>
+      <p:ext uri="{BB962C8B-B14F-4D97-AF65-F5344CB8AC3E}">
+        <p14:creationId xmlns:p14="http://schemas.microsoft.com/office/powerpoint/2010/main" val="546634564"/>
+      </p:ext>
+    </p:extLst>
+  </p:cSld>
+  <p:clrMapOvr>
+    <a:masterClrMapping/>
+  </p:clrMapOvr>
+</p:sld>
+</file>
+
+<file path=ppt/slides/slide12.xml><?xml version="1.0" encoding="utf-8"?>
+<p:sld xmlns:a="http://schemas.openxmlformats.org/drawingml/2006/main" xmlns:r="http://schemas.openxmlformats.org/officeDocument/2006/relationships" xmlns:p="http://schemas.openxmlformats.org/presentationml/2006/main">
+  <p:cSld>
+    <p:spTree>
+      <p:nvGrpSpPr>
+        <p:cNvPr id="1" name=""/>
+        <p:cNvGrpSpPr/>
+        <p:nvPr/>
+      </p:nvGrpSpPr>
+      <p:grpSpPr>
+        <a:xfrm>
+          <a:off x="0" y="0"/>
+          <a:ext cx="0" cy="0"/>
+          <a:chOff x="0" y="0"/>
+          <a:chExt cx="0" cy="0"/>
+        </a:xfrm>
+      </p:grpSpPr>
+      <p:sp>
+        <p:nvSpPr>
+          <p:cNvPr id="2" name="Title 1"/>
+          <p:cNvSpPr>
+            <a:spLocks noGrp="1"/>
+          </p:cNvSpPr>
+          <p:nvPr>
+            <p:ph type="title"/>
+          </p:nvPr>
+        </p:nvSpPr>
+        <p:spPr/>
+        <p:txBody>
+          <a:bodyPr/>
+          <a:lstStyle/>
+          <a:p>
+            <a:r>
+              <a:rPr lang="en-IE" dirty="0" smtClean="0"/>
+              <a:t>Evaluation</a:t>
+            </a:r>
+            <a:endParaRPr lang="en-IE" dirty="0"/>
+          </a:p>
+        </p:txBody>
+      </p:sp>
+      <p:sp>
+        <p:nvSpPr>
+          <p:cNvPr id="3" name="Content Placeholder 2"/>
+          <p:cNvSpPr>
+            <a:spLocks noGrp="1"/>
+          </p:cNvSpPr>
+          <p:nvPr>
+            <p:ph idx="1"/>
+          </p:nvPr>
+        </p:nvSpPr>
+        <p:spPr/>
+        <p:txBody>
+          <a:bodyPr/>
+          <a:lstStyle/>
+          <a:p>
+            <a:r>
+              <a:rPr lang="en-IE" dirty="0" smtClean="0"/>
+              <a:t>Ran each variation on each machine for multiple thread counts</a:t>
+            </a:r>
+          </a:p>
+          <a:p>
+            <a:r>
+              <a:rPr lang="en-IE" dirty="0" smtClean="0"/>
+              <a:t>Thread count went from 1-128</a:t>
+            </a:r>
+          </a:p>
+          <a:p>
+            <a:r>
+              <a:rPr lang="en-IE" dirty="0" smtClean="0"/>
+              <a:t>Recorded iterations per second against number of threads  </a:t>
+            </a:r>
+          </a:p>
+          <a:p>
+            <a:r>
+              <a:rPr lang="en-IE" dirty="0" smtClean="0"/>
+              <a:t>Used </a:t>
+            </a:r>
+            <a:r>
+              <a:rPr lang="en-IE" dirty="0" err="1" smtClean="0"/>
+              <a:t>Perf</a:t>
+            </a:r>
+            <a:r>
+              <a:rPr lang="en-IE" dirty="0" smtClean="0"/>
+              <a:t> to record cache misses, </a:t>
+            </a:r>
+            <a:r>
+              <a:rPr lang="en-IE" dirty="0" err="1" smtClean="0"/>
+              <a:t>cpu</a:t>
+            </a:r>
+            <a:r>
+              <a:rPr lang="en-IE" dirty="0" smtClean="0"/>
+              <a:t> cycles etc…</a:t>
+            </a:r>
+            <a:endParaRPr lang="en-IE" dirty="0"/>
+          </a:p>
+        </p:txBody>
+      </p:sp>
+    </p:spTree>
+    <p:extLst>
+      <p:ext uri="{BB962C8B-B14F-4D97-AF65-F5344CB8AC3E}">
+        <p14:creationId xmlns:p14="http://schemas.microsoft.com/office/powerpoint/2010/main" val="792295864"/>
+      </p:ext>
+    </p:extLst>
+  </p:cSld>
+  <p:clrMapOvr>
+    <a:masterClrMapping/>
+  </p:clrMapOvr>
+  <p:timing>
+    <p:tnLst>
+      <p:par>
+        <p:cTn id="1" dur="indefinite" restart="never" nodeType="tmRoot"/>
+      </p:par>
+    </p:tnLst>
+  </p:timing>
+</p:sld>
+</file>
+
+<file path=ppt/slides/slide13.xml><?xml version="1.0" encoding="utf-8"?>
+<p:sld xmlns:a="http://schemas.openxmlformats.org/drawingml/2006/main" xmlns:r="http://schemas.openxmlformats.org/officeDocument/2006/relationships" xmlns:p="http://schemas.openxmlformats.org/presentationml/2006/main">
+  <p:cSld>
+    <p:spTree>
+      <p:nvGrpSpPr>
+        <p:cNvPr id="1" name=""/>
+        <p:cNvGrpSpPr/>
+        <p:nvPr/>
+      </p:nvGrpSpPr>
+      <p:grpSpPr>
+        <a:xfrm>
+          <a:off x="0" y="0"/>
+          <a:ext cx="0" cy="0"/>
+          <a:chOff x="0" y="0"/>
+          <a:chExt cx="0" cy="0"/>
+        </a:xfrm>
+      </p:grpSpPr>
+      <p:sp>
+        <p:nvSpPr>
+          <p:cNvPr id="2" name="Title 1"/>
+          <p:cNvSpPr>
+            <a:spLocks noGrp="1"/>
+          </p:cNvSpPr>
+          <p:nvPr>
+            <p:ph type="title"/>
+          </p:nvPr>
+        </p:nvSpPr>
+        <p:spPr/>
+        <p:txBody>
+          <a:bodyPr/>
+          <a:lstStyle/>
+          <a:p>
+            <a:r>
+              <a:rPr lang="en-IE" dirty="0" smtClean="0"/>
+              <a:t>Results &amp; Analysis</a:t>
+            </a:r>
+            <a:endParaRPr lang="en-IE" dirty="0"/>
+          </a:p>
+        </p:txBody>
+      </p:sp>
+      <p:graphicFrame>
+        <p:nvGraphicFramePr>
+          <p:cNvPr id="6" name="Chart 5"/>
+          <p:cNvGraphicFramePr>
+            <a:graphicFrameLocks/>
+          </p:cNvGraphicFramePr>
+          <p:nvPr>
+            <p:extLst>
+              <p:ext uri="{D42A27DB-BD31-4B8C-83A1-F6EECF244321}">
+                <p14:modId xmlns:p14="http://schemas.microsoft.com/office/powerpoint/2010/main" val="2500187400"/>
+              </p:ext>
+            </p:extLst>
+          </p:nvPr>
+        </p:nvGraphicFramePr>
+        <p:xfrm>
+          <a:off x="4495800" y="1600200"/>
+          <a:ext cx="4191000" cy="4572000"/>
+        </p:xfrm>
+        <a:graphic>
+          <a:graphicData uri="http://schemas.openxmlformats.org/drawingml/2006/chart">
+            <c:chart xmlns:c="http://schemas.openxmlformats.org/drawingml/2006/chart" xmlns:r="http://schemas.openxmlformats.org/officeDocument/2006/relationships" r:id="rId3"/>
+          </a:graphicData>
+        </a:graphic>
+      </p:graphicFrame>
+      <p:graphicFrame>
+        <p:nvGraphicFramePr>
+          <p:cNvPr id="7" name="Content Placeholder 6"/>
+          <p:cNvGraphicFramePr>
+            <a:graphicFrameLocks noGrp="1"/>
+          </p:cNvGraphicFramePr>
+          <p:nvPr>
+            <p:ph idx="1"/>
+            <p:extLst>
+              <p:ext uri="{D42A27DB-BD31-4B8C-83A1-F6EECF244321}">
+                <p14:modId xmlns:p14="http://schemas.microsoft.com/office/powerpoint/2010/main" val="4119368994"/>
+              </p:ext>
+            </p:extLst>
+          </p:nvPr>
+        </p:nvGraphicFramePr>
+        <p:xfrm>
+          <a:off x="457200" y="1600200"/>
+          <a:ext cx="4343400" cy="4525963"/>
+        </p:xfrm>
+        <a:graphic>
+          <a:graphicData uri="http://schemas.openxmlformats.org/drawingml/2006/chart">
+            <c:chart xmlns:c="http://schemas.openxmlformats.org/drawingml/2006/chart" xmlns:r="http://schemas.openxmlformats.org/officeDocument/2006/relationships" r:id="rId4"/>
+          </a:graphicData>
+        </a:graphic>
+      </p:graphicFrame>
+    </p:spTree>
+    <p:extLst>
+      <p:ext uri="{BB962C8B-B14F-4D97-AF65-F5344CB8AC3E}">
+        <p14:creationId xmlns:p14="http://schemas.microsoft.com/office/powerpoint/2010/main" val="1432556800"/>
+      </p:ext>
+    </p:extLst>
+  </p:cSld>
+  <p:clrMapOvr>
+    <a:masterClrMapping/>
+  </p:clrMapOvr>
+  <p:timing>
+    <p:tnLst>
+      <p:par>
+        <p:cTn id="1" dur="indefinite" restart="never" nodeType="tmRoot"/>
+      </p:par>
+    </p:tnLst>
+  </p:timing>
+</p:sld>
+</file>
+
+<file path=ppt/slides/slide14.xml><?xml version="1.0" encoding="utf-8"?>
+<p:sld xmlns:a="http://schemas.openxmlformats.org/drawingml/2006/main" xmlns:r="http://schemas.openxmlformats.org/officeDocument/2006/relationships" xmlns:p="http://schemas.openxmlformats.org/presentationml/2006/main">
+  <p:cSld>
+    <p:spTree>
+      <p:nvGrpSpPr>
+        <p:cNvPr id="1" name=""/>
+        <p:cNvGrpSpPr/>
+        <p:nvPr/>
+      </p:nvGrpSpPr>
+      <p:grpSpPr>
+        <a:xfrm>
+          <a:off x="0" y="0"/>
+          <a:ext cx="0" cy="0"/>
+          <a:chOff x="0" y="0"/>
+          <a:chExt cx="0" cy="0"/>
+        </a:xfrm>
+      </p:grpSpPr>
+      <p:sp>
+        <p:nvSpPr>
+          <p:cNvPr id="2" name="Title 1"/>
+          <p:cNvSpPr>
+            <a:spLocks noGrp="1"/>
+          </p:cNvSpPr>
+          <p:nvPr>
+            <p:ph type="title"/>
+          </p:nvPr>
+        </p:nvSpPr>
+        <p:spPr/>
+        <p:txBody>
+          <a:bodyPr/>
+          <a:lstStyle/>
+          <a:p>
+            <a:r>
+              <a:rPr lang="en-IE" dirty="0" smtClean="0"/>
+              <a:t>Results &amp; Analysis</a:t>
+            </a:r>
+            <a:endParaRPr lang="en-IE" dirty="0"/>
+          </a:p>
+        </p:txBody>
+      </p:sp>
+      <p:graphicFrame>
+        <p:nvGraphicFramePr>
+          <p:cNvPr id="9" name="Content Placeholder 8"/>
+          <p:cNvGraphicFramePr>
+            <a:graphicFrameLocks noGrp="1"/>
+          </p:cNvGraphicFramePr>
+          <p:nvPr>
+            <p:ph idx="1"/>
+            <p:extLst>
+              <p:ext uri="{D42A27DB-BD31-4B8C-83A1-F6EECF244321}">
+                <p14:modId xmlns:p14="http://schemas.microsoft.com/office/powerpoint/2010/main" val="2781748911"/>
+              </p:ext>
+            </p:extLst>
+          </p:nvPr>
+        </p:nvGraphicFramePr>
+        <p:xfrm>
+          <a:off x="457200" y="1600200"/>
+          <a:ext cx="3505200" cy="4525963"/>
+        </p:xfrm>
+        <a:graphic>
+          <a:graphicData uri="http://schemas.openxmlformats.org/drawingml/2006/chart">
+            <c:chart xmlns:c="http://schemas.openxmlformats.org/drawingml/2006/chart" xmlns:r="http://schemas.openxmlformats.org/officeDocument/2006/relationships" r:id="rId2"/>
+          </a:graphicData>
+        </a:graphic>
+      </p:graphicFrame>
+      <p:graphicFrame>
+        <p:nvGraphicFramePr>
+          <p:cNvPr id="10" name="Chart 9"/>
+          <p:cNvGraphicFramePr>
+            <a:graphicFrameLocks/>
+          </p:cNvGraphicFramePr>
+          <p:nvPr>
+            <p:extLst>
+              <p:ext uri="{D42A27DB-BD31-4B8C-83A1-F6EECF244321}">
+                <p14:modId xmlns:p14="http://schemas.microsoft.com/office/powerpoint/2010/main" val="2761141773"/>
+              </p:ext>
+            </p:extLst>
+          </p:nvPr>
+        </p:nvGraphicFramePr>
+        <p:xfrm>
+          <a:off x="4191000" y="1676400"/>
+          <a:ext cx="4953000" cy="5029200"/>
+        </p:xfrm>
+        <a:graphic>
+          <a:graphicData uri="http://schemas.openxmlformats.org/drawingml/2006/chart">
+            <c:chart xmlns:c="http://schemas.openxmlformats.org/drawingml/2006/chart" xmlns:r="http://schemas.openxmlformats.org/officeDocument/2006/relationships" r:id="rId3"/>
+          </a:graphicData>
+        </a:graphic>
+      </p:graphicFrame>
+    </p:spTree>
+    <p:extLst>
+      <p:ext uri="{BB962C8B-B14F-4D97-AF65-F5344CB8AC3E}">
+        <p14:creationId xmlns:p14="http://schemas.microsoft.com/office/powerpoint/2010/main" val="469012117"/>
+      </p:ext>
+    </p:extLst>
+  </p:cSld>
+  <p:clrMapOvr>
+    <a:masterClrMapping/>
+  </p:clrMapOvr>
+</p:sld>
+</file>
+
+<file path=ppt/slides/slide15.xml><?xml version="1.0" encoding="utf-8"?>
+<p:sld xmlns:a="http://schemas.openxmlformats.org/drawingml/2006/main" xmlns:r="http://schemas.openxmlformats.org/officeDocument/2006/relationships" xmlns:p="http://schemas.openxmlformats.org/presentationml/2006/main">
+  <p:cSld>
+    <p:spTree>
+      <p:nvGrpSpPr>
+        <p:cNvPr id="1" name=""/>
+        <p:cNvGrpSpPr/>
+        <p:nvPr/>
+      </p:nvGrpSpPr>
+      <p:grpSpPr>
+        <a:xfrm>
+          <a:off x="0" y="0"/>
+          <a:ext cx="0" cy="0"/>
+          <a:chOff x="0" y="0"/>
+          <a:chExt cx="0" cy="0"/>
+        </a:xfrm>
+      </p:grpSpPr>
+      <p:sp>
+        <p:nvSpPr>
+          <p:cNvPr id="2" name="Title 1"/>
+          <p:cNvSpPr>
+            <a:spLocks noGrp="1"/>
+          </p:cNvSpPr>
+          <p:nvPr>
+            <p:ph type="title"/>
+          </p:nvPr>
+        </p:nvSpPr>
+        <p:spPr/>
+        <p:txBody>
+          <a:bodyPr/>
+          <a:lstStyle/>
+          <a:p>
+            <a:r>
+              <a:rPr lang="en-IE" dirty="0" smtClean="0"/>
               <a:t>What have </a:t>
             </a:r>
             <a:r>
@@ -6222,28 +6808,34 @@
           <a:p>
             <a:r>
               <a:rPr lang="en-IE" dirty="0" smtClean="0"/>
-              <a:t>Plenty of work done on how to implement concurrent objects</a:t>
+              <a:t>Concurrent Data Structure – Designed for access by multiple threads</a:t>
             </a:r>
           </a:p>
           <a:p>
             <a:r>
               <a:rPr lang="en-IE" dirty="0" smtClean="0"/>
-              <a:t>Not much </a:t>
-            </a:r>
-            <a:r>
-              <a:rPr lang="en-IE" smtClean="0"/>
-              <a:t>data on comparing </a:t>
+              <a:t>Plenty </a:t>
             </a:r>
             <a:r>
               <a:rPr lang="en-IE" dirty="0" smtClean="0"/>
-              <a:t>the different types of concurrent data structure</a:t>
-            </a:r>
-          </a:p>
-          <a:p>
+              <a:t>of work done on how to implement concurrent </a:t>
+            </a:r>
             <a:r>
               <a:rPr lang="en-IE" dirty="0" smtClean="0"/>
-              <a:t>Locked, Lock-free, Wait-free</a:t>
-            </a:r>
+              <a:t>data structures</a:t>
+            </a:r>
+            <a:endParaRPr lang="en-IE" dirty="0" smtClean="0"/>
+          </a:p>
+          <a:p>
+            <a:r>
+              <a:rPr lang="en-IE" dirty="0" smtClean="0"/>
+              <a:t>Not much data on comparing the different types of concurrent data </a:t>
+            </a:r>
+            <a:r>
+              <a:rPr lang="en-IE" dirty="0" smtClean="0"/>
+              <a:t>structure</a:t>
+            </a:r>
+            <a:endParaRPr lang="en-IE" dirty="0" smtClean="0"/>
           </a:p>
         </p:txBody>
       </p:sp>
@@ -6294,7 +6886,7 @@
           <a:p>
             <a:r>
               <a:rPr lang="en-IE" dirty="0" smtClean="0"/>
-              <a:t>Why is it Important?</a:t>
+              <a:t>Locking Algorithms</a:t>
             </a:r>
             <a:endParaRPr lang="en-IE" dirty="0"/>
           </a:p>
@@ -6317,19 +6909,19 @@
           <a:p>
             <a:r>
               <a:rPr lang="en-IE" dirty="0" smtClean="0"/>
-              <a:t>Potential for high scalability</a:t>
+              <a:t>Locked – Uses mutexes, semaphores to acquire a lock, blocks threads that do not have the lock</a:t>
             </a:r>
           </a:p>
           <a:p>
             <a:r>
               <a:rPr lang="en-IE" dirty="0" smtClean="0"/>
-              <a:t>Increased Speeds</a:t>
+              <a:t>Lock Free – Uses atomic instructions such as compare-and-swap. Guarantees system-wide throughput with the chance of starvation</a:t>
             </a:r>
           </a:p>
           <a:p>
             <a:r>
               <a:rPr lang="en-IE" dirty="0" smtClean="0"/>
-              <a:t>Know when to apply different locking techniques</a:t>
+              <a:t>Wait Free – Similar to lock free but is also starvation free</a:t>
             </a:r>
             <a:endParaRPr lang="en-IE" dirty="0"/>
           </a:p>
@@ -6338,7 +6930,7 @@
     </p:spTree>
     <p:extLst>
       <p:ext uri="{BB962C8B-B14F-4D97-AF65-F5344CB8AC3E}">
-        <p14:creationId xmlns:p14="http://schemas.microsoft.com/office/powerpoint/2010/main" val="3358584582"/>
+        <p14:creationId xmlns:p14="http://schemas.microsoft.com/office/powerpoint/2010/main" val="1363304196"/>
       </p:ext>
     </p:extLst>
   </p:cSld>
@@ -6377,72 +6969,65 @@
         </p:nvSpPr>
         <p:spPr/>
         <p:txBody>
+          <a:bodyPr>
+            <a:normAutofit fontScale="90000"/>
+          </a:bodyPr>
+          <a:lstStyle/>
+          <a:p>
+            <a:r>
+              <a:rPr lang="en-IE" dirty="0" smtClean="0"/>
+              <a:t>Why </a:t>
+            </a:r>
+            <a:r>
+              <a:rPr lang="en-IE" dirty="0" smtClean="0"/>
+              <a:t>are Concurrent Data </a:t>
+            </a:r>
+            <a:br>
+              <a:rPr lang="en-IE" dirty="0" smtClean="0"/>
+            </a:br>
+            <a:r>
+              <a:rPr lang="en-IE" dirty="0" smtClean="0"/>
+              <a:t>Structures Important</a:t>
+            </a:r>
+            <a:r>
+              <a:rPr lang="en-IE" dirty="0" smtClean="0"/>
+              <a:t>?</a:t>
+            </a:r>
+            <a:endParaRPr lang="en-IE" dirty="0"/>
+          </a:p>
+        </p:txBody>
+      </p:sp>
+      <p:sp>
+        <p:nvSpPr>
+          <p:cNvPr id="3" name="Content Placeholder 2"/>
+          <p:cNvSpPr>
+            <a:spLocks noGrp="1"/>
+          </p:cNvSpPr>
+          <p:nvPr>
+            <p:ph idx="1"/>
+          </p:nvPr>
+        </p:nvSpPr>
+        <p:spPr/>
+        <p:txBody>
           <a:bodyPr/>
           <a:lstStyle/>
           <a:p>
             <a:r>
               <a:rPr lang="en-IE" dirty="0" smtClean="0"/>
-              <a:t>Others’ Work</a:t>
-            </a:r>
-            <a:endParaRPr lang="en-IE" dirty="0"/>
-          </a:p>
-        </p:txBody>
-      </p:sp>
-      <p:sp>
-        <p:nvSpPr>
-          <p:cNvPr id="3" name="Content Placeholder 2"/>
-          <p:cNvSpPr>
-            <a:spLocks noGrp="1"/>
-          </p:cNvSpPr>
-          <p:nvPr>
-            <p:ph idx="1"/>
-          </p:nvPr>
-        </p:nvSpPr>
-        <p:spPr/>
-        <p:txBody>
-          <a:bodyPr/>
-          <a:lstStyle/>
+              <a:t>Potential for high scalability</a:t>
+            </a:r>
+          </a:p>
           <a:p>
             <a:r>
               <a:rPr lang="en-IE" dirty="0" smtClean="0"/>
-              <a:t>“The Art of Multiprocessor Programming”- Herlihy &amp; </a:t>
-            </a:r>
-            <a:r>
-              <a:rPr lang="en-IE" dirty="0" err="1" smtClean="0"/>
-              <a:t>Shavit</a:t>
-            </a:r>
-            <a:r>
-              <a:rPr lang="en-IE" dirty="0" smtClean="0"/>
-              <a:t> - 2008</a:t>
-            </a:r>
-          </a:p>
-          <a:p>
-            <a:r>
-              <a:rPr lang="en-IE" dirty="0" smtClean="0"/>
-              <a:t>“Designing Concurrent Data Structures” – </a:t>
-            </a:r>
-            <a:r>
-              <a:rPr lang="en-IE" dirty="0" err="1" smtClean="0"/>
-              <a:t>Moir</a:t>
-            </a:r>
-            <a:r>
-              <a:rPr lang="en-IE" dirty="0" smtClean="0"/>
-              <a:t> &amp; </a:t>
-            </a:r>
-            <a:r>
-              <a:rPr lang="en-IE" dirty="0" err="1" smtClean="0"/>
-              <a:t>Shavit</a:t>
-            </a:r>
-            <a:r>
-              <a:rPr lang="en-IE" dirty="0" smtClean="0"/>
-              <a:t> - 2001</a:t>
-            </a:r>
-          </a:p>
-          <a:p>
-            <a:r>
-              <a:rPr lang="en-IE" dirty="0" smtClean="0"/>
-              <a:t>“Implementing Concurrent Data Objects” – Herlihy - 1993</a:t>
-            </a:r>
+              <a:t>Better performance than serial implementations of the same data structure</a:t>
+            </a:r>
+            <a:endParaRPr lang="en-IE" dirty="0" smtClean="0"/>
+          </a:p>
+          <a:p>
+            <a:pPr marL="0" indent="0">
+              <a:buNone/>
+            </a:pPr>
             <a:endParaRPr lang="en-IE" dirty="0"/>
           </a:p>
         </p:txBody>
@@ -6450,7 +7035,7 @@
     </p:spTree>
     <p:extLst>
       <p:ext uri="{BB962C8B-B14F-4D97-AF65-F5344CB8AC3E}">
-        <p14:creationId xmlns:p14="http://schemas.microsoft.com/office/powerpoint/2010/main" val="330873260"/>
+        <p14:creationId xmlns:p14="http://schemas.microsoft.com/office/powerpoint/2010/main" val="3358584582"/>
       </p:ext>
     </p:extLst>
   </p:cSld>
@@ -6494,7 +7079,7 @@
           <a:p>
             <a:r>
               <a:rPr lang="en-IE" dirty="0" smtClean="0"/>
-              <a:t>What I have Done</a:t>
+              <a:t>Background Work</a:t>
             </a:r>
             <a:endParaRPr lang="en-IE" dirty="0"/>
           </a:p>
@@ -6517,19 +7102,57 @@
           <a:p>
             <a:r>
               <a:rPr lang="en-IE" dirty="0" smtClean="0"/>
-              <a:t>Implemented 3 concurrent data structures</a:t>
-            </a:r>
-          </a:p>
-          <a:p>
+              <a:t>Some of my r</a:t>
+            </a:r>
             <a:r>
               <a:rPr lang="en-IE" dirty="0" smtClean="0"/>
-              <a:t>Implemented both locked and lock-free variations</a:t>
+              <a:t>eferences:</a:t>
             </a:r>
           </a:p>
           <a:p>
             <a:r>
               <a:rPr lang="en-IE" dirty="0" smtClean="0"/>
-              <a:t>Tested &amp; compared them on 3 different systems</a:t>
+              <a:t>“</a:t>
+            </a:r>
+            <a:r>
+              <a:rPr lang="en-IE" dirty="0" smtClean="0"/>
+              <a:t>The Art of Multiprocessor Programming”- Herlihy &amp; </a:t>
+            </a:r>
+            <a:r>
+              <a:rPr lang="en-IE" dirty="0" err="1" smtClean="0"/>
+              <a:t>Shavit</a:t>
+            </a:r>
+            <a:r>
+              <a:rPr lang="en-IE" dirty="0" smtClean="0"/>
+              <a:t> - 2008</a:t>
+            </a:r>
+          </a:p>
+          <a:p>
+            <a:r>
+              <a:rPr lang="en-IE" dirty="0" smtClean="0"/>
+              <a:t>“Designing Concurrent Data Structures” – </a:t>
+            </a:r>
+            <a:r>
+              <a:rPr lang="en-IE" dirty="0" err="1" smtClean="0"/>
+              <a:t>Moir</a:t>
+            </a:r>
+            <a:r>
+              <a:rPr lang="en-IE" dirty="0" smtClean="0"/>
+              <a:t> &amp; </a:t>
+            </a:r>
+            <a:r>
+              <a:rPr lang="en-IE" dirty="0" err="1" smtClean="0"/>
+              <a:t>Shavit</a:t>
+            </a:r>
+            <a:r>
+              <a:rPr lang="en-IE" dirty="0" smtClean="0"/>
+              <a:t> - 2001</a:t>
+            </a:r>
+          </a:p>
+          <a:p>
+            <a:r>
+              <a:rPr lang="en-IE" dirty="0" smtClean="0"/>
+              <a:t>“Implementing Concurrent Data Objects” – Herlihy - 1993</a:t>
             </a:r>
             <a:endParaRPr lang="en-IE" dirty="0"/>
           </a:p>
@@ -6538,7 +7161,7 @@
     </p:spTree>
     <p:extLst>
       <p:ext uri="{BB962C8B-B14F-4D97-AF65-F5344CB8AC3E}">
-        <p14:creationId xmlns:p14="http://schemas.microsoft.com/office/powerpoint/2010/main" val="351189580"/>
+        <p14:creationId xmlns:p14="http://schemas.microsoft.com/office/powerpoint/2010/main" val="330873260"/>
       </p:ext>
     </p:extLst>
   </p:cSld>
@@ -6582,7 +7205,7 @@
           <a:p>
             <a:r>
               <a:rPr lang="en-IE" dirty="0" smtClean="0"/>
-              <a:t>Data Structure Variations</a:t>
+              <a:t>What I have Done</a:t>
             </a:r>
             <a:endParaRPr lang="en-IE" dirty="0"/>
           </a:p>
@@ -6601,67 +7224,21 @@
         <p:spPr/>
         <p:txBody>
           <a:bodyPr>
-            <a:normAutofit fontScale="77500" lnSpcReduction="20000"/>
+            <a:normAutofit fontScale="92500"/>
           </a:bodyPr>
           <a:lstStyle/>
           <a:p>
-            <a:endParaRPr lang="en-IE" dirty="0" smtClean="0"/>
-          </a:p>
-          <a:p>
             <a:r>
               <a:rPr lang="en-IE" dirty="0" smtClean="0"/>
-              <a:t>MPMC Hash Table Closed Addressing</a:t>
+              <a:t>Implemented 3 concurrent data </a:t>
+            </a:r>
+            <a:r>
+              <a:rPr lang="en-IE" dirty="0" smtClean="0"/>
+              <a:t>structures</a:t>
             </a:r>
           </a:p>
           <a:p>
             <a:pPr lvl="1"/>
-            <a:r>
-              <a:rPr lang="en-IE" dirty="0" smtClean="0"/>
-              <a:t>Locked Table</a:t>
-            </a:r>
-          </a:p>
-          <a:p>
-            <a:pPr lvl="1"/>
-            <a:r>
-              <a:rPr lang="en-IE" dirty="0" smtClean="0"/>
-              <a:t>Lock per Bucket</a:t>
-            </a:r>
-          </a:p>
-          <a:p>
-            <a:pPr lvl="1"/>
-            <a:r>
-              <a:rPr lang="en-IE" dirty="0" smtClean="0"/>
-              <a:t>Lockless</a:t>
-            </a:r>
-          </a:p>
-          <a:p>
-            <a:r>
-              <a:rPr lang="en-IE" dirty="0" smtClean="0"/>
-              <a:t>MPMC Linked List</a:t>
-            </a:r>
-          </a:p>
-          <a:p>
-            <a:pPr lvl="1"/>
-            <a:r>
-              <a:rPr lang="en-IE" dirty="0" smtClean="0"/>
-              <a:t>Single Link Regular Locked/Lockless</a:t>
-            </a:r>
-          </a:p>
-          <a:p>
-            <a:pPr lvl="1"/>
-            <a:r>
-              <a:rPr lang="en-IE" dirty="0" smtClean="0"/>
-              <a:t>Double Link Buffer Locked/Lockless</a:t>
-            </a:r>
-          </a:p>
-          <a:p>
-            <a:pPr lvl="1"/>
-            <a:r>
-              <a:rPr lang="en-IE" dirty="0" smtClean="0"/>
-              <a:t>Single Link Buffer Locked/Lockless</a:t>
-            </a:r>
-          </a:p>
-          <a:p>
             <a:r>
               <a:rPr lang="en-IE" dirty="0" smtClean="0"/>
               <a:t>Ring Buffer</a:t>
@@ -6671,18 +7248,58 @@
             <a:pPr lvl="1"/>
             <a:r>
               <a:rPr lang="en-IE" dirty="0" smtClean="0"/>
-              <a:t>MPMC Locked</a:t>
+              <a:t>Linked List</a:t>
             </a:r>
           </a:p>
           <a:p>
             <a:pPr lvl="1"/>
             <a:r>
               <a:rPr lang="en-IE" dirty="0" smtClean="0"/>
-              <a:t>SPSC Lockless</a:t>
+              <a:t>Hash Table</a:t>
+            </a:r>
+            <a:endParaRPr lang="en-IE" dirty="0" smtClean="0"/>
+          </a:p>
+          <a:p>
+            <a:r>
+              <a:rPr lang="en-IE" dirty="0" smtClean="0"/>
+              <a:t>Implemented both locked and </a:t>
+            </a:r>
+            <a:r>
+              <a:rPr lang="en-IE" dirty="0" smtClean="0"/>
+              <a:t>lockless variations</a:t>
+            </a:r>
+            <a:endParaRPr lang="en-IE" dirty="0" smtClean="0"/>
+          </a:p>
+          <a:p>
+            <a:r>
+              <a:rPr lang="en-IE" dirty="0" smtClean="0"/>
+              <a:t>Tested &amp; compared them on 3 different </a:t>
+            </a:r>
+            <a:r>
+              <a:rPr lang="en-IE" dirty="0" smtClean="0"/>
+              <a:t>systems</a:t>
             </a:r>
           </a:p>
           <a:p>
             <a:pPr lvl="1"/>
+            <a:r>
+              <a:rPr lang="en-IE" dirty="0" smtClean="0"/>
+              <a:t>My Local Machine (Intel i5)</a:t>
+            </a:r>
+          </a:p>
+          <a:p>
+            <a:pPr lvl="1"/>
+            <a:r>
+              <a:rPr lang="en-IE" dirty="0" smtClean="0"/>
+              <a:t>Stoker</a:t>
+            </a:r>
+          </a:p>
+          <a:p>
+            <a:pPr lvl="1"/>
+            <a:r>
+              <a:rPr lang="en-IE" dirty="0" smtClean="0"/>
+              <a:t>Cube</a:t>
+            </a:r>
             <a:endParaRPr lang="en-IE" dirty="0"/>
           </a:p>
         </p:txBody>
@@ -6690,7 +7307,7 @@
     </p:spTree>
     <p:extLst>
       <p:ext uri="{BB962C8B-B14F-4D97-AF65-F5344CB8AC3E}">
-        <p14:creationId xmlns:p14="http://schemas.microsoft.com/office/powerpoint/2010/main" val="546634564"/>
+        <p14:creationId xmlns:p14="http://schemas.microsoft.com/office/powerpoint/2010/main" val="351189580"/>
       </p:ext>
     </p:extLst>
   </p:cSld>
@@ -6734,7 +7351,7 @@
           <a:p>
             <a:r>
               <a:rPr lang="en-IE" dirty="0" smtClean="0"/>
-              <a:t>Evaluation</a:t>
+              <a:t>Data Structure Implementation</a:t>
             </a:r>
             <a:endParaRPr lang="en-IE" dirty="0"/>
           </a:p>
@@ -6757,41 +7374,19 @@
           <a:p>
             <a:r>
               <a:rPr lang="en-IE" dirty="0" smtClean="0"/>
-              <a:t>Ran each variation on each machine for multiple thread counts</a:t>
+              <a:t>Locked Variations – mutex, test-and-set, compare-and-swap</a:t>
             </a:r>
           </a:p>
           <a:p>
             <a:r>
               <a:rPr lang="en-IE" dirty="0" smtClean="0"/>
-              <a:t>Thread count went from 1-128</a:t>
+              <a:t>Lockless Variations – C++11 atomic library operations</a:t>
             </a:r>
           </a:p>
           <a:p>
             <a:r>
               <a:rPr lang="en-IE" dirty="0" smtClean="0"/>
-              <a:t>Recorded iterations per second against number of threads  </a:t>
-            </a:r>
-          </a:p>
-          <a:p>
-            <a:r>
-              <a:rPr lang="en-IE" dirty="0" smtClean="0"/>
-              <a:t>Used </a:t>
-            </a:r>
-            <a:r>
-              <a:rPr lang="en-IE" dirty="0" err="1" smtClean="0"/>
-              <a:t>Perf</a:t>
-            </a:r>
-            <a:r>
-              <a:rPr lang="en-IE" dirty="0" smtClean="0"/>
-              <a:t> to record cache misses, </a:t>
-            </a:r>
-            <a:r>
-              <a:rPr lang="en-IE" dirty="0" err="1" smtClean="0"/>
-              <a:t>cpu</a:t>
-            </a:r>
-            <a:r>
-              <a:rPr lang="en-IE" dirty="0" smtClean="0"/>
-              <a:t> cycles etc…</a:t>
+              <a:t>Mostly Multi Producer Multi Consumer (MPMC) with one Single Producer – Single Consumer (SPSC)</a:t>
             </a:r>
             <a:endParaRPr lang="en-IE" dirty="0"/>
           </a:p>
@@ -6800,20 +7395,13 @@
     </p:spTree>
     <p:extLst>
       <p:ext uri="{BB962C8B-B14F-4D97-AF65-F5344CB8AC3E}">
-        <p14:creationId xmlns:p14="http://schemas.microsoft.com/office/powerpoint/2010/main" val="792295864"/>
+        <p14:creationId xmlns:p14="http://schemas.microsoft.com/office/powerpoint/2010/main" val="3503624377"/>
       </p:ext>
     </p:extLst>
   </p:cSld>
   <p:clrMapOvr>
     <a:masterClrMapping/>
   </p:clrMapOvr>
-  <p:timing>
-    <p:tnLst>
-      <p:par>
-        <p:cTn id="1" dur="indefinite" restart="never" nodeType="tmRoot"/>
-      </p:par>
-    </p:tnLst>
-  </p:timing>
 </p:sld>
 </file>
 
@@ -6851,78 +7439,57 @@
           <a:p>
             <a:r>
               <a:rPr lang="en-IE" dirty="0" smtClean="0"/>
-              <a:t>Results &amp; Analysis</a:t>
+              <a:t>Ring Buffer</a:t>
             </a:r>
             <a:endParaRPr lang="en-IE" dirty="0"/>
           </a:p>
         </p:txBody>
       </p:sp>
-      <p:graphicFrame>
-        <p:nvGraphicFramePr>
-          <p:cNvPr id="6" name="Chart 5"/>
-          <p:cNvGraphicFramePr>
-            <a:graphicFrameLocks/>
-          </p:cNvGraphicFramePr>
-          <p:nvPr>
-            <p:extLst>
-              <p:ext uri="{D42A27DB-BD31-4B8C-83A1-F6EECF244321}">
-                <p14:modId xmlns:p14="http://schemas.microsoft.com/office/powerpoint/2010/main" val="2500187400"/>
-              </p:ext>
-            </p:extLst>
-          </p:nvPr>
-        </p:nvGraphicFramePr>
-        <p:xfrm>
-          <a:off x="4495800" y="1600200"/>
-          <a:ext cx="4191000" cy="4572000"/>
-        </p:xfrm>
-        <a:graphic>
-          <a:graphicData uri="http://schemas.openxmlformats.org/drawingml/2006/chart">
-            <c:chart xmlns:c="http://schemas.openxmlformats.org/drawingml/2006/chart" xmlns:r="http://schemas.openxmlformats.org/officeDocument/2006/relationships" r:id="rId3"/>
-          </a:graphicData>
-        </a:graphic>
-      </p:graphicFrame>
-      <p:graphicFrame>
-        <p:nvGraphicFramePr>
-          <p:cNvPr id="7" name="Content Placeholder 6"/>
-          <p:cNvGraphicFramePr>
-            <a:graphicFrameLocks noGrp="1"/>
-          </p:cNvGraphicFramePr>
+      <p:sp>
+        <p:nvSpPr>
+          <p:cNvPr id="3" name="Content Placeholder 2"/>
+          <p:cNvSpPr>
+            <a:spLocks noGrp="1"/>
+          </p:cNvSpPr>
           <p:nvPr>
             <p:ph idx="1"/>
-            <p:extLst>
-              <p:ext uri="{D42A27DB-BD31-4B8C-83A1-F6EECF244321}">
-                <p14:modId xmlns:p14="http://schemas.microsoft.com/office/powerpoint/2010/main" val="4119368994"/>
-              </p:ext>
-            </p:extLst>
-          </p:nvPr>
-        </p:nvGraphicFramePr>
-        <p:xfrm>
-          <a:off x="457200" y="1600200"/>
-          <a:ext cx="4343400" cy="4525963"/>
-        </p:xfrm>
-        <a:graphic>
-          <a:graphicData uri="http://schemas.openxmlformats.org/drawingml/2006/chart">
-            <c:chart xmlns:c="http://schemas.openxmlformats.org/drawingml/2006/chart" xmlns:r="http://schemas.openxmlformats.org/officeDocument/2006/relationships" r:id="rId4"/>
-          </a:graphicData>
-        </a:graphic>
-      </p:graphicFrame>
+          </p:nvPr>
+        </p:nvSpPr>
+        <p:spPr/>
+        <p:txBody>
+          <a:bodyPr/>
+          <a:lstStyle/>
+          <a:p>
+            <a:r>
+              <a:rPr lang="en-IE" dirty="0" smtClean="0"/>
+              <a:t>Used to get to grips with the C++11 library</a:t>
+            </a:r>
+          </a:p>
+          <a:p>
+            <a:r>
+              <a:rPr lang="en-IE" dirty="0" smtClean="0"/>
+              <a:t>MPMC Locked Variation</a:t>
+            </a:r>
+          </a:p>
+          <a:p>
+            <a:r>
+              <a:rPr lang="en-IE" dirty="0" smtClean="0"/>
+              <a:t>SPSC Lockless Variation</a:t>
+            </a:r>
+            <a:endParaRPr lang="en-IE" dirty="0"/>
+          </a:p>
+        </p:txBody>
+      </p:sp>
     </p:spTree>
     <p:extLst>
       <p:ext uri="{BB962C8B-B14F-4D97-AF65-F5344CB8AC3E}">
-        <p14:creationId xmlns:p14="http://schemas.microsoft.com/office/powerpoint/2010/main" val="1432556800"/>
+        <p14:creationId xmlns:p14="http://schemas.microsoft.com/office/powerpoint/2010/main" val="3247535296"/>
       </p:ext>
     </p:extLst>
   </p:cSld>
   <p:clrMapOvr>
     <a:masterClrMapping/>
   </p:clrMapOvr>
-  <p:timing>
-    <p:tnLst>
-      <p:par>
-        <p:cTn id="1" dur="indefinite" restart="never" nodeType="tmRoot"/>
-      </p:par>
-    </p:tnLst>
-  </p:timing>
 </p:sld>
 </file>
 
@@ -6960,65 +7527,1712 @@
           <a:p>
             <a:r>
               <a:rPr lang="en-IE" dirty="0" smtClean="0"/>
-              <a:t>Results &amp; Analysis</a:t>
+              <a:t>Linked List</a:t>
             </a:r>
             <a:endParaRPr lang="en-IE" dirty="0"/>
           </a:p>
         </p:txBody>
       </p:sp>
-      <p:graphicFrame>
-        <p:nvGraphicFramePr>
-          <p:cNvPr id="9" name="Content Placeholder 8"/>
-          <p:cNvGraphicFramePr>
-            <a:graphicFrameLocks noGrp="1"/>
-          </p:cNvGraphicFramePr>
+      <p:sp>
+        <p:nvSpPr>
+          <p:cNvPr id="3" name="Content Placeholder 2"/>
+          <p:cNvSpPr>
+            <a:spLocks noGrp="1"/>
+          </p:cNvSpPr>
           <p:nvPr>
             <p:ph idx="1"/>
-            <p:extLst>
-              <p:ext uri="{D42A27DB-BD31-4B8C-83A1-F6EECF244321}">
-                <p14:modId xmlns:p14="http://schemas.microsoft.com/office/powerpoint/2010/main" val="2781748911"/>
-              </p:ext>
-            </p:extLst>
-          </p:nvPr>
-        </p:nvGraphicFramePr>
-        <p:xfrm>
-          <a:off x="457200" y="1600200"/>
-          <a:ext cx="3505200" cy="4525963"/>
-        </p:xfrm>
-        <a:graphic>
-          <a:graphicData uri="http://schemas.openxmlformats.org/drawingml/2006/chart">
-            <c:chart xmlns:c="http://schemas.openxmlformats.org/drawingml/2006/chart" xmlns:r="http://schemas.openxmlformats.org/officeDocument/2006/relationships" r:id="rId2"/>
-          </a:graphicData>
-        </a:graphic>
-      </p:graphicFrame>
-      <p:graphicFrame>
-        <p:nvGraphicFramePr>
-          <p:cNvPr id="10" name="Chart 9"/>
-          <p:cNvGraphicFramePr>
-            <a:graphicFrameLocks/>
-          </p:cNvGraphicFramePr>
-          <p:nvPr>
-            <p:extLst>
-              <p:ext uri="{D42A27DB-BD31-4B8C-83A1-F6EECF244321}">
-                <p14:modId xmlns:p14="http://schemas.microsoft.com/office/powerpoint/2010/main" val="2761141773"/>
-              </p:ext>
-            </p:extLst>
-          </p:nvPr>
-        </p:nvGraphicFramePr>
-        <p:xfrm>
-          <a:off x="4191000" y="1676400"/>
-          <a:ext cx="4953000" cy="5029200"/>
-        </p:xfrm>
-        <a:graphic>
-          <a:graphicData uri="http://schemas.openxmlformats.org/drawingml/2006/chart">
-            <c:chart xmlns:c="http://schemas.openxmlformats.org/drawingml/2006/chart" xmlns:r="http://schemas.openxmlformats.org/officeDocument/2006/relationships" r:id="rId3"/>
-          </a:graphicData>
-        </a:graphic>
-      </p:graphicFrame>
+          </p:nvPr>
+        </p:nvSpPr>
+        <p:spPr/>
+        <p:txBody>
+          <a:bodyPr/>
+          <a:lstStyle/>
+          <a:p>
+            <a:r>
+              <a:rPr lang="en-IE" dirty="0" smtClean="0"/>
+              <a:t>MPMC Singly </a:t>
+            </a:r>
+            <a:r>
+              <a:rPr lang="en-IE" dirty="0"/>
+              <a:t>L</a:t>
+            </a:r>
+            <a:r>
+              <a:rPr lang="en-IE" dirty="0" smtClean="0"/>
+              <a:t>inked List – Locked/Lockless</a:t>
+            </a:r>
+          </a:p>
+          <a:p>
+            <a:pPr marL="0" indent="0">
+              <a:buNone/>
+            </a:pPr>
+            <a:endParaRPr lang="en-IE" dirty="0" smtClean="0"/>
+          </a:p>
+          <a:p>
+            <a:endParaRPr lang="en-IE" dirty="0" smtClean="0"/>
+          </a:p>
+          <a:p>
+            <a:r>
+              <a:rPr lang="en-IE" dirty="0" smtClean="0"/>
+              <a:t>MPMC Doubly Linked Buffer – Locked/Lockless</a:t>
+            </a:r>
+          </a:p>
+          <a:p>
+            <a:pPr marL="0" indent="0">
+              <a:buNone/>
+            </a:pPr>
+            <a:endParaRPr lang="en-IE" dirty="0" smtClean="0"/>
+          </a:p>
+          <a:p>
+            <a:endParaRPr lang="en-IE" dirty="0" smtClean="0"/>
+          </a:p>
+          <a:p>
+            <a:r>
+              <a:rPr lang="en-IE" dirty="0" smtClean="0"/>
+              <a:t>MPMC Singly Linked Buffer – Locked/Lockless</a:t>
+            </a:r>
+          </a:p>
+          <a:p>
+            <a:pPr marL="0" indent="0">
+              <a:buNone/>
+            </a:pPr>
+            <a:endParaRPr lang="en-IE" dirty="0"/>
+          </a:p>
+        </p:txBody>
+      </p:sp>
+      <p:sp>
+        <p:nvSpPr>
+          <p:cNvPr id="4" name="Rectangle 3"/>
+          <p:cNvSpPr/>
+          <p:nvPr/>
+        </p:nvSpPr>
+        <p:spPr>
+          <a:xfrm>
+            <a:off x="914400" y="2362200"/>
+            <a:ext cx="533400" cy="381000"/>
+          </a:xfrm>
+          <a:prstGeom prst="rect">
+            <a:avLst/>
+          </a:prstGeom>
+          <a:solidFill>
+            <a:schemeClr val="bg1"/>
+          </a:solidFill>
+        </p:spPr>
+        <p:style>
+          <a:lnRef idx="2">
+            <a:schemeClr val="accent1">
+              <a:shade val="50000"/>
+            </a:schemeClr>
+          </a:lnRef>
+          <a:fillRef idx="1">
+            <a:schemeClr val="accent1"/>
+          </a:fillRef>
+          <a:effectRef idx="0">
+            <a:schemeClr val="accent1"/>
+          </a:effectRef>
+          <a:fontRef idx="minor">
+            <a:schemeClr val="lt1"/>
+          </a:fontRef>
+        </p:style>
+        <p:txBody>
+          <a:bodyPr rtlCol="0" anchor="ctr"/>
+          <a:lstStyle/>
+          <a:p>
+            <a:pPr algn="ctr"/>
+            <a:r>
+              <a:rPr lang="en-IE" dirty="0">
+                <a:solidFill>
+                  <a:sysClr val="windowText" lastClr="000000"/>
+                </a:solidFill>
+              </a:rPr>
+              <a:t>2</a:t>
+            </a:r>
+          </a:p>
+        </p:txBody>
+      </p:sp>
+      <p:sp>
+        <p:nvSpPr>
+          <p:cNvPr id="5" name="Rectangle 4"/>
+          <p:cNvSpPr/>
+          <p:nvPr/>
+        </p:nvSpPr>
+        <p:spPr>
+          <a:xfrm>
+            <a:off x="1906030" y="2362200"/>
+            <a:ext cx="533400" cy="381000"/>
+          </a:xfrm>
+          <a:prstGeom prst="rect">
+            <a:avLst/>
+          </a:prstGeom>
+          <a:solidFill>
+            <a:schemeClr val="bg1"/>
+          </a:solidFill>
+        </p:spPr>
+        <p:style>
+          <a:lnRef idx="2">
+            <a:schemeClr val="accent1">
+              <a:shade val="50000"/>
+            </a:schemeClr>
+          </a:lnRef>
+          <a:fillRef idx="1">
+            <a:schemeClr val="accent1"/>
+          </a:fillRef>
+          <a:effectRef idx="0">
+            <a:schemeClr val="accent1"/>
+          </a:effectRef>
+          <a:fontRef idx="minor">
+            <a:schemeClr val="lt1"/>
+          </a:fontRef>
+        </p:style>
+        <p:txBody>
+          <a:bodyPr rtlCol="0" anchor="ctr"/>
+          <a:lstStyle/>
+          <a:p>
+            <a:pPr algn="ctr"/>
+            <a:r>
+              <a:rPr lang="en-IE" dirty="0" smtClean="0">
+                <a:solidFill>
+                  <a:sysClr val="windowText" lastClr="000000"/>
+                </a:solidFill>
+              </a:rPr>
+              <a:t>4</a:t>
+            </a:r>
+            <a:endParaRPr lang="en-IE" dirty="0">
+              <a:solidFill>
+                <a:sysClr val="windowText" lastClr="000000"/>
+              </a:solidFill>
+            </a:endParaRPr>
+          </a:p>
+        </p:txBody>
+      </p:sp>
+      <p:sp>
+        <p:nvSpPr>
+          <p:cNvPr id="6" name="Rectangle 5"/>
+          <p:cNvSpPr/>
+          <p:nvPr/>
+        </p:nvSpPr>
+        <p:spPr>
+          <a:xfrm>
+            <a:off x="3048000" y="2362200"/>
+            <a:ext cx="533400" cy="381000"/>
+          </a:xfrm>
+          <a:prstGeom prst="rect">
+            <a:avLst/>
+          </a:prstGeom>
+          <a:solidFill>
+            <a:schemeClr val="bg1"/>
+          </a:solidFill>
+        </p:spPr>
+        <p:style>
+          <a:lnRef idx="2">
+            <a:schemeClr val="accent1">
+              <a:shade val="50000"/>
+            </a:schemeClr>
+          </a:lnRef>
+          <a:fillRef idx="1">
+            <a:schemeClr val="accent1"/>
+          </a:fillRef>
+          <a:effectRef idx="0">
+            <a:schemeClr val="accent1"/>
+          </a:effectRef>
+          <a:fontRef idx="minor">
+            <a:schemeClr val="lt1"/>
+          </a:fontRef>
+        </p:style>
+        <p:txBody>
+          <a:bodyPr rtlCol="0" anchor="ctr"/>
+          <a:lstStyle/>
+          <a:p>
+            <a:pPr algn="ctr"/>
+            <a:r>
+              <a:rPr lang="en-IE" dirty="0" smtClean="0">
+                <a:solidFill>
+                  <a:sysClr val="windowText" lastClr="000000"/>
+                </a:solidFill>
+              </a:rPr>
+              <a:t>5</a:t>
+            </a:r>
+            <a:endParaRPr lang="en-IE" dirty="0">
+              <a:solidFill>
+                <a:sysClr val="windowText" lastClr="000000"/>
+              </a:solidFill>
+            </a:endParaRPr>
+          </a:p>
+        </p:txBody>
+      </p:sp>
+      <p:sp>
+        <p:nvSpPr>
+          <p:cNvPr id="7" name="Rectangle 6"/>
+          <p:cNvSpPr/>
+          <p:nvPr/>
+        </p:nvSpPr>
+        <p:spPr>
+          <a:xfrm>
+            <a:off x="4114800" y="2375586"/>
+            <a:ext cx="533400" cy="381000"/>
+          </a:xfrm>
+          <a:prstGeom prst="rect">
+            <a:avLst/>
+          </a:prstGeom>
+          <a:solidFill>
+            <a:schemeClr val="bg1"/>
+          </a:solidFill>
+        </p:spPr>
+        <p:style>
+          <a:lnRef idx="2">
+            <a:schemeClr val="accent1">
+              <a:shade val="50000"/>
+            </a:schemeClr>
+          </a:lnRef>
+          <a:fillRef idx="1">
+            <a:schemeClr val="accent1"/>
+          </a:fillRef>
+          <a:effectRef idx="0">
+            <a:schemeClr val="accent1"/>
+          </a:effectRef>
+          <a:fontRef idx="minor">
+            <a:schemeClr val="lt1"/>
+          </a:fontRef>
+        </p:style>
+        <p:txBody>
+          <a:bodyPr rtlCol="0" anchor="ctr"/>
+          <a:lstStyle/>
+          <a:p>
+            <a:pPr algn="ctr"/>
+            <a:r>
+              <a:rPr lang="en-IE" dirty="0" smtClean="0">
+                <a:solidFill>
+                  <a:sysClr val="windowText" lastClr="000000"/>
+                </a:solidFill>
+              </a:rPr>
+              <a:t>7</a:t>
+            </a:r>
+            <a:endParaRPr lang="en-IE" dirty="0">
+              <a:solidFill>
+                <a:sysClr val="windowText" lastClr="000000"/>
+              </a:solidFill>
+            </a:endParaRPr>
+          </a:p>
+        </p:txBody>
+      </p:sp>
+      <p:cxnSp>
+        <p:nvCxnSpPr>
+          <p:cNvPr id="9" name="Straight Arrow Connector 8"/>
+          <p:cNvCxnSpPr>
+            <a:stCxn id="4" idx="3"/>
+            <a:endCxn id="5" idx="1"/>
+          </p:cNvCxnSpPr>
+          <p:nvPr/>
+        </p:nvCxnSpPr>
+        <p:spPr>
+          <a:xfrm>
+            <a:off x="1447800" y="2552700"/>
+            <a:ext cx="458230" cy="0"/>
+          </a:xfrm>
+          <a:prstGeom prst="straightConnector1">
+            <a:avLst/>
+          </a:prstGeom>
+          <a:ln>
+            <a:tailEnd type="arrow"/>
+          </a:ln>
+        </p:spPr>
+        <p:style>
+          <a:lnRef idx="1">
+            <a:schemeClr val="accent1"/>
+          </a:lnRef>
+          <a:fillRef idx="0">
+            <a:schemeClr val="accent1"/>
+          </a:fillRef>
+          <a:effectRef idx="0">
+            <a:schemeClr val="accent1"/>
+          </a:effectRef>
+          <a:fontRef idx="minor">
+            <a:schemeClr val="tx1"/>
+          </a:fontRef>
+        </p:style>
+      </p:cxnSp>
+      <p:cxnSp>
+        <p:nvCxnSpPr>
+          <p:cNvPr id="11" name="Straight Arrow Connector 10"/>
+          <p:cNvCxnSpPr>
+            <a:stCxn id="5" idx="3"/>
+            <a:endCxn id="6" idx="1"/>
+          </p:cNvCxnSpPr>
+          <p:nvPr/>
+        </p:nvCxnSpPr>
+        <p:spPr>
+          <a:xfrm>
+            <a:off x="2439430" y="2552700"/>
+            <a:ext cx="608570" cy="0"/>
+          </a:xfrm>
+          <a:prstGeom prst="straightConnector1">
+            <a:avLst/>
+          </a:prstGeom>
+          <a:ln>
+            <a:tailEnd type="arrow"/>
+          </a:ln>
+        </p:spPr>
+        <p:style>
+          <a:lnRef idx="1">
+            <a:schemeClr val="accent1"/>
+          </a:lnRef>
+          <a:fillRef idx="0">
+            <a:schemeClr val="accent1"/>
+          </a:fillRef>
+          <a:effectRef idx="0">
+            <a:schemeClr val="accent1"/>
+          </a:effectRef>
+          <a:fontRef idx="minor">
+            <a:schemeClr val="tx1"/>
+          </a:fontRef>
+        </p:style>
+      </p:cxnSp>
+      <p:cxnSp>
+        <p:nvCxnSpPr>
+          <p:cNvPr id="13" name="Straight Arrow Connector 12"/>
+          <p:cNvCxnSpPr>
+            <a:stCxn id="6" idx="3"/>
+          </p:cNvCxnSpPr>
+          <p:nvPr/>
+        </p:nvCxnSpPr>
+        <p:spPr>
+          <a:xfrm>
+            <a:off x="3581400" y="2552700"/>
+            <a:ext cx="533400" cy="0"/>
+          </a:xfrm>
+          <a:prstGeom prst="straightConnector1">
+            <a:avLst/>
+          </a:prstGeom>
+          <a:ln>
+            <a:tailEnd type="arrow"/>
+          </a:ln>
+        </p:spPr>
+        <p:style>
+          <a:lnRef idx="1">
+            <a:schemeClr val="accent1"/>
+          </a:lnRef>
+          <a:fillRef idx="0">
+            <a:schemeClr val="accent1"/>
+          </a:fillRef>
+          <a:effectRef idx="0">
+            <a:schemeClr val="accent1"/>
+          </a:effectRef>
+          <a:fontRef idx="minor">
+            <a:schemeClr val="tx1"/>
+          </a:fontRef>
+        </p:style>
+      </p:cxnSp>
+      <p:cxnSp>
+        <p:nvCxnSpPr>
+          <p:cNvPr id="16" name="Straight Arrow Connector 15"/>
+          <p:cNvCxnSpPr/>
+          <p:nvPr/>
+        </p:nvCxnSpPr>
+        <p:spPr>
+          <a:xfrm>
+            <a:off x="4648200" y="2552700"/>
+            <a:ext cx="381000" cy="0"/>
+          </a:xfrm>
+          <a:prstGeom prst="straightConnector1">
+            <a:avLst/>
+          </a:prstGeom>
+          <a:ln>
+            <a:tailEnd type="arrow"/>
+          </a:ln>
+        </p:spPr>
+        <p:style>
+          <a:lnRef idx="1">
+            <a:schemeClr val="accent1"/>
+          </a:lnRef>
+          <a:fillRef idx="0">
+            <a:schemeClr val="accent1"/>
+          </a:fillRef>
+          <a:effectRef idx="0">
+            <a:schemeClr val="accent1"/>
+          </a:effectRef>
+          <a:fontRef idx="minor">
+            <a:schemeClr val="tx1"/>
+          </a:fontRef>
+        </p:style>
+      </p:cxnSp>
+      <p:sp>
+        <p:nvSpPr>
+          <p:cNvPr id="18" name="Rectangle 17"/>
+          <p:cNvSpPr/>
+          <p:nvPr/>
+        </p:nvSpPr>
+        <p:spPr>
+          <a:xfrm>
+            <a:off x="533400" y="3048000"/>
+            <a:ext cx="762000" cy="381000"/>
+          </a:xfrm>
+          <a:prstGeom prst="rect">
+            <a:avLst/>
+          </a:prstGeom>
+          <a:solidFill>
+            <a:schemeClr val="bg1"/>
+          </a:solidFill>
+        </p:spPr>
+        <p:style>
+          <a:lnRef idx="2">
+            <a:schemeClr val="accent1">
+              <a:shade val="50000"/>
+            </a:schemeClr>
+          </a:lnRef>
+          <a:fillRef idx="1">
+            <a:schemeClr val="accent1"/>
+          </a:fillRef>
+          <a:effectRef idx="0">
+            <a:schemeClr val="accent1"/>
+          </a:effectRef>
+          <a:fontRef idx="minor">
+            <a:schemeClr val="lt1"/>
+          </a:fontRef>
+        </p:style>
+        <p:txBody>
+          <a:bodyPr rtlCol="0" anchor="ctr"/>
+          <a:lstStyle/>
+          <a:p>
+            <a:pPr algn="ctr"/>
+            <a:r>
+              <a:rPr lang="en-IE" dirty="0" smtClean="0">
+                <a:solidFill>
+                  <a:sysClr val="windowText" lastClr="000000"/>
+                </a:solidFill>
+              </a:rPr>
+              <a:t>Head</a:t>
+            </a:r>
+            <a:endParaRPr lang="en-IE" dirty="0">
+              <a:solidFill>
+                <a:sysClr val="windowText" lastClr="000000"/>
+              </a:solidFill>
+            </a:endParaRPr>
+          </a:p>
+        </p:txBody>
+      </p:sp>
+      <p:cxnSp>
+        <p:nvCxnSpPr>
+          <p:cNvPr id="20" name="Straight Arrow Connector 19"/>
+          <p:cNvCxnSpPr>
+            <a:stCxn id="18" idx="0"/>
+            <a:endCxn id="4" idx="2"/>
+          </p:cNvCxnSpPr>
+          <p:nvPr/>
+        </p:nvCxnSpPr>
+        <p:spPr>
+          <a:xfrm flipV="1">
+            <a:off x="914400" y="2743200"/>
+            <a:ext cx="266700" cy="304800"/>
+          </a:xfrm>
+          <a:prstGeom prst="straightConnector1">
+            <a:avLst/>
+          </a:prstGeom>
+          <a:ln>
+            <a:tailEnd type="arrow"/>
+          </a:ln>
+        </p:spPr>
+        <p:style>
+          <a:lnRef idx="1">
+            <a:schemeClr val="accent1"/>
+          </a:lnRef>
+          <a:fillRef idx="0">
+            <a:schemeClr val="accent1"/>
+          </a:fillRef>
+          <a:effectRef idx="0">
+            <a:schemeClr val="accent1"/>
+          </a:effectRef>
+          <a:fontRef idx="minor">
+            <a:schemeClr val="tx1"/>
+          </a:fontRef>
+        </p:style>
+      </p:cxnSp>
+      <p:sp>
+        <p:nvSpPr>
+          <p:cNvPr id="21" name="Rectangle 20"/>
+          <p:cNvSpPr/>
+          <p:nvPr/>
+        </p:nvSpPr>
+        <p:spPr>
+          <a:xfrm>
+            <a:off x="4648200" y="4713072"/>
+            <a:ext cx="533400" cy="381000"/>
+          </a:xfrm>
+          <a:prstGeom prst="rect">
+            <a:avLst/>
+          </a:prstGeom>
+          <a:solidFill>
+            <a:schemeClr val="bg1"/>
+          </a:solidFill>
+        </p:spPr>
+        <p:style>
+          <a:lnRef idx="2">
+            <a:schemeClr val="accent1">
+              <a:shade val="50000"/>
+            </a:schemeClr>
+          </a:lnRef>
+          <a:fillRef idx="1">
+            <a:schemeClr val="accent1"/>
+          </a:fillRef>
+          <a:effectRef idx="0">
+            <a:schemeClr val="accent1"/>
+          </a:effectRef>
+          <a:fontRef idx="minor">
+            <a:schemeClr val="lt1"/>
+          </a:fontRef>
+        </p:style>
+        <p:txBody>
+          <a:bodyPr rtlCol="0" anchor="ctr"/>
+          <a:lstStyle/>
+          <a:p>
+            <a:pPr algn="ctr"/>
+            <a:r>
+              <a:rPr lang="en-IE" dirty="0" smtClean="0">
+                <a:solidFill>
+                  <a:sysClr val="windowText" lastClr="000000"/>
+                </a:solidFill>
+              </a:rPr>
+              <a:t>Tail</a:t>
+            </a:r>
+            <a:endParaRPr lang="en-IE" dirty="0">
+              <a:solidFill>
+                <a:sysClr val="windowText" lastClr="000000"/>
+              </a:solidFill>
+            </a:endParaRPr>
+          </a:p>
+        </p:txBody>
+      </p:sp>
+      <p:sp>
+        <p:nvSpPr>
+          <p:cNvPr id="22" name="Rectangle 21"/>
+          <p:cNvSpPr/>
+          <p:nvPr/>
+        </p:nvSpPr>
+        <p:spPr>
+          <a:xfrm>
+            <a:off x="571500" y="4724400"/>
+            <a:ext cx="723900" cy="381000"/>
+          </a:xfrm>
+          <a:prstGeom prst="rect">
+            <a:avLst/>
+          </a:prstGeom>
+          <a:solidFill>
+            <a:schemeClr val="bg1"/>
+          </a:solidFill>
+        </p:spPr>
+        <p:style>
+          <a:lnRef idx="2">
+            <a:schemeClr val="accent1">
+              <a:shade val="50000"/>
+            </a:schemeClr>
+          </a:lnRef>
+          <a:fillRef idx="1">
+            <a:schemeClr val="accent1"/>
+          </a:fillRef>
+          <a:effectRef idx="0">
+            <a:schemeClr val="accent1"/>
+          </a:effectRef>
+          <a:fontRef idx="minor">
+            <a:schemeClr val="lt1"/>
+          </a:fontRef>
+        </p:style>
+        <p:txBody>
+          <a:bodyPr rtlCol="0" anchor="ctr"/>
+          <a:lstStyle/>
+          <a:p>
+            <a:pPr algn="ctr"/>
+            <a:r>
+              <a:rPr lang="en-IE" dirty="0" smtClean="0">
+                <a:solidFill>
+                  <a:sysClr val="windowText" lastClr="000000"/>
+                </a:solidFill>
+              </a:rPr>
+              <a:t>Head</a:t>
+            </a:r>
+            <a:endParaRPr lang="en-IE" dirty="0">
+              <a:solidFill>
+                <a:sysClr val="windowText" lastClr="000000"/>
+              </a:solidFill>
+            </a:endParaRPr>
+          </a:p>
+        </p:txBody>
+      </p:sp>
+      <p:sp>
+        <p:nvSpPr>
+          <p:cNvPr id="23" name="Rectangle 22"/>
+          <p:cNvSpPr/>
+          <p:nvPr/>
+        </p:nvSpPr>
+        <p:spPr>
+          <a:xfrm>
+            <a:off x="4063314" y="4114800"/>
+            <a:ext cx="533400" cy="381000"/>
+          </a:xfrm>
+          <a:prstGeom prst="rect">
+            <a:avLst/>
+          </a:prstGeom>
+          <a:solidFill>
+            <a:schemeClr val="bg1"/>
+          </a:solidFill>
+        </p:spPr>
+        <p:style>
+          <a:lnRef idx="2">
+            <a:schemeClr val="accent1">
+              <a:shade val="50000"/>
+            </a:schemeClr>
+          </a:lnRef>
+          <a:fillRef idx="1">
+            <a:schemeClr val="accent1"/>
+          </a:fillRef>
+          <a:effectRef idx="0">
+            <a:schemeClr val="accent1"/>
+          </a:effectRef>
+          <a:fontRef idx="minor">
+            <a:schemeClr val="lt1"/>
+          </a:fontRef>
+        </p:style>
+        <p:txBody>
+          <a:bodyPr rtlCol="0" anchor="ctr"/>
+          <a:lstStyle/>
+          <a:p>
+            <a:pPr algn="ctr"/>
+            <a:r>
+              <a:rPr lang="en-IE" dirty="0" smtClean="0">
+                <a:solidFill>
+                  <a:sysClr val="windowText" lastClr="000000"/>
+                </a:solidFill>
+              </a:rPr>
+              <a:t>3</a:t>
+            </a:r>
+            <a:endParaRPr lang="en-IE" dirty="0">
+              <a:solidFill>
+                <a:sysClr val="windowText" lastClr="000000"/>
+              </a:solidFill>
+            </a:endParaRPr>
+          </a:p>
+        </p:txBody>
+      </p:sp>
+      <p:sp>
+        <p:nvSpPr>
+          <p:cNvPr id="24" name="Rectangle 23"/>
+          <p:cNvSpPr/>
+          <p:nvPr/>
+        </p:nvSpPr>
+        <p:spPr>
+          <a:xfrm>
+            <a:off x="2971800" y="4114800"/>
+            <a:ext cx="533400" cy="381000"/>
+          </a:xfrm>
+          <a:prstGeom prst="rect">
+            <a:avLst/>
+          </a:prstGeom>
+          <a:solidFill>
+            <a:schemeClr val="bg1"/>
+          </a:solidFill>
+        </p:spPr>
+        <p:style>
+          <a:lnRef idx="2">
+            <a:schemeClr val="accent1">
+              <a:shade val="50000"/>
+            </a:schemeClr>
+          </a:lnRef>
+          <a:fillRef idx="1">
+            <a:schemeClr val="accent1"/>
+          </a:fillRef>
+          <a:effectRef idx="0">
+            <a:schemeClr val="accent1"/>
+          </a:effectRef>
+          <a:fontRef idx="minor">
+            <a:schemeClr val="lt1"/>
+          </a:fontRef>
+        </p:style>
+        <p:txBody>
+          <a:bodyPr rtlCol="0" anchor="ctr"/>
+          <a:lstStyle/>
+          <a:p>
+            <a:pPr algn="ctr"/>
+            <a:r>
+              <a:rPr lang="en-IE" dirty="0" smtClean="0">
+                <a:solidFill>
+                  <a:sysClr val="windowText" lastClr="000000"/>
+                </a:solidFill>
+              </a:rPr>
+              <a:t>4</a:t>
+            </a:r>
+            <a:endParaRPr lang="en-IE" dirty="0">
+              <a:solidFill>
+                <a:sysClr val="windowText" lastClr="000000"/>
+              </a:solidFill>
+            </a:endParaRPr>
+          </a:p>
+        </p:txBody>
+      </p:sp>
+      <p:sp>
+        <p:nvSpPr>
+          <p:cNvPr id="25" name="Rectangle 24"/>
+          <p:cNvSpPr/>
+          <p:nvPr/>
+        </p:nvSpPr>
+        <p:spPr>
+          <a:xfrm>
+            <a:off x="1905000" y="4114800"/>
+            <a:ext cx="533400" cy="381000"/>
+          </a:xfrm>
+          <a:prstGeom prst="rect">
+            <a:avLst/>
+          </a:prstGeom>
+          <a:solidFill>
+            <a:schemeClr val="bg1"/>
+          </a:solidFill>
+        </p:spPr>
+        <p:style>
+          <a:lnRef idx="2">
+            <a:schemeClr val="accent1">
+              <a:shade val="50000"/>
+            </a:schemeClr>
+          </a:lnRef>
+          <a:fillRef idx="1">
+            <a:schemeClr val="accent1"/>
+          </a:fillRef>
+          <a:effectRef idx="0">
+            <a:schemeClr val="accent1"/>
+          </a:effectRef>
+          <a:fontRef idx="minor">
+            <a:schemeClr val="lt1"/>
+          </a:fontRef>
+        </p:style>
+        <p:txBody>
+          <a:bodyPr rtlCol="0" anchor="ctr"/>
+          <a:lstStyle/>
+          <a:p>
+            <a:pPr algn="ctr"/>
+            <a:r>
+              <a:rPr lang="en-IE" dirty="0" smtClean="0">
+                <a:solidFill>
+                  <a:sysClr val="windowText" lastClr="000000"/>
+                </a:solidFill>
+              </a:rPr>
+              <a:t>2</a:t>
+            </a:r>
+            <a:endParaRPr lang="en-IE" dirty="0">
+              <a:solidFill>
+                <a:sysClr val="windowText" lastClr="000000"/>
+              </a:solidFill>
+            </a:endParaRPr>
+          </a:p>
+        </p:txBody>
+      </p:sp>
+      <p:sp>
+        <p:nvSpPr>
+          <p:cNvPr id="26" name="Rectangle 25"/>
+          <p:cNvSpPr/>
+          <p:nvPr/>
+        </p:nvSpPr>
+        <p:spPr>
+          <a:xfrm>
+            <a:off x="838200" y="4114800"/>
+            <a:ext cx="533400" cy="381000"/>
+          </a:xfrm>
+          <a:prstGeom prst="rect">
+            <a:avLst/>
+          </a:prstGeom>
+          <a:solidFill>
+            <a:schemeClr val="bg1"/>
+          </a:solidFill>
+        </p:spPr>
+        <p:style>
+          <a:lnRef idx="2">
+            <a:schemeClr val="accent1">
+              <a:shade val="50000"/>
+            </a:schemeClr>
+          </a:lnRef>
+          <a:fillRef idx="1">
+            <a:schemeClr val="accent1"/>
+          </a:fillRef>
+          <a:effectRef idx="0">
+            <a:schemeClr val="accent1"/>
+          </a:effectRef>
+          <a:fontRef idx="minor">
+            <a:schemeClr val="lt1"/>
+          </a:fontRef>
+        </p:style>
+        <p:txBody>
+          <a:bodyPr rtlCol="0" anchor="ctr"/>
+          <a:lstStyle/>
+          <a:p>
+            <a:pPr algn="ctr"/>
+            <a:r>
+              <a:rPr lang="en-IE" dirty="0" smtClean="0">
+                <a:solidFill>
+                  <a:sysClr val="windowText" lastClr="000000"/>
+                </a:solidFill>
+              </a:rPr>
+              <a:t>2</a:t>
+            </a:r>
+            <a:endParaRPr lang="en-IE" dirty="0">
+              <a:solidFill>
+                <a:sysClr val="windowText" lastClr="000000"/>
+              </a:solidFill>
+            </a:endParaRPr>
+          </a:p>
+        </p:txBody>
+      </p:sp>
+      <p:cxnSp>
+        <p:nvCxnSpPr>
+          <p:cNvPr id="29" name="Straight Arrow Connector 28"/>
+          <p:cNvCxnSpPr>
+            <a:stCxn id="22" idx="0"/>
+            <a:endCxn id="26" idx="2"/>
+          </p:cNvCxnSpPr>
+          <p:nvPr/>
+        </p:nvCxnSpPr>
+        <p:spPr>
+          <a:xfrm flipV="1">
+            <a:off x="933450" y="4495800"/>
+            <a:ext cx="171450" cy="228600"/>
+          </a:xfrm>
+          <a:prstGeom prst="straightConnector1">
+            <a:avLst/>
+          </a:prstGeom>
+          <a:ln>
+            <a:tailEnd type="arrow"/>
+          </a:ln>
+        </p:spPr>
+        <p:style>
+          <a:lnRef idx="1">
+            <a:schemeClr val="accent1"/>
+          </a:lnRef>
+          <a:fillRef idx="0">
+            <a:schemeClr val="accent1"/>
+          </a:fillRef>
+          <a:effectRef idx="0">
+            <a:schemeClr val="accent1"/>
+          </a:effectRef>
+          <a:fontRef idx="minor">
+            <a:schemeClr val="tx1"/>
+          </a:fontRef>
+        </p:style>
+      </p:cxnSp>
+      <p:cxnSp>
+        <p:nvCxnSpPr>
+          <p:cNvPr id="31" name="Straight Arrow Connector 30"/>
+          <p:cNvCxnSpPr>
+            <a:stCxn id="26" idx="3"/>
+            <a:endCxn id="25" idx="1"/>
+          </p:cNvCxnSpPr>
+          <p:nvPr/>
+        </p:nvCxnSpPr>
+        <p:spPr>
+          <a:xfrm>
+            <a:off x="1371600" y="4305300"/>
+            <a:ext cx="533400" cy="0"/>
+          </a:xfrm>
+          <a:prstGeom prst="straightConnector1">
+            <a:avLst/>
+          </a:prstGeom>
+          <a:ln>
+            <a:tailEnd type="arrow"/>
+          </a:ln>
+        </p:spPr>
+        <p:style>
+          <a:lnRef idx="1">
+            <a:schemeClr val="accent1"/>
+          </a:lnRef>
+          <a:fillRef idx="0">
+            <a:schemeClr val="accent1"/>
+          </a:fillRef>
+          <a:effectRef idx="0">
+            <a:schemeClr val="accent1"/>
+          </a:effectRef>
+          <a:fontRef idx="minor">
+            <a:schemeClr val="tx1"/>
+          </a:fontRef>
+        </p:style>
+      </p:cxnSp>
+      <p:cxnSp>
+        <p:nvCxnSpPr>
+          <p:cNvPr id="33" name="Straight Arrow Connector 32"/>
+          <p:cNvCxnSpPr>
+            <a:endCxn id="24" idx="1"/>
+          </p:cNvCxnSpPr>
+          <p:nvPr/>
+        </p:nvCxnSpPr>
+        <p:spPr>
+          <a:xfrm>
+            <a:off x="2439430" y="4305300"/>
+            <a:ext cx="532370" cy="0"/>
+          </a:xfrm>
+          <a:prstGeom prst="straightConnector1">
+            <a:avLst/>
+          </a:prstGeom>
+          <a:ln>
+            <a:tailEnd type="arrow"/>
+          </a:ln>
+        </p:spPr>
+        <p:style>
+          <a:lnRef idx="1">
+            <a:schemeClr val="accent1"/>
+          </a:lnRef>
+          <a:fillRef idx="0">
+            <a:schemeClr val="accent1"/>
+          </a:fillRef>
+          <a:effectRef idx="0">
+            <a:schemeClr val="accent1"/>
+          </a:effectRef>
+          <a:fontRef idx="minor">
+            <a:schemeClr val="tx1"/>
+          </a:fontRef>
+        </p:style>
+      </p:cxnSp>
+      <p:cxnSp>
+        <p:nvCxnSpPr>
+          <p:cNvPr id="35" name="Straight Arrow Connector 34"/>
+          <p:cNvCxnSpPr>
+            <a:stCxn id="24" idx="3"/>
+            <a:endCxn id="23" idx="1"/>
+          </p:cNvCxnSpPr>
+          <p:nvPr/>
+        </p:nvCxnSpPr>
+        <p:spPr>
+          <a:xfrm>
+            <a:off x="3505200" y="4305300"/>
+            <a:ext cx="558114" cy="0"/>
+          </a:xfrm>
+          <a:prstGeom prst="straightConnector1">
+            <a:avLst/>
+          </a:prstGeom>
+          <a:ln>
+            <a:tailEnd type="arrow"/>
+          </a:ln>
+        </p:spPr>
+        <p:style>
+          <a:lnRef idx="1">
+            <a:schemeClr val="accent1"/>
+          </a:lnRef>
+          <a:fillRef idx="0">
+            <a:schemeClr val="accent1"/>
+          </a:fillRef>
+          <a:effectRef idx="0">
+            <a:schemeClr val="accent1"/>
+          </a:effectRef>
+          <a:fontRef idx="minor">
+            <a:schemeClr val="tx1"/>
+          </a:fontRef>
+        </p:style>
+      </p:cxnSp>
+      <p:cxnSp>
+        <p:nvCxnSpPr>
+          <p:cNvPr id="37" name="Straight Arrow Connector 36"/>
+          <p:cNvCxnSpPr>
+            <a:stCxn id="21" idx="0"/>
+          </p:cNvCxnSpPr>
+          <p:nvPr/>
+        </p:nvCxnSpPr>
+        <p:spPr>
+          <a:xfrm flipH="1" flipV="1">
+            <a:off x="4381500" y="4495800"/>
+            <a:ext cx="533400" cy="217272"/>
+          </a:xfrm>
+          <a:prstGeom prst="straightConnector1">
+            <a:avLst/>
+          </a:prstGeom>
+          <a:ln>
+            <a:tailEnd type="arrow"/>
+          </a:ln>
+        </p:spPr>
+        <p:style>
+          <a:lnRef idx="1">
+            <a:schemeClr val="accent1"/>
+          </a:lnRef>
+          <a:fillRef idx="0">
+            <a:schemeClr val="accent1"/>
+          </a:fillRef>
+          <a:effectRef idx="0">
+            <a:schemeClr val="accent1"/>
+          </a:effectRef>
+          <a:fontRef idx="minor">
+            <a:schemeClr val="tx1"/>
+          </a:fontRef>
+        </p:style>
+      </p:cxnSp>
+      <p:cxnSp>
+        <p:nvCxnSpPr>
+          <p:cNvPr id="39" name="Straight Arrow Connector 38"/>
+          <p:cNvCxnSpPr>
+            <a:stCxn id="23" idx="3"/>
+          </p:cNvCxnSpPr>
+          <p:nvPr/>
+        </p:nvCxnSpPr>
+        <p:spPr>
+          <a:xfrm>
+            <a:off x="4596714" y="4305300"/>
+            <a:ext cx="432486" cy="0"/>
+          </a:xfrm>
+          <a:prstGeom prst="straightConnector1">
+            <a:avLst/>
+          </a:prstGeom>
+          <a:ln>
+            <a:tailEnd type="arrow"/>
+          </a:ln>
+        </p:spPr>
+        <p:style>
+          <a:lnRef idx="1">
+            <a:schemeClr val="accent1"/>
+          </a:lnRef>
+          <a:fillRef idx="0">
+            <a:schemeClr val="accent1"/>
+          </a:fillRef>
+          <a:effectRef idx="0">
+            <a:schemeClr val="accent1"/>
+          </a:effectRef>
+          <a:fontRef idx="minor">
+            <a:schemeClr val="tx1"/>
+          </a:fontRef>
+        </p:style>
+      </p:cxnSp>
+      <p:cxnSp>
+        <p:nvCxnSpPr>
+          <p:cNvPr id="41" name="Straight Arrow Connector 40"/>
+          <p:cNvCxnSpPr/>
+          <p:nvPr/>
+        </p:nvCxnSpPr>
+        <p:spPr>
+          <a:xfrm flipH="1">
+            <a:off x="3505200" y="4495800"/>
+            <a:ext cx="558114" cy="0"/>
+          </a:xfrm>
+          <a:prstGeom prst="straightConnector1">
+            <a:avLst/>
+          </a:prstGeom>
+          <a:ln>
+            <a:tailEnd type="arrow"/>
+          </a:ln>
+        </p:spPr>
+        <p:style>
+          <a:lnRef idx="1">
+            <a:schemeClr val="accent1"/>
+          </a:lnRef>
+          <a:fillRef idx="0">
+            <a:schemeClr val="accent1"/>
+          </a:fillRef>
+          <a:effectRef idx="0">
+            <a:schemeClr val="accent1"/>
+          </a:effectRef>
+          <a:fontRef idx="minor">
+            <a:schemeClr val="tx1"/>
+          </a:fontRef>
+        </p:style>
+      </p:cxnSp>
+      <p:cxnSp>
+        <p:nvCxnSpPr>
+          <p:cNvPr id="43" name="Straight Arrow Connector 42"/>
+          <p:cNvCxnSpPr/>
+          <p:nvPr/>
+        </p:nvCxnSpPr>
+        <p:spPr>
+          <a:xfrm flipH="1">
+            <a:off x="2438400" y="4495800"/>
+            <a:ext cx="533400" cy="0"/>
+          </a:xfrm>
+          <a:prstGeom prst="straightConnector1">
+            <a:avLst/>
+          </a:prstGeom>
+          <a:ln>
+            <a:tailEnd type="arrow"/>
+          </a:ln>
+        </p:spPr>
+        <p:style>
+          <a:lnRef idx="1">
+            <a:schemeClr val="accent1"/>
+          </a:lnRef>
+          <a:fillRef idx="0">
+            <a:schemeClr val="accent1"/>
+          </a:fillRef>
+          <a:effectRef idx="0">
+            <a:schemeClr val="accent1"/>
+          </a:effectRef>
+          <a:fontRef idx="minor">
+            <a:schemeClr val="tx1"/>
+          </a:fontRef>
+        </p:style>
+      </p:cxnSp>
+      <p:cxnSp>
+        <p:nvCxnSpPr>
+          <p:cNvPr id="45" name="Straight Arrow Connector 44"/>
+          <p:cNvCxnSpPr/>
+          <p:nvPr/>
+        </p:nvCxnSpPr>
+        <p:spPr>
+          <a:xfrm flipH="1">
+            <a:off x="1295400" y="4495800"/>
+            <a:ext cx="610630" cy="0"/>
+          </a:xfrm>
+          <a:prstGeom prst="straightConnector1">
+            <a:avLst/>
+          </a:prstGeom>
+          <a:ln>
+            <a:tailEnd type="arrow"/>
+          </a:ln>
+        </p:spPr>
+        <p:style>
+          <a:lnRef idx="1">
+            <a:schemeClr val="accent1"/>
+          </a:lnRef>
+          <a:fillRef idx="0">
+            <a:schemeClr val="accent1"/>
+          </a:fillRef>
+          <a:effectRef idx="0">
+            <a:schemeClr val="accent1"/>
+          </a:effectRef>
+          <a:fontRef idx="minor">
+            <a:schemeClr val="tx1"/>
+          </a:fontRef>
+        </p:style>
+      </p:cxnSp>
+      <p:sp>
+        <p:nvSpPr>
+          <p:cNvPr id="46" name="Rectangle 45"/>
+          <p:cNvSpPr/>
+          <p:nvPr/>
+        </p:nvSpPr>
+        <p:spPr>
+          <a:xfrm>
+            <a:off x="4914900" y="6377116"/>
+            <a:ext cx="723900" cy="381000"/>
+          </a:xfrm>
+          <a:prstGeom prst="rect">
+            <a:avLst/>
+          </a:prstGeom>
+          <a:solidFill>
+            <a:schemeClr val="bg1"/>
+          </a:solidFill>
+        </p:spPr>
+        <p:style>
+          <a:lnRef idx="2">
+            <a:schemeClr val="accent1">
+              <a:shade val="50000"/>
+            </a:schemeClr>
+          </a:lnRef>
+          <a:fillRef idx="1">
+            <a:schemeClr val="accent1"/>
+          </a:fillRef>
+          <a:effectRef idx="0">
+            <a:schemeClr val="accent1"/>
+          </a:effectRef>
+          <a:fontRef idx="minor">
+            <a:schemeClr val="lt1"/>
+          </a:fontRef>
+        </p:style>
+        <p:txBody>
+          <a:bodyPr rtlCol="0" anchor="ctr"/>
+          <a:lstStyle/>
+          <a:p>
+            <a:pPr algn="ctr"/>
+            <a:r>
+              <a:rPr lang="en-IE" dirty="0" smtClean="0">
+                <a:solidFill>
+                  <a:sysClr val="windowText" lastClr="000000"/>
+                </a:solidFill>
+              </a:rPr>
+              <a:t>Head</a:t>
+            </a:r>
+            <a:endParaRPr lang="en-IE" dirty="0">
+              <a:solidFill>
+                <a:sysClr val="windowText" lastClr="000000"/>
+              </a:solidFill>
+            </a:endParaRPr>
+          </a:p>
+        </p:txBody>
+      </p:sp>
+      <p:sp>
+        <p:nvSpPr>
+          <p:cNvPr id="47" name="Rectangle 46"/>
+          <p:cNvSpPr/>
+          <p:nvPr/>
+        </p:nvSpPr>
+        <p:spPr>
+          <a:xfrm>
+            <a:off x="266700" y="6400800"/>
+            <a:ext cx="533400" cy="381000"/>
+          </a:xfrm>
+          <a:prstGeom prst="rect">
+            <a:avLst/>
+          </a:prstGeom>
+          <a:solidFill>
+            <a:schemeClr val="bg1"/>
+          </a:solidFill>
+        </p:spPr>
+        <p:style>
+          <a:lnRef idx="2">
+            <a:schemeClr val="accent1">
+              <a:shade val="50000"/>
+            </a:schemeClr>
+          </a:lnRef>
+          <a:fillRef idx="1">
+            <a:schemeClr val="accent1"/>
+          </a:fillRef>
+          <a:effectRef idx="0">
+            <a:schemeClr val="accent1"/>
+          </a:effectRef>
+          <a:fontRef idx="minor">
+            <a:schemeClr val="lt1"/>
+          </a:fontRef>
+        </p:style>
+        <p:txBody>
+          <a:bodyPr rtlCol="0" anchor="ctr"/>
+          <a:lstStyle/>
+          <a:p>
+            <a:pPr algn="ctr"/>
+            <a:r>
+              <a:rPr lang="en-IE" dirty="0" smtClean="0">
+                <a:solidFill>
+                  <a:sysClr val="windowText" lastClr="000000"/>
+                </a:solidFill>
+              </a:rPr>
+              <a:t>Tail</a:t>
+            </a:r>
+            <a:endParaRPr lang="en-IE" dirty="0">
+              <a:solidFill>
+                <a:sysClr val="windowText" lastClr="000000"/>
+              </a:solidFill>
+            </a:endParaRPr>
+          </a:p>
+        </p:txBody>
+      </p:sp>
+      <p:sp>
+        <p:nvSpPr>
+          <p:cNvPr id="48" name="Rectangle 47"/>
+          <p:cNvSpPr/>
+          <p:nvPr/>
+        </p:nvSpPr>
+        <p:spPr>
+          <a:xfrm>
+            <a:off x="4114800" y="5791200"/>
+            <a:ext cx="533400" cy="381000"/>
+          </a:xfrm>
+          <a:prstGeom prst="rect">
+            <a:avLst/>
+          </a:prstGeom>
+          <a:solidFill>
+            <a:schemeClr val="bg1"/>
+          </a:solidFill>
+        </p:spPr>
+        <p:style>
+          <a:lnRef idx="2">
+            <a:schemeClr val="accent1">
+              <a:shade val="50000"/>
+            </a:schemeClr>
+          </a:lnRef>
+          <a:fillRef idx="1">
+            <a:schemeClr val="accent1"/>
+          </a:fillRef>
+          <a:effectRef idx="0">
+            <a:schemeClr val="accent1"/>
+          </a:effectRef>
+          <a:fontRef idx="minor">
+            <a:schemeClr val="lt1"/>
+          </a:fontRef>
+        </p:style>
+        <p:txBody>
+          <a:bodyPr rtlCol="0" anchor="ctr"/>
+          <a:lstStyle/>
+          <a:p>
+            <a:pPr algn="ctr"/>
+            <a:r>
+              <a:rPr lang="en-IE" dirty="0" smtClean="0">
+                <a:solidFill>
+                  <a:sysClr val="windowText" lastClr="000000"/>
+                </a:solidFill>
+              </a:rPr>
+              <a:t>5</a:t>
+            </a:r>
+            <a:endParaRPr lang="en-IE" dirty="0">
+              <a:solidFill>
+                <a:sysClr val="windowText" lastClr="000000"/>
+              </a:solidFill>
+            </a:endParaRPr>
+          </a:p>
+        </p:txBody>
+      </p:sp>
+      <p:sp>
+        <p:nvSpPr>
+          <p:cNvPr id="49" name="Rectangle 48"/>
+          <p:cNvSpPr/>
+          <p:nvPr/>
+        </p:nvSpPr>
+        <p:spPr>
+          <a:xfrm>
+            <a:off x="2971800" y="5792230"/>
+            <a:ext cx="533400" cy="381000"/>
+          </a:xfrm>
+          <a:prstGeom prst="rect">
+            <a:avLst/>
+          </a:prstGeom>
+          <a:solidFill>
+            <a:schemeClr val="bg1"/>
+          </a:solidFill>
+        </p:spPr>
+        <p:style>
+          <a:lnRef idx="2">
+            <a:schemeClr val="accent1">
+              <a:shade val="50000"/>
+            </a:schemeClr>
+          </a:lnRef>
+          <a:fillRef idx="1">
+            <a:schemeClr val="accent1"/>
+          </a:fillRef>
+          <a:effectRef idx="0">
+            <a:schemeClr val="accent1"/>
+          </a:effectRef>
+          <a:fontRef idx="minor">
+            <a:schemeClr val="lt1"/>
+          </a:fontRef>
+        </p:style>
+        <p:txBody>
+          <a:bodyPr rtlCol="0" anchor="ctr"/>
+          <a:lstStyle/>
+          <a:p>
+            <a:pPr algn="ctr"/>
+            <a:r>
+              <a:rPr lang="en-IE" dirty="0" smtClean="0">
+                <a:solidFill>
+                  <a:sysClr val="windowText" lastClr="000000"/>
+                </a:solidFill>
+              </a:rPr>
+              <a:t>4</a:t>
+            </a:r>
+            <a:endParaRPr lang="en-IE" dirty="0">
+              <a:solidFill>
+                <a:sysClr val="windowText" lastClr="000000"/>
+              </a:solidFill>
+            </a:endParaRPr>
+          </a:p>
+        </p:txBody>
+      </p:sp>
+      <p:sp>
+        <p:nvSpPr>
+          <p:cNvPr id="50" name="Rectangle 49"/>
+          <p:cNvSpPr/>
+          <p:nvPr/>
+        </p:nvSpPr>
+        <p:spPr>
+          <a:xfrm>
+            <a:off x="1905000" y="5791200"/>
+            <a:ext cx="533400" cy="381000"/>
+          </a:xfrm>
+          <a:prstGeom prst="rect">
+            <a:avLst/>
+          </a:prstGeom>
+          <a:solidFill>
+            <a:schemeClr val="bg1"/>
+          </a:solidFill>
+        </p:spPr>
+        <p:style>
+          <a:lnRef idx="2">
+            <a:schemeClr val="accent1">
+              <a:shade val="50000"/>
+            </a:schemeClr>
+          </a:lnRef>
+          <a:fillRef idx="1">
+            <a:schemeClr val="accent1"/>
+          </a:fillRef>
+          <a:effectRef idx="0">
+            <a:schemeClr val="accent1"/>
+          </a:effectRef>
+          <a:fontRef idx="minor">
+            <a:schemeClr val="lt1"/>
+          </a:fontRef>
+        </p:style>
+        <p:txBody>
+          <a:bodyPr rtlCol="0" anchor="ctr"/>
+          <a:lstStyle/>
+          <a:p>
+            <a:pPr algn="ctr"/>
+            <a:r>
+              <a:rPr lang="en-IE" dirty="0" smtClean="0">
+                <a:solidFill>
+                  <a:sysClr val="windowText" lastClr="000000"/>
+                </a:solidFill>
+              </a:rPr>
+              <a:t>2</a:t>
+            </a:r>
+            <a:endParaRPr lang="en-IE" dirty="0">
+              <a:solidFill>
+                <a:sysClr val="windowText" lastClr="000000"/>
+              </a:solidFill>
+            </a:endParaRPr>
+          </a:p>
+        </p:txBody>
+      </p:sp>
+      <p:sp>
+        <p:nvSpPr>
+          <p:cNvPr id="51" name="Rectangle 50"/>
+          <p:cNvSpPr/>
+          <p:nvPr/>
+        </p:nvSpPr>
+        <p:spPr>
+          <a:xfrm>
+            <a:off x="838200" y="5791200"/>
+            <a:ext cx="533400" cy="381000"/>
+          </a:xfrm>
+          <a:prstGeom prst="rect">
+            <a:avLst/>
+          </a:prstGeom>
+          <a:solidFill>
+            <a:schemeClr val="bg1"/>
+          </a:solidFill>
+        </p:spPr>
+        <p:style>
+          <a:lnRef idx="2">
+            <a:schemeClr val="accent1">
+              <a:shade val="50000"/>
+            </a:schemeClr>
+          </a:lnRef>
+          <a:fillRef idx="1">
+            <a:schemeClr val="accent1"/>
+          </a:fillRef>
+          <a:effectRef idx="0">
+            <a:schemeClr val="accent1"/>
+          </a:effectRef>
+          <a:fontRef idx="minor">
+            <a:schemeClr val="lt1"/>
+          </a:fontRef>
+        </p:style>
+        <p:txBody>
+          <a:bodyPr rtlCol="0" anchor="ctr"/>
+          <a:lstStyle/>
+          <a:p>
+            <a:pPr algn="ctr"/>
+            <a:r>
+              <a:rPr lang="en-IE" dirty="0" smtClean="0">
+                <a:solidFill>
+                  <a:sysClr val="windowText" lastClr="000000"/>
+                </a:solidFill>
+              </a:rPr>
+              <a:t>2</a:t>
+            </a:r>
+            <a:endParaRPr lang="en-IE" dirty="0">
+              <a:solidFill>
+                <a:sysClr val="windowText" lastClr="000000"/>
+              </a:solidFill>
+            </a:endParaRPr>
+          </a:p>
+        </p:txBody>
+      </p:sp>
+      <p:cxnSp>
+        <p:nvCxnSpPr>
+          <p:cNvPr id="53" name="Straight Arrow Connector 52"/>
+          <p:cNvCxnSpPr>
+            <a:stCxn id="51" idx="3"/>
+            <a:endCxn id="50" idx="1"/>
+          </p:cNvCxnSpPr>
+          <p:nvPr/>
+        </p:nvCxnSpPr>
+        <p:spPr>
+          <a:xfrm>
+            <a:off x="1371600" y="5981700"/>
+            <a:ext cx="533400" cy="0"/>
+          </a:xfrm>
+          <a:prstGeom prst="straightConnector1">
+            <a:avLst/>
+          </a:prstGeom>
+          <a:ln>
+            <a:tailEnd type="arrow"/>
+          </a:ln>
+        </p:spPr>
+        <p:style>
+          <a:lnRef idx="1">
+            <a:schemeClr val="accent1"/>
+          </a:lnRef>
+          <a:fillRef idx="0">
+            <a:schemeClr val="accent1"/>
+          </a:fillRef>
+          <a:effectRef idx="0">
+            <a:schemeClr val="accent1"/>
+          </a:effectRef>
+          <a:fontRef idx="minor">
+            <a:schemeClr val="tx1"/>
+          </a:fontRef>
+        </p:style>
+      </p:cxnSp>
+      <p:cxnSp>
+        <p:nvCxnSpPr>
+          <p:cNvPr id="55" name="Straight Arrow Connector 54"/>
+          <p:cNvCxnSpPr>
+            <a:stCxn id="50" idx="3"/>
+            <a:endCxn id="49" idx="1"/>
+          </p:cNvCxnSpPr>
+          <p:nvPr/>
+        </p:nvCxnSpPr>
+        <p:spPr>
+          <a:xfrm>
+            <a:off x="2438400" y="5981700"/>
+            <a:ext cx="533400" cy="1030"/>
+          </a:xfrm>
+          <a:prstGeom prst="straightConnector1">
+            <a:avLst/>
+          </a:prstGeom>
+          <a:ln>
+            <a:tailEnd type="arrow"/>
+          </a:ln>
+        </p:spPr>
+        <p:style>
+          <a:lnRef idx="1">
+            <a:schemeClr val="accent1"/>
+          </a:lnRef>
+          <a:fillRef idx="0">
+            <a:schemeClr val="accent1"/>
+          </a:fillRef>
+          <a:effectRef idx="0">
+            <a:schemeClr val="accent1"/>
+          </a:effectRef>
+          <a:fontRef idx="minor">
+            <a:schemeClr val="tx1"/>
+          </a:fontRef>
+        </p:style>
+      </p:cxnSp>
+      <p:cxnSp>
+        <p:nvCxnSpPr>
+          <p:cNvPr id="57" name="Straight Arrow Connector 56"/>
+          <p:cNvCxnSpPr>
+            <a:stCxn id="49" idx="3"/>
+            <a:endCxn id="48" idx="1"/>
+          </p:cNvCxnSpPr>
+          <p:nvPr/>
+        </p:nvCxnSpPr>
+        <p:spPr>
+          <a:xfrm flipV="1">
+            <a:off x="3505200" y="5981700"/>
+            <a:ext cx="609600" cy="1030"/>
+          </a:xfrm>
+          <a:prstGeom prst="straightConnector1">
+            <a:avLst/>
+          </a:prstGeom>
+          <a:ln>
+            <a:tailEnd type="arrow"/>
+          </a:ln>
+        </p:spPr>
+        <p:style>
+          <a:lnRef idx="1">
+            <a:schemeClr val="accent1"/>
+          </a:lnRef>
+          <a:fillRef idx="0">
+            <a:schemeClr val="accent1"/>
+          </a:fillRef>
+          <a:effectRef idx="0">
+            <a:schemeClr val="accent1"/>
+          </a:effectRef>
+          <a:fontRef idx="minor">
+            <a:schemeClr val="tx1"/>
+          </a:fontRef>
+        </p:style>
+      </p:cxnSp>
+      <p:cxnSp>
+        <p:nvCxnSpPr>
+          <p:cNvPr id="59" name="Straight Arrow Connector 58"/>
+          <p:cNvCxnSpPr/>
+          <p:nvPr/>
+        </p:nvCxnSpPr>
+        <p:spPr>
+          <a:xfrm>
+            <a:off x="4648200" y="5981700"/>
+            <a:ext cx="533400" cy="0"/>
+          </a:xfrm>
+          <a:prstGeom prst="straightConnector1">
+            <a:avLst/>
+          </a:prstGeom>
+          <a:ln>
+            <a:tailEnd type="arrow"/>
+          </a:ln>
+        </p:spPr>
+        <p:style>
+          <a:lnRef idx="1">
+            <a:schemeClr val="accent1"/>
+          </a:lnRef>
+          <a:fillRef idx="0">
+            <a:schemeClr val="accent1"/>
+          </a:fillRef>
+          <a:effectRef idx="0">
+            <a:schemeClr val="accent1"/>
+          </a:effectRef>
+          <a:fontRef idx="minor">
+            <a:schemeClr val="tx1"/>
+          </a:fontRef>
+        </p:style>
+      </p:cxnSp>
+      <p:cxnSp>
+        <p:nvCxnSpPr>
+          <p:cNvPr id="61" name="Straight Arrow Connector 60"/>
+          <p:cNvCxnSpPr>
+            <a:stCxn id="47" idx="0"/>
+          </p:cNvCxnSpPr>
+          <p:nvPr/>
+        </p:nvCxnSpPr>
+        <p:spPr>
+          <a:xfrm flipV="1">
+            <a:off x="533400" y="5982730"/>
+            <a:ext cx="266700" cy="418070"/>
+          </a:xfrm>
+          <a:prstGeom prst="straightConnector1">
+            <a:avLst/>
+          </a:prstGeom>
+          <a:ln>
+            <a:tailEnd type="arrow"/>
+          </a:ln>
+        </p:spPr>
+        <p:style>
+          <a:lnRef idx="1">
+            <a:schemeClr val="accent1"/>
+          </a:lnRef>
+          <a:fillRef idx="0">
+            <a:schemeClr val="accent1"/>
+          </a:fillRef>
+          <a:effectRef idx="0">
+            <a:schemeClr val="accent1"/>
+          </a:effectRef>
+          <a:fontRef idx="minor">
+            <a:schemeClr val="tx1"/>
+          </a:fontRef>
+        </p:style>
+      </p:cxnSp>
+      <p:cxnSp>
+        <p:nvCxnSpPr>
+          <p:cNvPr id="63" name="Straight Arrow Connector 62"/>
+          <p:cNvCxnSpPr>
+            <a:stCxn id="46" idx="1"/>
+            <a:endCxn id="48" idx="2"/>
+          </p:cNvCxnSpPr>
+          <p:nvPr/>
+        </p:nvCxnSpPr>
+        <p:spPr>
+          <a:xfrm flipH="1" flipV="1">
+            <a:off x="4381500" y="6172200"/>
+            <a:ext cx="533400" cy="395416"/>
+          </a:xfrm>
+          <a:prstGeom prst="straightConnector1">
+            <a:avLst/>
+          </a:prstGeom>
+          <a:ln>
+            <a:tailEnd type="arrow"/>
+          </a:ln>
+        </p:spPr>
+        <p:style>
+          <a:lnRef idx="1">
+            <a:schemeClr val="accent1"/>
+          </a:lnRef>
+          <a:fillRef idx="0">
+            <a:schemeClr val="accent1"/>
+          </a:fillRef>
+          <a:effectRef idx="0">
+            <a:schemeClr val="accent1"/>
+          </a:effectRef>
+          <a:fontRef idx="minor">
+            <a:schemeClr val="tx1"/>
+          </a:fontRef>
+        </p:style>
+      </p:cxnSp>
     </p:spTree>
     <p:extLst>
       <p:ext uri="{BB962C8B-B14F-4D97-AF65-F5344CB8AC3E}">
-        <p14:creationId xmlns:p14="http://schemas.microsoft.com/office/powerpoint/2010/main" val="469012117"/>
+        <p14:creationId xmlns:p14="http://schemas.microsoft.com/office/powerpoint/2010/main" val="2658147231"/>
       </p:ext>
     </p:extLst>
   </p:cSld>

--- a/Report/FYP_Presentation.pptx
+++ b/Report/FYP_Presentation.pptx
@@ -5,24 +5,33 @@
     <p:sldMasterId id="2147483648" r:id="rId1"/>
   </p:sldMasterIdLst>
   <p:notesMasterIdLst>
-    <p:notesMasterId r:id="rId17"/>
+    <p:notesMasterId r:id="rId26"/>
   </p:notesMasterIdLst>
   <p:sldIdLst>
     <p:sldId id="256" r:id="rId2"/>
     <p:sldId id="257" r:id="rId3"/>
-    <p:sldId id="266" r:id="rId4"/>
-    <p:sldId id="258" r:id="rId5"/>
-    <p:sldId id="259" r:id="rId6"/>
-    <p:sldId id="260" r:id="rId7"/>
-    <p:sldId id="267" r:id="rId8"/>
-    <p:sldId id="268" r:id="rId9"/>
-    <p:sldId id="269" r:id="rId10"/>
-    <p:sldId id="270" r:id="rId11"/>
-    <p:sldId id="265" r:id="rId12"/>
-    <p:sldId id="261" r:id="rId13"/>
-    <p:sldId id="262" r:id="rId14"/>
-    <p:sldId id="264" r:id="rId15"/>
-    <p:sldId id="263" r:id="rId16"/>
+    <p:sldId id="271" r:id="rId4"/>
+    <p:sldId id="272" r:id="rId5"/>
+    <p:sldId id="274" r:id="rId6"/>
+    <p:sldId id="266" r:id="rId7"/>
+    <p:sldId id="258" r:id="rId8"/>
+    <p:sldId id="259" r:id="rId9"/>
+    <p:sldId id="260" r:id="rId10"/>
+    <p:sldId id="267" r:id="rId11"/>
+    <p:sldId id="268" r:id="rId12"/>
+    <p:sldId id="269" r:id="rId13"/>
+    <p:sldId id="270" r:id="rId14"/>
+    <p:sldId id="275" r:id="rId15"/>
+    <p:sldId id="261" r:id="rId16"/>
+    <p:sldId id="279" r:id="rId17"/>
+    <p:sldId id="277" r:id="rId18"/>
+    <p:sldId id="278" r:id="rId19"/>
+    <p:sldId id="280" r:id="rId20"/>
+    <p:sldId id="282" r:id="rId21"/>
+    <p:sldId id="283" r:id="rId22"/>
+    <p:sldId id="281" r:id="rId23"/>
+    <p:sldId id="263" r:id="rId24"/>
+    <p:sldId id="284" r:id="rId25"/>
   </p:sldIdLst>
   <p:sldSz cx="9144000" cy="6858000" type="screen4x3"/>
   <p:notesSz cx="6858000" cy="9144000"/>
@@ -148,13 +157,20 @@
               <a:defRPr/>
             </a:pPr>
             <a:r>
-              <a:rPr lang="en-US" dirty="0" smtClean="0"/>
-              <a:t>Single Link Linked List Buffer </a:t>
-            </a:r>
-            <a:r>
-              <a:rPr lang="en-US" dirty="0"/>
-              <a:t>All Machines Lockless All Key Ranges</a:t>
-            </a:r>
+              <a:rPr lang="en-US" sz="1600" b="1" i="0" baseline="0" dirty="0">
+                <a:effectLst/>
+              </a:rPr>
+              <a:t>Singly Linked List; All Machines; Lockless; Key Range </a:t>
+            </a:r>
+            <a:r>
+              <a:rPr lang="en-US" sz="1600" b="1" i="0" baseline="0" dirty="0" smtClean="0">
+                <a:effectLst/>
+              </a:rPr>
+              <a:t>128 (Max List Length)</a:t>
+            </a:r>
+            <a:endParaRPr lang="en-IE" sz="1600" dirty="0">
+              <a:effectLst/>
+            </a:endParaRPr>
           </a:p>
         </c:rich>
       </c:tx>
@@ -172,18 +188,18 @@
           <c:order val="0"/>
           <c:tx>
             <c:strRef>
-              <c:f>Sheet1!$A$51</c:f>
+              <c:f>Sheet1!$A$92</c:f>
               <c:strCache>
                 <c:ptCount val="1"/>
                 <c:pt idx="0">
-                  <c:v>Stoker 128</c:v>
+                  <c:v>Stoker (32 Cores)</c:v>
                 </c:pt>
               </c:strCache>
             </c:strRef>
           </c:tx>
           <c:cat>
             <c:numRef>
-              <c:f>Sheet1!$B$50:$I$50</c:f>
+              <c:f>Sheet1!$B$91:$I$91</c:f>
               <c:numCache>
                 <c:formatCode>General</c:formatCode>
                 <c:ptCount val="8"/>
@@ -216,33 +232,33 @@
           </c:cat>
           <c:val>
             <c:numRef>
-              <c:f>Sheet1!$B$51:$I$51</c:f>
+              <c:f>Sheet1!$B$92:$I$92</c:f>
               <c:numCache>
                 <c:formatCode>_(* #,##0.00_);_(* \(#,##0.00\);_(* "-"??_);_(@_)</c:formatCode>
                 <c:ptCount val="8"/>
                 <c:pt idx="0">
-                  <c:v>2903255</c:v>
+                  <c:v>991484</c:v>
                 </c:pt>
                 <c:pt idx="1">
-                  <c:v>2302230</c:v>
+                  <c:v>1685199</c:v>
                 </c:pt>
                 <c:pt idx="2">
-                  <c:v>1643140</c:v>
+                  <c:v>1166779</c:v>
                 </c:pt>
                 <c:pt idx="3">
-                  <c:v>1661205</c:v>
+                  <c:v>719258</c:v>
                 </c:pt>
                 <c:pt idx="4">
-                  <c:v>1646202</c:v>
+                  <c:v>690663</c:v>
                 </c:pt>
                 <c:pt idx="5">
-                  <c:v>1609534</c:v>
+                  <c:v>627234</c:v>
                 </c:pt>
                 <c:pt idx="6">
-                  <c:v>1659569</c:v>
+                  <c:v>666569</c:v>
                 </c:pt>
                 <c:pt idx="7">
-                  <c:v>2013186</c:v>
+                  <c:v>671182</c:v>
                 </c:pt>
               </c:numCache>
             </c:numRef>
@@ -254,18 +270,18 @@
           <c:order val="1"/>
           <c:tx>
             <c:strRef>
-              <c:f>Sheet1!$A$52</c:f>
+              <c:f>Sheet1!$A$93</c:f>
               <c:strCache>
                 <c:ptCount val="1"/>
                 <c:pt idx="0">
-                  <c:v>Local 128</c:v>
+                  <c:v>Local (4 Cores)</c:v>
                 </c:pt>
               </c:strCache>
             </c:strRef>
           </c:tx>
           <c:cat>
             <c:numRef>
-              <c:f>Sheet1!$B$50:$I$50</c:f>
+              <c:f>Sheet1!$B$91:$I$91</c:f>
               <c:numCache>
                 <c:formatCode>General</c:formatCode>
                 <c:ptCount val="8"/>
@@ -298,33 +314,33 @@
           </c:cat>
           <c:val>
             <c:numRef>
-              <c:f>Sheet1!$B$52:$I$52</c:f>
+              <c:f>Sheet1!$B$93:$I$93</c:f>
               <c:numCache>
                 <c:formatCode>_(* #,##0.00_);_(* \(#,##0.00\);_(* "-"??_);_(@_)</c:formatCode>
                 <c:ptCount val="8"/>
                 <c:pt idx="0">
-                  <c:v>5705844</c:v>
+                  <c:v>2597972</c:v>
                 </c:pt>
                 <c:pt idx="1">
-                  <c:v>8696890</c:v>
+                  <c:v>5933138</c:v>
                 </c:pt>
                 <c:pt idx="2">
-                  <c:v>11042185</c:v>
+                  <c:v>11066666</c:v>
                 </c:pt>
                 <c:pt idx="3">
-                  <c:v>13860795</c:v>
+                  <c:v>14458128</c:v>
                 </c:pt>
                 <c:pt idx="4">
-                  <c:v>13008780</c:v>
+                  <c:v>16338123</c:v>
                 </c:pt>
                 <c:pt idx="5">
-                  <c:v>13963041</c:v>
+                  <c:v>16222973</c:v>
                 </c:pt>
                 <c:pt idx="6">
-                  <c:v>13891453</c:v>
+                  <c:v>15641009</c:v>
                 </c:pt>
                 <c:pt idx="7">
-                  <c:v>13866634</c:v>
+                  <c:v>15761452</c:v>
                 </c:pt>
               </c:numCache>
             </c:numRef>
@@ -336,18 +352,18 @@
           <c:order val="2"/>
           <c:tx>
             <c:strRef>
-              <c:f>Sheet1!$A$53</c:f>
+              <c:f>Sheet1!$A$94</c:f>
               <c:strCache>
                 <c:ptCount val="1"/>
                 <c:pt idx="0">
-                  <c:v>Cube 128</c:v>
+                  <c:v>Cube (16 Cores)</c:v>
                 </c:pt>
               </c:strCache>
             </c:strRef>
           </c:tx>
           <c:cat>
             <c:numRef>
-              <c:f>Sheet1!$B$50:$I$50</c:f>
+              <c:f>Sheet1!$B$91:$I$91</c:f>
               <c:numCache>
                 <c:formatCode>General</c:formatCode>
                 <c:ptCount val="8"/>
@@ -380,525 +396,33 @@
           </c:cat>
           <c:val>
             <c:numRef>
-              <c:f>Sheet1!$B$53:$I$53</c:f>
+              <c:f>Sheet1!$B$94:$I$94</c:f>
               <c:numCache>
                 <c:formatCode>_(* #,##0.00_);_(* \(#,##0.00\);_(* "-"??_);_(@_)</c:formatCode>
                 <c:ptCount val="8"/>
                 <c:pt idx="0">
-                  <c:v>3676761</c:v>
+                  <c:v>1337861</c:v>
                 </c:pt>
                 <c:pt idx="1">
-                  <c:v>6399825</c:v>
+                  <c:v>1950493</c:v>
                 </c:pt>
                 <c:pt idx="2">
-                  <c:v>4956513</c:v>
+                  <c:v>3238299</c:v>
                 </c:pt>
                 <c:pt idx="3">
-                  <c:v>5942809</c:v>
+                  <c:v>1860926</c:v>
                 </c:pt>
                 <c:pt idx="4">
-                  <c:v>5193797</c:v>
+                  <c:v>6532522</c:v>
                 </c:pt>
                 <c:pt idx="5">
-                  <c:v>6876868</c:v>
+                  <c:v>1376020</c:v>
                 </c:pt>
                 <c:pt idx="6">
-                  <c:v>5572043</c:v>
+                  <c:v>7412770</c:v>
                 </c:pt>
                 <c:pt idx="7">
-                  <c:v>7276298</c:v>
-                </c:pt>
-              </c:numCache>
-            </c:numRef>
-          </c:val>
-          <c:smooth val="0"/>
-        </c:ser>
-        <c:ser>
-          <c:idx val="3"/>
-          <c:order val="3"/>
-          <c:tx>
-            <c:strRef>
-              <c:f>Sheet1!$A$59</c:f>
-              <c:strCache>
-                <c:ptCount val="1"/>
-                <c:pt idx="0">
-                  <c:v>Stoker 131072</c:v>
-                </c:pt>
-              </c:strCache>
-            </c:strRef>
-          </c:tx>
-          <c:cat>
-            <c:numRef>
-              <c:f>Sheet1!$B$50:$I$50</c:f>
-              <c:numCache>
-                <c:formatCode>General</c:formatCode>
-                <c:ptCount val="8"/>
-                <c:pt idx="0">
-                  <c:v>1</c:v>
-                </c:pt>
-                <c:pt idx="1">
-                  <c:v>2</c:v>
-                </c:pt>
-                <c:pt idx="2">
-                  <c:v>4</c:v>
-                </c:pt>
-                <c:pt idx="3">
-                  <c:v>8</c:v>
-                </c:pt>
-                <c:pt idx="4">
-                  <c:v>16</c:v>
-                </c:pt>
-                <c:pt idx="5">
-                  <c:v>32</c:v>
-                </c:pt>
-                <c:pt idx="6">
-                  <c:v>64</c:v>
-                </c:pt>
-                <c:pt idx="7">
-                  <c:v>128</c:v>
-                </c:pt>
-              </c:numCache>
-            </c:numRef>
-          </c:cat>
-          <c:val>
-            <c:numRef>
-              <c:f>Sheet1!$B$59:$I$59</c:f>
-              <c:numCache>
-                <c:formatCode>_(* #,##0.00_);_(* \(#,##0.00\);_(* "-"??_);_(@_)</c:formatCode>
-                <c:ptCount val="8"/>
-                <c:pt idx="0">
-                  <c:v>3085326</c:v>
-                </c:pt>
-                <c:pt idx="1">
-                  <c:v>2294553</c:v>
-                </c:pt>
-                <c:pt idx="2">
-                  <c:v>2313742</c:v>
-                </c:pt>
-                <c:pt idx="3">
-                  <c:v>1593021</c:v>
-                </c:pt>
-                <c:pt idx="4">
-                  <c:v>1621292</c:v>
-                </c:pt>
-                <c:pt idx="5">
-                  <c:v>1607634</c:v>
-                </c:pt>
-                <c:pt idx="6">
-                  <c:v>1651884</c:v>
-                </c:pt>
-                <c:pt idx="7">
-                  <c:v>1696833</c:v>
-                </c:pt>
-              </c:numCache>
-            </c:numRef>
-          </c:val>
-          <c:smooth val="0"/>
-        </c:ser>
-        <c:ser>
-          <c:idx val="4"/>
-          <c:order val="4"/>
-          <c:tx>
-            <c:strRef>
-              <c:f>Sheet1!$A$60</c:f>
-              <c:strCache>
-                <c:ptCount val="1"/>
-                <c:pt idx="0">
-                  <c:v>Local 131072</c:v>
-                </c:pt>
-              </c:strCache>
-            </c:strRef>
-          </c:tx>
-          <c:cat>
-            <c:numRef>
-              <c:f>Sheet1!$B$50:$I$50</c:f>
-              <c:numCache>
-                <c:formatCode>General</c:formatCode>
-                <c:ptCount val="8"/>
-                <c:pt idx="0">
-                  <c:v>1</c:v>
-                </c:pt>
-                <c:pt idx="1">
-                  <c:v>2</c:v>
-                </c:pt>
-                <c:pt idx="2">
-                  <c:v>4</c:v>
-                </c:pt>
-                <c:pt idx="3">
-                  <c:v>8</c:v>
-                </c:pt>
-                <c:pt idx="4">
-                  <c:v>16</c:v>
-                </c:pt>
-                <c:pt idx="5">
-                  <c:v>32</c:v>
-                </c:pt>
-                <c:pt idx="6">
-                  <c:v>64</c:v>
-                </c:pt>
-                <c:pt idx="7">
-                  <c:v>128</c:v>
-                </c:pt>
-              </c:numCache>
-            </c:numRef>
-          </c:cat>
-          <c:val>
-            <c:numRef>
-              <c:f>Sheet1!$B$60:$I$60</c:f>
-              <c:numCache>
-                <c:formatCode>_(* #,##0.00_);_(* \(#,##0.00\);_(* "-"??_);_(@_)</c:formatCode>
-                <c:ptCount val="8"/>
-                <c:pt idx="0">
-                  <c:v>5703600</c:v>
-                </c:pt>
-                <c:pt idx="1">
-                  <c:v>8588528</c:v>
-                </c:pt>
-                <c:pt idx="2">
-                  <c:v>11111591</c:v>
-                </c:pt>
-                <c:pt idx="3">
-                  <c:v>13892636</c:v>
-                </c:pt>
-                <c:pt idx="4">
-                  <c:v>13637538</c:v>
-                </c:pt>
-                <c:pt idx="5">
-                  <c:v>12640811</c:v>
-                </c:pt>
-                <c:pt idx="6">
-                  <c:v>13632672</c:v>
-                </c:pt>
-                <c:pt idx="7">
-                  <c:v>13754293</c:v>
-                </c:pt>
-              </c:numCache>
-            </c:numRef>
-          </c:val>
-          <c:smooth val="0"/>
-        </c:ser>
-        <c:ser>
-          <c:idx val="5"/>
-          <c:order val="5"/>
-          <c:tx>
-            <c:strRef>
-              <c:f>Sheet1!$A$61</c:f>
-              <c:strCache>
-                <c:ptCount val="1"/>
-                <c:pt idx="0">
-                  <c:v>Cube 131072</c:v>
-                </c:pt>
-              </c:strCache>
-            </c:strRef>
-          </c:tx>
-          <c:cat>
-            <c:numRef>
-              <c:f>Sheet1!$B$50:$I$50</c:f>
-              <c:numCache>
-                <c:formatCode>General</c:formatCode>
-                <c:ptCount val="8"/>
-                <c:pt idx="0">
-                  <c:v>1</c:v>
-                </c:pt>
-                <c:pt idx="1">
-                  <c:v>2</c:v>
-                </c:pt>
-                <c:pt idx="2">
-                  <c:v>4</c:v>
-                </c:pt>
-                <c:pt idx="3">
-                  <c:v>8</c:v>
-                </c:pt>
-                <c:pt idx="4">
-                  <c:v>16</c:v>
-                </c:pt>
-                <c:pt idx="5">
-                  <c:v>32</c:v>
-                </c:pt>
-                <c:pt idx="6">
-                  <c:v>64</c:v>
-                </c:pt>
-                <c:pt idx="7">
-                  <c:v>128</c:v>
-                </c:pt>
-              </c:numCache>
-            </c:numRef>
-          </c:cat>
-          <c:val>
-            <c:numRef>
-              <c:f>Sheet1!$B$61:$I$61</c:f>
-              <c:numCache>
-                <c:formatCode>_(* #,##0.00_);_(* \(#,##0.00\);_(* "-"??_);_(@_)</c:formatCode>
-                <c:ptCount val="8"/>
-                <c:pt idx="0">
-                  <c:v>3695638</c:v>
-                </c:pt>
-                <c:pt idx="1">
-                  <c:v>3662236</c:v>
-                </c:pt>
-                <c:pt idx="2">
-                  <c:v>10397162</c:v>
-                </c:pt>
-                <c:pt idx="3">
-                  <c:v>5022700</c:v>
-                </c:pt>
-                <c:pt idx="4">
-                  <c:v>6268867</c:v>
-                </c:pt>
-                <c:pt idx="5">
-                  <c:v>3888263</c:v>
-                </c:pt>
-                <c:pt idx="6">
-                  <c:v>7292982</c:v>
-                </c:pt>
-                <c:pt idx="7">
-                  <c:v>10656371</c:v>
-                </c:pt>
-              </c:numCache>
-            </c:numRef>
-          </c:val>
-          <c:smooth val="0"/>
-        </c:ser>
-        <c:ser>
-          <c:idx val="6"/>
-          <c:order val="6"/>
-          <c:tx>
-            <c:strRef>
-              <c:f>Sheet1!$A$67</c:f>
-              <c:strCache>
-                <c:ptCount val="1"/>
-                <c:pt idx="0">
-                  <c:v>Stoker 134217728</c:v>
-                </c:pt>
-              </c:strCache>
-            </c:strRef>
-          </c:tx>
-          <c:cat>
-            <c:numRef>
-              <c:f>Sheet1!$B$50:$I$50</c:f>
-              <c:numCache>
-                <c:formatCode>General</c:formatCode>
-                <c:ptCount val="8"/>
-                <c:pt idx="0">
-                  <c:v>1</c:v>
-                </c:pt>
-                <c:pt idx="1">
-                  <c:v>2</c:v>
-                </c:pt>
-                <c:pt idx="2">
-                  <c:v>4</c:v>
-                </c:pt>
-                <c:pt idx="3">
-                  <c:v>8</c:v>
-                </c:pt>
-                <c:pt idx="4">
-                  <c:v>16</c:v>
-                </c:pt>
-                <c:pt idx="5">
-                  <c:v>32</c:v>
-                </c:pt>
-                <c:pt idx="6">
-                  <c:v>64</c:v>
-                </c:pt>
-                <c:pt idx="7">
-                  <c:v>128</c:v>
-                </c:pt>
-              </c:numCache>
-            </c:numRef>
-          </c:cat>
-          <c:val>
-            <c:numRef>
-              <c:f>Sheet1!$B$67:$I$67</c:f>
-              <c:numCache>
-                <c:formatCode>_(* #,##0.00_);_(* \(#,##0.00\);_(* "-"??_);_(@_)</c:formatCode>
-                <c:ptCount val="8"/>
-                <c:pt idx="0">
-                  <c:v>3757737</c:v>
-                </c:pt>
-                <c:pt idx="1">
-                  <c:v>2442497</c:v>
-                </c:pt>
-                <c:pt idx="2">
-                  <c:v>2536779</c:v>
-                </c:pt>
-                <c:pt idx="3">
-                  <c:v>1731615</c:v>
-                </c:pt>
-                <c:pt idx="4">
-                  <c:v>1634806</c:v>
-                </c:pt>
-                <c:pt idx="5">
-                  <c:v>1635979</c:v>
-                </c:pt>
-                <c:pt idx="6">
-                  <c:v>1680443</c:v>
-                </c:pt>
-                <c:pt idx="7">
-                  <c:v>1725530</c:v>
-                </c:pt>
-              </c:numCache>
-            </c:numRef>
-          </c:val>
-          <c:smooth val="0"/>
-        </c:ser>
-        <c:ser>
-          <c:idx val="7"/>
-          <c:order val="7"/>
-          <c:tx>
-            <c:strRef>
-              <c:f>Sheet1!$A$68</c:f>
-              <c:strCache>
-                <c:ptCount val="1"/>
-                <c:pt idx="0">
-                  <c:v>Local 134217728</c:v>
-                </c:pt>
-              </c:strCache>
-            </c:strRef>
-          </c:tx>
-          <c:cat>
-            <c:numRef>
-              <c:f>Sheet1!$B$50:$I$50</c:f>
-              <c:numCache>
-                <c:formatCode>General</c:formatCode>
-                <c:ptCount val="8"/>
-                <c:pt idx="0">
-                  <c:v>1</c:v>
-                </c:pt>
-                <c:pt idx="1">
-                  <c:v>2</c:v>
-                </c:pt>
-                <c:pt idx="2">
-                  <c:v>4</c:v>
-                </c:pt>
-                <c:pt idx="3">
-                  <c:v>8</c:v>
-                </c:pt>
-                <c:pt idx="4">
-                  <c:v>16</c:v>
-                </c:pt>
-                <c:pt idx="5">
-                  <c:v>32</c:v>
-                </c:pt>
-                <c:pt idx="6">
-                  <c:v>64</c:v>
-                </c:pt>
-                <c:pt idx="7">
-                  <c:v>128</c:v>
-                </c:pt>
-              </c:numCache>
-            </c:numRef>
-          </c:cat>
-          <c:val>
-            <c:numRef>
-              <c:f>Sheet1!$B$68:$I$68</c:f>
-              <c:numCache>
-                <c:formatCode>_(* #,##0.00_);_(* \(#,##0.00\);_(* "-"??_);_(@_)</c:formatCode>
-                <c:ptCount val="8"/>
-                <c:pt idx="0">
-                  <c:v>5720444</c:v>
-                </c:pt>
-                <c:pt idx="1">
-                  <c:v>8759991</c:v>
-                </c:pt>
-                <c:pt idx="2">
-                  <c:v>11213554</c:v>
-                </c:pt>
-                <c:pt idx="3">
-                  <c:v>13756219</c:v>
-                </c:pt>
-                <c:pt idx="4">
-                  <c:v>13462318</c:v>
-                </c:pt>
-                <c:pt idx="5">
-                  <c:v>13664092</c:v>
-                </c:pt>
-                <c:pt idx="6">
-                  <c:v>12967883</c:v>
-                </c:pt>
-                <c:pt idx="7">
-                  <c:v>13421220</c:v>
-                </c:pt>
-              </c:numCache>
-            </c:numRef>
-          </c:val>
-          <c:smooth val="0"/>
-        </c:ser>
-        <c:ser>
-          <c:idx val="8"/>
-          <c:order val="8"/>
-          <c:tx>
-            <c:strRef>
-              <c:f>Sheet1!$A$69</c:f>
-              <c:strCache>
-                <c:ptCount val="1"/>
-                <c:pt idx="0">
-                  <c:v>Cube 134217728</c:v>
-                </c:pt>
-              </c:strCache>
-            </c:strRef>
-          </c:tx>
-          <c:cat>
-            <c:numRef>
-              <c:f>Sheet1!$B$50:$I$50</c:f>
-              <c:numCache>
-                <c:formatCode>General</c:formatCode>
-                <c:ptCount val="8"/>
-                <c:pt idx="0">
-                  <c:v>1</c:v>
-                </c:pt>
-                <c:pt idx="1">
-                  <c:v>2</c:v>
-                </c:pt>
-                <c:pt idx="2">
-                  <c:v>4</c:v>
-                </c:pt>
-                <c:pt idx="3">
-                  <c:v>8</c:v>
-                </c:pt>
-                <c:pt idx="4">
-                  <c:v>16</c:v>
-                </c:pt>
-                <c:pt idx="5">
-                  <c:v>32</c:v>
-                </c:pt>
-                <c:pt idx="6">
-                  <c:v>64</c:v>
-                </c:pt>
-                <c:pt idx="7">
-                  <c:v>128</c:v>
-                </c:pt>
-              </c:numCache>
-            </c:numRef>
-          </c:cat>
-          <c:val>
-            <c:numRef>
-              <c:f>Sheet1!$B$69:$I$69</c:f>
-              <c:numCache>
-                <c:formatCode>_(* #,##0.00_);_(* \(#,##0.00\);_(* "-"??_);_(@_)</c:formatCode>
-                <c:ptCount val="8"/>
-                <c:pt idx="0">
-                  <c:v>3735679</c:v>
-                </c:pt>
-                <c:pt idx="1">
-                  <c:v>4207470</c:v>
-                </c:pt>
-                <c:pt idx="2">
-                  <c:v>5332245</c:v>
-                </c:pt>
-                <c:pt idx="3">
-                  <c:v>3837889</c:v>
-                </c:pt>
-                <c:pt idx="4">
-                  <c:v>4331372</c:v>
-                </c:pt>
-                <c:pt idx="5">
-                  <c:v>4878603</c:v>
-                </c:pt>
-                <c:pt idx="6">
-                  <c:v>6225616</c:v>
-                </c:pt>
-                <c:pt idx="7">
-                  <c:v>6335318</c:v>
+                  <c:v>1469781</c:v>
                 </c:pt>
               </c:numCache>
             </c:numRef>
@@ -915,11 +439,11 @@
         </c:dLbls>
         <c:marker val="1"/>
         <c:smooth val="0"/>
-        <c:axId val="80246656"/>
-        <c:axId val="80265216"/>
+        <c:axId val="34099584"/>
+        <c:axId val="34111488"/>
       </c:lineChart>
       <c:catAx>
-        <c:axId val="80246656"/>
+        <c:axId val="34099584"/>
         <c:scaling>
           <c:orientation val="minMax"/>
         </c:scaling>
@@ -948,7 +472,7 @@
         <c:majorTickMark val="out"/>
         <c:minorTickMark val="none"/>
         <c:tickLblPos val="nextTo"/>
-        <c:crossAx val="80265216"/>
+        <c:crossAx val="34111488"/>
         <c:crosses val="autoZero"/>
         <c:auto val="1"/>
         <c:lblAlgn val="ctr"/>
@@ -956,7 +480,7 @@
         <c:noMultiLvlLbl val="0"/>
       </c:catAx>
       <c:valAx>
-        <c:axId val="80265216"/>
+        <c:axId val="34111488"/>
         <c:scaling>
           <c:orientation val="minMax"/>
         </c:scaling>
@@ -986,7 +510,7 @@
         <c:majorTickMark val="out"/>
         <c:minorTickMark val="none"/>
         <c:tickLblPos val="nextTo"/>
-        <c:crossAx val="80246656"/>
+        <c:crossAx val="34099584"/>
         <c:crosses val="autoZero"/>
         <c:crossBetween val="between"/>
       </c:valAx>
@@ -1030,13 +554,14 @@
               <a:defRPr/>
             </a:pPr>
             <a:r>
-              <a:rPr lang="en-US" dirty="0" smtClean="0"/>
-              <a:t>Single Link Linked </a:t>
-            </a:r>
-            <a:r>
-              <a:rPr lang="en-US" dirty="0"/>
-              <a:t>List All Machines Lockless All Key Ranges</a:t>
-            </a:r>
+              <a:rPr lang="en-US" sz="1600" b="1" i="0" baseline="0">
+                <a:effectLst/>
+              </a:rPr>
+              <a:t>Singly Linked List; All Machines; Lockless; Key Range 131072</a:t>
+            </a:r>
+            <a:endParaRPr lang="en-IE" sz="1600">
+              <a:effectLst/>
+            </a:endParaRPr>
           </a:p>
         </c:rich>
       </c:tx>
@@ -1050,15 +575,15 @@
         <c:grouping val="standard"/>
         <c:varyColors val="0"/>
         <c:ser>
-          <c:idx val="0"/>
+          <c:idx val="3"/>
           <c:order val="0"/>
           <c:tx>
             <c:strRef>
-              <c:f>Sheet1!$A$92</c:f>
+              <c:f>Sheet1!$A$100</c:f>
               <c:strCache>
                 <c:ptCount val="1"/>
                 <c:pt idx="0">
-                  <c:v>Stoker 128</c:v>
+                  <c:v>Stoker (32 Cores)</c:v>
                 </c:pt>
               </c:strCache>
             </c:strRef>
@@ -1098,33 +623,33 @@
           </c:cat>
           <c:val>
             <c:numRef>
-              <c:f>Sheet1!$B$92:$I$92</c:f>
+              <c:f>Sheet1!$B$100:$I$100</c:f>
               <c:numCache>
                 <c:formatCode>_(* #,##0.00_);_(* \(#,##0.00\);_(* "-"??_);_(@_)</c:formatCode>
                 <c:ptCount val="8"/>
                 <c:pt idx="0">
-                  <c:v>991484</c:v>
+                  <c:v>14256</c:v>
                 </c:pt>
                 <c:pt idx="1">
-                  <c:v>1685199</c:v>
+                  <c:v>8201</c:v>
                 </c:pt>
                 <c:pt idx="2">
-                  <c:v>1166779</c:v>
+                  <c:v>10464</c:v>
                 </c:pt>
                 <c:pt idx="3">
-                  <c:v>719258</c:v>
+                  <c:v>17762</c:v>
                 </c:pt>
                 <c:pt idx="4">
-                  <c:v>690663</c:v>
+                  <c:v>25309</c:v>
                 </c:pt>
                 <c:pt idx="5">
-                  <c:v>627234</c:v>
+                  <c:v>39116</c:v>
                 </c:pt>
                 <c:pt idx="6">
-                  <c:v>666569</c:v>
+                  <c:v>52297</c:v>
                 </c:pt>
                 <c:pt idx="7">
-                  <c:v>671182</c:v>
+                  <c:v>46693</c:v>
                 </c:pt>
               </c:numCache>
             </c:numRef>
@@ -1132,15 +657,15 @@
           <c:smooth val="0"/>
         </c:ser>
         <c:ser>
-          <c:idx val="1"/>
+          <c:idx val="4"/>
           <c:order val="1"/>
           <c:tx>
             <c:strRef>
-              <c:f>Sheet1!$A$93</c:f>
+              <c:f>Sheet1!$A$101</c:f>
               <c:strCache>
                 <c:ptCount val="1"/>
                 <c:pt idx="0">
-                  <c:v>Local 128</c:v>
+                  <c:v>Local (4 Cores)</c:v>
                 </c:pt>
               </c:strCache>
             </c:strRef>
@@ -1180,33 +705,33 @@
           </c:cat>
           <c:val>
             <c:numRef>
-              <c:f>Sheet1!$B$93:$I$93</c:f>
+              <c:f>Sheet1!$B$101:$I$101</c:f>
               <c:numCache>
                 <c:formatCode>_(* #,##0.00_);_(* \(#,##0.00\);_(* "-"??_);_(@_)</c:formatCode>
                 <c:ptCount val="8"/>
                 <c:pt idx="0">
-                  <c:v>2597972</c:v>
+                  <c:v>21890</c:v>
                 </c:pt>
                 <c:pt idx="1">
-                  <c:v>5933138</c:v>
+                  <c:v>19239</c:v>
                 </c:pt>
                 <c:pt idx="2">
-                  <c:v>11066666</c:v>
+                  <c:v>171464</c:v>
                 </c:pt>
                 <c:pt idx="3">
-                  <c:v>14458128</c:v>
+                  <c:v>150932</c:v>
                 </c:pt>
                 <c:pt idx="4">
-                  <c:v>16338123</c:v>
+                  <c:v>109933</c:v>
                 </c:pt>
                 <c:pt idx="5">
-                  <c:v>16222973</c:v>
+                  <c:v>64956</c:v>
                 </c:pt>
                 <c:pt idx="6">
-                  <c:v>15641009</c:v>
+                  <c:v>51922</c:v>
                 </c:pt>
                 <c:pt idx="7">
-                  <c:v>15761452</c:v>
+                  <c:v>50133</c:v>
                 </c:pt>
               </c:numCache>
             </c:numRef>
@@ -1214,15 +739,15 @@
           <c:smooth val="0"/>
         </c:ser>
         <c:ser>
-          <c:idx val="2"/>
+          <c:idx val="5"/>
           <c:order val="2"/>
           <c:tx>
             <c:strRef>
-              <c:f>Sheet1!$A$94</c:f>
+              <c:f>Sheet1!$A$102</c:f>
               <c:strCache>
                 <c:ptCount val="1"/>
                 <c:pt idx="0">
-                  <c:v>Cube 128</c:v>
+                  <c:v>Cube (16 Cores)</c:v>
                 </c:pt>
               </c:strCache>
             </c:strRef>
@@ -1262,252 +787,6 @@
           </c:cat>
           <c:val>
             <c:numRef>
-              <c:f>Sheet1!$B$94:$I$94</c:f>
-              <c:numCache>
-                <c:formatCode>_(* #,##0.00_);_(* \(#,##0.00\);_(* "-"??_);_(@_)</c:formatCode>
-                <c:ptCount val="8"/>
-                <c:pt idx="0">
-                  <c:v>1337861</c:v>
-                </c:pt>
-                <c:pt idx="1">
-                  <c:v>1950493</c:v>
-                </c:pt>
-                <c:pt idx="2">
-                  <c:v>3238299</c:v>
-                </c:pt>
-                <c:pt idx="3">
-                  <c:v>1860926</c:v>
-                </c:pt>
-                <c:pt idx="4">
-                  <c:v>6532522</c:v>
-                </c:pt>
-                <c:pt idx="5">
-                  <c:v>1376020</c:v>
-                </c:pt>
-                <c:pt idx="6">
-                  <c:v>7412770</c:v>
-                </c:pt>
-                <c:pt idx="7">
-                  <c:v>1469781</c:v>
-                </c:pt>
-              </c:numCache>
-            </c:numRef>
-          </c:val>
-          <c:smooth val="0"/>
-        </c:ser>
-        <c:ser>
-          <c:idx val="3"/>
-          <c:order val="3"/>
-          <c:tx>
-            <c:strRef>
-              <c:f>Sheet1!$A$100</c:f>
-              <c:strCache>
-                <c:ptCount val="1"/>
-                <c:pt idx="0">
-                  <c:v>Stoker 131072</c:v>
-                </c:pt>
-              </c:strCache>
-            </c:strRef>
-          </c:tx>
-          <c:cat>
-            <c:numRef>
-              <c:f>Sheet1!$B$91:$I$91</c:f>
-              <c:numCache>
-                <c:formatCode>General</c:formatCode>
-                <c:ptCount val="8"/>
-                <c:pt idx="0">
-                  <c:v>1</c:v>
-                </c:pt>
-                <c:pt idx="1">
-                  <c:v>2</c:v>
-                </c:pt>
-                <c:pt idx="2">
-                  <c:v>4</c:v>
-                </c:pt>
-                <c:pt idx="3">
-                  <c:v>8</c:v>
-                </c:pt>
-                <c:pt idx="4">
-                  <c:v>16</c:v>
-                </c:pt>
-                <c:pt idx="5">
-                  <c:v>32</c:v>
-                </c:pt>
-                <c:pt idx="6">
-                  <c:v>64</c:v>
-                </c:pt>
-                <c:pt idx="7">
-                  <c:v>128</c:v>
-                </c:pt>
-              </c:numCache>
-            </c:numRef>
-          </c:cat>
-          <c:val>
-            <c:numRef>
-              <c:f>Sheet1!$B$100:$I$100</c:f>
-              <c:numCache>
-                <c:formatCode>_(* #,##0.00_);_(* \(#,##0.00\);_(* "-"??_);_(@_)</c:formatCode>
-                <c:ptCount val="8"/>
-                <c:pt idx="0">
-                  <c:v>14256</c:v>
-                </c:pt>
-                <c:pt idx="1">
-                  <c:v>8201</c:v>
-                </c:pt>
-                <c:pt idx="2">
-                  <c:v>10464</c:v>
-                </c:pt>
-                <c:pt idx="3">
-                  <c:v>17762</c:v>
-                </c:pt>
-                <c:pt idx="4">
-                  <c:v>25309</c:v>
-                </c:pt>
-                <c:pt idx="5">
-                  <c:v>39116</c:v>
-                </c:pt>
-                <c:pt idx="6">
-                  <c:v>52297</c:v>
-                </c:pt>
-                <c:pt idx="7">
-                  <c:v>46693</c:v>
-                </c:pt>
-              </c:numCache>
-            </c:numRef>
-          </c:val>
-          <c:smooth val="0"/>
-        </c:ser>
-        <c:ser>
-          <c:idx val="4"/>
-          <c:order val="4"/>
-          <c:tx>
-            <c:strRef>
-              <c:f>Sheet1!$A$101</c:f>
-              <c:strCache>
-                <c:ptCount val="1"/>
-                <c:pt idx="0">
-                  <c:v>Local 131072</c:v>
-                </c:pt>
-              </c:strCache>
-            </c:strRef>
-          </c:tx>
-          <c:cat>
-            <c:numRef>
-              <c:f>Sheet1!$B$91:$I$91</c:f>
-              <c:numCache>
-                <c:formatCode>General</c:formatCode>
-                <c:ptCount val="8"/>
-                <c:pt idx="0">
-                  <c:v>1</c:v>
-                </c:pt>
-                <c:pt idx="1">
-                  <c:v>2</c:v>
-                </c:pt>
-                <c:pt idx="2">
-                  <c:v>4</c:v>
-                </c:pt>
-                <c:pt idx="3">
-                  <c:v>8</c:v>
-                </c:pt>
-                <c:pt idx="4">
-                  <c:v>16</c:v>
-                </c:pt>
-                <c:pt idx="5">
-                  <c:v>32</c:v>
-                </c:pt>
-                <c:pt idx="6">
-                  <c:v>64</c:v>
-                </c:pt>
-                <c:pt idx="7">
-                  <c:v>128</c:v>
-                </c:pt>
-              </c:numCache>
-            </c:numRef>
-          </c:cat>
-          <c:val>
-            <c:numRef>
-              <c:f>Sheet1!$B$101:$I$101</c:f>
-              <c:numCache>
-                <c:formatCode>_(* #,##0.00_);_(* \(#,##0.00\);_(* "-"??_);_(@_)</c:formatCode>
-                <c:ptCount val="8"/>
-                <c:pt idx="0">
-                  <c:v>21890</c:v>
-                </c:pt>
-                <c:pt idx="1">
-                  <c:v>19239</c:v>
-                </c:pt>
-                <c:pt idx="2">
-                  <c:v>171464</c:v>
-                </c:pt>
-                <c:pt idx="3">
-                  <c:v>150932</c:v>
-                </c:pt>
-                <c:pt idx="4">
-                  <c:v>109933</c:v>
-                </c:pt>
-                <c:pt idx="5">
-                  <c:v>64956</c:v>
-                </c:pt>
-                <c:pt idx="6">
-                  <c:v>51922</c:v>
-                </c:pt>
-                <c:pt idx="7">
-                  <c:v>50133</c:v>
-                </c:pt>
-              </c:numCache>
-            </c:numRef>
-          </c:val>
-          <c:smooth val="0"/>
-        </c:ser>
-        <c:ser>
-          <c:idx val="5"/>
-          <c:order val="5"/>
-          <c:tx>
-            <c:strRef>
-              <c:f>Sheet1!$A$102</c:f>
-              <c:strCache>
-                <c:ptCount val="1"/>
-                <c:pt idx="0">
-                  <c:v>Cube 131072</c:v>
-                </c:pt>
-              </c:strCache>
-            </c:strRef>
-          </c:tx>
-          <c:cat>
-            <c:numRef>
-              <c:f>Sheet1!$B$91:$I$91</c:f>
-              <c:numCache>
-                <c:formatCode>General</c:formatCode>
-                <c:ptCount val="8"/>
-                <c:pt idx="0">
-                  <c:v>1</c:v>
-                </c:pt>
-                <c:pt idx="1">
-                  <c:v>2</c:v>
-                </c:pt>
-                <c:pt idx="2">
-                  <c:v>4</c:v>
-                </c:pt>
-                <c:pt idx="3">
-                  <c:v>8</c:v>
-                </c:pt>
-                <c:pt idx="4">
-                  <c:v>16</c:v>
-                </c:pt>
-                <c:pt idx="5">
-                  <c:v>32</c:v>
-                </c:pt>
-                <c:pt idx="6">
-                  <c:v>64</c:v>
-                </c:pt>
-                <c:pt idx="7">
-                  <c:v>128</c:v>
-                </c:pt>
-              </c:numCache>
-            </c:numRef>
-          </c:cat>
-          <c:val>
-            <c:numRef>
               <c:f>Sheet1!$B$102:$I$102</c:f>
               <c:numCache>
                 <c:formatCode>_(* #,##0.00_);_(* \(#,##0.00\);_(* "-"??_);_(@_)</c:formatCode>
@@ -1535,252 +814,6 @@
                 </c:pt>
                 <c:pt idx="7">
                   <c:v>17365</c:v>
-                </c:pt>
-              </c:numCache>
-            </c:numRef>
-          </c:val>
-          <c:smooth val="0"/>
-        </c:ser>
-        <c:ser>
-          <c:idx val="6"/>
-          <c:order val="6"/>
-          <c:tx>
-            <c:strRef>
-              <c:f>Sheet1!$A$108</c:f>
-              <c:strCache>
-                <c:ptCount val="1"/>
-                <c:pt idx="0">
-                  <c:v>Stoker 134217728</c:v>
-                </c:pt>
-              </c:strCache>
-            </c:strRef>
-          </c:tx>
-          <c:cat>
-            <c:numRef>
-              <c:f>Sheet1!$B$91:$I$91</c:f>
-              <c:numCache>
-                <c:formatCode>General</c:formatCode>
-                <c:ptCount val="8"/>
-                <c:pt idx="0">
-                  <c:v>1</c:v>
-                </c:pt>
-                <c:pt idx="1">
-                  <c:v>2</c:v>
-                </c:pt>
-                <c:pt idx="2">
-                  <c:v>4</c:v>
-                </c:pt>
-                <c:pt idx="3">
-                  <c:v>8</c:v>
-                </c:pt>
-                <c:pt idx="4">
-                  <c:v>16</c:v>
-                </c:pt>
-                <c:pt idx="5">
-                  <c:v>32</c:v>
-                </c:pt>
-                <c:pt idx="6">
-                  <c:v>64</c:v>
-                </c:pt>
-                <c:pt idx="7">
-                  <c:v>128</c:v>
-                </c:pt>
-              </c:numCache>
-            </c:numRef>
-          </c:cat>
-          <c:val>
-            <c:numRef>
-              <c:f>Sheet1!$B$108:$I$108</c:f>
-              <c:numCache>
-                <c:formatCode>_(* #,##0.00_);_(* \(#,##0.00\);_(* "-"??_);_(@_)</c:formatCode>
-                <c:ptCount val="8"/>
-                <c:pt idx="0">
-                  <c:v>13710</c:v>
-                </c:pt>
-                <c:pt idx="1">
-                  <c:v>7755</c:v>
-                </c:pt>
-                <c:pt idx="2">
-                  <c:v>9559</c:v>
-                </c:pt>
-                <c:pt idx="3">
-                  <c:v>15295</c:v>
-                </c:pt>
-                <c:pt idx="4">
-                  <c:v>20391</c:v>
-                </c:pt>
-                <c:pt idx="5">
-                  <c:v>28856</c:v>
-                </c:pt>
-                <c:pt idx="6">
-                  <c:v>33696</c:v>
-                </c:pt>
-                <c:pt idx="7">
-                  <c:v>26351</c:v>
-                </c:pt>
-              </c:numCache>
-            </c:numRef>
-          </c:val>
-          <c:smooth val="0"/>
-        </c:ser>
-        <c:ser>
-          <c:idx val="7"/>
-          <c:order val="7"/>
-          <c:tx>
-            <c:strRef>
-              <c:f>Sheet1!$A$109</c:f>
-              <c:strCache>
-                <c:ptCount val="1"/>
-                <c:pt idx="0">
-                  <c:v>Local 134217728</c:v>
-                </c:pt>
-              </c:strCache>
-            </c:strRef>
-          </c:tx>
-          <c:cat>
-            <c:numRef>
-              <c:f>Sheet1!$B$91:$I$91</c:f>
-              <c:numCache>
-                <c:formatCode>General</c:formatCode>
-                <c:ptCount val="8"/>
-                <c:pt idx="0">
-                  <c:v>1</c:v>
-                </c:pt>
-                <c:pt idx="1">
-                  <c:v>2</c:v>
-                </c:pt>
-                <c:pt idx="2">
-                  <c:v>4</c:v>
-                </c:pt>
-                <c:pt idx="3">
-                  <c:v>8</c:v>
-                </c:pt>
-                <c:pt idx="4">
-                  <c:v>16</c:v>
-                </c:pt>
-                <c:pt idx="5">
-                  <c:v>32</c:v>
-                </c:pt>
-                <c:pt idx="6">
-                  <c:v>64</c:v>
-                </c:pt>
-                <c:pt idx="7">
-                  <c:v>128</c:v>
-                </c:pt>
-              </c:numCache>
-            </c:numRef>
-          </c:cat>
-          <c:val>
-            <c:numRef>
-              <c:f>Sheet1!$B$109:$I$109</c:f>
-              <c:numCache>
-                <c:formatCode>_(* #,##0.00_);_(* \(#,##0.00\);_(* "-"??_);_(@_)</c:formatCode>
-                <c:ptCount val="8"/>
-                <c:pt idx="0">
-                  <c:v>21364</c:v>
-                </c:pt>
-                <c:pt idx="1">
-                  <c:v>17943</c:v>
-                </c:pt>
-                <c:pt idx="2">
-                  <c:v>59351</c:v>
-                </c:pt>
-                <c:pt idx="3">
-                  <c:v>80595</c:v>
-                </c:pt>
-                <c:pt idx="4">
-                  <c:v>93777</c:v>
-                </c:pt>
-                <c:pt idx="5">
-                  <c:v>109158</c:v>
-                </c:pt>
-                <c:pt idx="6">
-                  <c:v>71404</c:v>
-                </c:pt>
-                <c:pt idx="7">
-                  <c:v>42142</c:v>
-                </c:pt>
-              </c:numCache>
-            </c:numRef>
-          </c:val>
-          <c:smooth val="0"/>
-        </c:ser>
-        <c:ser>
-          <c:idx val="8"/>
-          <c:order val="8"/>
-          <c:tx>
-            <c:strRef>
-              <c:f>Sheet1!$A$110</c:f>
-              <c:strCache>
-                <c:ptCount val="1"/>
-                <c:pt idx="0">
-                  <c:v>Cube 134217728</c:v>
-                </c:pt>
-              </c:strCache>
-            </c:strRef>
-          </c:tx>
-          <c:cat>
-            <c:numRef>
-              <c:f>Sheet1!$B$91:$I$91</c:f>
-              <c:numCache>
-                <c:formatCode>General</c:formatCode>
-                <c:ptCount val="8"/>
-                <c:pt idx="0">
-                  <c:v>1</c:v>
-                </c:pt>
-                <c:pt idx="1">
-                  <c:v>2</c:v>
-                </c:pt>
-                <c:pt idx="2">
-                  <c:v>4</c:v>
-                </c:pt>
-                <c:pt idx="3">
-                  <c:v>8</c:v>
-                </c:pt>
-                <c:pt idx="4">
-                  <c:v>16</c:v>
-                </c:pt>
-                <c:pt idx="5">
-                  <c:v>32</c:v>
-                </c:pt>
-                <c:pt idx="6">
-                  <c:v>64</c:v>
-                </c:pt>
-                <c:pt idx="7">
-                  <c:v>128</c:v>
-                </c:pt>
-              </c:numCache>
-            </c:numRef>
-          </c:cat>
-          <c:val>
-            <c:numRef>
-              <c:f>Sheet1!$B$110:$I$110</c:f>
-              <c:numCache>
-                <c:formatCode>_(* #,##0.00_);_(* \(#,##0.00\);_(* "-"??_);_(@_)</c:formatCode>
-                <c:ptCount val="8"/>
-                <c:pt idx="0">
-                  <c:v>15380</c:v>
-                </c:pt>
-                <c:pt idx="1">
-                  <c:v>7759</c:v>
-                </c:pt>
-                <c:pt idx="2">
-                  <c:v>11644</c:v>
-                </c:pt>
-                <c:pt idx="3">
-                  <c:v>16313</c:v>
-                </c:pt>
-                <c:pt idx="4">
-                  <c:v>20051</c:v>
-                </c:pt>
-                <c:pt idx="5">
-                  <c:v>15379</c:v>
-                </c:pt>
-                <c:pt idx="6">
-                  <c:v>13292</c:v>
-                </c:pt>
-                <c:pt idx="7">
-                  <c:v>11875</c:v>
                 </c:pt>
               </c:numCache>
             </c:numRef>
@@ -1797,11 +830,11 @@
         </c:dLbls>
         <c:marker val="1"/>
         <c:smooth val="0"/>
-        <c:axId val="79063680"/>
-        <c:axId val="79078144"/>
+        <c:axId val="43938176"/>
+        <c:axId val="43940480"/>
       </c:lineChart>
       <c:catAx>
-        <c:axId val="79063680"/>
+        <c:axId val="43938176"/>
         <c:scaling>
           <c:orientation val="minMax"/>
         </c:scaling>
@@ -1830,7 +863,7 @@
         <c:majorTickMark val="out"/>
         <c:minorTickMark val="none"/>
         <c:tickLblPos val="nextTo"/>
-        <c:crossAx val="79078144"/>
+        <c:crossAx val="43940480"/>
         <c:crosses val="autoZero"/>
         <c:auto val="1"/>
         <c:lblAlgn val="ctr"/>
@@ -1838,7 +871,7 @@
         <c:noMultiLvlLbl val="0"/>
       </c:catAx>
       <c:valAx>
-        <c:axId val="79078144"/>
+        <c:axId val="43940480"/>
         <c:scaling>
           <c:orientation val="minMax"/>
         </c:scaling>
@@ -1868,7 +901,7 @@
         <c:majorTickMark val="out"/>
         <c:minorTickMark val="none"/>
         <c:tickLblPos val="nextTo"/>
-        <c:crossAx val="79063680"/>
+        <c:crossAx val="43938176"/>
         <c:crosses val="autoZero"/>
         <c:crossBetween val="between"/>
       </c:valAx>
@@ -1912,18 +945,14 @@
               <a:defRPr/>
             </a:pPr>
             <a:r>
-              <a:rPr lang="en-US" dirty="0" smtClean="0"/>
-              <a:t>Single Linked Buffer Stoker </a:t>
-            </a:r>
-            <a:r>
-              <a:rPr lang="en-US" dirty="0"/>
-              <a:t>TAS &amp; TTAS</a:t>
-            </a:r>
-            <a:r>
-              <a:rPr lang="en-US" baseline="0" dirty="0"/>
-              <a:t> Lock</a:t>
-            </a:r>
-            <a:endParaRPr lang="en-US" dirty="0"/>
+              <a:rPr lang="en-US" sz="1600" b="1" i="0" baseline="0">
+                <a:effectLst/>
+              </a:rPr>
+              <a:t>Singly Linked List; All Machines; Lockless; Key Range 13417728</a:t>
+            </a:r>
+            <a:endParaRPr lang="en-IE" sz="1600">
+              <a:effectLst/>
+            </a:endParaRPr>
           </a:p>
         </c:rich>
       </c:tx>
@@ -1937,48 +966,81 @@
         <c:grouping val="standard"/>
         <c:varyColors val="0"/>
         <c:ser>
-          <c:idx val="1"/>
+          <c:idx val="6"/>
           <c:order val="0"/>
           <c:tx>
             <c:strRef>
-              <c:f>Sheet1!$A$15</c:f>
+              <c:f>Sheet1!$A$108</c:f>
               <c:strCache>
                 <c:ptCount val="1"/>
                 <c:pt idx="0">
-                  <c:v>32 Core Intel Xeon CPU E7-4820 @ 2.00GHz (A) TAS</c:v>
+                  <c:v>Stoker (32 Cores)</c:v>
                 </c:pt>
               </c:strCache>
             </c:strRef>
           </c:tx>
+          <c:cat>
+            <c:numRef>
+              <c:f>Sheet1!$B$91:$I$91</c:f>
+              <c:numCache>
+                <c:formatCode>General</c:formatCode>
+                <c:ptCount val="8"/>
+                <c:pt idx="0">
+                  <c:v>1</c:v>
+                </c:pt>
+                <c:pt idx="1">
+                  <c:v>2</c:v>
+                </c:pt>
+                <c:pt idx="2">
+                  <c:v>4</c:v>
+                </c:pt>
+                <c:pt idx="3">
+                  <c:v>8</c:v>
+                </c:pt>
+                <c:pt idx="4">
+                  <c:v>16</c:v>
+                </c:pt>
+                <c:pt idx="5">
+                  <c:v>32</c:v>
+                </c:pt>
+                <c:pt idx="6">
+                  <c:v>64</c:v>
+                </c:pt>
+                <c:pt idx="7">
+                  <c:v>128</c:v>
+                </c:pt>
+              </c:numCache>
+            </c:numRef>
+          </c:cat>
           <c:val>
             <c:numRef>
-              <c:f>Sheet1!$B$15:$I$15</c:f>
+              <c:f>Sheet1!$B$108:$I$108</c:f>
               <c:numCache>
                 <c:formatCode>_(* #,##0.00_);_(* \(#,##0.00\);_(* "-"??_);_(@_)</c:formatCode>
                 <c:ptCount val="8"/>
                 <c:pt idx="0">
-                  <c:v>2693284</c:v>
+                  <c:v>13710</c:v>
                 </c:pt>
                 <c:pt idx="1">
-                  <c:v>4090659</c:v>
+                  <c:v>7755</c:v>
                 </c:pt>
                 <c:pt idx="2">
-                  <c:v>8003021</c:v>
+                  <c:v>9559</c:v>
                 </c:pt>
                 <c:pt idx="3">
-                  <c:v>8213234</c:v>
+                  <c:v>15295</c:v>
                 </c:pt>
                 <c:pt idx="4">
-                  <c:v>3974885</c:v>
+                  <c:v>20391</c:v>
                 </c:pt>
                 <c:pt idx="5">
-                  <c:v>4104354</c:v>
+                  <c:v>28856</c:v>
                 </c:pt>
                 <c:pt idx="6">
-                  <c:v>4128211</c:v>
+                  <c:v>33696</c:v>
                 </c:pt>
                 <c:pt idx="7">
-                  <c:v>2854521</c:v>
+                  <c:v>26351</c:v>
                 </c:pt>
               </c:numCache>
             </c:numRef>
@@ -1986,48 +1048,81 @@
           <c:smooth val="0"/>
         </c:ser>
         <c:ser>
-          <c:idx val="0"/>
+          <c:idx val="7"/>
           <c:order val="1"/>
           <c:tx>
             <c:strRef>
-              <c:f>Sheet1!$A$16</c:f>
+              <c:f>Sheet1!$A$109</c:f>
               <c:strCache>
                 <c:ptCount val="1"/>
                 <c:pt idx="0">
-                  <c:v>32 Core Intel Xeon CPU E7-4820 @ 2.00GHz (A) TAS No Pause</c:v>
+                  <c:v>Local (4 Cores)</c:v>
                 </c:pt>
               </c:strCache>
             </c:strRef>
           </c:tx>
+          <c:cat>
+            <c:numRef>
+              <c:f>Sheet1!$B$91:$I$91</c:f>
+              <c:numCache>
+                <c:formatCode>General</c:formatCode>
+                <c:ptCount val="8"/>
+                <c:pt idx="0">
+                  <c:v>1</c:v>
+                </c:pt>
+                <c:pt idx="1">
+                  <c:v>2</c:v>
+                </c:pt>
+                <c:pt idx="2">
+                  <c:v>4</c:v>
+                </c:pt>
+                <c:pt idx="3">
+                  <c:v>8</c:v>
+                </c:pt>
+                <c:pt idx="4">
+                  <c:v>16</c:v>
+                </c:pt>
+                <c:pt idx="5">
+                  <c:v>32</c:v>
+                </c:pt>
+                <c:pt idx="6">
+                  <c:v>64</c:v>
+                </c:pt>
+                <c:pt idx="7">
+                  <c:v>128</c:v>
+                </c:pt>
+              </c:numCache>
+            </c:numRef>
+          </c:cat>
           <c:val>
             <c:numRef>
-              <c:f>Sheet1!$B$16:$I$16</c:f>
+              <c:f>Sheet1!$B$109:$I$109</c:f>
               <c:numCache>
                 <c:formatCode>_(* #,##0.00_);_(* \(#,##0.00\);_(* "-"??_);_(@_)</c:formatCode>
                 <c:ptCount val="8"/>
                 <c:pt idx="0">
-                  <c:v>3376347</c:v>
+                  <c:v>21364</c:v>
                 </c:pt>
                 <c:pt idx="1">
-                  <c:v>5828774</c:v>
+                  <c:v>17943</c:v>
                 </c:pt>
                 <c:pt idx="2">
-                  <c:v>545138</c:v>
+                  <c:v>59351</c:v>
                 </c:pt>
                 <c:pt idx="3">
-                  <c:v>243309</c:v>
+                  <c:v>80595</c:v>
                 </c:pt>
                 <c:pt idx="4">
-                  <c:v>143229</c:v>
+                  <c:v>93777</c:v>
                 </c:pt>
                 <c:pt idx="5">
-                  <c:v>74350</c:v>
+                  <c:v>109158</c:v>
                 </c:pt>
                 <c:pt idx="6">
-                  <c:v>64753</c:v>
+                  <c:v>71404</c:v>
                 </c:pt>
                 <c:pt idx="7">
-                  <c:v>35340</c:v>
+                  <c:v>42142</c:v>
                 </c:pt>
               </c:numCache>
             </c:numRef>
@@ -2035,195 +1130,81 @@
           <c:smooth val="0"/>
         </c:ser>
         <c:ser>
-          <c:idx val="2"/>
+          <c:idx val="8"/>
           <c:order val="2"/>
           <c:tx>
             <c:strRef>
-              <c:f>Sheet1!$A$17</c:f>
+              <c:f>Sheet1!$A$110</c:f>
               <c:strCache>
                 <c:ptCount val="1"/>
                 <c:pt idx="0">
-                  <c:v>32 Core Intel Xeon CPU E7-4820 @ 2.00GHz (A) TTAS No Pause</c:v>
+                  <c:v>Cube (16 Cores)</c:v>
                 </c:pt>
               </c:strCache>
             </c:strRef>
           </c:tx>
+          <c:cat>
+            <c:numRef>
+              <c:f>Sheet1!$B$91:$I$91</c:f>
+              <c:numCache>
+                <c:formatCode>General</c:formatCode>
+                <c:ptCount val="8"/>
+                <c:pt idx="0">
+                  <c:v>1</c:v>
+                </c:pt>
+                <c:pt idx="1">
+                  <c:v>2</c:v>
+                </c:pt>
+                <c:pt idx="2">
+                  <c:v>4</c:v>
+                </c:pt>
+                <c:pt idx="3">
+                  <c:v>8</c:v>
+                </c:pt>
+                <c:pt idx="4">
+                  <c:v>16</c:v>
+                </c:pt>
+                <c:pt idx="5">
+                  <c:v>32</c:v>
+                </c:pt>
+                <c:pt idx="6">
+                  <c:v>64</c:v>
+                </c:pt>
+                <c:pt idx="7">
+                  <c:v>128</c:v>
+                </c:pt>
+              </c:numCache>
+            </c:numRef>
+          </c:cat>
           <c:val>
             <c:numRef>
-              <c:f>Sheet1!$B$17:$I$17</c:f>
+              <c:f>Sheet1!$B$110:$I$110</c:f>
               <c:numCache>
                 <c:formatCode>_(* #,##0.00_);_(* \(#,##0.00\);_(* "-"??_);_(@_)</c:formatCode>
                 <c:ptCount val="8"/>
                 <c:pt idx="0">
-                  <c:v>3572599</c:v>
+                  <c:v>15380</c:v>
                 </c:pt>
                 <c:pt idx="1">
-                  <c:v>5475654</c:v>
+                  <c:v>7759</c:v>
                 </c:pt>
                 <c:pt idx="2">
-                  <c:v>649864</c:v>
+                  <c:v>11644</c:v>
                 </c:pt>
                 <c:pt idx="3">
-                  <c:v>609197</c:v>
+                  <c:v>16313</c:v>
                 </c:pt>
                 <c:pt idx="4">
-                  <c:v>386728</c:v>
+                  <c:v>20051</c:v>
                 </c:pt>
                 <c:pt idx="5">
-                  <c:v>386132</c:v>
+                  <c:v>15379</c:v>
                 </c:pt>
                 <c:pt idx="6">
-                  <c:v>462506</c:v>
+                  <c:v>13292</c:v>
                 </c:pt>
                 <c:pt idx="7">
-                  <c:v>435036</c:v>
-                </c:pt>
-              </c:numCache>
-            </c:numRef>
-          </c:val>
-          <c:smooth val="0"/>
-        </c:ser>
-        <c:ser>
-          <c:idx val="3"/>
-          <c:order val="3"/>
-          <c:tx>
-            <c:strRef>
-              <c:f>Sheet1!$A$18</c:f>
-              <c:strCache>
-                <c:ptCount val="1"/>
-                <c:pt idx="0">
-                  <c:v>32 Core Intel Xeon CPU E7-4820 @ 2.00GHz (A) TTAS</c:v>
-                </c:pt>
-              </c:strCache>
-            </c:strRef>
-          </c:tx>
-          <c:val>
-            <c:numRef>
-              <c:f>Sheet1!$B$18:$I$18</c:f>
-              <c:numCache>
-                <c:formatCode>_(* #,##0.00_);_(* \(#,##0.00\);_(* "-"??_);_(@_)</c:formatCode>
-                <c:ptCount val="8"/>
-                <c:pt idx="0">
-                  <c:v>2671790</c:v>
-                </c:pt>
-                <c:pt idx="1">
-                  <c:v>3235749</c:v>
-                </c:pt>
-                <c:pt idx="2">
-                  <c:v>3212408</c:v>
-                </c:pt>
-                <c:pt idx="3">
-                  <c:v>3113570</c:v>
-                </c:pt>
-                <c:pt idx="4">
-                  <c:v>3255566</c:v>
-                </c:pt>
-                <c:pt idx="5">
-                  <c:v>3245981</c:v>
-                </c:pt>
-                <c:pt idx="6">
-                  <c:v>5981039</c:v>
-                </c:pt>
-                <c:pt idx="7">
-                  <c:v>3266572</c:v>
-                </c:pt>
-              </c:numCache>
-            </c:numRef>
-          </c:val>
-          <c:smooth val="0"/>
-        </c:ser>
-        <c:ser>
-          <c:idx val="4"/>
-          <c:order val="4"/>
-          <c:tx>
-            <c:strRef>
-              <c:f>Sheet1!$A$19</c:f>
-              <c:strCache>
-                <c:ptCount val="1"/>
-                <c:pt idx="0">
-                  <c:v>32 Core Intel Xeon CPU E7-4820 @ 2.00GHz (A) TTAS_RELAX</c:v>
-                </c:pt>
-              </c:strCache>
-            </c:strRef>
-          </c:tx>
-          <c:val>
-            <c:numRef>
-              <c:f>Sheet1!$B$19:$I$19</c:f>
-              <c:numCache>
-                <c:formatCode>_(* #,##0.00_);_(* \(#,##0.00\);_(* "-"??_);_(@_)</c:formatCode>
-                <c:ptCount val="8"/>
-                <c:pt idx="0">
-                  <c:v>2795023</c:v>
-                </c:pt>
-                <c:pt idx="1">
-                  <c:v>2024175</c:v>
-                </c:pt>
-                <c:pt idx="2">
-                  <c:v>277753</c:v>
-                </c:pt>
-                <c:pt idx="3">
-                  <c:v>249662</c:v>
-                </c:pt>
-                <c:pt idx="4">
-                  <c:v>218531</c:v>
-                </c:pt>
-                <c:pt idx="5">
-                  <c:v>150643</c:v>
-                </c:pt>
-                <c:pt idx="6">
-                  <c:v>354367</c:v>
-                </c:pt>
-                <c:pt idx="7">
-                  <c:v>262502</c:v>
-                </c:pt>
-              </c:numCache>
-            </c:numRef>
-          </c:val>
-          <c:smooth val="0"/>
-        </c:ser>
-        <c:ser>
-          <c:idx val="5"/>
-          <c:order val="5"/>
-          <c:tx>
-            <c:strRef>
-              <c:f>Sheet1!$A$22</c:f>
-              <c:strCache>
-                <c:ptCount val="1"/>
-                <c:pt idx="0">
-                  <c:v>32 Core Intel Xeon CPU E7-4820 @ 2.00GHz (A) TAS_RELAX</c:v>
-                </c:pt>
-              </c:strCache>
-            </c:strRef>
-          </c:tx>
-          <c:val>
-            <c:numRef>
-              <c:f>Sheet1!$B$22:$I$22</c:f>
-              <c:numCache>
-                <c:formatCode>_(* #,##0.00_);_(* \(#,##0.00\);_(* "-"??_);_(@_)</c:formatCode>
-                <c:ptCount val="8"/>
-                <c:pt idx="0">
-                  <c:v>3787767</c:v>
-                </c:pt>
-                <c:pt idx="1">
-                  <c:v>5576289</c:v>
-                </c:pt>
-                <c:pt idx="2">
-                  <c:v>384809</c:v>
-                </c:pt>
-                <c:pt idx="3">
-                  <c:v>262593</c:v>
-                </c:pt>
-                <c:pt idx="4">
-                  <c:v>118683</c:v>
-                </c:pt>
-                <c:pt idx="5">
-                  <c:v>60922</c:v>
-                </c:pt>
-                <c:pt idx="6">
-                  <c:v>57235</c:v>
-                </c:pt>
-                <c:pt idx="7">
-                  <c:v>33330</c:v>
+                  <c:v>11875</c:v>
                 </c:pt>
               </c:numCache>
             </c:numRef>
@@ -2240,11 +1221,11 @@
         </c:dLbls>
         <c:marker val="1"/>
         <c:smooth val="0"/>
-        <c:axId val="79113216"/>
-        <c:axId val="79119488"/>
+        <c:axId val="78711424"/>
+        <c:axId val="78721792"/>
       </c:lineChart>
       <c:catAx>
-        <c:axId val="79113216"/>
+        <c:axId val="78711424"/>
         <c:scaling>
           <c:orientation val="minMax"/>
         </c:scaling>
@@ -2273,7 +1254,7 @@
         <c:majorTickMark val="out"/>
         <c:minorTickMark val="none"/>
         <c:tickLblPos val="nextTo"/>
-        <c:crossAx val="79119488"/>
+        <c:crossAx val="78721792"/>
         <c:crosses val="autoZero"/>
         <c:auto val="1"/>
         <c:lblAlgn val="ctr"/>
@@ -2281,7 +1262,7 @@
         <c:noMultiLvlLbl val="0"/>
       </c:catAx>
       <c:valAx>
-        <c:axId val="79119488"/>
+        <c:axId val="78721792"/>
         <c:scaling>
           <c:orientation val="minMax"/>
         </c:scaling>
@@ -2311,7 +1292,7 @@
         <c:majorTickMark val="out"/>
         <c:minorTickMark val="none"/>
         <c:tickLblPos val="nextTo"/>
-        <c:crossAx val="79113216"/>
+        <c:crossAx val="78711424"/>
         <c:crosses val="autoZero"/>
         <c:crossBetween val="between"/>
       </c:valAx>
@@ -2355,12 +1336,8 @@
               <a:defRPr/>
             </a:pPr>
             <a:r>
-              <a:rPr lang="en-US" dirty="0" smtClean="0"/>
-              <a:t>Single Linked Buffer Stoker All </a:t>
-            </a:r>
-            <a:r>
-              <a:rPr lang="en-US" dirty="0"/>
-              <a:t>CAS</a:t>
+              <a:rPr lang="en-US"/>
+              <a:t>Singely Linked Buffer;  Local; Mutex Lock vs Lockless; Key Range 128</a:t>
             </a:r>
           </a:p>
         </c:rich>
@@ -2379,44 +1356,77 @@
           <c:order val="0"/>
           <c:tx>
             <c:strRef>
-              <c:f>Sheet1!$A$12</c:f>
+              <c:f>Sheet1!$A$23</c:f>
               <c:strCache>
                 <c:ptCount val="1"/>
                 <c:pt idx="0">
-                  <c:v>32 Core Intel Xeon CPU E7-4820 @ 2.00GHz (A) CAS lock</c:v>
+                  <c:v>Local (4 Core) Locked</c:v>
                 </c:pt>
               </c:strCache>
             </c:strRef>
           </c:tx>
+          <c:cat>
+            <c:numRef>
+              <c:f>Sheet1!$B$10:$I$10</c:f>
+              <c:numCache>
+                <c:formatCode>General</c:formatCode>
+                <c:ptCount val="8"/>
+                <c:pt idx="0">
+                  <c:v>1</c:v>
+                </c:pt>
+                <c:pt idx="1">
+                  <c:v>2</c:v>
+                </c:pt>
+                <c:pt idx="2">
+                  <c:v>4</c:v>
+                </c:pt>
+                <c:pt idx="3">
+                  <c:v>8</c:v>
+                </c:pt>
+                <c:pt idx="4">
+                  <c:v>16</c:v>
+                </c:pt>
+                <c:pt idx="5">
+                  <c:v>32</c:v>
+                </c:pt>
+                <c:pt idx="6">
+                  <c:v>64</c:v>
+                </c:pt>
+                <c:pt idx="7">
+                  <c:v>128</c:v>
+                </c:pt>
+              </c:numCache>
+            </c:numRef>
+          </c:cat>
           <c:val>
             <c:numRef>
-              <c:f>Sheet1!$B$12:$I$12</c:f>
+              <c:f>Sheet1!$B$23:$I$23</c:f>
               <c:numCache>
                 <c:formatCode>_(* #,##0.00_);_(* \(#,##0.00\);_(* "-"??_);_(@_)</c:formatCode>
                 <c:ptCount val="8"/>
                 <c:pt idx="0">
-                  <c:v>2534484</c:v>
+                  <c:v>3596466</c:v>
                 </c:pt>
                 <c:pt idx="1">
-                  <c:v>3036616</c:v>
+                  <c:v>433835</c:v>
                 </c:pt>
                 <c:pt idx="2">
-                  <c:v>3013501</c:v>
+                  <c:v>458235</c:v>
                 </c:pt>
                 <c:pt idx="3">
-                  <c:v>5034945</c:v>
+                  <c:v>440131</c:v>
                 </c:pt>
                 <c:pt idx="4">
-                  <c:v>3178399</c:v>
+                  <c:v>428985</c:v>
                 </c:pt>
                 <c:pt idx="5">
-                  <c:v>3008498</c:v>
+                  <c:v>420847</c:v>
                 </c:pt>
                 <c:pt idx="6">
-                  <c:v>2505219</c:v>
+                  <c:v>418331</c:v>
                 </c:pt>
                 <c:pt idx="7">
-                  <c:v>2931459</c:v>
+                  <c:v>416343</c:v>
                 </c:pt>
               </c:numCache>
             </c:numRef>
@@ -2424,97 +1434,81 @@
           <c:smooth val="0"/>
         </c:ser>
         <c:ser>
-          <c:idx val="0"/>
+          <c:idx val="4"/>
           <c:order val="1"/>
           <c:tx>
             <c:strRef>
-              <c:f>Sheet1!$A$13</c:f>
+              <c:f>Sheet1!$A$52</c:f>
               <c:strCache>
                 <c:ptCount val="1"/>
                 <c:pt idx="0">
-                  <c:v>32 Core Intel Xeon CPU E7-4820 @ 2.00GHz (A) CAS lock No Delay</c:v>
+                  <c:v>Local (4 Core) Lockless</c:v>
                 </c:pt>
               </c:strCache>
             </c:strRef>
           </c:tx>
+          <c:cat>
+            <c:numRef>
+              <c:f>Sheet1!$B$10:$I$10</c:f>
+              <c:numCache>
+                <c:formatCode>General</c:formatCode>
+                <c:ptCount val="8"/>
+                <c:pt idx="0">
+                  <c:v>1</c:v>
+                </c:pt>
+                <c:pt idx="1">
+                  <c:v>2</c:v>
+                </c:pt>
+                <c:pt idx="2">
+                  <c:v>4</c:v>
+                </c:pt>
+                <c:pt idx="3">
+                  <c:v>8</c:v>
+                </c:pt>
+                <c:pt idx="4">
+                  <c:v>16</c:v>
+                </c:pt>
+                <c:pt idx="5">
+                  <c:v>32</c:v>
+                </c:pt>
+                <c:pt idx="6">
+                  <c:v>64</c:v>
+                </c:pt>
+                <c:pt idx="7">
+                  <c:v>128</c:v>
+                </c:pt>
+              </c:numCache>
+            </c:numRef>
+          </c:cat>
           <c:val>
             <c:numRef>
-              <c:f>Sheet1!$B$13:$I$13</c:f>
+              <c:f>Sheet1!$B$52:$I$52</c:f>
               <c:numCache>
                 <c:formatCode>_(* #,##0.00_);_(* \(#,##0.00\);_(* "-"??_);_(@_)</c:formatCode>
                 <c:ptCount val="8"/>
                 <c:pt idx="0">
-                  <c:v>3876267</c:v>
+                  <c:v>5408971</c:v>
                 </c:pt>
                 <c:pt idx="1">
-                  <c:v>5269426</c:v>
+                  <c:v>9218576</c:v>
                 </c:pt>
                 <c:pt idx="2">
-                  <c:v>5029597</c:v>
+                  <c:v>11726352</c:v>
                 </c:pt>
                 <c:pt idx="3">
-                  <c:v>4095378</c:v>
+                  <c:v>14970837</c:v>
                 </c:pt>
                 <c:pt idx="4">
-                  <c:v>744178</c:v>
+                  <c:v>14935493</c:v>
                 </c:pt>
                 <c:pt idx="5">
-                  <c:v>293748</c:v>
+                  <c:v>14943280</c:v>
                 </c:pt>
                 <c:pt idx="6">
-                  <c:v>321689</c:v>
+                  <c:v>14338199</c:v>
                 </c:pt>
                 <c:pt idx="7">
-                  <c:v>485116</c:v>
-                </c:pt>
-              </c:numCache>
-            </c:numRef>
-          </c:val>
-          <c:smooth val="0"/>
-        </c:ser>
-        <c:ser>
-          <c:idx val="2"/>
-          <c:order val="2"/>
-          <c:tx>
-            <c:strRef>
-              <c:f>Sheet1!$A$20</c:f>
-              <c:strCache>
-                <c:ptCount val="1"/>
-                <c:pt idx="0">
-                  <c:v>32 Core Intel Xeon CPU E7-4820 @ 2.00GHz (A) CASLOCK_RELAX</c:v>
-                </c:pt>
-              </c:strCache>
-            </c:strRef>
-          </c:tx>
-          <c:val>
-            <c:numRef>
-              <c:f>Sheet1!$B$20:$I$20</c:f>
-              <c:numCache>
-                <c:formatCode>_(* #,##0.00_);_(* \(#,##0.00\);_(* "-"??_);_(@_)</c:formatCode>
-                <c:ptCount val="8"/>
-                <c:pt idx="0">
-                  <c:v>3719776</c:v>
-                </c:pt>
-                <c:pt idx="1">
-                  <c:v>5286160</c:v>
-                </c:pt>
-                <c:pt idx="2">
-                  <c:v>7088858</c:v>
-                </c:pt>
-                <c:pt idx="3">
-                  <c:v>3104034</c:v>
-                </c:pt>
-                <c:pt idx="4">
-                  <c:v>1207727</c:v>
-                </c:pt>
-                <c:pt idx="5">
-                  <c:v>579905</c:v>
-                </c:pt>
-                <c:pt idx="6">
-                  <c:v>503468</c:v>
-                </c:pt>
-                <c:pt idx="7">
-                  <c:v>433447</c:v>
+                  <c:v>14749598</c:v>
                 </c:pt>
               </c:numCache>
             </c:numRef>
@@ -2531,11 +1525,11 @@
         </c:dLbls>
         <c:marker val="1"/>
         <c:smooth val="0"/>
-        <c:axId val="79158272"/>
-        <c:axId val="79164544"/>
+        <c:axId val="42408960"/>
+        <c:axId val="42939904"/>
       </c:lineChart>
       <c:catAx>
-        <c:axId val="79158272"/>
+        <c:axId val="42408960"/>
         <c:scaling>
           <c:orientation val="minMax"/>
         </c:scaling>
@@ -2552,7 +1546,7 @@
                 </a:pPr>
                 <a:r>
                   <a:rPr lang="en-US"/>
-                  <a:t>Number of threads</a:t>
+                  <a:t>Number of Threads</a:t>
                 </a:r>
               </a:p>
             </c:rich>
@@ -2564,7 +1558,7 @@
         <c:majorTickMark val="out"/>
         <c:minorTickMark val="none"/>
         <c:tickLblPos val="nextTo"/>
-        <c:crossAx val="79164544"/>
+        <c:crossAx val="42939904"/>
         <c:crosses val="autoZero"/>
         <c:auto val="1"/>
         <c:lblAlgn val="ctr"/>
@@ -2572,7 +1566,7 @@
         <c:noMultiLvlLbl val="0"/>
       </c:catAx>
       <c:valAx>
-        <c:axId val="79164544"/>
+        <c:axId val="42939904"/>
         <c:scaling>
           <c:orientation val="minMax"/>
         </c:scaling>
@@ -2602,7 +1596,615 @@
         <c:majorTickMark val="out"/>
         <c:minorTickMark val="none"/>
         <c:tickLblPos val="nextTo"/>
-        <c:crossAx val="79158272"/>
+        <c:crossAx val="42408960"/>
+        <c:crosses val="autoZero"/>
+        <c:crossBetween val="between"/>
+      </c:valAx>
+    </c:plotArea>
+    <c:legend>
+      <c:legendPos val="r"/>
+      <c:layout/>
+      <c:overlay val="0"/>
+    </c:legend>
+    <c:plotVisOnly val="1"/>
+    <c:dispBlanksAs val="gap"/>
+    <c:showDLblsOverMax val="0"/>
+  </c:chart>
+  <c:externalData r:id="rId1">
+    <c:autoUpdate val="0"/>
+  </c:externalData>
+</c:chartSpace>
+</file>
+
+<file path=ppt/charts/chart5.xml><?xml version="1.0" encoding="utf-8"?>
+<c:chartSpace xmlns:c="http://schemas.openxmlformats.org/drawingml/2006/chart" xmlns:a="http://schemas.openxmlformats.org/drawingml/2006/main" xmlns:r="http://schemas.openxmlformats.org/officeDocument/2006/relationships">
+  <c:date1904 val="0"/>
+  <c:lang val="en-IE"/>
+  <c:roundedCorners val="0"/>
+  <mc:AlternateContent xmlns:mc="http://schemas.openxmlformats.org/markup-compatibility/2006">
+    <mc:Choice xmlns:c14="http://schemas.microsoft.com/office/drawing/2007/8/2/chart" Requires="c14">
+      <c14:style val="102"/>
+    </mc:Choice>
+    <mc:Fallback>
+      <c:style val="2"/>
+    </mc:Fallback>
+  </mc:AlternateContent>
+  <c:chart>
+    <c:title>
+      <c:tx>
+        <c:rich>
+          <a:bodyPr/>
+          <a:lstStyle/>
+          <a:p>
+            <a:pPr>
+              <a:defRPr/>
+            </a:pPr>
+            <a:r>
+              <a:rPr lang="en-US"/>
+              <a:t>Singely Linked Buffer;  Stoker; Mutex Lock vs Lockless; Key Range 128</a:t>
+            </a:r>
+          </a:p>
+        </c:rich>
+      </c:tx>
+      <c:layout/>
+      <c:overlay val="0"/>
+    </c:title>
+    <c:autoTitleDeleted val="0"/>
+    <c:plotArea>
+      <c:layout/>
+      <c:lineChart>
+        <c:grouping val="standard"/>
+        <c:varyColors val="0"/>
+        <c:ser>
+          <c:idx val="0"/>
+          <c:order val="0"/>
+          <c:tx>
+            <c:strRef>
+              <c:f>Sheet1!$A$11</c:f>
+              <c:strCache>
+                <c:ptCount val="1"/>
+                <c:pt idx="0">
+                  <c:v>Stoker (32 Core) Locked</c:v>
+                </c:pt>
+              </c:strCache>
+            </c:strRef>
+          </c:tx>
+          <c:cat>
+            <c:numRef>
+              <c:f>Sheet1!$B$10:$I$10</c:f>
+              <c:numCache>
+                <c:formatCode>General</c:formatCode>
+                <c:ptCount val="8"/>
+                <c:pt idx="0">
+                  <c:v>1</c:v>
+                </c:pt>
+                <c:pt idx="1">
+                  <c:v>2</c:v>
+                </c:pt>
+                <c:pt idx="2">
+                  <c:v>4</c:v>
+                </c:pt>
+                <c:pt idx="3">
+                  <c:v>8</c:v>
+                </c:pt>
+                <c:pt idx="4">
+                  <c:v>16</c:v>
+                </c:pt>
+                <c:pt idx="5">
+                  <c:v>32</c:v>
+                </c:pt>
+                <c:pt idx="6">
+                  <c:v>64</c:v>
+                </c:pt>
+                <c:pt idx="7">
+                  <c:v>128</c:v>
+                </c:pt>
+              </c:numCache>
+            </c:numRef>
+          </c:cat>
+          <c:val>
+            <c:numRef>
+              <c:f>Sheet1!$B$11:$I$11</c:f>
+              <c:numCache>
+                <c:formatCode>_(* #,##0.00_);_(* \(#,##0.00\);_(* "-"??_);_(@_)</c:formatCode>
+                <c:ptCount val="8"/>
+                <c:pt idx="0">
+                  <c:v>4364520</c:v>
+                </c:pt>
+                <c:pt idx="1">
+                  <c:v>5778530</c:v>
+                </c:pt>
+                <c:pt idx="2">
+                  <c:v>9342046</c:v>
+                </c:pt>
+                <c:pt idx="3">
+                  <c:v>3650029</c:v>
+                </c:pt>
+                <c:pt idx="4">
+                  <c:v>2080632</c:v>
+                </c:pt>
+                <c:pt idx="5">
+                  <c:v>925639</c:v>
+                </c:pt>
+                <c:pt idx="6">
+                  <c:v>938829</c:v>
+                </c:pt>
+                <c:pt idx="7">
+                  <c:v>853328</c:v>
+                </c:pt>
+              </c:numCache>
+            </c:numRef>
+          </c:val>
+          <c:smooth val="0"/>
+        </c:ser>
+        <c:ser>
+          <c:idx val="3"/>
+          <c:order val="1"/>
+          <c:tx>
+            <c:strRef>
+              <c:f>Sheet1!$A$51</c:f>
+              <c:strCache>
+                <c:ptCount val="1"/>
+                <c:pt idx="0">
+                  <c:v>Stoker (32 Core) Lockless</c:v>
+                </c:pt>
+              </c:strCache>
+            </c:strRef>
+          </c:tx>
+          <c:cat>
+            <c:numRef>
+              <c:f>Sheet1!$B$10:$I$10</c:f>
+              <c:numCache>
+                <c:formatCode>General</c:formatCode>
+                <c:ptCount val="8"/>
+                <c:pt idx="0">
+                  <c:v>1</c:v>
+                </c:pt>
+                <c:pt idx="1">
+                  <c:v>2</c:v>
+                </c:pt>
+                <c:pt idx="2">
+                  <c:v>4</c:v>
+                </c:pt>
+                <c:pt idx="3">
+                  <c:v>8</c:v>
+                </c:pt>
+                <c:pt idx="4">
+                  <c:v>16</c:v>
+                </c:pt>
+                <c:pt idx="5">
+                  <c:v>32</c:v>
+                </c:pt>
+                <c:pt idx="6">
+                  <c:v>64</c:v>
+                </c:pt>
+                <c:pt idx="7">
+                  <c:v>128</c:v>
+                </c:pt>
+              </c:numCache>
+            </c:numRef>
+          </c:cat>
+          <c:val>
+            <c:numRef>
+              <c:f>Sheet1!$B$51:$I$51</c:f>
+              <c:numCache>
+                <c:formatCode>_(* #,##0.00_);_(* \(#,##0.00\);_(* "-"??_);_(@_)</c:formatCode>
+                <c:ptCount val="8"/>
+                <c:pt idx="0">
+                  <c:v>3423912</c:v>
+                </c:pt>
+                <c:pt idx="1">
+                  <c:v>4892439</c:v>
+                </c:pt>
+                <c:pt idx="2">
+                  <c:v>2120942</c:v>
+                </c:pt>
+                <c:pt idx="3">
+                  <c:v>993390</c:v>
+                </c:pt>
+                <c:pt idx="4">
+                  <c:v>944501</c:v>
+                </c:pt>
+                <c:pt idx="5">
+                  <c:v>908252</c:v>
+                </c:pt>
+                <c:pt idx="6">
+                  <c:v>1117386</c:v>
+                </c:pt>
+                <c:pt idx="7">
+                  <c:v>1358509</c:v>
+                </c:pt>
+              </c:numCache>
+            </c:numRef>
+          </c:val>
+          <c:smooth val="0"/>
+        </c:ser>
+        <c:dLbls>
+          <c:showLegendKey val="0"/>
+          <c:showVal val="0"/>
+          <c:showCatName val="0"/>
+          <c:showSerName val="0"/>
+          <c:showPercent val="0"/>
+          <c:showBubbleSize val="0"/>
+        </c:dLbls>
+        <c:marker val="1"/>
+        <c:smooth val="0"/>
+        <c:axId val="78736768"/>
+        <c:axId val="81105664"/>
+      </c:lineChart>
+      <c:catAx>
+        <c:axId val="78736768"/>
+        <c:scaling>
+          <c:orientation val="minMax"/>
+        </c:scaling>
+        <c:delete val="0"/>
+        <c:axPos val="b"/>
+        <c:title>
+          <c:tx>
+            <c:rich>
+              <a:bodyPr/>
+              <a:lstStyle/>
+              <a:p>
+                <a:pPr>
+                  <a:defRPr/>
+                </a:pPr>
+                <a:r>
+                  <a:rPr lang="en-US"/>
+                  <a:t>Number of Threads</a:t>
+                </a:r>
+              </a:p>
+            </c:rich>
+          </c:tx>
+          <c:layout/>
+          <c:overlay val="0"/>
+        </c:title>
+        <c:numFmt formatCode="General" sourceLinked="1"/>
+        <c:majorTickMark val="out"/>
+        <c:minorTickMark val="none"/>
+        <c:tickLblPos val="nextTo"/>
+        <c:crossAx val="81105664"/>
+        <c:crosses val="autoZero"/>
+        <c:auto val="1"/>
+        <c:lblAlgn val="ctr"/>
+        <c:lblOffset val="100"/>
+        <c:noMultiLvlLbl val="0"/>
+      </c:catAx>
+      <c:valAx>
+        <c:axId val="81105664"/>
+        <c:scaling>
+          <c:orientation val="minMax"/>
+        </c:scaling>
+        <c:delete val="0"/>
+        <c:axPos val="l"/>
+        <c:majorGridlines/>
+        <c:title>
+          <c:tx>
+            <c:rich>
+              <a:bodyPr rot="-5400000" vert="horz"/>
+              <a:lstStyle/>
+              <a:p>
+                <a:pPr>
+                  <a:defRPr/>
+                </a:pPr>
+                <a:r>
+                  <a:rPr lang="en-US"/>
+                  <a:t>Iterations per second</a:t>
+                </a:r>
+              </a:p>
+            </c:rich>
+          </c:tx>
+          <c:layout/>
+          <c:overlay val="0"/>
+        </c:title>
+        <c:numFmt formatCode="_(* #,##0.00_);_(* \(#,##0.00\);_(* &quot;-&quot;??_);_(@_)" sourceLinked="1"/>
+        <c:majorTickMark val="out"/>
+        <c:minorTickMark val="none"/>
+        <c:tickLblPos val="nextTo"/>
+        <c:crossAx val="78736768"/>
+        <c:crosses val="autoZero"/>
+        <c:crossBetween val="between"/>
+      </c:valAx>
+    </c:plotArea>
+    <c:legend>
+      <c:legendPos val="r"/>
+      <c:layout/>
+      <c:overlay val="0"/>
+    </c:legend>
+    <c:plotVisOnly val="1"/>
+    <c:dispBlanksAs val="gap"/>
+    <c:showDLblsOverMax val="0"/>
+  </c:chart>
+  <c:externalData r:id="rId1">
+    <c:autoUpdate val="0"/>
+  </c:externalData>
+</c:chartSpace>
+</file>
+
+<file path=ppt/charts/chart6.xml><?xml version="1.0" encoding="utf-8"?>
+<c:chartSpace xmlns:c="http://schemas.openxmlformats.org/drawingml/2006/chart" xmlns:a="http://schemas.openxmlformats.org/drawingml/2006/main" xmlns:r="http://schemas.openxmlformats.org/officeDocument/2006/relationships">
+  <c:date1904 val="0"/>
+  <c:lang val="en-IE"/>
+  <c:roundedCorners val="0"/>
+  <mc:AlternateContent xmlns:mc="http://schemas.openxmlformats.org/markup-compatibility/2006">
+    <mc:Choice xmlns:c14="http://schemas.microsoft.com/office/drawing/2007/8/2/chart" Requires="c14">
+      <c14:style val="102"/>
+    </mc:Choice>
+    <mc:Fallback>
+      <c:style val="2"/>
+    </mc:Fallback>
+  </mc:AlternateContent>
+  <c:chart>
+    <c:title>
+      <c:tx>
+        <c:rich>
+          <a:bodyPr/>
+          <a:lstStyle/>
+          <a:p>
+            <a:pPr>
+              <a:defRPr/>
+            </a:pPr>
+            <a:r>
+              <a:rPr lang="en-US"/>
+              <a:t>Singely Linked Buffer;  Cube; Mutex Lock vs Lockless; Key Range 128</a:t>
+            </a:r>
+          </a:p>
+        </c:rich>
+      </c:tx>
+      <c:layout/>
+      <c:overlay val="0"/>
+    </c:title>
+    <c:autoTitleDeleted val="0"/>
+    <c:plotArea>
+      <c:layout/>
+      <c:lineChart>
+        <c:grouping val="standard"/>
+        <c:varyColors val="0"/>
+        <c:ser>
+          <c:idx val="2"/>
+          <c:order val="0"/>
+          <c:tx>
+            <c:strRef>
+              <c:f>Sheet1!$A$35</c:f>
+              <c:strCache>
+                <c:ptCount val="1"/>
+                <c:pt idx="0">
+                  <c:v>Cube (16 Core) Locked</c:v>
+                </c:pt>
+              </c:strCache>
+            </c:strRef>
+          </c:tx>
+          <c:cat>
+            <c:numRef>
+              <c:f>Sheet1!$B$10:$I$10</c:f>
+              <c:numCache>
+                <c:formatCode>General</c:formatCode>
+                <c:ptCount val="8"/>
+                <c:pt idx="0">
+                  <c:v>1</c:v>
+                </c:pt>
+                <c:pt idx="1">
+                  <c:v>2</c:v>
+                </c:pt>
+                <c:pt idx="2">
+                  <c:v>4</c:v>
+                </c:pt>
+                <c:pt idx="3">
+                  <c:v>8</c:v>
+                </c:pt>
+                <c:pt idx="4">
+                  <c:v>16</c:v>
+                </c:pt>
+                <c:pt idx="5">
+                  <c:v>32</c:v>
+                </c:pt>
+                <c:pt idx="6">
+                  <c:v>64</c:v>
+                </c:pt>
+                <c:pt idx="7">
+                  <c:v>128</c:v>
+                </c:pt>
+              </c:numCache>
+            </c:numRef>
+          </c:cat>
+          <c:val>
+            <c:numRef>
+              <c:f>Sheet1!$B$35:$I$35</c:f>
+              <c:numCache>
+                <c:formatCode>_(* #,##0.00_);_(* \(#,##0.00\);_(* "-"??_);_(@_)</c:formatCode>
+                <c:ptCount val="8"/>
+                <c:pt idx="0">
+                  <c:v>4440919</c:v>
+                </c:pt>
+                <c:pt idx="1">
+                  <c:v>6468343</c:v>
+                </c:pt>
+                <c:pt idx="2">
+                  <c:v>8753104</c:v>
+                </c:pt>
+                <c:pt idx="3">
+                  <c:v>4304106</c:v>
+                </c:pt>
+                <c:pt idx="4">
+                  <c:v>5333743</c:v>
+                </c:pt>
+                <c:pt idx="5">
+                  <c:v>4988117</c:v>
+                </c:pt>
+                <c:pt idx="6">
+                  <c:v>3261383</c:v>
+                </c:pt>
+                <c:pt idx="7">
+                  <c:v>3380024</c:v>
+                </c:pt>
+              </c:numCache>
+            </c:numRef>
+          </c:val>
+          <c:smooth val="0"/>
+        </c:ser>
+        <c:ser>
+          <c:idx val="5"/>
+          <c:order val="1"/>
+          <c:tx>
+            <c:strRef>
+              <c:f>Sheet1!$A$53</c:f>
+              <c:strCache>
+                <c:ptCount val="1"/>
+                <c:pt idx="0">
+                  <c:v>Cube (16 Core) Lockless</c:v>
+                </c:pt>
+              </c:strCache>
+            </c:strRef>
+          </c:tx>
+          <c:cat>
+            <c:numRef>
+              <c:f>Sheet1!$B$10:$I$10</c:f>
+              <c:numCache>
+                <c:formatCode>General</c:formatCode>
+                <c:ptCount val="8"/>
+                <c:pt idx="0">
+                  <c:v>1</c:v>
+                </c:pt>
+                <c:pt idx="1">
+                  <c:v>2</c:v>
+                </c:pt>
+                <c:pt idx="2">
+                  <c:v>4</c:v>
+                </c:pt>
+                <c:pt idx="3">
+                  <c:v>8</c:v>
+                </c:pt>
+                <c:pt idx="4">
+                  <c:v>16</c:v>
+                </c:pt>
+                <c:pt idx="5">
+                  <c:v>32</c:v>
+                </c:pt>
+                <c:pt idx="6">
+                  <c:v>64</c:v>
+                </c:pt>
+                <c:pt idx="7">
+                  <c:v>128</c:v>
+                </c:pt>
+              </c:numCache>
+            </c:numRef>
+          </c:cat>
+          <c:val>
+            <c:numRef>
+              <c:f>Sheet1!$B$53:$I$53</c:f>
+              <c:numCache>
+                <c:formatCode>_(* #,##0.00_);_(* \(#,##0.00\);_(* "-"??_);_(@_)</c:formatCode>
+                <c:ptCount val="8"/>
+                <c:pt idx="0">
+                  <c:v>3673598</c:v>
+                </c:pt>
+                <c:pt idx="1">
+                  <c:v>4823696</c:v>
+                </c:pt>
+                <c:pt idx="2">
+                  <c:v>9556683</c:v>
+                </c:pt>
+                <c:pt idx="3">
+                  <c:v>12071043</c:v>
+                </c:pt>
+                <c:pt idx="4">
+                  <c:v>12213626</c:v>
+                </c:pt>
+                <c:pt idx="5">
+                  <c:v>12984050</c:v>
+                </c:pt>
+                <c:pt idx="6">
+                  <c:v>3656617</c:v>
+                </c:pt>
+                <c:pt idx="7">
+                  <c:v>4745926</c:v>
+                </c:pt>
+              </c:numCache>
+            </c:numRef>
+          </c:val>
+          <c:smooth val="0"/>
+        </c:ser>
+        <c:dLbls>
+          <c:showLegendKey val="0"/>
+          <c:showVal val="0"/>
+          <c:showCatName val="0"/>
+          <c:showSerName val="0"/>
+          <c:showPercent val="0"/>
+          <c:showBubbleSize val="0"/>
+        </c:dLbls>
+        <c:marker val="1"/>
+        <c:smooth val="0"/>
+        <c:axId val="83867904"/>
+        <c:axId val="86352256"/>
+      </c:lineChart>
+      <c:catAx>
+        <c:axId val="83867904"/>
+        <c:scaling>
+          <c:orientation val="minMax"/>
+        </c:scaling>
+        <c:delete val="0"/>
+        <c:axPos val="b"/>
+        <c:title>
+          <c:tx>
+            <c:rich>
+              <a:bodyPr/>
+              <a:lstStyle/>
+              <a:p>
+                <a:pPr>
+                  <a:defRPr/>
+                </a:pPr>
+                <a:r>
+                  <a:rPr lang="en-US"/>
+                  <a:t>Number of Threads</a:t>
+                </a:r>
+              </a:p>
+            </c:rich>
+          </c:tx>
+          <c:layout/>
+          <c:overlay val="0"/>
+        </c:title>
+        <c:numFmt formatCode="General" sourceLinked="1"/>
+        <c:majorTickMark val="out"/>
+        <c:minorTickMark val="none"/>
+        <c:tickLblPos val="nextTo"/>
+        <c:crossAx val="86352256"/>
+        <c:crosses val="autoZero"/>
+        <c:auto val="1"/>
+        <c:lblAlgn val="ctr"/>
+        <c:lblOffset val="100"/>
+        <c:noMultiLvlLbl val="0"/>
+      </c:catAx>
+      <c:valAx>
+        <c:axId val="86352256"/>
+        <c:scaling>
+          <c:orientation val="minMax"/>
+        </c:scaling>
+        <c:delete val="0"/>
+        <c:axPos val="l"/>
+        <c:majorGridlines/>
+        <c:title>
+          <c:tx>
+            <c:rich>
+              <a:bodyPr rot="-5400000" vert="horz"/>
+              <a:lstStyle/>
+              <a:p>
+                <a:pPr>
+                  <a:defRPr/>
+                </a:pPr>
+                <a:r>
+                  <a:rPr lang="en-US"/>
+                  <a:t>Iterations per second</a:t>
+                </a:r>
+              </a:p>
+            </c:rich>
+          </c:tx>
+          <c:layout/>
+          <c:overlay val="0"/>
+        </c:title>
+        <c:numFmt formatCode="_(* #,##0.00_);_(* \(#,##0.00\);_(* &quot;-&quot;??_);_(@_)" sourceLinked="1"/>
+        <c:majorTickMark val="out"/>
+        <c:minorTickMark val="none"/>
+        <c:tickLblPos val="nextTo"/>
+        <c:crossAx val="83867904"/>
         <c:crosses val="autoZero"/>
         <c:crossBetween val="between"/>
       </c:valAx>
@@ -2704,7 +2306,7 @@
           <a:p>
             <a:fld id="{BC8F7A16-14FD-4EB5-B1E6-1AFC570F7645}" type="datetimeFigureOut">
               <a:rPr lang="en-IE" smtClean="0"/>
-              <a:t>29/03/2014</a:t>
+              <a:t>31/03/2014</a:t>
             </a:fld>
             <a:endParaRPr lang="en-IE"/>
           </a:p>
@@ -2972,90 +2574,6 @@
 </p:notesMaster>
 </file>
 
-<file path=ppt/notesSlides/notesSlide1.xml><?xml version="1.0" encoding="utf-8"?>
-<p:notes xmlns:a="http://schemas.openxmlformats.org/drawingml/2006/main" xmlns:r="http://schemas.openxmlformats.org/officeDocument/2006/relationships" xmlns:p="http://schemas.openxmlformats.org/presentationml/2006/main">
-  <p:cSld>
-    <p:spTree>
-      <p:nvGrpSpPr>
-        <p:cNvPr id="1" name=""/>
-        <p:cNvGrpSpPr/>
-        <p:nvPr/>
-      </p:nvGrpSpPr>
-      <p:grpSpPr>
-        <a:xfrm>
-          <a:off x="0" y="0"/>
-          <a:ext cx="0" cy="0"/>
-          <a:chOff x="0" y="0"/>
-          <a:chExt cx="0" cy="0"/>
-        </a:xfrm>
-      </p:grpSpPr>
-      <p:sp>
-        <p:nvSpPr>
-          <p:cNvPr id="2" name="Slide Image Placeholder 1"/>
-          <p:cNvSpPr>
-            <a:spLocks noGrp="1" noRot="1" noChangeAspect="1"/>
-          </p:cNvSpPr>
-          <p:nvPr>
-            <p:ph type="sldImg"/>
-          </p:nvPr>
-        </p:nvSpPr>
-        <p:spPr/>
-      </p:sp>
-      <p:sp>
-        <p:nvSpPr>
-          <p:cNvPr id="3" name="Notes Placeholder 2"/>
-          <p:cNvSpPr>
-            <a:spLocks noGrp="1"/>
-          </p:cNvSpPr>
-          <p:nvPr>
-            <p:ph type="body" idx="1"/>
-          </p:nvPr>
-        </p:nvSpPr>
-        <p:spPr/>
-        <p:txBody>
-          <a:bodyPr/>
-          <a:lstStyle/>
-          <a:p>
-            <a:endParaRPr lang="en-IE" dirty="0"/>
-          </a:p>
-        </p:txBody>
-      </p:sp>
-      <p:sp>
-        <p:nvSpPr>
-          <p:cNvPr id="4" name="Slide Number Placeholder 3"/>
-          <p:cNvSpPr>
-            <a:spLocks noGrp="1"/>
-          </p:cNvSpPr>
-          <p:nvPr>
-            <p:ph type="sldNum" sz="quarter" idx="10"/>
-          </p:nvPr>
-        </p:nvSpPr>
-        <p:spPr/>
-        <p:txBody>
-          <a:bodyPr/>
-          <a:lstStyle/>
-          <a:p>
-            <a:fld id="{D42002D5-AFB6-45A7-9C98-D628785C3F80}" type="slidenum">
-              <a:rPr lang="en-IE" smtClean="0"/>
-              <a:t>13</a:t>
-            </a:fld>
-            <a:endParaRPr lang="en-IE"/>
-          </a:p>
-        </p:txBody>
-      </p:sp>
-    </p:spTree>
-    <p:extLst>
-      <p:ext uri="{BB962C8B-B14F-4D97-AF65-F5344CB8AC3E}">
-        <p14:creationId xmlns:p14="http://schemas.microsoft.com/office/powerpoint/2010/main" val="954762310"/>
-      </p:ext>
-    </p:extLst>
-  </p:cSld>
-  <p:clrMapOvr>
-    <a:masterClrMapping/>
-  </p:clrMapOvr>
-</p:notes>
-</file>
-
 <file path=ppt/slideLayouts/slideLayout1.xml><?xml version="1.0" encoding="utf-8"?>
 <p:sldLayout xmlns:a="http://schemas.openxmlformats.org/drawingml/2006/main" xmlns:r="http://schemas.openxmlformats.org/officeDocument/2006/relationships" xmlns:p="http://schemas.openxmlformats.org/presentationml/2006/main" type="title" preserve="1">
   <p:cSld name="Title Slide">
@@ -3235,10 +2753,9 @@
           <a:bodyPr/>
           <a:lstStyle/>
           <a:p>
-            <a:fld id="{1D8BD707-D9CF-40AE-B4C6-C98DA3205C09}" type="datetimeFigureOut">
+            <a:fld id="{88460CD9-5D16-4ACF-BEBF-7066784FD23F}" type="datetime1">
               <a:rPr lang="en-US" smtClean="0"/>
-              <a:pPr/>
-              <a:t>3/29/2014</a:t>
+              <a:t>3/31/2014</a:t>
             </a:fld>
             <a:endParaRPr lang="en-US"/>
           </a:p>
@@ -3402,10 +2919,9 @@
           <a:bodyPr/>
           <a:lstStyle/>
           <a:p>
-            <a:fld id="{1D8BD707-D9CF-40AE-B4C6-C98DA3205C09}" type="datetimeFigureOut">
+            <a:fld id="{2EB6E1CB-20B3-40D1-9280-71D244A83D8E}" type="datetime1">
               <a:rPr lang="en-US" smtClean="0"/>
-              <a:pPr/>
-              <a:t>3/29/2014</a:t>
+              <a:t>3/31/2014</a:t>
             </a:fld>
             <a:endParaRPr lang="en-US"/>
           </a:p>
@@ -3579,10 +3095,9 @@
           <a:bodyPr/>
           <a:lstStyle/>
           <a:p>
-            <a:fld id="{1D8BD707-D9CF-40AE-B4C6-C98DA3205C09}" type="datetimeFigureOut">
+            <a:fld id="{0494C836-D170-47AB-BC1C-A40B02EA525C}" type="datetime1">
               <a:rPr lang="en-US" smtClean="0"/>
-              <a:pPr/>
-              <a:t>3/29/2014</a:t>
+              <a:t>3/31/2014</a:t>
             </a:fld>
             <a:endParaRPr lang="en-US"/>
           </a:p>
@@ -3746,10 +3261,9 @@
           <a:bodyPr/>
           <a:lstStyle/>
           <a:p>
-            <a:fld id="{1D8BD707-D9CF-40AE-B4C6-C98DA3205C09}" type="datetimeFigureOut">
+            <a:fld id="{DFE89DDC-7AE9-4FE4-BA33-76B64857618B}" type="datetime1">
               <a:rPr lang="en-US" smtClean="0"/>
-              <a:pPr/>
-              <a:t>3/29/2014</a:t>
+              <a:t>3/31/2014</a:t>
             </a:fld>
             <a:endParaRPr lang="en-US"/>
           </a:p>
@@ -3989,10 +3503,9 @@
           <a:bodyPr/>
           <a:lstStyle/>
           <a:p>
-            <a:fld id="{1D8BD707-D9CF-40AE-B4C6-C98DA3205C09}" type="datetimeFigureOut">
+            <a:fld id="{C40309E5-2AB2-44B0-842B-FFC1C21D7168}" type="datetime1">
               <a:rPr lang="en-US" smtClean="0"/>
-              <a:pPr/>
-              <a:t>3/29/2014</a:t>
+              <a:t>3/31/2014</a:t>
             </a:fld>
             <a:endParaRPr lang="en-US"/>
           </a:p>
@@ -4274,10 +3787,9 @@
           <a:bodyPr/>
           <a:lstStyle/>
           <a:p>
-            <a:fld id="{1D8BD707-D9CF-40AE-B4C6-C98DA3205C09}" type="datetimeFigureOut">
+            <a:fld id="{EFE4F76C-5CC4-4148-84B3-29C608D1B1A3}" type="datetime1">
               <a:rPr lang="en-US" smtClean="0"/>
-              <a:pPr/>
-              <a:t>3/29/2014</a:t>
+              <a:t>3/31/2014</a:t>
             </a:fld>
             <a:endParaRPr lang="en-US"/>
           </a:p>
@@ -4693,10 +4205,9 @@
           <a:bodyPr/>
           <a:lstStyle/>
           <a:p>
-            <a:fld id="{1D8BD707-D9CF-40AE-B4C6-C98DA3205C09}" type="datetimeFigureOut">
+            <a:fld id="{F799A748-9D51-4EBA-A2BB-364788F562A6}" type="datetime1">
               <a:rPr lang="en-US" smtClean="0"/>
-              <a:pPr/>
-              <a:t>3/29/2014</a:t>
+              <a:t>3/31/2014</a:t>
             </a:fld>
             <a:endParaRPr lang="en-US"/>
           </a:p>
@@ -4808,10 +4319,9 @@
           <a:bodyPr/>
           <a:lstStyle/>
           <a:p>
-            <a:fld id="{1D8BD707-D9CF-40AE-B4C6-C98DA3205C09}" type="datetimeFigureOut">
+            <a:fld id="{FC418AC3-0503-4A47-B753-104DE3F81EB2}" type="datetime1">
               <a:rPr lang="en-US" smtClean="0"/>
-              <a:pPr/>
-              <a:t>3/29/2014</a:t>
+              <a:t>3/31/2014</a:t>
             </a:fld>
             <a:endParaRPr lang="en-US"/>
           </a:p>
@@ -4900,10 +4410,9 @@
           <a:bodyPr/>
           <a:lstStyle/>
           <a:p>
-            <a:fld id="{1D8BD707-D9CF-40AE-B4C6-C98DA3205C09}" type="datetimeFigureOut">
+            <a:fld id="{A92A8CA2-BD65-4679-B58B-40912BF64724}" type="datetime1">
               <a:rPr lang="en-US" smtClean="0"/>
-              <a:pPr/>
-              <a:t>3/29/2014</a:t>
+              <a:t>3/31/2014</a:t>
             </a:fld>
             <a:endParaRPr lang="en-US"/>
           </a:p>
@@ -5174,10 +4683,9 @@
           <a:bodyPr/>
           <a:lstStyle/>
           <a:p>
-            <a:fld id="{1D8BD707-D9CF-40AE-B4C6-C98DA3205C09}" type="datetimeFigureOut">
+            <a:fld id="{27371409-E6EB-4850-B52B-DEFD041F2A9E}" type="datetime1">
               <a:rPr lang="en-US" smtClean="0"/>
-              <a:pPr/>
-              <a:t>3/29/2014</a:t>
+              <a:t>3/31/2014</a:t>
             </a:fld>
             <a:endParaRPr lang="en-US"/>
           </a:p>
@@ -5424,10 +4932,9 @@
           <a:bodyPr/>
           <a:lstStyle/>
           <a:p>
-            <a:fld id="{1D8BD707-D9CF-40AE-B4C6-C98DA3205C09}" type="datetimeFigureOut">
+            <a:fld id="{0788A745-EB1A-421D-92BA-3BAC39737967}" type="datetime1">
               <a:rPr lang="en-US" smtClean="0"/>
-              <a:pPr/>
-              <a:t>3/29/2014</a:t>
+              <a:t>3/31/2014</a:t>
             </a:fld>
             <a:endParaRPr lang="en-US"/>
           </a:p>
@@ -5634,10 +5141,9 @@
             </a:lvl1pPr>
           </a:lstStyle>
           <a:p>
-            <a:fld id="{1D8BD707-D9CF-40AE-B4C6-C98DA3205C09}" type="datetimeFigureOut">
+            <a:fld id="{B8673A36-D0E0-4555-9432-9FA894708CFE}" type="datetime1">
               <a:rPr lang="en-US" smtClean="0"/>
-              <a:pPr/>
-              <a:t>3/29/2014</a:t>
+              <a:t>3/31/2014</a:t>
             </a:fld>
             <a:endParaRPr lang="en-US"/>
           </a:p>
@@ -5738,6 +5244,7 @@
     <p:sldLayoutId id="2147483658" r:id="rId10"/>
     <p:sldLayoutId id="2147483659" r:id="rId11"/>
   </p:sldLayoutIdLst>
+  <p:hf hdr="0" ftr="0" dt="0"/>
   <p:txStyles>
     <p:titleStyle>
       <a:lvl1pPr algn="ctr" defTabSz="914400" rtl="0" eaLnBrk="1" latinLnBrk="0" hangingPunct="1">
@@ -6053,6 +5560,30 @@
           </a:p>
         </p:txBody>
       </p:sp>
+      <p:sp>
+        <p:nvSpPr>
+          <p:cNvPr id="4" name="Slide Number Placeholder 3"/>
+          <p:cNvSpPr>
+            <a:spLocks noGrp="1"/>
+          </p:cNvSpPr>
+          <p:nvPr>
+            <p:ph type="sldNum" sz="quarter" idx="12"/>
+          </p:nvPr>
+        </p:nvSpPr>
+        <p:spPr/>
+        <p:txBody>
+          <a:bodyPr/>
+          <a:lstStyle/>
+          <a:p>
+            <a:fld id="{B6F15528-21DE-4FAA-801E-634DDDAF4B2B}" type="slidenum">
+              <a:rPr lang="en-US" smtClean="0"/>
+              <a:pPr/>
+              <a:t>1</a:t>
+            </a:fld>
+            <a:endParaRPr lang="en-US"/>
+          </a:p>
+        </p:txBody>
+      </p:sp>
     </p:spTree>
     <p:extLst>
       <p:ext uri="{BB962C8B-B14F-4D97-AF65-F5344CB8AC3E}">
@@ -6100,7 +5631,7 @@
           <a:p>
             <a:r>
               <a:rPr lang="en-IE" dirty="0" smtClean="0"/>
-              <a:t>Hash Table</a:t>
+              <a:t>Data Structure Implementation</a:t>
             </a:r>
             <a:endParaRPr lang="en-IE" dirty="0"/>
           </a:p>
@@ -6118,46 +5649,134 @@
         </p:nvSpPr>
         <p:spPr/>
         <p:txBody>
+          <a:bodyPr>
+            <a:normAutofit/>
+          </a:bodyPr>
+          <a:lstStyle/>
+          <a:p>
+            <a:r>
+              <a:rPr lang="en-IE" dirty="0" smtClean="0"/>
+              <a:t>Locked </a:t>
+            </a:r>
+            <a:r>
+              <a:rPr lang="en-IE" dirty="0" smtClean="0"/>
+              <a:t>Variations</a:t>
+            </a:r>
+          </a:p>
+          <a:p>
+            <a:pPr lvl="1"/>
+            <a:r>
+              <a:rPr lang="en-IE" dirty="0" smtClean="0"/>
+              <a:t>Mutex</a:t>
+            </a:r>
+          </a:p>
+          <a:p>
+            <a:pPr lvl="1"/>
+            <a:r>
+              <a:rPr lang="en-IE" dirty="0"/>
+              <a:t>T</a:t>
+            </a:r>
+            <a:r>
+              <a:rPr lang="en-IE" dirty="0" smtClean="0"/>
+              <a:t>est-and-set</a:t>
+            </a:r>
+          </a:p>
+          <a:p>
+            <a:pPr lvl="1"/>
+            <a:r>
+              <a:rPr lang="en-IE" dirty="0"/>
+              <a:t>C</a:t>
+            </a:r>
+            <a:r>
+              <a:rPr lang="en-IE" dirty="0" smtClean="0"/>
+              <a:t>ompare-and-swap</a:t>
+            </a:r>
+            <a:endParaRPr lang="en-IE" dirty="0" smtClean="0"/>
+          </a:p>
+          <a:p>
+            <a:r>
+              <a:rPr lang="en-IE" dirty="0" smtClean="0"/>
+              <a:t>Lockless </a:t>
+            </a:r>
+            <a:r>
+              <a:rPr lang="en-IE" dirty="0" smtClean="0"/>
+              <a:t>Variations</a:t>
+            </a:r>
+          </a:p>
+          <a:p>
+            <a:pPr lvl="1"/>
+            <a:r>
+              <a:rPr lang="en-IE" dirty="0" smtClean="0"/>
+              <a:t>C</a:t>
+            </a:r>
+            <a:r>
+              <a:rPr lang="en-IE" dirty="0" smtClean="0"/>
+              <a:t>++11 atomic library operations</a:t>
+            </a:r>
+          </a:p>
+          <a:p>
+            <a:r>
+              <a:rPr lang="en-IE" dirty="0" smtClean="0"/>
+              <a:t>Multi </a:t>
+            </a:r>
+            <a:r>
+              <a:rPr lang="en-IE" dirty="0" smtClean="0"/>
+              <a:t>Producer Multi Consumer (MPMC</a:t>
+            </a:r>
+            <a:r>
+              <a:rPr lang="en-IE" dirty="0" smtClean="0"/>
+              <a:t>) </a:t>
+            </a:r>
+          </a:p>
+          <a:p>
+            <a:r>
+              <a:rPr lang="en-IE" dirty="0" smtClean="0"/>
+              <a:t>Single </a:t>
+            </a:r>
+            <a:r>
+              <a:rPr lang="en-IE" dirty="0" smtClean="0"/>
+              <a:t>Producer </a:t>
+            </a:r>
+            <a:r>
+              <a:rPr lang="en-IE" dirty="0" smtClean="0"/>
+              <a:t>Single </a:t>
+            </a:r>
+            <a:r>
+              <a:rPr lang="en-IE" dirty="0" smtClean="0"/>
+              <a:t>Consumer (SPSC)</a:t>
+            </a:r>
+            <a:endParaRPr lang="en-IE" dirty="0"/>
+          </a:p>
+        </p:txBody>
+      </p:sp>
+      <p:sp>
+        <p:nvSpPr>
+          <p:cNvPr id="4" name="Slide Number Placeholder 3"/>
+          <p:cNvSpPr>
+            <a:spLocks noGrp="1"/>
+          </p:cNvSpPr>
+          <p:nvPr>
+            <p:ph type="sldNum" sz="quarter" idx="12"/>
+          </p:nvPr>
+        </p:nvSpPr>
+        <p:spPr/>
+        <p:txBody>
           <a:bodyPr/>
           <a:lstStyle/>
           <a:p>
-            <a:r>
-              <a:rPr lang="en-IE" dirty="0" smtClean="0"/>
-              <a:t>Closed Addressing – Collisions are added onto a linked list</a:t>
-            </a:r>
-          </a:p>
-          <a:p>
-            <a:r>
-              <a:rPr lang="en-IE" smtClean="0"/>
-              <a:t>Contains/Add/Remove/Resize</a:t>
-            </a:r>
-            <a:endParaRPr lang="en-IE" dirty="0" smtClean="0"/>
-          </a:p>
-          <a:p>
-            <a:r>
-              <a:rPr lang="en-IE" dirty="0" smtClean="0"/>
-              <a:t>Globally Locked Hash Table </a:t>
-            </a:r>
-          </a:p>
-          <a:p>
-            <a:r>
-              <a:rPr lang="en-IE" dirty="0" smtClean="0"/>
-              <a:t>Lock Per List </a:t>
-            </a:r>
-          </a:p>
-          <a:p>
-            <a:r>
-              <a:rPr lang="en-IE" dirty="0" smtClean="0"/>
-              <a:t>Lockless</a:t>
-            </a:r>
-            <a:endParaRPr lang="en-IE" dirty="0"/>
+            <a:fld id="{B6F15528-21DE-4FAA-801E-634DDDAF4B2B}" type="slidenum">
+              <a:rPr lang="en-US" smtClean="0"/>
+              <a:pPr/>
+              <a:t>10</a:t>
+            </a:fld>
+            <a:endParaRPr lang="en-US"/>
           </a:p>
         </p:txBody>
       </p:sp>
     </p:spTree>
     <p:extLst>
       <p:ext uri="{BB962C8B-B14F-4D97-AF65-F5344CB8AC3E}">
-        <p14:creationId xmlns:p14="http://schemas.microsoft.com/office/powerpoint/2010/main" val="227156003"/>
+        <p14:creationId xmlns:p14="http://schemas.microsoft.com/office/powerpoint/2010/main" val="3503624377"/>
       </p:ext>
     </p:extLst>
   </p:cSld>
@@ -6201,7 +5820,7 @@
           <a:p>
             <a:r>
               <a:rPr lang="en-IE" dirty="0" smtClean="0"/>
-              <a:t>Data Structure Variations</a:t>
+              <a:t>Ring Buffer</a:t>
             </a:r>
             <a:endParaRPr lang="en-IE" dirty="0"/>
           </a:p>
@@ -6219,97 +5838,70 @@
         </p:nvSpPr>
         <p:spPr/>
         <p:txBody>
-          <a:bodyPr>
-            <a:normAutofit fontScale="77500" lnSpcReduction="20000"/>
-          </a:bodyPr>
-          <a:lstStyle/>
-          <a:p>
+          <a:bodyPr/>
+          <a:lstStyle/>
+          <a:p>
+            <a:r>
+              <a:rPr lang="en-IE" dirty="0" smtClean="0"/>
+              <a:t>Used to get to grips with the C++11 library</a:t>
+            </a:r>
+          </a:p>
+          <a:p>
+            <a:r>
+              <a:rPr lang="en-IE" dirty="0" smtClean="0"/>
+              <a:t>Variations</a:t>
+            </a:r>
+          </a:p>
+          <a:p>
+            <a:pPr lvl="1"/>
+            <a:r>
+              <a:rPr lang="en-IE" dirty="0" smtClean="0"/>
+              <a:t>MPMC Locked</a:t>
+            </a:r>
             <a:endParaRPr lang="en-IE" dirty="0" smtClean="0"/>
           </a:p>
           <a:p>
-            <a:r>
-              <a:rPr lang="en-IE" dirty="0" smtClean="0"/>
-              <a:t>MPMC Hash Table Closed Addressing</a:t>
-            </a:r>
-          </a:p>
-          <a:p>
             <a:pPr lvl="1"/>
             <a:r>
               <a:rPr lang="en-IE" dirty="0" smtClean="0"/>
-              <a:t>Locked Table</a:t>
-            </a:r>
-          </a:p>
-          <a:p>
-            <a:pPr lvl="1"/>
-            <a:r>
-              <a:rPr lang="en-IE" dirty="0" smtClean="0"/>
-              <a:t>Lock per Bucket</a:t>
-            </a:r>
-          </a:p>
-          <a:p>
-            <a:pPr lvl="1"/>
+              <a:t>SPSC </a:t>
+            </a:r>
             <a:r>
               <a:rPr lang="en-IE" dirty="0" smtClean="0"/>
               <a:t>Lockless</a:t>
             </a:r>
-          </a:p>
-          <a:p>
-            <a:r>
-              <a:rPr lang="en-IE" dirty="0" smtClean="0"/>
-              <a:t>MPMC Linked List</a:t>
-            </a:r>
-          </a:p>
-          <a:p>
-            <a:pPr lvl="1"/>
-            <a:r>
-              <a:rPr lang="en-IE" dirty="0" smtClean="0"/>
-              <a:t>Single Link Regular Locked/Lockless</a:t>
-            </a:r>
-          </a:p>
-          <a:p>
-            <a:pPr lvl="1"/>
-            <a:r>
-              <a:rPr lang="en-IE" dirty="0" smtClean="0"/>
-              <a:t>Double Link Buffer Locked/Lockless</a:t>
-            </a:r>
-          </a:p>
-          <a:p>
-            <a:pPr lvl="1"/>
-            <a:r>
-              <a:rPr lang="en-IE" dirty="0" smtClean="0"/>
-              <a:t>Single Link Buffer Locked/Lockless</a:t>
-            </a:r>
-          </a:p>
-          <a:p>
-            <a:r>
-              <a:rPr lang="en-IE" dirty="0" smtClean="0"/>
-              <a:t>Ring Buffer</a:t>
-            </a:r>
-          </a:p>
-          <a:p>
-            <a:pPr lvl="1"/>
-            <a:r>
-              <a:rPr lang="en-IE" dirty="0" smtClean="0"/>
-              <a:t>MPMC Locked</a:t>
-            </a:r>
-          </a:p>
-          <a:p>
-            <a:pPr lvl="1"/>
-            <a:r>
-              <a:rPr lang="en-IE" dirty="0" smtClean="0"/>
-              <a:t>SPSC Lockless</a:t>
-            </a:r>
-          </a:p>
-          <a:p>
-            <a:pPr lvl="1"/>
             <a:endParaRPr lang="en-IE" dirty="0"/>
+          </a:p>
+        </p:txBody>
+      </p:sp>
+      <p:sp>
+        <p:nvSpPr>
+          <p:cNvPr id="4" name="Slide Number Placeholder 3"/>
+          <p:cNvSpPr>
+            <a:spLocks noGrp="1"/>
+          </p:cNvSpPr>
+          <p:nvPr>
+            <p:ph type="sldNum" sz="quarter" idx="12"/>
+          </p:nvPr>
+        </p:nvSpPr>
+        <p:spPr/>
+        <p:txBody>
+          <a:bodyPr/>
+          <a:lstStyle/>
+          <a:p>
+            <a:fld id="{B6F15528-21DE-4FAA-801E-634DDDAF4B2B}" type="slidenum">
+              <a:rPr lang="en-US" smtClean="0"/>
+              <a:pPr/>
+              <a:t>11</a:t>
+            </a:fld>
+            <a:endParaRPr lang="en-US"/>
           </a:p>
         </p:txBody>
       </p:sp>
     </p:spTree>
     <p:extLst>
       <p:ext uri="{BB962C8B-B14F-4D97-AF65-F5344CB8AC3E}">
-        <p14:creationId xmlns:p14="http://schemas.microsoft.com/office/powerpoint/2010/main" val="546634564"/>
+        <p14:creationId xmlns:p14="http://schemas.microsoft.com/office/powerpoint/2010/main" val="3247535296"/>
       </p:ext>
     </p:extLst>
   </p:cSld>
@@ -6353,1180 +5945,6 @@
           <a:p>
             <a:r>
               <a:rPr lang="en-IE" dirty="0" smtClean="0"/>
-              <a:t>Evaluation</a:t>
-            </a:r>
-            <a:endParaRPr lang="en-IE" dirty="0"/>
-          </a:p>
-        </p:txBody>
-      </p:sp>
-      <p:sp>
-        <p:nvSpPr>
-          <p:cNvPr id="3" name="Content Placeholder 2"/>
-          <p:cNvSpPr>
-            <a:spLocks noGrp="1"/>
-          </p:cNvSpPr>
-          <p:nvPr>
-            <p:ph idx="1"/>
-          </p:nvPr>
-        </p:nvSpPr>
-        <p:spPr/>
-        <p:txBody>
-          <a:bodyPr/>
-          <a:lstStyle/>
-          <a:p>
-            <a:r>
-              <a:rPr lang="en-IE" dirty="0" smtClean="0"/>
-              <a:t>Ran each variation on each machine for multiple thread counts</a:t>
-            </a:r>
-          </a:p>
-          <a:p>
-            <a:r>
-              <a:rPr lang="en-IE" dirty="0" smtClean="0"/>
-              <a:t>Thread count went from 1-128</a:t>
-            </a:r>
-          </a:p>
-          <a:p>
-            <a:r>
-              <a:rPr lang="en-IE" dirty="0" smtClean="0"/>
-              <a:t>Recorded iterations per second against number of threads  </a:t>
-            </a:r>
-          </a:p>
-          <a:p>
-            <a:r>
-              <a:rPr lang="en-IE" dirty="0" smtClean="0"/>
-              <a:t>Used </a:t>
-            </a:r>
-            <a:r>
-              <a:rPr lang="en-IE" dirty="0" err="1" smtClean="0"/>
-              <a:t>Perf</a:t>
-            </a:r>
-            <a:r>
-              <a:rPr lang="en-IE" dirty="0" smtClean="0"/>
-              <a:t> to record cache misses, </a:t>
-            </a:r>
-            <a:r>
-              <a:rPr lang="en-IE" dirty="0" err="1" smtClean="0"/>
-              <a:t>cpu</a:t>
-            </a:r>
-            <a:r>
-              <a:rPr lang="en-IE" dirty="0" smtClean="0"/>
-              <a:t> cycles etc…</a:t>
-            </a:r>
-            <a:endParaRPr lang="en-IE" dirty="0"/>
-          </a:p>
-        </p:txBody>
-      </p:sp>
-    </p:spTree>
-    <p:extLst>
-      <p:ext uri="{BB962C8B-B14F-4D97-AF65-F5344CB8AC3E}">
-        <p14:creationId xmlns:p14="http://schemas.microsoft.com/office/powerpoint/2010/main" val="792295864"/>
-      </p:ext>
-    </p:extLst>
-  </p:cSld>
-  <p:clrMapOvr>
-    <a:masterClrMapping/>
-  </p:clrMapOvr>
-  <p:timing>
-    <p:tnLst>
-      <p:par>
-        <p:cTn id="1" dur="indefinite" restart="never" nodeType="tmRoot"/>
-      </p:par>
-    </p:tnLst>
-  </p:timing>
-</p:sld>
-</file>
-
-<file path=ppt/slides/slide13.xml><?xml version="1.0" encoding="utf-8"?>
-<p:sld xmlns:a="http://schemas.openxmlformats.org/drawingml/2006/main" xmlns:r="http://schemas.openxmlformats.org/officeDocument/2006/relationships" xmlns:p="http://schemas.openxmlformats.org/presentationml/2006/main">
-  <p:cSld>
-    <p:spTree>
-      <p:nvGrpSpPr>
-        <p:cNvPr id="1" name=""/>
-        <p:cNvGrpSpPr/>
-        <p:nvPr/>
-      </p:nvGrpSpPr>
-      <p:grpSpPr>
-        <a:xfrm>
-          <a:off x="0" y="0"/>
-          <a:ext cx="0" cy="0"/>
-          <a:chOff x="0" y="0"/>
-          <a:chExt cx="0" cy="0"/>
-        </a:xfrm>
-      </p:grpSpPr>
-      <p:sp>
-        <p:nvSpPr>
-          <p:cNvPr id="2" name="Title 1"/>
-          <p:cNvSpPr>
-            <a:spLocks noGrp="1"/>
-          </p:cNvSpPr>
-          <p:nvPr>
-            <p:ph type="title"/>
-          </p:nvPr>
-        </p:nvSpPr>
-        <p:spPr/>
-        <p:txBody>
-          <a:bodyPr/>
-          <a:lstStyle/>
-          <a:p>
-            <a:r>
-              <a:rPr lang="en-IE" dirty="0" smtClean="0"/>
-              <a:t>Results &amp; Analysis</a:t>
-            </a:r>
-            <a:endParaRPr lang="en-IE" dirty="0"/>
-          </a:p>
-        </p:txBody>
-      </p:sp>
-      <p:graphicFrame>
-        <p:nvGraphicFramePr>
-          <p:cNvPr id="6" name="Chart 5"/>
-          <p:cNvGraphicFramePr>
-            <a:graphicFrameLocks/>
-          </p:cNvGraphicFramePr>
-          <p:nvPr>
-            <p:extLst>
-              <p:ext uri="{D42A27DB-BD31-4B8C-83A1-F6EECF244321}">
-                <p14:modId xmlns:p14="http://schemas.microsoft.com/office/powerpoint/2010/main" val="2500187400"/>
-              </p:ext>
-            </p:extLst>
-          </p:nvPr>
-        </p:nvGraphicFramePr>
-        <p:xfrm>
-          <a:off x="4495800" y="1600200"/>
-          <a:ext cx="4191000" cy="4572000"/>
-        </p:xfrm>
-        <a:graphic>
-          <a:graphicData uri="http://schemas.openxmlformats.org/drawingml/2006/chart">
-            <c:chart xmlns:c="http://schemas.openxmlformats.org/drawingml/2006/chart" xmlns:r="http://schemas.openxmlformats.org/officeDocument/2006/relationships" r:id="rId3"/>
-          </a:graphicData>
-        </a:graphic>
-      </p:graphicFrame>
-      <p:graphicFrame>
-        <p:nvGraphicFramePr>
-          <p:cNvPr id="7" name="Content Placeholder 6"/>
-          <p:cNvGraphicFramePr>
-            <a:graphicFrameLocks noGrp="1"/>
-          </p:cNvGraphicFramePr>
-          <p:nvPr>
-            <p:ph idx="1"/>
-            <p:extLst>
-              <p:ext uri="{D42A27DB-BD31-4B8C-83A1-F6EECF244321}">
-                <p14:modId xmlns:p14="http://schemas.microsoft.com/office/powerpoint/2010/main" val="4119368994"/>
-              </p:ext>
-            </p:extLst>
-          </p:nvPr>
-        </p:nvGraphicFramePr>
-        <p:xfrm>
-          <a:off x="457200" y="1600200"/>
-          <a:ext cx="4343400" cy="4525963"/>
-        </p:xfrm>
-        <a:graphic>
-          <a:graphicData uri="http://schemas.openxmlformats.org/drawingml/2006/chart">
-            <c:chart xmlns:c="http://schemas.openxmlformats.org/drawingml/2006/chart" xmlns:r="http://schemas.openxmlformats.org/officeDocument/2006/relationships" r:id="rId4"/>
-          </a:graphicData>
-        </a:graphic>
-      </p:graphicFrame>
-    </p:spTree>
-    <p:extLst>
-      <p:ext uri="{BB962C8B-B14F-4D97-AF65-F5344CB8AC3E}">
-        <p14:creationId xmlns:p14="http://schemas.microsoft.com/office/powerpoint/2010/main" val="1432556800"/>
-      </p:ext>
-    </p:extLst>
-  </p:cSld>
-  <p:clrMapOvr>
-    <a:masterClrMapping/>
-  </p:clrMapOvr>
-  <p:timing>
-    <p:tnLst>
-      <p:par>
-        <p:cTn id="1" dur="indefinite" restart="never" nodeType="tmRoot"/>
-      </p:par>
-    </p:tnLst>
-  </p:timing>
-</p:sld>
-</file>
-
-<file path=ppt/slides/slide14.xml><?xml version="1.0" encoding="utf-8"?>
-<p:sld xmlns:a="http://schemas.openxmlformats.org/drawingml/2006/main" xmlns:r="http://schemas.openxmlformats.org/officeDocument/2006/relationships" xmlns:p="http://schemas.openxmlformats.org/presentationml/2006/main">
-  <p:cSld>
-    <p:spTree>
-      <p:nvGrpSpPr>
-        <p:cNvPr id="1" name=""/>
-        <p:cNvGrpSpPr/>
-        <p:nvPr/>
-      </p:nvGrpSpPr>
-      <p:grpSpPr>
-        <a:xfrm>
-          <a:off x="0" y="0"/>
-          <a:ext cx="0" cy="0"/>
-          <a:chOff x="0" y="0"/>
-          <a:chExt cx="0" cy="0"/>
-        </a:xfrm>
-      </p:grpSpPr>
-      <p:sp>
-        <p:nvSpPr>
-          <p:cNvPr id="2" name="Title 1"/>
-          <p:cNvSpPr>
-            <a:spLocks noGrp="1"/>
-          </p:cNvSpPr>
-          <p:nvPr>
-            <p:ph type="title"/>
-          </p:nvPr>
-        </p:nvSpPr>
-        <p:spPr/>
-        <p:txBody>
-          <a:bodyPr/>
-          <a:lstStyle/>
-          <a:p>
-            <a:r>
-              <a:rPr lang="en-IE" dirty="0" smtClean="0"/>
-              <a:t>Results &amp; Analysis</a:t>
-            </a:r>
-            <a:endParaRPr lang="en-IE" dirty="0"/>
-          </a:p>
-        </p:txBody>
-      </p:sp>
-      <p:graphicFrame>
-        <p:nvGraphicFramePr>
-          <p:cNvPr id="9" name="Content Placeholder 8"/>
-          <p:cNvGraphicFramePr>
-            <a:graphicFrameLocks noGrp="1"/>
-          </p:cNvGraphicFramePr>
-          <p:nvPr>
-            <p:ph idx="1"/>
-            <p:extLst>
-              <p:ext uri="{D42A27DB-BD31-4B8C-83A1-F6EECF244321}">
-                <p14:modId xmlns:p14="http://schemas.microsoft.com/office/powerpoint/2010/main" val="2781748911"/>
-              </p:ext>
-            </p:extLst>
-          </p:nvPr>
-        </p:nvGraphicFramePr>
-        <p:xfrm>
-          <a:off x="457200" y="1600200"/>
-          <a:ext cx="3505200" cy="4525963"/>
-        </p:xfrm>
-        <a:graphic>
-          <a:graphicData uri="http://schemas.openxmlformats.org/drawingml/2006/chart">
-            <c:chart xmlns:c="http://schemas.openxmlformats.org/drawingml/2006/chart" xmlns:r="http://schemas.openxmlformats.org/officeDocument/2006/relationships" r:id="rId2"/>
-          </a:graphicData>
-        </a:graphic>
-      </p:graphicFrame>
-      <p:graphicFrame>
-        <p:nvGraphicFramePr>
-          <p:cNvPr id="10" name="Chart 9"/>
-          <p:cNvGraphicFramePr>
-            <a:graphicFrameLocks/>
-          </p:cNvGraphicFramePr>
-          <p:nvPr>
-            <p:extLst>
-              <p:ext uri="{D42A27DB-BD31-4B8C-83A1-F6EECF244321}">
-                <p14:modId xmlns:p14="http://schemas.microsoft.com/office/powerpoint/2010/main" val="2761141773"/>
-              </p:ext>
-            </p:extLst>
-          </p:nvPr>
-        </p:nvGraphicFramePr>
-        <p:xfrm>
-          <a:off x="4191000" y="1676400"/>
-          <a:ext cx="4953000" cy="5029200"/>
-        </p:xfrm>
-        <a:graphic>
-          <a:graphicData uri="http://schemas.openxmlformats.org/drawingml/2006/chart">
-            <c:chart xmlns:c="http://schemas.openxmlformats.org/drawingml/2006/chart" xmlns:r="http://schemas.openxmlformats.org/officeDocument/2006/relationships" r:id="rId3"/>
-          </a:graphicData>
-        </a:graphic>
-      </p:graphicFrame>
-    </p:spTree>
-    <p:extLst>
-      <p:ext uri="{BB962C8B-B14F-4D97-AF65-F5344CB8AC3E}">
-        <p14:creationId xmlns:p14="http://schemas.microsoft.com/office/powerpoint/2010/main" val="469012117"/>
-      </p:ext>
-    </p:extLst>
-  </p:cSld>
-  <p:clrMapOvr>
-    <a:masterClrMapping/>
-  </p:clrMapOvr>
-</p:sld>
-</file>
-
-<file path=ppt/slides/slide15.xml><?xml version="1.0" encoding="utf-8"?>
-<p:sld xmlns:a="http://schemas.openxmlformats.org/drawingml/2006/main" xmlns:r="http://schemas.openxmlformats.org/officeDocument/2006/relationships" xmlns:p="http://schemas.openxmlformats.org/presentationml/2006/main">
-  <p:cSld>
-    <p:spTree>
-      <p:nvGrpSpPr>
-        <p:cNvPr id="1" name=""/>
-        <p:cNvGrpSpPr/>
-        <p:nvPr/>
-      </p:nvGrpSpPr>
-      <p:grpSpPr>
-        <a:xfrm>
-          <a:off x="0" y="0"/>
-          <a:ext cx="0" cy="0"/>
-          <a:chOff x="0" y="0"/>
-          <a:chExt cx="0" cy="0"/>
-        </a:xfrm>
-      </p:grpSpPr>
-      <p:sp>
-        <p:nvSpPr>
-          <p:cNvPr id="2" name="Title 1"/>
-          <p:cNvSpPr>
-            <a:spLocks noGrp="1"/>
-          </p:cNvSpPr>
-          <p:nvPr>
-            <p:ph type="title"/>
-          </p:nvPr>
-        </p:nvSpPr>
-        <p:spPr/>
-        <p:txBody>
-          <a:bodyPr/>
-          <a:lstStyle/>
-          <a:p>
-            <a:r>
-              <a:rPr lang="en-IE" dirty="0" smtClean="0"/>
-              <a:t>What have </a:t>
-            </a:r>
-            <a:r>
-              <a:rPr lang="en-IE" smtClean="0"/>
-              <a:t>I learned?</a:t>
-            </a:r>
-            <a:endParaRPr lang="en-IE"/>
-          </a:p>
-        </p:txBody>
-      </p:sp>
-      <p:sp>
-        <p:nvSpPr>
-          <p:cNvPr id="3" name="Content Placeholder 2"/>
-          <p:cNvSpPr>
-            <a:spLocks noGrp="1"/>
-          </p:cNvSpPr>
-          <p:nvPr>
-            <p:ph idx="1"/>
-          </p:nvPr>
-        </p:nvSpPr>
-        <p:spPr/>
-        <p:txBody>
-          <a:bodyPr/>
-          <a:lstStyle/>
-          <a:p>
-            <a:r>
-              <a:rPr lang="en-IE" dirty="0" smtClean="0"/>
-              <a:t>Never assume results</a:t>
-            </a:r>
-          </a:p>
-          <a:p>
-            <a:r>
-              <a:rPr lang="en-IE" dirty="0" smtClean="0"/>
-              <a:t>Lockless algorithms do not guarantee better speeds</a:t>
-            </a:r>
-          </a:p>
-          <a:p>
-            <a:r>
-              <a:rPr lang="en-IE" dirty="0" smtClean="0"/>
-              <a:t>The C++11 atomic library makes it easier to implement lockless algorithms</a:t>
-            </a:r>
-          </a:p>
-          <a:p>
-            <a:endParaRPr lang="en-IE" dirty="0" smtClean="0"/>
-          </a:p>
-          <a:p>
-            <a:endParaRPr lang="en-IE" dirty="0"/>
-          </a:p>
-        </p:txBody>
-      </p:sp>
-    </p:spTree>
-    <p:extLst>
-      <p:ext uri="{BB962C8B-B14F-4D97-AF65-F5344CB8AC3E}">
-        <p14:creationId xmlns:p14="http://schemas.microsoft.com/office/powerpoint/2010/main" val="1539224103"/>
-      </p:ext>
-    </p:extLst>
-  </p:cSld>
-  <p:clrMapOvr>
-    <a:masterClrMapping/>
-  </p:clrMapOvr>
-  <p:timing>
-    <p:tnLst>
-      <p:par>
-        <p:cTn id="1" dur="indefinite" restart="never" nodeType="tmRoot"/>
-      </p:par>
-    </p:tnLst>
-  </p:timing>
-</p:sld>
-</file>
-
-<file path=ppt/slides/slide2.xml><?xml version="1.0" encoding="utf-8"?>
-<p:sld xmlns:a="http://schemas.openxmlformats.org/drawingml/2006/main" xmlns:r="http://schemas.openxmlformats.org/officeDocument/2006/relationships" xmlns:p="http://schemas.openxmlformats.org/presentationml/2006/main">
-  <p:cSld>
-    <p:spTree>
-      <p:nvGrpSpPr>
-        <p:cNvPr id="1" name=""/>
-        <p:cNvGrpSpPr/>
-        <p:nvPr/>
-      </p:nvGrpSpPr>
-      <p:grpSpPr>
-        <a:xfrm>
-          <a:off x="0" y="0"/>
-          <a:ext cx="0" cy="0"/>
-          <a:chOff x="0" y="0"/>
-          <a:chExt cx="0" cy="0"/>
-        </a:xfrm>
-      </p:grpSpPr>
-      <p:sp>
-        <p:nvSpPr>
-          <p:cNvPr id="2" name="Title 1"/>
-          <p:cNvSpPr>
-            <a:spLocks noGrp="1"/>
-          </p:cNvSpPr>
-          <p:nvPr>
-            <p:ph type="title"/>
-          </p:nvPr>
-        </p:nvSpPr>
-        <p:spPr/>
-        <p:txBody>
-          <a:bodyPr/>
-          <a:lstStyle/>
-          <a:p>
-            <a:r>
-              <a:rPr lang="en-IE" dirty="0" smtClean="0"/>
-              <a:t>What is the Problem?</a:t>
-            </a:r>
-            <a:endParaRPr lang="en-IE" dirty="0"/>
-          </a:p>
-        </p:txBody>
-      </p:sp>
-      <p:sp>
-        <p:nvSpPr>
-          <p:cNvPr id="3" name="Content Placeholder 2"/>
-          <p:cNvSpPr>
-            <a:spLocks noGrp="1"/>
-          </p:cNvSpPr>
-          <p:nvPr>
-            <p:ph idx="1"/>
-          </p:nvPr>
-        </p:nvSpPr>
-        <p:spPr/>
-        <p:txBody>
-          <a:bodyPr/>
-          <a:lstStyle/>
-          <a:p>
-            <a:r>
-              <a:rPr lang="en-IE" dirty="0" smtClean="0"/>
-              <a:t>Concurrent Data Structure – Designed for access by multiple threads</a:t>
-            </a:r>
-          </a:p>
-          <a:p>
-            <a:r>
-              <a:rPr lang="en-IE" dirty="0" smtClean="0"/>
-              <a:t>Plenty </a:t>
-            </a:r>
-            <a:r>
-              <a:rPr lang="en-IE" dirty="0" smtClean="0"/>
-              <a:t>of work done on how to implement concurrent </a:t>
-            </a:r>
-            <a:r>
-              <a:rPr lang="en-IE" dirty="0" smtClean="0"/>
-              <a:t>data structures</a:t>
-            </a:r>
-            <a:endParaRPr lang="en-IE" dirty="0" smtClean="0"/>
-          </a:p>
-          <a:p>
-            <a:r>
-              <a:rPr lang="en-IE" dirty="0" smtClean="0"/>
-              <a:t>Not much data on comparing the different types of concurrent data </a:t>
-            </a:r>
-            <a:r>
-              <a:rPr lang="en-IE" dirty="0" smtClean="0"/>
-              <a:t>structure</a:t>
-            </a:r>
-            <a:endParaRPr lang="en-IE" dirty="0" smtClean="0"/>
-          </a:p>
-        </p:txBody>
-      </p:sp>
-    </p:spTree>
-    <p:extLst>
-      <p:ext uri="{BB962C8B-B14F-4D97-AF65-F5344CB8AC3E}">
-        <p14:creationId xmlns:p14="http://schemas.microsoft.com/office/powerpoint/2010/main" val="740457692"/>
-      </p:ext>
-    </p:extLst>
-  </p:cSld>
-  <p:clrMapOvr>
-    <a:masterClrMapping/>
-  </p:clrMapOvr>
-</p:sld>
-</file>
-
-<file path=ppt/slides/slide3.xml><?xml version="1.0" encoding="utf-8"?>
-<p:sld xmlns:a="http://schemas.openxmlformats.org/drawingml/2006/main" xmlns:r="http://schemas.openxmlformats.org/officeDocument/2006/relationships" xmlns:p="http://schemas.openxmlformats.org/presentationml/2006/main">
-  <p:cSld>
-    <p:spTree>
-      <p:nvGrpSpPr>
-        <p:cNvPr id="1" name=""/>
-        <p:cNvGrpSpPr/>
-        <p:nvPr/>
-      </p:nvGrpSpPr>
-      <p:grpSpPr>
-        <a:xfrm>
-          <a:off x="0" y="0"/>
-          <a:ext cx="0" cy="0"/>
-          <a:chOff x="0" y="0"/>
-          <a:chExt cx="0" cy="0"/>
-        </a:xfrm>
-      </p:grpSpPr>
-      <p:sp>
-        <p:nvSpPr>
-          <p:cNvPr id="2" name="Title 1"/>
-          <p:cNvSpPr>
-            <a:spLocks noGrp="1"/>
-          </p:cNvSpPr>
-          <p:nvPr>
-            <p:ph type="title"/>
-          </p:nvPr>
-        </p:nvSpPr>
-        <p:spPr/>
-        <p:txBody>
-          <a:bodyPr/>
-          <a:lstStyle/>
-          <a:p>
-            <a:r>
-              <a:rPr lang="en-IE" dirty="0" smtClean="0"/>
-              <a:t>Locking Algorithms</a:t>
-            </a:r>
-            <a:endParaRPr lang="en-IE" dirty="0"/>
-          </a:p>
-        </p:txBody>
-      </p:sp>
-      <p:sp>
-        <p:nvSpPr>
-          <p:cNvPr id="3" name="Content Placeholder 2"/>
-          <p:cNvSpPr>
-            <a:spLocks noGrp="1"/>
-          </p:cNvSpPr>
-          <p:nvPr>
-            <p:ph idx="1"/>
-          </p:nvPr>
-        </p:nvSpPr>
-        <p:spPr/>
-        <p:txBody>
-          <a:bodyPr/>
-          <a:lstStyle/>
-          <a:p>
-            <a:r>
-              <a:rPr lang="en-IE" dirty="0" smtClean="0"/>
-              <a:t>Locked – Uses mutexes, semaphores to acquire a lock, blocks threads that do not have the lock</a:t>
-            </a:r>
-          </a:p>
-          <a:p>
-            <a:r>
-              <a:rPr lang="en-IE" dirty="0" smtClean="0"/>
-              <a:t>Lock Free – Uses atomic instructions such as compare-and-swap. Guarantees system-wide throughput with the chance of starvation</a:t>
-            </a:r>
-          </a:p>
-          <a:p>
-            <a:r>
-              <a:rPr lang="en-IE" dirty="0" smtClean="0"/>
-              <a:t>Wait Free – Similar to lock free but is also starvation free</a:t>
-            </a:r>
-            <a:endParaRPr lang="en-IE" dirty="0"/>
-          </a:p>
-        </p:txBody>
-      </p:sp>
-    </p:spTree>
-    <p:extLst>
-      <p:ext uri="{BB962C8B-B14F-4D97-AF65-F5344CB8AC3E}">
-        <p14:creationId xmlns:p14="http://schemas.microsoft.com/office/powerpoint/2010/main" val="1363304196"/>
-      </p:ext>
-    </p:extLst>
-  </p:cSld>
-  <p:clrMapOvr>
-    <a:masterClrMapping/>
-  </p:clrMapOvr>
-</p:sld>
-</file>
-
-<file path=ppt/slides/slide4.xml><?xml version="1.0" encoding="utf-8"?>
-<p:sld xmlns:a="http://schemas.openxmlformats.org/drawingml/2006/main" xmlns:r="http://schemas.openxmlformats.org/officeDocument/2006/relationships" xmlns:p="http://schemas.openxmlformats.org/presentationml/2006/main">
-  <p:cSld>
-    <p:spTree>
-      <p:nvGrpSpPr>
-        <p:cNvPr id="1" name=""/>
-        <p:cNvGrpSpPr/>
-        <p:nvPr/>
-      </p:nvGrpSpPr>
-      <p:grpSpPr>
-        <a:xfrm>
-          <a:off x="0" y="0"/>
-          <a:ext cx="0" cy="0"/>
-          <a:chOff x="0" y="0"/>
-          <a:chExt cx="0" cy="0"/>
-        </a:xfrm>
-      </p:grpSpPr>
-      <p:sp>
-        <p:nvSpPr>
-          <p:cNvPr id="2" name="Title 1"/>
-          <p:cNvSpPr>
-            <a:spLocks noGrp="1"/>
-          </p:cNvSpPr>
-          <p:nvPr>
-            <p:ph type="title"/>
-          </p:nvPr>
-        </p:nvSpPr>
-        <p:spPr/>
-        <p:txBody>
-          <a:bodyPr>
-            <a:normAutofit fontScale="90000"/>
-          </a:bodyPr>
-          <a:lstStyle/>
-          <a:p>
-            <a:r>
-              <a:rPr lang="en-IE" dirty="0" smtClean="0"/>
-              <a:t>Why </a:t>
-            </a:r>
-            <a:r>
-              <a:rPr lang="en-IE" dirty="0" smtClean="0"/>
-              <a:t>are Concurrent Data </a:t>
-            </a:r>
-            <a:br>
-              <a:rPr lang="en-IE" dirty="0" smtClean="0"/>
-            </a:br>
-            <a:r>
-              <a:rPr lang="en-IE" dirty="0" smtClean="0"/>
-              <a:t>Structures Important</a:t>
-            </a:r>
-            <a:r>
-              <a:rPr lang="en-IE" dirty="0" smtClean="0"/>
-              <a:t>?</a:t>
-            </a:r>
-            <a:endParaRPr lang="en-IE" dirty="0"/>
-          </a:p>
-        </p:txBody>
-      </p:sp>
-      <p:sp>
-        <p:nvSpPr>
-          <p:cNvPr id="3" name="Content Placeholder 2"/>
-          <p:cNvSpPr>
-            <a:spLocks noGrp="1"/>
-          </p:cNvSpPr>
-          <p:nvPr>
-            <p:ph idx="1"/>
-          </p:nvPr>
-        </p:nvSpPr>
-        <p:spPr/>
-        <p:txBody>
-          <a:bodyPr/>
-          <a:lstStyle/>
-          <a:p>
-            <a:r>
-              <a:rPr lang="en-IE" dirty="0" smtClean="0"/>
-              <a:t>Potential for high scalability</a:t>
-            </a:r>
-          </a:p>
-          <a:p>
-            <a:r>
-              <a:rPr lang="en-IE" dirty="0" smtClean="0"/>
-              <a:t>Better performance than serial implementations of the same data structure</a:t>
-            </a:r>
-            <a:endParaRPr lang="en-IE" dirty="0" smtClean="0"/>
-          </a:p>
-          <a:p>
-            <a:pPr marL="0" indent="0">
-              <a:buNone/>
-            </a:pPr>
-            <a:endParaRPr lang="en-IE" dirty="0"/>
-          </a:p>
-        </p:txBody>
-      </p:sp>
-    </p:spTree>
-    <p:extLst>
-      <p:ext uri="{BB962C8B-B14F-4D97-AF65-F5344CB8AC3E}">
-        <p14:creationId xmlns:p14="http://schemas.microsoft.com/office/powerpoint/2010/main" val="3358584582"/>
-      </p:ext>
-    </p:extLst>
-  </p:cSld>
-  <p:clrMapOvr>
-    <a:masterClrMapping/>
-  </p:clrMapOvr>
-</p:sld>
-</file>
-
-<file path=ppt/slides/slide5.xml><?xml version="1.0" encoding="utf-8"?>
-<p:sld xmlns:a="http://schemas.openxmlformats.org/drawingml/2006/main" xmlns:r="http://schemas.openxmlformats.org/officeDocument/2006/relationships" xmlns:p="http://schemas.openxmlformats.org/presentationml/2006/main">
-  <p:cSld>
-    <p:spTree>
-      <p:nvGrpSpPr>
-        <p:cNvPr id="1" name=""/>
-        <p:cNvGrpSpPr/>
-        <p:nvPr/>
-      </p:nvGrpSpPr>
-      <p:grpSpPr>
-        <a:xfrm>
-          <a:off x="0" y="0"/>
-          <a:ext cx="0" cy="0"/>
-          <a:chOff x="0" y="0"/>
-          <a:chExt cx="0" cy="0"/>
-        </a:xfrm>
-      </p:grpSpPr>
-      <p:sp>
-        <p:nvSpPr>
-          <p:cNvPr id="2" name="Title 1"/>
-          <p:cNvSpPr>
-            <a:spLocks noGrp="1"/>
-          </p:cNvSpPr>
-          <p:nvPr>
-            <p:ph type="title"/>
-          </p:nvPr>
-        </p:nvSpPr>
-        <p:spPr/>
-        <p:txBody>
-          <a:bodyPr/>
-          <a:lstStyle/>
-          <a:p>
-            <a:r>
-              <a:rPr lang="en-IE" dirty="0" smtClean="0"/>
-              <a:t>Background Work</a:t>
-            </a:r>
-            <a:endParaRPr lang="en-IE" dirty="0"/>
-          </a:p>
-        </p:txBody>
-      </p:sp>
-      <p:sp>
-        <p:nvSpPr>
-          <p:cNvPr id="3" name="Content Placeholder 2"/>
-          <p:cNvSpPr>
-            <a:spLocks noGrp="1"/>
-          </p:cNvSpPr>
-          <p:nvPr>
-            <p:ph idx="1"/>
-          </p:nvPr>
-        </p:nvSpPr>
-        <p:spPr/>
-        <p:txBody>
-          <a:bodyPr/>
-          <a:lstStyle/>
-          <a:p>
-            <a:r>
-              <a:rPr lang="en-IE" dirty="0" smtClean="0"/>
-              <a:t>Some of my r</a:t>
-            </a:r>
-            <a:r>
-              <a:rPr lang="en-IE" dirty="0" smtClean="0"/>
-              <a:t>eferences:</a:t>
-            </a:r>
-          </a:p>
-          <a:p>
-            <a:r>
-              <a:rPr lang="en-IE" dirty="0" smtClean="0"/>
-              <a:t>“</a:t>
-            </a:r>
-            <a:r>
-              <a:rPr lang="en-IE" dirty="0" smtClean="0"/>
-              <a:t>The Art of Multiprocessor Programming”- Herlihy &amp; </a:t>
-            </a:r>
-            <a:r>
-              <a:rPr lang="en-IE" dirty="0" err="1" smtClean="0"/>
-              <a:t>Shavit</a:t>
-            </a:r>
-            <a:r>
-              <a:rPr lang="en-IE" dirty="0" smtClean="0"/>
-              <a:t> - 2008</a:t>
-            </a:r>
-          </a:p>
-          <a:p>
-            <a:r>
-              <a:rPr lang="en-IE" dirty="0" smtClean="0"/>
-              <a:t>“Designing Concurrent Data Structures” – </a:t>
-            </a:r>
-            <a:r>
-              <a:rPr lang="en-IE" dirty="0" err="1" smtClean="0"/>
-              <a:t>Moir</a:t>
-            </a:r>
-            <a:r>
-              <a:rPr lang="en-IE" dirty="0" smtClean="0"/>
-              <a:t> &amp; </a:t>
-            </a:r>
-            <a:r>
-              <a:rPr lang="en-IE" dirty="0" err="1" smtClean="0"/>
-              <a:t>Shavit</a:t>
-            </a:r>
-            <a:r>
-              <a:rPr lang="en-IE" dirty="0" smtClean="0"/>
-              <a:t> - 2001</a:t>
-            </a:r>
-          </a:p>
-          <a:p>
-            <a:r>
-              <a:rPr lang="en-IE" dirty="0" smtClean="0"/>
-              <a:t>“Implementing Concurrent Data Objects” – Herlihy - 1993</a:t>
-            </a:r>
-            <a:endParaRPr lang="en-IE" dirty="0"/>
-          </a:p>
-        </p:txBody>
-      </p:sp>
-    </p:spTree>
-    <p:extLst>
-      <p:ext uri="{BB962C8B-B14F-4D97-AF65-F5344CB8AC3E}">
-        <p14:creationId xmlns:p14="http://schemas.microsoft.com/office/powerpoint/2010/main" val="330873260"/>
-      </p:ext>
-    </p:extLst>
-  </p:cSld>
-  <p:clrMapOvr>
-    <a:masterClrMapping/>
-  </p:clrMapOvr>
-</p:sld>
-</file>
-
-<file path=ppt/slides/slide6.xml><?xml version="1.0" encoding="utf-8"?>
-<p:sld xmlns:a="http://schemas.openxmlformats.org/drawingml/2006/main" xmlns:r="http://schemas.openxmlformats.org/officeDocument/2006/relationships" xmlns:p="http://schemas.openxmlformats.org/presentationml/2006/main">
-  <p:cSld>
-    <p:spTree>
-      <p:nvGrpSpPr>
-        <p:cNvPr id="1" name=""/>
-        <p:cNvGrpSpPr/>
-        <p:nvPr/>
-      </p:nvGrpSpPr>
-      <p:grpSpPr>
-        <a:xfrm>
-          <a:off x="0" y="0"/>
-          <a:ext cx="0" cy="0"/>
-          <a:chOff x="0" y="0"/>
-          <a:chExt cx="0" cy="0"/>
-        </a:xfrm>
-      </p:grpSpPr>
-      <p:sp>
-        <p:nvSpPr>
-          <p:cNvPr id="2" name="Title 1"/>
-          <p:cNvSpPr>
-            <a:spLocks noGrp="1"/>
-          </p:cNvSpPr>
-          <p:nvPr>
-            <p:ph type="title"/>
-          </p:nvPr>
-        </p:nvSpPr>
-        <p:spPr/>
-        <p:txBody>
-          <a:bodyPr/>
-          <a:lstStyle/>
-          <a:p>
-            <a:r>
-              <a:rPr lang="en-IE" dirty="0" smtClean="0"/>
-              <a:t>What I have Done</a:t>
-            </a:r>
-            <a:endParaRPr lang="en-IE" dirty="0"/>
-          </a:p>
-        </p:txBody>
-      </p:sp>
-      <p:sp>
-        <p:nvSpPr>
-          <p:cNvPr id="3" name="Content Placeholder 2"/>
-          <p:cNvSpPr>
-            <a:spLocks noGrp="1"/>
-          </p:cNvSpPr>
-          <p:nvPr>
-            <p:ph idx="1"/>
-          </p:nvPr>
-        </p:nvSpPr>
-        <p:spPr/>
-        <p:txBody>
-          <a:bodyPr>
-            <a:normAutofit fontScale="92500"/>
-          </a:bodyPr>
-          <a:lstStyle/>
-          <a:p>
-            <a:r>
-              <a:rPr lang="en-IE" dirty="0" smtClean="0"/>
-              <a:t>Implemented 3 concurrent data </a:t>
-            </a:r>
-            <a:r>
-              <a:rPr lang="en-IE" dirty="0" smtClean="0"/>
-              <a:t>structures</a:t>
-            </a:r>
-          </a:p>
-          <a:p>
-            <a:pPr lvl="1"/>
-            <a:r>
-              <a:rPr lang="en-IE" dirty="0" smtClean="0"/>
-              <a:t>Ring Buffer</a:t>
-            </a:r>
-          </a:p>
-          <a:p>
-            <a:pPr lvl="1"/>
-            <a:r>
-              <a:rPr lang="en-IE" dirty="0" smtClean="0"/>
-              <a:t>Linked List</a:t>
-            </a:r>
-          </a:p>
-          <a:p>
-            <a:pPr lvl="1"/>
-            <a:r>
-              <a:rPr lang="en-IE" dirty="0" smtClean="0"/>
-              <a:t>Hash Table</a:t>
-            </a:r>
-            <a:endParaRPr lang="en-IE" dirty="0" smtClean="0"/>
-          </a:p>
-          <a:p>
-            <a:r>
-              <a:rPr lang="en-IE" dirty="0" smtClean="0"/>
-              <a:t>Implemented both locked and </a:t>
-            </a:r>
-            <a:r>
-              <a:rPr lang="en-IE" dirty="0" smtClean="0"/>
-              <a:t>lockless variations</a:t>
-            </a:r>
-            <a:endParaRPr lang="en-IE" dirty="0" smtClean="0"/>
-          </a:p>
-          <a:p>
-            <a:r>
-              <a:rPr lang="en-IE" dirty="0" smtClean="0"/>
-              <a:t>Tested &amp; compared them on 3 different </a:t>
-            </a:r>
-            <a:r>
-              <a:rPr lang="en-IE" dirty="0" smtClean="0"/>
-              <a:t>systems</a:t>
-            </a:r>
-          </a:p>
-          <a:p>
-            <a:pPr lvl="1"/>
-            <a:r>
-              <a:rPr lang="en-IE" dirty="0" smtClean="0"/>
-              <a:t>My Local Machine (Intel i5)</a:t>
-            </a:r>
-          </a:p>
-          <a:p>
-            <a:pPr lvl="1"/>
-            <a:r>
-              <a:rPr lang="en-IE" dirty="0" smtClean="0"/>
-              <a:t>Stoker</a:t>
-            </a:r>
-          </a:p>
-          <a:p>
-            <a:pPr lvl="1"/>
-            <a:r>
-              <a:rPr lang="en-IE" dirty="0" smtClean="0"/>
-              <a:t>Cube</a:t>
-            </a:r>
-            <a:endParaRPr lang="en-IE" dirty="0"/>
-          </a:p>
-        </p:txBody>
-      </p:sp>
-    </p:spTree>
-    <p:extLst>
-      <p:ext uri="{BB962C8B-B14F-4D97-AF65-F5344CB8AC3E}">
-        <p14:creationId xmlns:p14="http://schemas.microsoft.com/office/powerpoint/2010/main" val="351189580"/>
-      </p:ext>
-    </p:extLst>
-  </p:cSld>
-  <p:clrMapOvr>
-    <a:masterClrMapping/>
-  </p:clrMapOvr>
-</p:sld>
-</file>
-
-<file path=ppt/slides/slide7.xml><?xml version="1.0" encoding="utf-8"?>
-<p:sld xmlns:a="http://schemas.openxmlformats.org/drawingml/2006/main" xmlns:r="http://schemas.openxmlformats.org/officeDocument/2006/relationships" xmlns:p="http://schemas.openxmlformats.org/presentationml/2006/main">
-  <p:cSld>
-    <p:spTree>
-      <p:nvGrpSpPr>
-        <p:cNvPr id="1" name=""/>
-        <p:cNvGrpSpPr/>
-        <p:nvPr/>
-      </p:nvGrpSpPr>
-      <p:grpSpPr>
-        <a:xfrm>
-          <a:off x="0" y="0"/>
-          <a:ext cx="0" cy="0"/>
-          <a:chOff x="0" y="0"/>
-          <a:chExt cx="0" cy="0"/>
-        </a:xfrm>
-      </p:grpSpPr>
-      <p:sp>
-        <p:nvSpPr>
-          <p:cNvPr id="2" name="Title 1"/>
-          <p:cNvSpPr>
-            <a:spLocks noGrp="1"/>
-          </p:cNvSpPr>
-          <p:nvPr>
-            <p:ph type="title"/>
-          </p:nvPr>
-        </p:nvSpPr>
-        <p:spPr/>
-        <p:txBody>
-          <a:bodyPr/>
-          <a:lstStyle/>
-          <a:p>
-            <a:r>
-              <a:rPr lang="en-IE" dirty="0" smtClean="0"/>
-              <a:t>Data Structure Implementation</a:t>
-            </a:r>
-            <a:endParaRPr lang="en-IE" dirty="0"/>
-          </a:p>
-        </p:txBody>
-      </p:sp>
-      <p:sp>
-        <p:nvSpPr>
-          <p:cNvPr id="3" name="Content Placeholder 2"/>
-          <p:cNvSpPr>
-            <a:spLocks noGrp="1"/>
-          </p:cNvSpPr>
-          <p:nvPr>
-            <p:ph idx="1"/>
-          </p:nvPr>
-        </p:nvSpPr>
-        <p:spPr/>
-        <p:txBody>
-          <a:bodyPr/>
-          <a:lstStyle/>
-          <a:p>
-            <a:r>
-              <a:rPr lang="en-IE" dirty="0" smtClean="0"/>
-              <a:t>Locked Variations – mutex, test-and-set, compare-and-swap</a:t>
-            </a:r>
-          </a:p>
-          <a:p>
-            <a:r>
-              <a:rPr lang="en-IE" dirty="0" smtClean="0"/>
-              <a:t>Lockless Variations – C++11 atomic library operations</a:t>
-            </a:r>
-          </a:p>
-          <a:p>
-            <a:r>
-              <a:rPr lang="en-IE" dirty="0" smtClean="0"/>
-              <a:t>Mostly Multi Producer Multi Consumer (MPMC) with one Single Producer – Single Consumer (SPSC)</a:t>
-            </a:r>
-            <a:endParaRPr lang="en-IE" dirty="0"/>
-          </a:p>
-        </p:txBody>
-      </p:sp>
-    </p:spTree>
-    <p:extLst>
-      <p:ext uri="{BB962C8B-B14F-4D97-AF65-F5344CB8AC3E}">
-        <p14:creationId xmlns:p14="http://schemas.microsoft.com/office/powerpoint/2010/main" val="3503624377"/>
-      </p:ext>
-    </p:extLst>
-  </p:cSld>
-  <p:clrMapOvr>
-    <a:masterClrMapping/>
-  </p:clrMapOvr>
-</p:sld>
-</file>
-
-<file path=ppt/slides/slide8.xml><?xml version="1.0" encoding="utf-8"?>
-<p:sld xmlns:a="http://schemas.openxmlformats.org/drawingml/2006/main" xmlns:r="http://schemas.openxmlformats.org/officeDocument/2006/relationships" xmlns:p="http://schemas.openxmlformats.org/presentationml/2006/main">
-  <p:cSld>
-    <p:spTree>
-      <p:nvGrpSpPr>
-        <p:cNvPr id="1" name=""/>
-        <p:cNvGrpSpPr/>
-        <p:nvPr/>
-      </p:nvGrpSpPr>
-      <p:grpSpPr>
-        <a:xfrm>
-          <a:off x="0" y="0"/>
-          <a:ext cx="0" cy="0"/>
-          <a:chOff x="0" y="0"/>
-          <a:chExt cx="0" cy="0"/>
-        </a:xfrm>
-      </p:grpSpPr>
-      <p:sp>
-        <p:nvSpPr>
-          <p:cNvPr id="2" name="Title 1"/>
-          <p:cNvSpPr>
-            <a:spLocks noGrp="1"/>
-          </p:cNvSpPr>
-          <p:nvPr>
-            <p:ph type="title"/>
-          </p:nvPr>
-        </p:nvSpPr>
-        <p:spPr/>
-        <p:txBody>
-          <a:bodyPr/>
-          <a:lstStyle/>
-          <a:p>
-            <a:r>
-              <a:rPr lang="en-IE" dirty="0" smtClean="0"/>
-              <a:t>Ring Buffer</a:t>
-            </a:r>
-            <a:endParaRPr lang="en-IE" dirty="0"/>
-          </a:p>
-        </p:txBody>
-      </p:sp>
-      <p:sp>
-        <p:nvSpPr>
-          <p:cNvPr id="3" name="Content Placeholder 2"/>
-          <p:cNvSpPr>
-            <a:spLocks noGrp="1"/>
-          </p:cNvSpPr>
-          <p:nvPr>
-            <p:ph idx="1"/>
-          </p:nvPr>
-        </p:nvSpPr>
-        <p:spPr/>
-        <p:txBody>
-          <a:bodyPr/>
-          <a:lstStyle/>
-          <a:p>
-            <a:r>
-              <a:rPr lang="en-IE" dirty="0" smtClean="0"/>
-              <a:t>Used to get to grips with the C++11 library</a:t>
-            </a:r>
-          </a:p>
-          <a:p>
-            <a:r>
-              <a:rPr lang="en-IE" dirty="0" smtClean="0"/>
-              <a:t>MPMC Locked Variation</a:t>
-            </a:r>
-          </a:p>
-          <a:p>
-            <a:r>
-              <a:rPr lang="en-IE" dirty="0" smtClean="0"/>
-              <a:t>SPSC Lockless Variation</a:t>
-            </a:r>
-            <a:endParaRPr lang="en-IE" dirty="0"/>
-          </a:p>
-        </p:txBody>
-      </p:sp>
-    </p:spTree>
-    <p:extLst>
-      <p:ext uri="{BB962C8B-B14F-4D97-AF65-F5344CB8AC3E}">
-        <p14:creationId xmlns:p14="http://schemas.microsoft.com/office/powerpoint/2010/main" val="3247535296"/>
-      </p:ext>
-    </p:extLst>
-  </p:cSld>
-  <p:clrMapOvr>
-    <a:masterClrMapping/>
-  </p:clrMapOvr>
-</p:sld>
-</file>
-
-<file path=ppt/slides/slide9.xml><?xml version="1.0" encoding="utf-8"?>
-<p:sld xmlns:a="http://schemas.openxmlformats.org/drawingml/2006/main" xmlns:r="http://schemas.openxmlformats.org/officeDocument/2006/relationships" xmlns:p="http://schemas.openxmlformats.org/presentationml/2006/main">
-  <p:cSld>
-    <p:spTree>
-      <p:nvGrpSpPr>
-        <p:cNvPr id="1" name=""/>
-        <p:cNvGrpSpPr/>
-        <p:nvPr/>
-      </p:nvGrpSpPr>
-      <p:grpSpPr>
-        <a:xfrm>
-          <a:off x="0" y="0"/>
-          <a:ext cx="0" cy="0"/>
-          <a:chOff x="0" y="0"/>
-          <a:chExt cx="0" cy="0"/>
-        </a:xfrm>
-      </p:grpSpPr>
-      <p:sp>
-        <p:nvSpPr>
-          <p:cNvPr id="2" name="Title 1"/>
-          <p:cNvSpPr>
-            <a:spLocks noGrp="1"/>
-          </p:cNvSpPr>
-          <p:nvPr>
-            <p:ph type="title"/>
-          </p:nvPr>
-        </p:nvSpPr>
-        <p:spPr/>
-        <p:txBody>
-          <a:bodyPr/>
-          <a:lstStyle/>
-          <a:p>
-            <a:r>
-              <a:rPr lang="en-IE" dirty="0" smtClean="0"/>
               <a:t>Linked List</a:t>
             </a:r>
             <a:endParaRPr lang="en-IE" dirty="0"/>
@@ -7558,8 +5976,13 @@
             </a:r>
             <a:r>
               <a:rPr lang="en-IE" dirty="0" smtClean="0"/>
-              <a:t>inked List – Locked/Lockless</a:t>
-            </a:r>
+              <a:t>inked </a:t>
+            </a:r>
+            <a:r>
+              <a:rPr lang="en-IE" dirty="0" smtClean="0"/>
+              <a:t>List – Locked/Lockless</a:t>
+            </a:r>
+            <a:endParaRPr lang="en-IE" dirty="0" smtClean="0"/>
           </a:p>
           <a:p>
             <a:pPr marL="0" indent="0">
@@ -9229,10 +7652,4390 @@
           </a:fontRef>
         </p:style>
       </p:cxnSp>
+      <p:sp>
+        <p:nvSpPr>
+          <p:cNvPr id="8" name="Slide Number Placeholder 7"/>
+          <p:cNvSpPr>
+            <a:spLocks noGrp="1"/>
+          </p:cNvSpPr>
+          <p:nvPr>
+            <p:ph type="sldNum" sz="quarter" idx="12"/>
+          </p:nvPr>
+        </p:nvSpPr>
+        <p:spPr/>
+        <p:txBody>
+          <a:bodyPr/>
+          <a:lstStyle/>
+          <a:p>
+            <a:fld id="{B6F15528-21DE-4FAA-801E-634DDDAF4B2B}" type="slidenum">
+              <a:rPr lang="en-US" smtClean="0"/>
+              <a:pPr/>
+              <a:t>12</a:t>
+            </a:fld>
+            <a:endParaRPr lang="en-US"/>
+          </a:p>
+        </p:txBody>
+      </p:sp>
     </p:spTree>
     <p:extLst>
       <p:ext uri="{BB962C8B-B14F-4D97-AF65-F5344CB8AC3E}">
         <p14:creationId xmlns:p14="http://schemas.microsoft.com/office/powerpoint/2010/main" val="2658147231"/>
+      </p:ext>
+    </p:extLst>
+  </p:cSld>
+  <p:clrMapOvr>
+    <a:masterClrMapping/>
+  </p:clrMapOvr>
+</p:sld>
+</file>
+
+<file path=ppt/slides/slide13.xml><?xml version="1.0" encoding="utf-8"?>
+<p:sld xmlns:a="http://schemas.openxmlformats.org/drawingml/2006/main" xmlns:r="http://schemas.openxmlformats.org/officeDocument/2006/relationships" xmlns:p="http://schemas.openxmlformats.org/presentationml/2006/main">
+  <p:cSld>
+    <p:spTree>
+      <p:nvGrpSpPr>
+        <p:cNvPr id="1" name=""/>
+        <p:cNvGrpSpPr/>
+        <p:nvPr/>
+      </p:nvGrpSpPr>
+      <p:grpSpPr>
+        <a:xfrm>
+          <a:off x="0" y="0"/>
+          <a:ext cx="0" cy="0"/>
+          <a:chOff x="0" y="0"/>
+          <a:chExt cx="0" cy="0"/>
+        </a:xfrm>
+      </p:grpSpPr>
+      <p:sp>
+        <p:nvSpPr>
+          <p:cNvPr id="2" name="Title 1"/>
+          <p:cNvSpPr>
+            <a:spLocks noGrp="1"/>
+          </p:cNvSpPr>
+          <p:nvPr>
+            <p:ph type="title"/>
+          </p:nvPr>
+        </p:nvSpPr>
+        <p:spPr/>
+        <p:txBody>
+          <a:bodyPr/>
+          <a:lstStyle/>
+          <a:p>
+            <a:r>
+              <a:rPr lang="en-IE" dirty="0" smtClean="0"/>
+              <a:t>Hash Table</a:t>
+            </a:r>
+            <a:endParaRPr lang="en-IE" dirty="0"/>
+          </a:p>
+        </p:txBody>
+      </p:sp>
+      <p:sp>
+        <p:nvSpPr>
+          <p:cNvPr id="3" name="Content Placeholder 2"/>
+          <p:cNvSpPr>
+            <a:spLocks noGrp="1"/>
+          </p:cNvSpPr>
+          <p:nvPr>
+            <p:ph idx="1"/>
+          </p:nvPr>
+        </p:nvSpPr>
+        <p:spPr/>
+        <p:txBody>
+          <a:bodyPr/>
+          <a:lstStyle/>
+          <a:p>
+            <a:r>
+              <a:rPr lang="en-IE" dirty="0" smtClean="0"/>
+              <a:t>Closed </a:t>
+            </a:r>
+            <a:r>
+              <a:rPr lang="en-IE" dirty="0" smtClean="0"/>
+              <a:t>Addressing</a:t>
+            </a:r>
+          </a:p>
+          <a:p>
+            <a:pPr lvl="1"/>
+            <a:r>
+              <a:rPr lang="en-IE" dirty="0" smtClean="0"/>
+              <a:t>Collisions </a:t>
+            </a:r>
+            <a:r>
+              <a:rPr lang="en-IE" dirty="0" smtClean="0"/>
+              <a:t>are added onto a linked list</a:t>
+            </a:r>
+          </a:p>
+          <a:p>
+            <a:r>
+              <a:rPr lang="en-IE" dirty="0" smtClean="0"/>
+              <a:t>Contains/Add/Remove/Resize</a:t>
+            </a:r>
+          </a:p>
+          <a:p>
+            <a:r>
+              <a:rPr lang="en-IE" dirty="0" smtClean="0"/>
+              <a:t>Variations</a:t>
+            </a:r>
+          </a:p>
+          <a:p>
+            <a:pPr lvl="1"/>
+            <a:r>
+              <a:rPr lang="en-IE" dirty="0" smtClean="0"/>
+              <a:t>MPMC </a:t>
+            </a:r>
+            <a:r>
+              <a:rPr lang="en-IE" dirty="0" smtClean="0"/>
+              <a:t>Globally Locked Hash Table </a:t>
+            </a:r>
+          </a:p>
+          <a:p>
+            <a:pPr lvl="1"/>
+            <a:r>
+              <a:rPr lang="en-IE" dirty="0" smtClean="0"/>
+              <a:t>MPMC Lock Per List </a:t>
+            </a:r>
+          </a:p>
+          <a:p>
+            <a:pPr lvl="1"/>
+            <a:r>
+              <a:rPr lang="en-IE" dirty="0" smtClean="0"/>
+              <a:t>MPMC Lockless</a:t>
+            </a:r>
+            <a:endParaRPr lang="en-IE" dirty="0"/>
+          </a:p>
+        </p:txBody>
+      </p:sp>
+      <p:sp>
+        <p:nvSpPr>
+          <p:cNvPr id="4" name="Slide Number Placeholder 3"/>
+          <p:cNvSpPr>
+            <a:spLocks noGrp="1"/>
+          </p:cNvSpPr>
+          <p:nvPr>
+            <p:ph type="sldNum" sz="quarter" idx="12"/>
+          </p:nvPr>
+        </p:nvSpPr>
+        <p:spPr/>
+        <p:txBody>
+          <a:bodyPr/>
+          <a:lstStyle/>
+          <a:p>
+            <a:fld id="{B6F15528-21DE-4FAA-801E-634DDDAF4B2B}" type="slidenum">
+              <a:rPr lang="en-US" smtClean="0"/>
+              <a:pPr/>
+              <a:t>13</a:t>
+            </a:fld>
+            <a:endParaRPr lang="en-US"/>
+          </a:p>
+        </p:txBody>
+      </p:sp>
+    </p:spTree>
+    <p:extLst>
+      <p:ext uri="{BB962C8B-B14F-4D97-AF65-F5344CB8AC3E}">
+        <p14:creationId xmlns:p14="http://schemas.microsoft.com/office/powerpoint/2010/main" val="227156003"/>
+      </p:ext>
+    </p:extLst>
+  </p:cSld>
+  <p:clrMapOvr>
+    <a:masterClrMapping/>
+  </p:clrMapOvr>
+</p:sld>
+</file>
+
+<file path=ppt/slides/slide14.xml><?xml version="1.0" encoding="utf-8"?>
+<p:sld xmlns:a="http://schemas.openxmlformats.org/drawingml/2006/main" xmlns:r="http://schemas.openxmlformats.org/officeDocument/2006/relationships" xmlns:p="http://schemas.openxmlformats.org/presentationml/2006/main">
+  <p:cSld>
+    <p:spTree>
+      <p:nvGrpSpPr>
+        <p:cNvPr id="1" name=""/>
+        <p:cNvGrpSpPr/>
+        <p:nvPr/>
+      </p:nvGrpSpPr>
+      <p:grpSpPr>
+        <a:xfrm>
+          <a:off x="0" y="0"/>
+          <a:ext cx="0" cy="0"/>
+          <a:chOff x="0" y="0"/>
+          <a:chExt cx="0" cy="0"/>
+        </a:xfrm>
+      </p:grpSpPr>
+      <p:sp>
+        <p:nvSpPr>
+          <p:cNvPr id="2" name="Title 1"/>
+          <p:cNvSpPr>
+            <a:spLocks noGrp="1"/>
+          </p:cNvSpPr>
+          <p:nvPr>
+            <p:ph type="title"/>
+          </p:nvPr>
+        </p:nvSpPr>
+        <p:spPr/>
+        <p:txBody>
+          <a:bodyPr/>
+          <a:lstStyle/>
+          <a:p>
+            <a:r>
+              <a:rPr lang="en-IE" dirty="0" smtClean="0"/>
+              <a:t>System Details</a:t>
+            </a:r>
+            <a:endParaRPr lang="en-IE" dirty="0"/>
+          </a:p>
+        </p:txBody>
+      </p:sp>
+      <p:sp>
+        <p:nvSpPr>
+          <p:cNvPr id="3" name="Content Placeholder 2"/>
+          <p:cNvSpPr>
+            <a:spLocks noGrp="1"/>
+          </p:cNvSpPr>
+          <p:nvPr>
+            <p:ph idx="1"/>
+          </p:nvPr>
+        </p:nvSpPr>
+        <p:spPr/>
+        <p:txBody>
+          <a:bodyPr/>
+          <a:lstStyle/>
+          <a:p>
+            <a:pPr lvl="1">
+              <a:buFont typeface="Arial" panose="020B0604020202020204" pitchFamily="34" charset="0"/>
+              <a:buChar char="•"/>
+            </a:pPr>
+            <a:r>
+              <a:rPr lang="en-IE" sz="3200" dirty="0" smtClean="0"/>
+              <a:t>My </a:t>
+            </a:r>
+            <a:r>
+              <a:rPr lang="en-IE" sz="3200" dirty="0"/>
+              <a:t>Local Machine </a:t>
+            </a:r>
+            <a:r>
+              <a:rPr lang="en-IE" sz="3200" dirty="0" smtClean="0"/>
+              <a:t>(Sandy Bridge 32nm, </a:t>
+            </a:r>
+            <a:r>
+              <a:rPr lang="en-IE" sz="3200" dirty="0"/>
+              <a:t>4 Cores @ 3.30GHz)</a:t>
+            </a:r>
+          </a:p>
+          <a:p>
+            <a:pPr lvl="1">
+              <a:buFont typeface="Arial" panose="020B0604020202020204" pitchFamily="34" charset="0"/>
+              <a:buChar char="•"/>
+            </a:pPr>
+            <a:r>
+              <a:rPr lang="en-IE" sz="3200" dirty="0"/>
+              <a:t>Stoker </a:t>
+            </a:r>
+            <a:r>
+              <a:rPr lang="en-IE" sz="3200" dirty="0" smtClean="0"/>
+              <a:t>(</a:t>
+            </a:r>
+            <a:r>
+              <a:rPr lang="en-IE" sz="3200" dirty="0" smtClean="0"/>
+              <a:t>Ivy Bridge EX 22nm</a:t>
+            </a:r>
+            <a:r>
+              <a:rPr lang="en-IE" sz="3200" dirty="0" smtClean="0"/>
+              <a:t>, </a:t>
+            </a:r>
+            <a:r>
+              <a:rPr lang="en-IE" sz="3200" dirty="0"/>
+              <a:t>32 Cores @ 2.00GHz)</a:t>
+            </a:r>
+          </a:p>
+          <a:p>
+            <a:pPr lvl="1">
+              <a:buFont typeface="Arial" panose="020B0604020202020204" pitchFamily="34" charset="0"/>
+              <a:buChar char="•"/>
+            </a:pPr>
+            <a:r>
+              <a:rPr lang="en-IE" sz="3200" dirty="0"/>
+              <a:t>Cube </a:t>
+            </a:r>
+            <a:r>
+              <a:rPr lang="en-IE" sz="3200" dirty="0" smtClean="0"/>
+              <a:t>(</a:t>
+            </a:r>
+            <a:r>
+              <a:rPr lang="en-IE" sz="3200" dirty="0" err="1" smtClean="0"/>
+              <a:t>Gainestown</a:t>
+            </a:r>
+            <a:r>
+              <a:rPr lang="en-IE" sz="3200" dirty="0" smtClean="0"/>
+              <a:t> 45nm, </a:t>
+            </a:r>
+            <a:r>
+              <a:rPr lang="en-IE" sz="3200" dirty="0"/>
+              <a:t>16 Cores @ 2.27 GHz)</a:t>
+            </a:r>
+          </a:p>
+          <a:p>
+            <a:pPr marL="0" indent="0">
+              <a:buNone/>
+            </a:pPr>
+            <a:endParaRPr lang="en-IE" dirty="0"/>
+          </a:p>
+        </p:txBody>
+      </p:sp>
+      <p:sp>
+        <p:nvSpPr>
+          <p:cNvPr id="4" name="Slide Number Placeholder 3"/>
+          <p:cNvSpPr>
+            <a:spLocks noGrp="1"/>
+          </p:cNvSpPr>
+          <p:nvPr>
+            <p:ph type="sldNum" sz="quarter" idx="12"/>
+          </p:nvPr>
+        </p:nvSpPr>
+        <p:spPr/>
+        <p:txBody>
+          <a:bodyPr/>
+          <a:lstStyle/>
+          <a:p>
+            <a:fld id="{B6F15528-21DE-4FAA-801E-634DDDAF4B2B}" type="slidenum">
+              <a:rPr lang="en-US" smtClean="0"/>
+              <a:pPr/>
+              <a:t>14</a:t>
+            </a:fld>
+            <a:endParaRPr lang="en-US"/>
+          </a:p>
+        </p:txBody>
+      </p:sp>
+    </p:spTree>
+    <p:extLst>
+      <p:ext uri="{BB962C8B-B14F-4D97-AF65-F5344CB8AC3E}">
+        <p14:creationId xmlns:p14="http://schemas.microsoft.com/office/powerpoint/2010/main" val="3586616813"/>
+      </p:ext>
+    </p:extLst>
+  </p:cSld>
+  <p:clrMapOvr>
+    <a:masterClrMapping/>
+  </p:clrMapOvr>
+</p:sld>
+</file>
+
+<file path=ppt/slides/slide15.xml><?xml version="1.0" encoding="utf-8"?>
+<p:sld xmlns:a="http://schemas.openxmlformats.org/drawingml/2006/main" xmlns:r="http://schemas.openxmlformats.org/officeDocument/2006/relationships" xmlns:p="http://schemas.openxmlformats.org/presentationml/2006/main">
+  <p:cSld>
+    <p:spTree>
+      <p:nvGrpSpPr>
+        <p:cNvPr id="1" name=""/>
+        <p:cNvGrpSpPr/>
+        <p:nvPr/>
+      </p:nvGrpSpPr>
+      <p:grpSpPr>
+        <a:xfrm>
+          <a:off x="0" y="0"/>
+          <a:ext cx="0" cy="0"/>
+          <a:chOff x="0" y="0"/>
+          <a:chExt cx="0" cy="0"/>
+        </a:xfrm>
+      </p:grpSpPr>
+      <p:sp>
+        <p:nvSpPr>
+          <p:cNvPr id="2" name="Title 1"/>
+          <p:cNvSpPr>
+            <a:spLocks noGrp="1"/>
+          </p:cNvSpPr>
+          <p:nvPr>
+            <p:ph type="title"/>
+          </p:nvPr>
+        </p:nvSpPr>
+        <p:spPr/>
+        <p:txBody>
+          <a:bodyPr/>
+          <a:lstStyle/>
+          <a:p>
+            <a:r>
+              <a:rPr lang="en-IE" dirty="0" smtClean="0"/>
+              <a:t>Evaluation</a:t>
+            </a:r>
+            <a:endParaRPr lang="en-IE" dirty="0"/>
+          </a:p>
+        </p:txBody>
+      </p:sp>
+      <p:sp>
+        <p:nvSpPr>
+          <p:cNvPr id="3" name="Content Placeholder 2"/>
+          <p:cNvSpPr>
+            <a:spLocks noGrp="1"/>
+          </p:cNvSpPr>
+          <p:nvPr>
+            <p:ph idx="1"/>
+          </p:nvPr>
+        </p:nvSpPr>
+        <p:spPr/>
+        <p:txBody>
+          <a:bodyPr>
+            <a:normAutofit/>
+          </a:bodyPr>
+          <a:lstStyle/>
+          <a:p>
+            <a:r>
+              <a:rPr lang="en-IE" dirty="0" smtClean="0"/>
+              <a:t>Compared Data Structure Variations</a:t>
+            </a:r>
+          </a:p>
+          <a:p>
+            <a:pPr lvl="1"/>
+            <a:r>
+              <a:rPr lang="en-IE" dirty="0" smtClean="0"/>
+              <a:t>Thread Count 1-128</a:t>
+            </a:r>
+          </a:p>
+          <a:p>
+            <a:pPr lvl="1"/>
+            <a:r>
+              <a:rPr lang="en-IE" dirty="0" smtClean="0"/>
+              <a:t>Varied list, buffer and table sizes</a:t>
+            </a:r>
+          </a:p>
+          <a:p>
+            <a:pPr lvl="1"/>
+            <a:r>
+              <a:rPr lang="en-IE" dirty="0" smtClean="0"/>
+              <a:t>Locked vs Lockless</a:t>
+            </a:r>
+            <a:endParaRPr lang="en-IE" dirty="0" smtClean="0"/>
+          </a:p>
+          <a:p>
+            <a:r>
+              <a:rPr lang="en-IE" dirty="0" smtClean="0"/>
+              <a:t>Used </a:t>
+            </a:r>
+            <a:r>
+              <a:rPr lang="en-IE" dirty="0" smtClean="0"/>
+              <a:t>Hardware Performance </a:t>
+            </a:r>
+            <a:r>
+              <a:rPr lang="en-IE" dirty="0" smtClean="0"/>
+              <a:t>Counters</a:t>
+            </a:r>
+          </a:p>
+          <a:p>
+            <a:pPr lvl="1"/>
+            <a:r>
+              <a:rPr lang="en-IE" dirty="0"/>
+              <a:t>S</a:t>
+            </a:r>
+            <a:r>
+              <a:rPr lang="en-IE" dirty="0" smtClean="0"/>
+              <a:t>pecial registers</a:t>
+            </a:r>
+          </a:p>
+          <a:p>
+            <a:pPr lvl="1"/>
+            <a:r>
+              <a:rPr lang="en-IE" dirty="0"/>
+              <a:t>P</a:t>
+            </a:r>
+            <a:r>
+              <a:rPr lang="en-IE" dirty="0" smtClean="0"/>
+              <a:t>erformance analysis</a:t>
+            </a:r>
+          </a:p>
+          <a:p>
+            <a:pPr lvl="1"/>
+            <a:r>
+              <a:rPr lang="en-IE" dirty="0" smtClean="0"/>
+              <a:t>R</a:t>
+            </a:r>
+            <a:r>
+              <a:rPr lang="en-IE" dirty="0" smtClean="0"/>
+              <a:t>ecord </a:t>
+            </a:r>
+            <a:r>
+              <a:rPr lang="en-IE" dirty="0" smtClean="0"/>
+              <a:t>cache misses, </a:t>
+            </a:r>
+            <a:r>
+              <a:rPr lang="en-IE" dirty="0" err="1" smtClean="0"/>
+              <a:t>cpu</a:t>
+            </a:r>
+            <a:r>
+              <a:rPr lang="en-IE" dirty="0" smtClean="0"/>
+              <a:t> cycles etc…</a:t>
+            </a:r>
+            <a:endParaRPr lang="en-IE" dirty="0"/>
+          </a:p>
+        </p:txBody>
+      </p:sp>
+      <p:sp>
+        <p:nvSpPr>
+          <p:cNvPr id="4" name="Slide Number Placeholder 3"/>
+          <p:cNvSpPr>
+            <a:spLocks noGrp="1"/>
+          </p:cNvSpPr>
+          <p:nvPr>
+            <p:ph type="sldNum" sz="quarter" idx="12"/>
+          </p:nvPr>
+        </p:nvSpPr>
+        <p:spPr/>
+        <p:txBody>
+          <a:bodyPr/>
+          <a:lstStyle/>
+          <a:p>
+            <a:fld id="{B6F15528-21DE-4FAA-801E-634DDDAF4B2B}" type="slidenum">
+              <a:rPr lang="en-US" smtClean="0"/>
+              <a:pPr/>
+              <a:t>15</a:t>
+            </a:fld>
+            <a:endParaRPr lang="en-US"/>
+          </a:p>
+        </p:txBody>
+      </p:sp>
+    </p:spTree>
+    <p:extLst>
+      <p:ext uri="{BB962C8B-B14F-4D97-AF65-F5344CB8AC3E}">
+        <p14:creationId xmlns:p14="http://schemas.microsoft.com/office/powerpoint/2010/main" val="792295864"/>
+      </p:ext>
+    </p:extLst>
+  </p:cSld>
+  <p:clrMapOvr>
+    <a:masterClrMapping/>
+  </p:clrMapOvr>
+  <p:timing>
+    <p:tnLst>
+      <p:par>
+        <p:cTn id="1" dur="indefinite" restart="never" nodeType="tmRoot"/>
+      </p:par>
+    </p:tnLst>
+  </p:timing>
+</p:sld>
+</file>
+
+<file path=ppt/slides/slide16.xml><?xml version="1.0" encoding="utf-8"?>
+<p:sld xmlns:a="http://schemas.openxmlformats.org/drawingml/2006/main" xmlns:r="http://schemas.openxmlformats.org/officeDocument/2006/relationships" xmlns:p="http://schemas.openxmlformats.org/presentationml/2006/main">
+  <p:cSld>
+    <p:spTree>
+      <p:nvGrpSpPr>
+        <p:cNvPr id="1" name=""/>
+        <p:cNvGrpSpPr/>
+        <p:nvPr/>
+      </p:nvGrpSpPr>
+      <p:grpSpPr>
+        <a:xfrm>
+          <a:off x="0" y="0"/>
+          <a:ext cx="0" cy="0"/>
+          <a:chOff x="0" y="0"/>
+          <a:chExt cx="0" cy="0"/>
+        </a:xfrm>
+      </p:grpSpPr>
+      <p:sp>
+        <p:nvSpPr>
+          <p:cNvPr id="2" name="Title 1"/>
+          <p:cNvSpPr>
+            <a:spLocks noGrp="1"/>
+          </p:cNvSpPr>
+          <p:nvPr>
+            <p:ph type="title"/>
+          </p:nvPr>
+        </p:nvSpPr>
+        <p:spPr/>
+        <p:txBody>
+          <a:bodyPr/>
+          <a:lstStyle/>
+          <a:p>
+            <a:r>
+              <a:rPr lang="en-IE" dirty="0"/>
+              <a:t>Results &amp; Analysis</a:t>
+            </a:r>
+          </a:p>
+        </p:txBody>
+      </p:sp>
+      <p:graphicFrame>
+        <p:nvGraphicFramePr>
+          <p:cNvPr id="5" name="Content Placeholder 4"/>
+          <p:cNvGraphicFramePr>
+            <a:graphicFrameLocks noGrp="1"/>
+          </p:cNvGraphicFramePr>
+          <p:nvPr>
+            <p:ph idx="1"/>
+            <p:extLst>
+              <p:ext uri="{D42A27DB-BD31-4B8C-83A1-F6EECF244321}">
+                <p14:modId xmlns:p14="http://schemas.microsoft.com/office/powerpoint/2010/main" val="4163705258"/>
+              </p:ext>
+            </p:extLst>
+          </p:nvPr>
+        </p:nvGraphicFramePr>
+        <p:xfrm>
+          <a:off x="457200" y="1600200"/>
+          <a:ext cx="8229600" cy="4525963"/>
+        </p:xfrm>
+        <a:graphic>
+          <a:graphicData uri="http://schemas.openxmlformats.org/drawingml/2006/chart">
+            <c:chart xmlns:c="http://schemas.openxmlformats.org/drawingml/2006/chart" xmlns:r="http://schemas.openxmlformats.org/officeDocument/2006/relationships" r:id="rId2"/>
+          </a:graphicData>
+        </a:graphic>
+      </p:graphicFrame>
+      <p:sp>
+        <p:nvSpPr>
+          <p:cNvPr id="6" name="Slide Number Placeholder 5"/>
+          <p:cNvSpPr>
+            <a:spLocks noGrp="1"/>
+          </p:cNvSpPr>
+          <p:nvPr>
+            <p:ph type="sldNum" sz="quarter" idx="12"/>
+          </p:nvPr>
+        </p:nvSpPr>
+        <p:spPr/>
+        <p:txBody>
+          <a:bodyPr/>
+          <a:lstStyle/>
+          <a:p>
+            <a:fld id="{B6F15528-21DE-4FAA-801E-634DDDAF4B2B}" type="slidenum">
+              <a:rPr lang="en-US" smtClean="0"/>
+              <a:pPr/>
+              <a:t>16</a:t>
+            </a:fld>
+            <a:endParaRPr lang="en-US"/>
+          </a:p>
+        </p:txBody>
+      </p:sp>
+    </p:spTree>
+    <p:extLst>
+      <p:ext uri="{BB962C8B-B14F-4D97-AF65-F5344CB8AC3E}">
+        <p14:creationId xmlns:p14="http://schemas.microsoft.com/office/powerpoint/2010/main" val="1082891656"/>
+      </p:ext>
+    </p:extLst>
+  </p:cSld>
+  <p:clrMapOvr>
+    <a:masterClrMapping/>
+  </p:clrMapOvr>
+</p:sld>
+</file>
+
+<file path=ppt/slides/slide17.xml><?xml version="1.0" encoding="utf-8"?>
+<p:sld xmlns:a="http://schemas.openxmlformats.org/drawingml/2006/main" xmlns:r="http://schemas.openxmlformats.org/officeDocument/2006/relationships" xmlns:p="http://schemas.openxmlformats.org/presentationml/2006/main">
+  <p:cSld>
+    <p:spTree>
+      <p:nvGrpSpPr>
+        <p:cNvPr id="1" name=""/>
+        <p:cNvGrpSpPr/>
+        <p:nvPr/>
+      </p:nvGrpSpPr>
+      <p:grpSpPr>
+        <a:xfrm>
+          <a:off x="0" y="0"/>
+          <a:ext cx="0" cy="0"/>
+          <a:chOff x="0" y="0"/>
+          <a:chExt cx="0" cy="0"/>
+        </a:xfrm>
+      </p:grpSpPr>
+      <p:sp>
+        <p:nvSpPr>
+          <p:cNvPr id="2" name="Title 1"/>
+          <p:cNvSpPr>
+            <a:spLocks noGrp="1"/>
+          </p:cNvSpPr>
+          <p:nvPr>
+            <p:ph type="title"/>
+          </p:nvPr>
+        </p:nvSpPr>
+        <p:spPr/>
+        <p:txBody>
+          <a:bodyPr/>
+          <a:lstStyle/>
+          <a:p>
+            <a:r>
+              <a:rPr lang="en-IE" dirty="0"/>
+              <a:t>Results &amp; Analysis</a:t>
+            </a:r>
+          </a:p>
+        </p:txBody>
+      </p:sp>
+      <p:graphicFrame>
+        <p:nvGraphicFramePr>
+          <p:cNvPr id="5" name="Content Placeholder 4"/>
+          <p:cNvGraphicFramePr>
+            <a:graphicFrameLocks noGrp="1"/>
+          </p:cNvGraphicFramePr>
+          <p:nvPr>
+            <p:ph idx="1"/>
+          </p:nvPr>
+        </p:nvGraphicFramePr>
+        <p:xfrm>
+          <a:off x="457200" y="1600200"/>
+          <a:ext cx="8229600" cy="4525963"/>
+        </p:xfrm>
+        <a:graphic>
+          <a:graphicData uri="http://schemas.openxmlformats.org/drawingml/2006/chart">
+            <c:chart xmlns:c="http://schemas.openxmlformats.org/drawingml/2006/chart" xmlns:r="http://schemas.openxmlformats.org/officeDocument/2006/relationships" r:id="rId2"/>
+          </a:graphicData>
+        </a:graphic>
+      </p:graphicFrame>
+      <p:sp>
+        <p:nvSpPr>
+          <p:cNvPr id="6" name="Slide Number Placeholder 5"/>
+          <p:cNvSpPr>
+            <a:spLocks noGrp="1"/>
+          </p:cNvSpPr>
+          <p:nvPr>
+            <p:ph type="sldNum" sz="quarter" idx="12"/>
+          </p:nvPr>
+        </p:nvSpPr>
+        <p:spPr/>
+        <p:txBody>
+          <a:bodyPr/>
+          <a:lstStyle/>
+          <a:p>
+            <a:fld id="{B6F15528-21DE-4FAA-801E-634DDDAF4B2B}" type="slidenum">
+              <a:rPr lang="en-US" smtClean="0"/>
+              <a:pPr/>
+              <a:t>17</a:t>
+            </a:fld>
+            <a:endParaRPr lang="en-US"/>
+          </a:p>
+        </p:txBody>
+      </p:sp>
+    </p:spTree>
+    <p:extLst>
+      <p:ext uri="{BB962C8B-B14F-4D97-AF65-F5344CB8AC3E}">
+        <p14:creationId xmlns:p14="http://schemas.microsoft.com/office/powerpoint/2010/main" val="3893594049"/>
+      </p:ext>
+    </p:extLst>
+  </p:cSld>
+  <p:clrMapOvr>
+    <a:masterClrMapping/>
+  </p:clrMapOvr>
+</p:sld>
+</file>
+
+<file path=ppt/slides/slide18.xml><?xml version="1.0" encoding="utf-8"?>
+<p:sld xmlns:a="http://schemas.openxmlformats.org/drawingml/2006/main" xmlns:r="http://schemas.openxmlformats.org/officeDocument/2006/relationships" xmlns:p="http://schemas.openxmlformats.org/presentationml/2006/main">
+  <p:cSld>
+    <p:spTree>
+      <p:nvGrpSpPr>
+        <p:cNvPr id="1" name=""/>
+        <p:cNvGrpSpPr/>
+        <p:nvPr/>
+      </p:nvGrpSpPr>
+      <p:grpSpPr>
+        <a:xfrm>
+          <a:off x="0" y="0"/>
+          <a:ext cx="0" cy="0"/>
+          <a:chOff x="0" y="0"/>
+          <a:chExt cx="0" cy="0"/>
+        </a:xfrm>
+      </p:grpSpPr>
+      <p:sp>
+        <p:nvSpPr>
+          <p:cNvPr id="2" name="Title 1"/>
+          <p:cNvSpPr>
+            <a:spLocks noGrp="1"/>
+          </p:cNvSpPr>
+          <p:nvPr>
+            <p:ph type="title"/>
+          </p:nvPr>
+        </p:nvSpPr>
+        <p:spPr/>
+        <p:txBody>
+          <a:bodyPr/>
+          <a:lstStyle/>
+          <a:p>
+            <a:r>
+              <a:rPr lang="en-IE" dirty="0"/>
+              <a:t>Results &amp; Analysis</a:t>
+            </a:r>
+          </a:p>
+        </p:txBody>
+      </p:sp>
+      <p:graphicFrame>
+        <p:nvGraphicFramePr>
+          <p:cNvPr id="5" name="Content Placeholder 4"/>
+          <p:cNvGraphicFramePr>
+            <a:graphicFrameLocks noGrp="1"/>
+          </p:cNvGraphicFramePr>
+          <p:nvPr>
+            <p:ph idx="1"/>
+          </p:nvPr>
+        </p:nvGraphicFramePr>
+        <p:xfrm>
+          <a:off x="457200" y="1600200"/>
+          <a:ext cx="8229600" cy="4525963"/>
+        </p:xfrm>
+        <a:graphic>
+          <a:graphicData uri="http://schemas.openxmlformats.org/drawingml/2006/chart">
+            <c:chart xmlns:c="http://schemas.openxmlformats.org/drawingml/2006/chart" xmlns:r="http://schemas.openxmlformats.org/officeDocument/2006/relationships" r:id="rId2"/>
+          </a:graphicData>
+        </a:graphic>
+      </p:graphicFrame>
+      <p:sp>
+        <p:nvSpPr>
+          <p:cNvPr id="6" name="Slide Number Placeholder 5"/>
+          <p:cNvSpPr>
+            <a:spLocks noGrp="1"/>
+          </p:cNvSpPr>
+          <p:nvPr>
+            <p:ph type="sldNum" sz="quarter" idx="12"/>
+          </p:nvPr>
+        </p:nvSpPr>
+        <p:spPr/>
+        <p:txBody>
+          <a:bodyPr/>
+          <a:lstStyle/>
+          <a:p>
+            <a:fld id="{B6F15528-21DE-4FAA-801E-634DDDAF4B2B}" type="slidenum">
+              <a:rPr lang="en-US" smtClean="0"/>
+              <a:pPr/>
+              <a:t>18</a:t>
+            </a:fld>
+            <a:endParaRPr lang="en-US"/>
+          </a:p>
+        </p:txBody>
+      </p:sp>
+    </p:spTree>
+    <p:extLst>
+      <p:ext uri="{BB962C8B-B14F-4D97-AF65-F5344CB8AC3E}">
+        <p14:creationId xmlns:p14="http://schemas.microsoft.com/office/powerpoint/2010/main" val="3751500213"/>
+      </p:ext>
+    </p:extLst>
+  </p:cSld>
+  <p:clrMapOvr>
+    <a:masterClrMapping/>
+  </p:clrMapOvr>
+</p:sld>
+</file>
+
+<file path=ppt/slides/slide19.xml><?xml version="1.0" encoding="utf-8"?>
+<p:sld xmlns:a="http://schemas.openxmlformats.org/drawingml/2006/main" xmlns:r="http://schemas.openxmlformats.org/officeDocument/2006/relationships" xmlns:p="http://schemas.openxmlformats.org/presentationml/2006/main">
+  <p:cSld>
+    <p:spTree>
+      <p:nvGrpSpPr>
+        <p:cNvPr id="1" name=""/>
+        <p:cNvGrpSpPr/>
+        <p:nvPr/>
+      </p:nvGrpSpPr>
+      <p:grpSpPr>
+        <a:xfrm>
+          <a:off x="0" y="0"/>
+          <a:ext cx="0" cy="0"/>
+          <a:chOff x="0" y="0"/>
+          <a:chExt cx="0" cy="0"/>
+        </a:xfrm>
+      </p:grpSpPr>
+      <p:sp>
+        <p:nvSpPr>
+          <p:cNvPr id="2" name="Title 1"/>
+          <p:cNvSpPr>
+            <a:spLocks noGrp="1"/>
+          </p:cNvSpPr>
+          <p:nvPr>
+            <p:ph type="title"/>
+          </p:nvPr>
+        </p:nvSpPr>
+        <p:spPr/>
+        <p:txBody>
+          <a:bodyPr>
+            <a:normAutofit/>
+          </a:bodyPr>
+          <a:lstStyle/>
+          <a:p>
+            <a:r>
+              <a:rPr lang="en-IE" dirty="0" smtClean="0"/>
+              <a:t>Results &amp; Analysis</a:t>
+            </a:r>
+            <a:endParaRPr lang="en-IE" dirty="0"/>
+          </a:p>
+        </p:txBody>
+      </p:sp>
+      <p:sp>
+        <p:nvSpPr>
+          <p:cNvPr id="3" name="Slide Number Placeholder 2"/>
+          <p:cNvSpPr>
+            <a:spLocks noGrp="1"/>
+          </p:cNvSpPr>
+          <p:nvPr>
+            <p:ph type="sldNum" sz="quarter" idx="12"/>
+          </p:nvPr>
+        </p:nvSpPr>
+        <p:spPr/>
+        <p:txBody>
+          <a:bodyPr/>
+          <a:lstStyle/>
+          <a:p>
+            <a:fld id="{B6F15528-21DE-4FAA-801E-634DDDAF4B2B}" type="slidenum">
+              <a:rPr lang="en-US" smtClean="0"/>
+              <a:pPr/>
+              <a:t>19</a:t>
+            </a:fld>
+            <a:endParaRPr lang="en-US"/>
+          </a:p>
+        </p:txBody>
+      </p:sp>
+      <p:graphicFrame>
+        <p:nvGraphicFramePr>
+          <p:cNvPr id="6" name="Content Placeholder 5"/>
+          <p:cNvGraphicFramePr>
+            <a:graphicFrameLocks noGrp="1"/>
+          </p:cNvGraphicFramePr>
+          <p:nvPr>
+            <p:ph idx="1"/>
+          </p:nvPr>
+        </p:nvGraphicFramePr>
+        <p:xfrm>
+          <a:off x="457200" y="1600200"/>
+          <a:ext cx="8229600" cy="4525963"/>
+        </p:xfrm>
+        <a:graphic>
+          <a:graphicData uri="http://schemas.openxmlformats.org/drawingml/2006/chart">
+            <c:chart xmlns:c="http://schemas.openxmlformats.org/drawingml/2006/chart" xmlns:r="http://schemas.openxmlformats.org/officeDocument/2006/relationships" r:id="rId2"/>
+          </a:graphicData>
+        </a:graphic>
+      </p:graphicFrame>
+    </p:spTree>
+    <p:extLst>
+      <p:ext uri="{BB962C8B-B14F-4D97-AF65-F5344CB8AC3E}">
+        <p14:creationId xmlns:p14="http://schemas.microsoft.com/office/powerpoint/2010/main" val="2890730007"/>
+      </p:ext>
+    </p:extLst>
+  </p:cSld>
+  <p:clrMapOvr>
+    <a:masterClrMapping/>
+  </p:clrMapOvr>
+</p:sld>
+</file>
+
+<file path=ppt/slides/slide2.xml><?xml version="1.0" encoding="utf-8"?>
+<p:sld xmlns:a="http://schemas.openxmlformats.org/drawingml/2006/main" xmlns:r="http://schemas.openxmlformats.org/officeDocument/2006/relationships" xmlns:p="http://schemas.openxmlformats.org/presentationml/2006/main">
+  <p:cSld>
+    <p:spTree>
+      <p:nvGrpSpPr>
+        <p:cNvPr id="1" name=""/>
+        <p:cNvGrpSpPr/>
+        <p:nvPr/>
+      </p:nvGrpSpPr>
+      <p:grpSpPr>
+        <a:xfrm>
+          <a:off x="0" y="0"/>
+          <a:ext cx="0" cy="0"/>
+          <a:chOff x="0" y="0"/>
+          <a:chExt cx="0" cy="0"/>
+        </a:xfrm>
+      </p:grpSpPr>
+      <p:sp>
+        <p:nvSpPr>
+          <p:cNvPr id="2" name="Title 1"/>
+          <p:cNvSpPr>
+            <a:spLocks noGrp="1"/>
+          </p:cNvSpPr>
+          <p:nvPr>
+            <p:ph type="title"/>
+          </p:nvPr>
+        </p:nvSpPr>
+        <p:spPr/>
+        <p:txBody>
+          <a:bodyPr/>
+          <a:lstStyle/>
+          <a:p>
+            <a:r>
+              <a:rPr lang="en-IE" dirty="0" smtClean="0"/>
+              <a:t>What is the Problem?</a:t>
+            </a:r>
+            <a:endParaRPr lang="en-IE" dirty="0"/>
+          </a:p>
+        </p:txBody>
+      </p:sp>
+      <p:sp>
+        <p:nvSpPr>
+          <p:cNvPr id="3" name="Content Placeholder 2"/>
+          <p:cNvSpPr>
+            <a:spLocks noGrp="1"/>
+          </p:cNvSpPr>
+          <p:nvPr>
+            <p:ph idx="1"/>
+          </p:nvPr>
+        </p:nvSpPr>
+        <p:spPr/>
+        <p:txBody>
+          <a:bodyPr/>
+          <a:lstStyle/>
+          <a:p>
+            <a:r>
+              <a:rPr lang="en-IE" dirty="0" smtClean="0"/>
+              <a:t>Concurrent Data </a:t>
+            </a:r>
+            <a:r>
+              <a:rPr lang="en-IE" dirty="0" smtClean="0"/>
+              <a:t>Structure</a:t>
+            </a:r>
+          </a:p>
+          <a:p>
+            <a:pPr lvl="1"/>
+            <a:r>
+              <a:rPr lang="en-IE" dirty="0" smtClean="0"/>
+              <a:t>Designed </a:t>
+            </a:r>
+            <a:r>
+              <a:rPr lang="en-IE" dirty="0" smtClean="0"/>
+              <a:t>for access by multiple threads</a:t>
+            </a:r>
+          </a:p>
+          <a:p>
+            <a:r>
+              <a:rPr lang="en-IE" dirty="0" smtClean="0"/>
+              <a:t>Plenty of work done on how to implement concurrent data structures</a:t>
+            </a:r>
+          </a:p>
+          <a:p>
+            <a:r>
+              <a:rPr lang="en-IE" dirty="0" smtClean="0"/>
+              <a:t>Not much data on comparing the different types of concurrent data structure</a:t>
+            </a:r>
+          </a:p>
+        </p:txBody>
+      </p:sp>
+      <p:sp>
+        <p:nvSpPr>
+          <p:cNvPr id="4" name="Slide Number Placeholder 3"/>
+          <p:cNvSpPr>
+            <a:spLocks noGrp="1"/>
+          </p:cNvSpPr>
+          <p:nvPr>
+            <p:ph type="sldNum" sz="quarter" idx="12"/>
+          </p:nvPr>
+        </p:nvSpPr>
+        <p:spPr/>
+        <p:txBody>
+          <a:bodyPr/>
+          <a:lstStyle/>
+          <a:p>
+            <a:fld id="{B6F15528-21DE-4FAA-801E-634DDDAF4B2B}" type="slidenum">
+              <a:rPr lang="en-US" smtClean="0"/>
+              <a:pPr/>
+              <a:t>2</a:t>
+            </a:fld>
+            <a:endParaRPr lang="en-US" dirty="0"/>
+          </a:p>
+        </p:txBody>
+      </p:sp>
+    </p:spTree>
+    <p:extLst>
+      <p:ext uri="{BB962C8B-B14F-4D97-AF65-F5344CB8AC3E}">
+        <p14:creationId xmlns:p14="http://schemas.microsoft.com/office/powerpoint/2010/main" val="740457692"/>
+      </p:ext>
+    </p:extLst>
+  </p:cSld>
+  <p:clrMapOvr>
+    <a:masterClrMapping/>
+  </p:clrMapOvr>
+</p:sld>
+</file>
+
+<file path=ppt/slides/slide20.xml><?xml version="1.0" encoding="utf-8"?>
+<p:sld xmlns:a="http://schemas.openxmlformats.org/drawingml/2006/main" xmlns:r="http://schemas.openxmlformats.org/officeDocument/2006/relationships" xmlns:p="http://schemas.openxmlformats.org/presentationml/2006/main">
+  <p:cSld>
+    <p:spTree>
+      <p:nvGrpSpPr>
+        <p:cNvPr id="1" name=""/>
+        <p:cNvGrpSpPr/>
+        <p:nvPr/>
+      </p:nvGrpSpPr>
+      <p:grpSpPr>
+        <a:xfrm>
+          <a:off x="0" y="0"/>
+          <a:ext cx="0" cy="0"/>
+          <a:chOff x="0" y="0"/>
+          <a:chExt cx="0" cy="0"/>
+        </a:xfrm>
+      </p:grpSpPr>
+      <p:sp>
+        <p:nvSpPr>
+          <p:cNvPr id="2" name="Title 1"/>
+          <p:cNvSpPr>
+            <a:spLocks noGrp="1"/>
+          </p:cNvSpPr>
+          <p:nvPr>
+            <p:ph type="title"/>
+          </p:nvPr>
+        </p:nvSpPr>
+        <p:spPr/>
+        <p:txBody>
+          <a:bodyPr/>
+          <a:lstStyle/>
+          <a:p>
+            <a:r>
+              <a:rPr lang="en-IE" dirty="0"/>
+              <a:t>Results &amp; Analysis</a:t>
+            </a:r>
+          </a:p>
+        </p:txBody>
+      </p:sp>
+      <p:sp>
+        <p:nvSpPr>
+          <p:cNvPr id="4" name="Slide Number Placeholder 3"/>
+          <p:cNvSpPr>
+            <a:spLocks noGrp="1"/>
+          </p:cNvSpPr>
+          <p:nvPr>
+            <p:ph type="sldNum" sz="quarter" idx="12"/>
+          </p:nvPr>
+        </p:nvSpPr>
+        <p:spPr/>
+        <p:txBody>
+          <a:bodyPr/>
+          <a:lstStyle/>
+          <a:p>
+            <a:fld id="{B6F15528-21DE-4FAA-801E-634DDDAF4B2B}" type="slidenum">
+              <a:rPr lang="en-US" smtClean="0"/>
+              <a:pPr/>
+              <a:t>20</a:t>
+            </a:fld>
+            <a:endParaRPr lang="en-US"/>
+          </a:p>
+        </p:txBody>
+      </p:sp>
+      <p:graphicFrame>
+        <p:nvGraphicFramePr>
+          <p:cNvPr id="5" name="Content Placeholder 4"/>
+          <p:cNvGraphicFramePr>
+            <a:graphicFrameLocks noGrp="1"/>
+          </p:cNvGraphicFramePr>
+          <p:nvPr>
+            <p:ph idx="1"/>
+          </p:nvPr>
+        </p:nvGraphicFramePr>
+        <p:xfrm>
+          <a:off x="457200" y="1600200"/>
+          <a:ext cx="8229600" cy="4525963"/>
+        </p:xfrm>
+        <a:graphic>
+          <a:graphicData uri="http://schemas.openxmlformats.org/drawingml/2006/chart">
+            <c:chart xmlns:c="http://schemas.openxmlformats.org/drawingml/2006/chart" xmlns:r="http://schemas.openxmlformats.org/officeDocument/2006/relationships" r:id="rId2"/>
+          </a:graphicData>
+        </a:graphic>
+      </p:graphicFrame>
+    </p:spTree>
+    <p:extLst>
+      <p:ext uri="{BB962C8B-B14F-4D97-AF65-F5344CB8AC3E}">
+        <p14:creationId xmlns:p14="http://schemas.microsoft.com/office/powerpoint/2010/main" val="2686976860"/>
+      </p:ext>
+    </p:extLst>
+  </p:cSld>
+  <p:clrMapOvr>
+    <a:masterClrMapping/>
+  </p:clrMapOvr>
+</p:sld>
+</file>
+
+<file path=ppt/slides/slide21.xml><?xml version="1.0" encoding="utf-8"?>
+<p:sld xmlns:a="http://schemas.openxmlformats.org/drawingml/2006/main" xmlns:r="http://schemas.openxmlformats.org/officeDocument/2006/relationships" xmlns:p="http://schemas.openxmlformats.org/presentationml/2006/main">
+  <p:cSld>
+    <p:spTree>
+      <p:nvGrpSpPr>
+        <p:cNvPr id="1" name=""/>
+        <p:cNvGrpSpPr/>
+        <p:nvPr/>
+      </p:nvGrpSpPr>
+      <p:grpSpPr>
+        <a:xfrm>
+          <a:off x="0" y="0"/>
+          <a:ext cx="0" cy="0"/>
+          <a:chOff x="0" y="0"/>
+          <a:chExt cx="0" cy="0"/>
+        </a:xfrm>
+      </p:grpSpPr>
+      <p:sp>
+        <p:nvSpPr>
+          <p:cNvPr id="2" name="Title 1"/>
+          <p:cNvSpPr>
+            <a:spLocks noGrp="1"/>
+          </p:cNvSpPr>
+          <p:nvPr>
+            <p:ph type="title"/>
+          </p:nvPr>
+        </p:nvSpPr>
+        <p:spPr/>
+        <p:txBody>
+          <a:bodyPr/>
+          <a:lstStyle/>
+          <a:p>
+            <a:r>
+              <a:rPr lang="en-IE" dirty="0"/>
+              <a:t>Results &amp; Analysis</a:t>
+            </a:r>
+          </a:p>
+        </p:txBody>
+      </p:sp>
+      <p:sp>
+        <p:nvSpPr>
+          <p:cNvPr id="4" name="Slide Number Placeholder 3"/>
+          <p:cNvSpPr>
+            <a:spLocks noGrp="1"/>
+          </p:cNvSpPr>
+          <p:nvPr>
+            <p:ph type="sldNum" sz="quarter" idx="12"/>
+          </p:nvPr>
+        </p:nvSpPr>
+        <p:spPr/>
+        <p:txBody>
+          <a:bodyPr/>
+          <a:lstStyle/>
+          <a:p>
+            <a:fld id="{B6F15528-21DE-4FAA-801E-634DDDAF4B2B}" type="slidenum">
+              <a:rPr lang="en-US" smtClean="0"/>
+              <a:pPr/>
+              <a:t>21</a:t>
+            </a:fld>
+            <a:endParaRPr lang="en-US"/>
+          </a:p>
+        </p:txBody>
+      </p:sp>
+      <p:graphicFrame>
+        <p:nvGraphicFramePr>
+          <p:cNvPr id="5" name="Content Placeholder 4"/>
+          <p:cNvGraphicFramePr>
+            <a:graphicFrameLocks noGrp="1"/>
+          </p:cNvGraphicFramePr>
+          <p:nvPr>
+            <p:ph idx="1"/>
+          </p:nvPr>
+        </p:nvGraphicFramePr>
+        <p:xfrm>
+          <a:off x="457200" y="1600200"/>
+          <a:ext cx="8229600" cy="4525963"/>
+        </p:xfrm>
+        <a:graphic>
+          <a:graphicData uri="http://schemas.openxmlformats.org/drawingml/2006/chart">
+            <c:chart xmlns:c="http://schemas.openxmlformats.org/drawingml/2006/chart" xmlns:r="http://schemas.openxmlformats.org/officeDocument/2006/relationships" r:id="rId2"/>
+          </a:graphicData>
+        </a:graphic>
+      </p:graphicFrame>
+    </p:spTree>
+    <p:extLst>
+      <p:ext uri="{BB962C8B-B14F-4D97-AF65-F5344CB8AC3E}">
+        <p14:creationId xmlns:p14="http://schemas.microsoft.com/office/powerpoint/2010/main" val="2388643619"/>
+      </p:ext>
+    </p:extLst>
+  </p:cSld>
+  <p:clrMapOvr>
+    <a:masterClrMapping/>
+  </p:clrMapOvr>
+</p:sld>
+</file>
+
+<file path=ppt/slides/slide22.xml><?xml version="1.0" encoding="utf-8"?>
+<p:sld xmlns:a="http://schemas.openxmlformats.org/drawingml/2006/main" xmlns:r="http://schemas.openxmlformats.org/officeDocument/2006/relationships" xmlns:p="http://schemas.openxmlformats.org/presentationml/2006/main">
+  <p:cSld>
+    <p:spTree>
+      <p:nvGrpSpPr>
+        <p:cNvPr id="1" name=""/>
+        <p:cNvGrpSpPr/>
+        <p:nvPr/>
+      </p:nvGrpSpPr>
+      <p:grpSpPr>
+        <a:xfrm>
+          <a:off x="0" y="0"/>
+          <a:ext cx="0" cy="0"/>
+          <a:chOff x="0" y="0"/>
+          <a:chExt cx="0" cy="0"/>
+        </a:xfrm>
+      </p:grpSpPr>
+      <p:sp>
+        <p:nvSpPr>
+          <p:cNvPr id="2" name="Title 1"/>
+          <p:cNvSpPr>
+            <a:spLocks noGrp="1"/>
+          </p:cNvSpPr>
+          <p:nvPr>
+            <p:ph type="title"/>
+          </p:nvPr>
+        </p:nvSpPr>
+        <p:spPr/>
+        <p:txBody>
+          <a:bodyPr/>
+          <a:lstStyle/>
+          <a:p>
+            <a:r>
+              <a:rPr lang="en-IE" dirty="0" smtClean="0"/>
+              <a:t>Results &amp; Analysis</a:t>
+            </a:r>
+            <a:endParaRPr lang="en-IE" dirty="0"/>
+          </a:p>
+        </p:txBody>
+      </p:sp>
+      <p:sp>
+        <p:nvSpPr>
+          <p:cNvPr id="3" name="Content Placeholder 2"/>
+          <p:cNvSpPr>
+            <a:spLocks noGrp="1"/>
+          </p:cNvSpPr>
+          <p:nvPr>
+            <p:ph idx="1"/>
+          </p:nvPr>
+        </p:nvSpPr>
+        <p:spPr/>
+        <p:txBody>
+          <a:bodyPr/>
+          <a:lstStyle/>
+          <a:p>
+            <a:r>
+              <a:rPr lang="en-IE" dirty="0" smtClean="0"/>
+              <a:t>Sample of Hardware Performance Counter Data from previous </a:t>
+            </a:r>
+            <a:r>
+              <a:rPr lang="en-IE" dirty="0" smtClean="0"/>
+              <a:t>slide (Cube):</a:t>
+            </a:r>
+            <a:endParaRPr lang="en-IE" dirty="0" smtClean="0"/>
+          </a:p>
+          <a:p>
+            <a:pPr marL="0" indent="0">
+              <a:buNone/>
+            </a:pPr>
+            <a:endParaRPr lang="en-IE" dirty="0" smtClean="0"/>
+          </a:p>
+        </p:txBody>
+      </p:sp>
+      <p:graphicFrame>
+        <p:nvGraphicFramePr>
+          <p:cNvPr id="7" name="Table 6"/>
+          <p:cNvGraphicFramePr>
+            <a:graphicFrameLocks noGrp="1"/>
+          </p:cNvGraphicFramePr>
+          <p:nvPr>
+            <p:extLst>
+              <p:ext uri="{D42A27DB-BD31-4B8C-83A1-F6EECF244321}">
+                <p14:modId xmlns:p14="http://schemas.microsoft.com/office/powerpoint/2010/main" val="3858532357"/>
+              </p:ext>
+            </p:extLst>
+          </p:nvPr>
+        </p:nvGraphicFramePr>
+        <p:xfrm>
+          <a:off x="838200" y="2819400"/>
+          <a:ext cx="6096000" cy="2021840"/>
+        </p:xfrm>
+        <a:graphic>
+          <a:graphicData uri="http://schemas.openxmlformats.org/drawingml/2006/table">
+            <a:tbl>
+              <a:tblPr firstRow="1" bandRow="1">
+                <a:tableStyleId>{5C22544A-7EE6-4342-B048-85BDC9FD1C3A}</a:tableStyleId>
+              </a:tblPr>
+              <a:tblGrid>
+                <a:gridCol w="2032000"/>
+                <a:gridCol w="2032000"/>
+                <a:gridCol w="2032000"/>
+              </a:tblGrid>
+              <a:tr h="370840">
+                <a:tc>
+                  <a:txBody>
+                    <a:bodyPr/>
+                    <a:lstStyle/>
+                    <a:p>
+                      <a:endParaRPr lang="en-IE" dirty="0"/>
+                    </a:p>
+                  </a:txBody>
+                  <a:tcPr/>
+                </a:tc>
+                <a:tc>
+                  <a:txBody>
+                    <a:bodyPr/>
+                    <a:lstStyle/>
+                    <a:p>
+                      <a:r>
+                        <a:rPr lang="en-IE" dirty="0" smtClean="0"/>
+                        <a:t>Cube 128</a:t>
+                      </a:r>
+                      <a:endParaRPr lang="en-IE" dirty="0"/>
+                    </a:p>
+                  </a:txBody>
+                  <a:tcPr/>
+                </a:tc>
+                <a:tc>
+                  <a:txBody>
+                    <a:bodyPr/>
+                    <a:lstStyle/>
+                    <a:p>
+                      <a:r>
+                        <a:rPr lang="en-IE" dirty="0" smtClean="0"/>
+                        <a:t>Cube Locked</a:t>
+                      </a:r>
+                      <a:endParaRPr lang="en-IE" dirty="0"/>
+                    </a:p>
+                  </a:txBody>
+                  <a:tcPr/>
+                </a:tc>
+              </a:tr>
+              <a:tr h="370840">
+                <a:tc>
+                  <a:txBody>
+                    <a:bodyPr/>
+                    <a:lstStyle/>
+                    <a:p>
+                      <a:r>
+                        <a:rPr lang="en-IE" dirty="0" smtClean="0"/>
+                        <a:t>Stalled</a:t>
+                      </a:r>
+                      <a:r>
+                        <a:rPr lang="en-IE" baseline="0" dirty="0" smtClean="0"/>
+                        <a:t> Front End Cycles</a:t>
+                      </a:r>
+                      <a:endParaRPr lang="en-IE" dirty="0"/>
+                    </a:p>
+                  </a:txBody>
+                  <a:tcPr/>
+                </a:tc>
+                <a:tc>
+                  <a:txBody>
+                    <a:bodyPr/>
+                    <a:lstStyle/>
+                    <a:p>
+                      <a:r>
+                        <a:rPr lang="en-IE" dirty="0" smtClean="0"/>
+                        <a:t>8,603,339,371</a:t>
+                      </a:r>
+                      <a:endParaRPr lang="en-IE" dirty="0"/>
+                    </a:p>
+                  </a:txBody>
+                  <a:tcPr/>
+                </a:tc>
+                <a:tc>
+                  <a:txBody>
+                    <a:bodyPr/>
+                    <a:lstStyle/>
+                    <a:p>
+                      <a:r>
+                        <a:rPr lang="en-IE" dirty="0" smtClean="0"/>
+                        <a:t>28,157,586,014</a:t>
+                      </a:r>
+                      <a:endParaRPr lang="en-IE" dirty="0"/>
+                    </a:p>
+                  </a:txBody>
+                  <a:tcPr/>
+                </a:tc>
+              </a:tr>
+              <a:tr h="370840">
+                <a:tc>
+                  <a:txBody>
+                    <a:bodyPr/>
+                    <a:lstStyle/>
+                    <a:p>
+                      <a:r>
+                        <a:rPr lang="en-IE" dirty="0" smtClean="0"/>
+                        <a:t>Stalled Back End Cycles</a:t>
+                      </a:r>
+                      <a:endParaRPr lang="en-IE" dirty="0"/>
+                    </a:p>
+                  </a:txBody>
+                  <a:tcPr/>
+                </a:tc>
+                <a:tc>
+                  <a:txBody>
+                    <a:bodyPr/>
+                    <a:lstStyle/>
+                    <a:p>
+                      <a:r>
+                        <a:rPr lang="en-IE" dirty="0" smtClean="0"/>
+                        <a:t>4,290,118,281</a:t>
+                      </a:r>
+                      <a:endParaRPr lang="en-IE" dirty="0"/>
+                    </a:p>
+                  </a:txBody>
+                  <a:tcPr/>
+                </a:tc>
+                <a:tc>
+                  <a:txBody>
+                    <a:bodyPr/>
+                    <a:lstStyle/>
+                    <a:p>
+                      <a:r>
+                        <a:rPr lang="en-IE" dirty="0" smtClean="0"/>
+                        <a:t>19,235,301,044</a:t>
+                      </a:r>
+                      <a:endParaRPr lang="en-IE" dirty="0"/>
+                    </a:p>
+                  </a:txBody>
+                  <a:tcPr/>
+                </a:tc>
+              </a:tr>
+              <a:tr h="370840">
+                <a:tc>
+                  <a:txBody>
+                    <a:bodyPr/>
+                    <a:lstStyle/>
+                    <a:p>
+                      <a:r>
+                        <a:rPr lang="en-IE" dirty="0" smtClean="0"/>
+                        <a:t>CPU</a:t>
+                      </a:r>
+                      <a:r>
+                        <a:rPr lang="en-IE" baseline="0" dirty="0" smtClean="0"/>
+                        <a:t> Cycles</a:t>
+                      </a:r>
+                      <a:endParaRPr lang="en-IE" dirty="0"/>
+                    </a:p>
+                  </a:txBody>
+                  <a:tcPr/>
+                </a:tc>
+                <a:tc>
+                  <a:txBody>
+                    <a:bodyPr/>
+                    <a:lstStyle/>
+                    <a:p>
+                      <a:r>
+                        <a:rPr lang="en-IE" dirty="0" smtClean="0"/>
+                        <a:t>16,644,060,219</a:t>
+                      </a:r>
+                      <a:endParaRPr lang="en-IE" dirty="0"/>
+                    </a:p>
+                  </a:txBody>
+                  <a:tcPr/>
+                </a:tc>
+                <a:tc>
+                  <a:txBody>
+                    <a:bodyPr/>
+                    <a:lstStyle/>
+                    <a:p>
+                      <a:r>
+                        <a:rPr lang="en-IE" dirty="0" smtClean="0"/>
+                        <a:t>37,007,949,115</a:t>
+                      </a:r>
+                      <a:endParaRPr lang="en-IE" dirty="0"/>
+                    </a:p>
+                  </a:txBody>
+                  <a:tcPr/>
+                </a:tc>
+              </a:tr>
+            </a:tbl>
+          </a:graphicData>
+        </a:graphic>
+      </p:graphicFrame>
+      <p:sp>
+        <p:nvSpPr>
+          <p:cNvPr id="4" name="Slide Number Placeholder 3"/>
+          <p:cNvSpPr>
+            <a:spLocks noGrp="1"/>
+          </p:cNvSpPr>
+          <p:nvPr>
+            <p:ph type="sldNum" sz="quarter" idx="12"/>
+          </p:nvPr>
+        </p:nvSpPr>
+        <p:spPr/>
+        <p:txBody>
+          <a:bodyPr/>
+          <a:lstStyle/>
+          <a:p>
+            <a:fld id="{B6F15528-21DE-4FAA-801E-634DDDAF4B2B}" type="slidenum">
+              <a:rPr lang="en-US" smtClean="0"/>
+              <a:pPr/>
+              <a:t>22</a:t>
+            </a:fld>
+            <a:endParaRPr lang="en-US"/>
+          </a:p>
+        </p:txBody>
+      </p:sp>
+    </p:spTree>
+    <p:extLst>
+      <p:ext uri="{BB962C8B-B14F-4D97-AF65-F5344CB8AC3E}">
+        <p14:creationId xmlns:p14="http://schemas.microsoft.com/office/powerpoint/2010/main" val="3264017573"/>
+      </p:ext>
+    </p:extLst>
+  </p:cSld>
+  <p:clrMapOvr>
+    <a:masterClrMapping/>
+  </p:clrMapOvr>
+</p:sld>
+</file>
+
+<file path=ppt/slides/slide23.xml><?xml version="1.0" encoding="utf-8"?>
+<p:sld xmlns:a="http://schemas.openxmlformats.org/drawingml/2006/main" xmlns:r="http://schemas.openxmlformats.org/officeDocument/2006/relationships" xmlns:p="http://schemas.openxmlformats.org/presentationml/2006/main">
+  <p:cSld>
+    <p:spTree>
+      <p:nvGrpSpPr>
+        <p:cNvPr id="1" name=""/>
+        <p:cNvGrpSpPr/>
+        <p:nvPr/>
+      </p:nvGrpSpPr>
+      <p:grpSpPr>
+        <a:xfrm>
+          <a:off x="0" y="0"/>
+          <a:ext cx="0" cy="0"/>
+          <a:chOff x="0" y="0"/>
+          <a:chExt cx="0" cy="0"/>
+        </a:xfrm>
+      </p:grpSpPr>
+      <p:sp>
+        <p:nvSpPr>
+          <p:cNvPr id="2" name="Title 1"/>
+          <p:cNvSpPr>
+            <a:spLocks noGrp="1"/>
+          </p:cNvSpPr>
+          <p:nvPr>
+            <p:ph type="title"/>
+          </p:nvPr>
+        </p:nvSpPr>
+        <p:spPr/>
+        <p:txBody>
+          <a:bodyPr/>
+          <a:lstStyle/>
+          <a:p>
+            <a:r>
+              <a:rPr lang="en-IE" dirty="0" smtClean="0"/>
+              <a:t>What have </a:t>
+            </a:r>
+            <a:r>
+              <a:rPr lang="en-IE" smtClean="0"/>
+              <a:t>I learned?</a:t>
+            </a:r>
+            <a:endParaRPr lang="en-IE"/>
+          </a:p>
+        </p:txBody>
+      </p:sp>
+      <p:sp>
+        <p:nvSpPr>
+          <p:cNvPr id="3" name="Content Placeholder 2"/>
+          <p:cNvSpPr>
+            <a:spLocks noGrp="1"/>
+          </p:cNvSpPr>
+          <p:nvPr>
+            <p:ph idx="1"/>
+          </p:nvPr>
+        </p:nvSpPr>
+        <p:spPr/>
+        <p:txBody>
+          <a:bodyPr/>
+          <a:lstStyle/>
+          <a:p>
+            <a:r>
+              <a:rPr lang="en-IE" dirty="0" smtClean="0"/>
+              <a:t>Lockless algorithms</a:t>
+            </a:r>
+          </a:p>
+          <a:p>
+            <a:pPr lvl="1"/>
+            <a:r>
+              <a:rPr lang="en-IE" dirty="0" smtClean="0"/>
+              <a:t>More Difficult to Design &amp; Implement</a:t>
+            </a:r>
+          </a:p>
+          <a:p>
+            <a:pPr lvl="1"/>
+            <a:r>
+              <a:rPr lang="en-IE" dirty="0" smtClean="0"/>
+              <a:t>Generally provides a performance boost when compared to locked algorithms</a:t>
+            </a:r>
+          </a:p>
+          <a:p>
+            <a:pPr lvl="1"/>
+            <a:r>
+              <a:rPr lang="en-IE" dirty="0" smtClean="0"/>
+              <a:t>There are always exceptions</a:t>
+            </a:r>
+            <a:endParaRPr lang="en-IE" dirty="0" smtClean="0"/>
+          </a:p>
+          <a:p>
+            <a:pPr marL="0" indent="0">
+              <a:buNone/>
+            </a:pPr>
+            <a:endParaRPr lang="en-IE" dirty="0" smtClean="0"/>
+          </a:p>
+          <a:p>
+            <a:endParaRPr lang="en-IE" dirty="0" smtClean="0"/>
+          </a:p>
+          <a:p>
+            <a:endParaRPr lang="en-IE" dirty="0"/>
+          </a:p>
+        </p:txBody>
+      </p:sp>
+      <p:sp>
+        <p:nvSpPr>
+          <p:cNvPr id="4" name="Slide Number Placeholder 3"/>
+          <p:cNvSpPr>
+            <a:spLocks noGrp="1"/>
+          </p:cNvSpPr>
+          <p:nvPr>
+            <p:ph type="sldNum" sz="quarter" idx="12"/>
+          </p:nvPr>
+        </p:nvSpPr>
+        <p:spPr/>
+        <p:txBody>
+          <a:bodyPr/>
+          <a:lstStyle/>
+          <a:p>
+            <a:fld id="{B6F15528-21DE-4FAA-801E-634DDDAF4B2B}" type="slidenum">
+              <a:rPr lang="en-US" smtClean="0"/>
+              <a:pPr/>
+              <a:t>23</a:t>
+            </a:fld>
+            <a:endParaRPr lang="en-US"/>
+          </a:p>
+        </p:txBody>
+      </p:sp>
+    </p:spTree>
+    <p:extLst>
+      <p:ext uri="{BB962C8B-B14F-4D97-AF65-F5344CB8AC3E}">
+        <p14:creationId xmlns:p14="http://schemas.microsoft.com/office/powerpoint/2010/main" val="1539224103"/>
+      </p:ext>
+    </p:extLst>
+  </p:cSld>
+  <p:clrMapOvr>
+    <a:masterClrMapping/>
+  </p:clrMapOvr>
+  <p:timing>
+    <p:tnLst>
+      <p:par>
+        <p:cTn id="1" dur="indefinite" restart="never" nodeType="tmRoot"/>
+      </p:par>
+    </p:tnLst>
+  </p:timing>
+</p:sld>
+</file>
+
+<file path=ppt/slides/slide24.xml><?xml version="1.0" encoding="utf-8"?>
+<p:sld xmlns:a="http://schemas.openxmlformats.org/drawingml/2006/main" xmlns:r="http://schemas.openxmlformats.org/officeDocument/2006/relationships" xmlns:p="http://schemas.openxmlformats.org/presentationml/2006/main">
+  <p:cSld>
+    <p:spTree>
+      <p:nvGrpSpPr>
+        <p:cNvPr id="1" name=""/>
+        <p:cNvGrpSpPr/>
+        <p:nvPr/>
+      </p:nvGrpSpPr>
+      <p:grpSpPr>
+        <a:xfrm>
+          <a:off x="0" y="0"/>
+          <a:ext cx="0" cy="0"/>
+          <a:chOff x="0" y="0"/>
+          <a:chExt cx="0" cy="0"/>
+        </a:xfrm>
+      </p:grpSpPr>
+      <p:sp>
+        <p:nvSpPr>
+          <p:cNvPr id="2" name="Title 1"/>
+          <p:cNvSpPr>
+            <a:spLocks noGrp="1"/>
+          </p:cNvSpPr>
+          <p:nvPr>
+            <p:ph type="title"/>
+          </p:nvPr>
+        </p:nvSpPr>
+        <p:spPr/>
+        <p:txBody>
+          <a:bodyPr/>
+          <a:lstStyle/>
+          <a:p>
+            <a:r>
+              <a:rPr lang="en-IE" dirty="0" smtClean="0"/>
+              <a:t>What have </a:t>
+            </a:r>
+            <a:r>
+              <a:rPr lang="en-IE" smtClean="0"/>
+              <a:t>I learned?</a:t>
+            </a:r>
+            <a:endParaRPr lang="en-IE"/>
+          </a:p>
+        </p:txBody>
+      </p:sp>
+      <p:sp>
+        <p:nvSpPr>
+          <p:cNvPr id="3" name="Content Placeholder 2"/>
+          <p:cNvSpPr>
+            <a:spLocks noGrp="1"/>
+          </p:cNvSpPr>
+          <p:nvPr>
+            <p:ph idx="1"/>
+          </p:nvPr>
+        </p:nvSpPr>
+        <p:spPr/>
+        <p:txBody>
+          <a:bodyPr>
+            <a:normAutofit/>
+          </a:bodyPr>
+          <a:lstStyle/>
+          <a:p>
+            <a:r>
+              <a:rPr lang="en-IE" dirty="0" smtClean="0"/>
+              <a:t>Ring Buffer</a:t>
+            </a:r>
+          </a:p>
+          <a:p>
+            <a:pPr lvl="1"/>
+            <a:r>
+              <a:rPr lang="en-IE" dirty="0" smtClean="0"/>
+              <a:t>Stoker performed well with the lockless algorithm</a:t>
+            </a:r>
+          </a:p>
+          <a:p>
+            <a:pPr lvl="1"/>
+            <a:r>
+              <a:rPr lang="en-IE" dirty="0" smtClean="0"/>
+              <a:t>Locked variations proved to be more effective for both Cube and my Local Machine</a:t>
+            </a:r>
+          </a:p>
+          <a:p>
+            <a:r>
+              <a:rPr lang="en-IE" dirty="0" smtClean="0"/>
+              <a:t>Linked List</a:t>
+            </a:r>
+          </a:p>
+          <a:p>
+            <a:pPr lvl="1"/>
+            <a:r>
+              <a:rPr lang="en-IE" dirty="0" smtClean="0"/>
+              <a:t>My Local Machine performed well </a:t>
+            </a:r>
+            <a:r>
+              <a:rPr lang="en-IE" dirty="0" err="1" smtClean="0"/>
+              <a:t>locklessly</a:t>
+            </a:r>
+            <a:endParaRPr lang="en-IE" dirty="0"/>
+          </a:p>
+          <a:p>
+            <a:pPr lvl="1"/>
+            <a:r>
+              <a:rPr lang="en-IE" dirty="0" smtClean="0"/>
+              <a:t>Outperformed every lock</a:t>
+            </a:r>
+          </a:p>
+          <a:p>
+            <a:r>
+              <a:rPr lang="en-IE" dirty="0" smtClean="0"/>
+              <a:t>Hash Table</a:t>
+            </a:r>
+            <a:endParaRPr lang="en-IE" dirty="0" smtClean="0"/>
+          </a:p>
+          <a:p>
+            <a:pPr marL="0" indent="0">
+              <a:buNone/>
+            </a:pPr>
+            <a:endParaRPr lang="en-IE" dirty="0" smtClean="0"/>
+          </a:p>
+          <a:p>
+            <a:endParaRPr lang="en-IE" dirty="0" smtClean="0"/>
+          </a:p>
+          <a:p>
+            <a:endParaRPr lang="en-IE" dirty="0"/>
+          </a:p>
+        </p:txBody>
+      </p:sp>
+      <p:sp>
+        <p:nvSpPr>
+          <p:cNvPr id="4" name="Slide Number Placeholder 3"/>
+          <p:cNvSpPr>
+            <a:spLocks noGrp="1"/>
+          </p:cNvSpPr>
+          <p:nvPr>
+            <p:ph type="sldNum" sz="quarter" idx="12"/>
+          </p:nvPr>
+        </p:nvSpPr>
+        <p:spPr/>
+        <p:txBody>
+          <a:bodyPr/>
+          <a:lstStyle/>
+          <a:p>
+            <a:fld id="{B6F15528-21DE-4FAA-801E-634DDDAF4B2B}" type="slidenum">
+              <a:rPr lang="en-US" smtClean="0"/>
+              <a:pPr/>
+              <a:t>24</a:t>
+            </a:fld>
+            <a:endParaRPr lang="en-US"/>
+          </a:p>
+        </p:txBody>
+      </p:sp>
+    </p:spTree>
+    <p:extLst>
+      <p:ext uri="{BB962C8B-B14F-4D97-AF65-F5344CB8AC3E}">
+        <p14:creationId xmlns:p14="http://schemas.microsoft.com/office/powerpoint/2010/main" val="4120852742"/>
+      </p:ext>
+    </p:extLst>
+  </p:cSld>
+  <p:clrMapOvr>
+    <a:masterClrMapping/>
+  </p:clrMapOvr>
+  <p:timing>
+    <p:tnLst>
+      <p:par>
+        <p:cTn id="1" dur="indefinite" restart="never" nodeType="tmRoot"/>
+      </p:par>
+    </p:tnLst>
+  </p:timing>
+</p:sld>
+</file>
+
+<file path=ppt/slides/slide3.xml><?xml version="1.0" encoding="utf-8"?>
+<p:sld xmlns:a="http://schemas.openxmlformats.org/drawingml/2006/main" xmlns:r="http://schemas.openxmlformats.org/officeDocument/2006/relationships" xmlns:p="http://schemas.openxmlformats.org/presentationml/2006/main">
+  <p:cSld>
+    <p:spTree>
+      <p:nvGrpSpPr>
+        <p:cNvPr id="1" name=""/>
+        <p:cNvGrpSpPr/>
+        <p:nvPr/>
+      </p:nvGrpSpPr>
+      <p:grpSpPr>
+        <a:xfrm>
+          <a:off x="0" y="0"/>
+          <a:ext cx="0" cy="0"/>
+          <a:chOff x="0" y="0"/>
+          <a:chExt cx="0" cy="0"/>
+        </a:xfrm>
+      </p:grpSpPr>
+      <p:sp>
+        <p:nvSpPr>
+          <p:cNvPr id="2" name="Title 1"/>
+          <p:cNvSpPr>
+            <a:spLocks noGrp="1"/>
+          </p:cNvSpPr>
+          <p:nvPr>
+            <p:ph type="title"/>
+          </p:nvPr>
+        </p:nvSpPr>
+        <p:spPr/>
+        <p:txBody>
+          <a:bodyPr/>
+          <a:lstStyle/>
+          <a:p>
+            <a:r>
+              <a:rPr lang="en-IE" dirty="0" smtClean="0"/>
+              <a:t>Atomic Instructions</a:t>
+            </a:r>
+            <a:endParaRPr lang="en-IE" dirty="0"/>
+          </a:p>
+        </p:txBody>
+      </p:sp>
+      <p:sp>
+        <p:nvSpPr>
+          <p:cNvPr id="3" name="Content Placeholder 2"/>
+          <p:cNvSpPr>
+            <a:spLocks noGrp="1"/>
+          </p:cNvSpPr>
+          <p:nvPr>
+            <p:ph idx="1"/>
+          </p:nvPr>
+        </p:nvSpPr>
+        <p:spPr/>
+        <p:txBody>
+          <a:bodyPr>
+            <a:normAutofit lnSpcReduction="10000"/>
+          </a:bodyPr>
+          <a:lstStyle/>
+          <a:p>
+            <a:r>
+              <a:rPr lang="en-IE" dirty="0" smtClean="0"/>
+              <a:t>Either complete fully or not at all</a:t>
+            </a:r>
+          </a:p>
+          <a:p>
+            <a:r>
+              <a:rPr lang="en-IE" dirty="0" smtClean="0"/>
+              <a:t>Are used to implement locked and lockless algorithms</a:t>
+            </a:r>
+          </a:p>
+          <a:p>
+            <a:r>
+              <a:rPr lang="en-IE" dirty="0" smtClean="0"/>
+              <a:t>Example: compare-and-swap instruction</a:t>
+            </a:r>
+          </a:p>
+          <a:p>
+            <a:pPr marL="0" indent="0">
+              <a:buNone/>
+            </a:pPr>
+            <a:r>
+              <a:rPr lang="en-IE" dirty="0" smtClean="0"/>
+              <a:t>	If(*lock == 0)</a:t>
+            </a:r>
+          </a:p>
+          <a:p>
+            <a:pPr marL="0" indent="0">
+              <a:buNone/>
+            </a:pPr>
+            <a:r>
+              <a:rPr lang="en-IE" dirty="0" smtClean="0"/>
+              <a:t>	{</a:t>
+            </a:r>
+          </a:p>
+          <a:p>
+            <a:pPr marL="0" indent="0">
+              <a:buNone/>
+            </a:pPr>
+            <a:r>
+              <a:rPr lang="en-IE" dirty="0" smtClean="0"/>
+              <a:t>		*lock = 1;</a:t>
+            </a:r>
+            <a:endParaRPr lang="en-IE" dirty="0"/>
+          </a:p>
+          <a:p>
+            <a:pPr marL="0" indent="0">
+              <a:buNone/>
+            </a:pPr>
+            <a:r>
+              <a:rPr lang="en-IE" dirty="0" smtClean="0"/>
+              <a:t>	}</a:t>
+            </a:r>
+            <a:endParaRPr lang="en-IE" dirty="0" smtClean="0"/>
+          </a:p>
+          <a:p>
+            <a:endParaRPr lang="en-IE" dirty="0"/>
+          </a:p>
+        </p:txBody>
+      </p:sp>
+      <p:sp>
+        <p:nvSpPr>
+          <p:cNvPr id="4" name="Slide Number Placeholder 3"/>
+          <p:cNvSpPr>
+            <a:spLocks noGrp="1"/>
+          </p:cNvSpPr>
+          <p:nvPr>
+            <p:ph type="sldNum" sz="quarter" idx="12"/>
+          </p:nvPr>
+        </p:nvSpPr>
+        <p:spPr/>
+        <p:txBody>
+          <a:bodyPr/>
+          <a:lstStyle/>
+          <a:p>
+            <a:fld id="{B6F15528-21DE-4FAA-801E-634DDDAF4B2B}" type="slidenum">
+              <a:rPr lang="en-US" smtClean="0"/>
+              <a:pPr/>
+              <a:t>3</a:t>
+            </a:fld>
+            <a:endParaRPr lang="en-US"/>
+          </a:p>
+        </p:txBody>
+      </p:sp>
+    </p:spTree>
+    <p:extLst>
+      <p:ext uri="{BB962C8B-B14F-4D97-AF65-F5344CB8AC3E}">
+        <p14:creationId xmlns:p14="http://schemas.microsoft.com/office/powerpoint/2010/main" val="3659299938"/>
+      </p:ext>
+    </p:extLst>
+  </p:cSld>
+  <p:clrMapOvr>
+    <a:masterClrMapping/>
+  </p:clrMapOvr>
+</p:sld>
+</file>
+
+<file path=ppt/slides/slide4.xml><?xml version="1.0" encoding="utf-8"?>
+<p:sld xmlns:a="http://schemas.openxmlformats.org/drawingml/2006/main" xmlns:r="http://schemas.openxmlformats.org/officeDocument/2006/relationships" xmlns:p="http://schemas.openxmlformats.org/presentationml/2006/main">
+  <p:cSld>
+    <p:spTree>
+      <p:nvGrpSpPr>
+        <p:cNvPr id="1" name=""/>
+        <p:cNvGrpSpPr/>
+        <p:nvPr/>
+      </p:nvGrpSpPr>
+      <p:grpSpPr>
+        <a:xfrm>
+          <a:off x="0" y="0"/>
+          <a:ext cx="0" cy="0"/>
+          <a:chOff x="0" y="0"/>
+          <a:chExt cx="0" cy="0"/>
+        </a:xfrm>
+      </p:grpSpPr>
+      <p:sp>
+        <p:nvSpPr>
+          <p:cNvPr id="2" name="Title 1"/>
+          <p:cNvSpPr>
+            <a:spLocks noGrp="1"/>
+          </p:cNvSpPr>
+          <p:nvPr>
+            <p:ph type="title"/>
+          </p:nvPr>
+        </p:nvSpPr>
+        <p:spPr/>
+        <p:txBody>
+          <a:bodyPr/>
+          <a:lstStyle/>
+          <a:p>
+            <a:r>
+              <a:rPr lang="en-IE" dirty="0" smtClean="0"/>
+              <a:t>Atomic Instructions</a:t>
+            </a:r>
+            <a:endParaRPr lang="en-IE" dirty="0"/>
+          </a:p>
+        </p:txBody>
+      </p:sp>
+      <p:sp>
+        <p:nvSpPr>
+          <p:cNvPr id="3" name="Content Placeholder 2"/>
+          <p:cNvSpPr>
+            <a:spLocks noGrp="1"/>
+          </p:cNvSpPr>
+          <p:nvPr>
+            <p:ph idx="1"/>
+          </p:nvPr>
+        </p:nvSpPr>
+        <p:spPr/>
+        <p:txBody>
+          <a:bodyPr/>
+          <a:lstStyle/>
+          <a:p>
+            <a:r>
+              <a:rPr lang="en-IE" dirty="0" smtClean="0"/>
+              <a:t>Can use compare-and-swap </a:t>
+            </a:r>
+            <a:r>
+              <a:rPr lang="en-IE" dirty="0" smtClean="0"/>
+              <a:t>to atomically add a node to the head of a linked list:</a:t>
+            </a:r>
+            <a:endParaRPr lang="en-IE" dirty="0" smtClean="0"/>
+          </a:p>
+          <a:p>
+            <a:pPr marL="0" indent="0">
+              <a:buNone/>
+            </a:pPr>
+            <a:endParaRPr lang="en-IE" dirty="0" smtClean="0"/>
+          </a:p>
+          <a:p>
+            <a:pPr marL="0" indent="0">
+              <a:buNone/>
+            </a:pPr>
+            <a:endParaRPr lang="en-IE" dirty="0"/>
+          </a:p>
+        </p:txBody>
+      </p:sp>
+      <p:sp>
+        <p:nvSpPr>
+          <p:cNvPr id="4" name="Rectangle 3"/>
+          <p:cNvSpPr/>
+          <p:nvPr/>
+        </p:nvSpPr>
+        <p:spPr>
+          <a:xfrm>
+            <a:off x="304800" y="3836773"/>
+            <a:ext cx="685800" cy="381000"/>
+          </a:xfrm>
+          <a:prstGeom prst="rect">
+            <a:avLst/>
+          </a:prstGeom>
+          <a:solidFill>
+            <a:schemeClr val="bg1"/>
+          </a:solidFill>
+        </p:spPr>
+        <p:style>
+          <a:lnRef idx="2">
+            <a:schemeClr val="accent1">
+              <a:shade val="50000"/>
+            </a:schemeClr>
+          </a:lnRef>
+          <a:fillRef idx="1">
+            <a:schemeClr val="accent1"/>
+          </a:fillRef>
+          <a:effectRef idx="0">
+            <a:schemeClr val="accent1"/>
+          </a:effectRef>
+          <a:fontRef idx="minor">
+            <a:schemeClr val="lt1"/>
+          </a:fontRef>
+        </p:style>
+        <p:txBody>
+          <a:bodyPr rtlCol="0" anchor="ctr"/>
+          <a:lstStyle/>
+          <a:p>
+            <a:pPr algn="ctr"/>
+            <a:r>
+              <a:rPr lang="en-IE" dirty="0" smtClean="0">
+                <a:solidFill>
+                  <a:sysClr val="windowText" lastClr="000000"/>
+                </a:solidFill>
+              </a:rPr>
+              <a:t>Head</a:t>
+            </a:r>
+            <a:endParaRPr lang="en-IE" dirty="0">
+              <a:solidFill>
+                <a:sysClr val="windowText" lastClr="000000"/>
+              </a:solidFill>
+            </a:endParaRPr>
+          </a:p>
+        </p:txBody>
+      </p:sp>
+      <p:sp>
+        <p:nvSpPr>
+          <p:cNvPr id="5" name="Rectangle 4"/>
+          <p:cNvSpPr/>
+          <p:nvPr/>
+        </p:nvSpPr>
+        <p:spPr>
+          <a:xfrm>
+            <a:off x="4638932" y="3174658"/>
+            <a:ext cx="533400" cy="381000"/>
+          </a:xfrm>
+          <a:prstGeom prst="rect">
+            <a:avLst/>
+          </a:prstGeom>
+          <a:solidFill>
+            <a:schemeClr val="bg1"/>
+          </a:solidFill>
+        </p:spPr>
+        <p:style>
+          <a:lnRef idx="2">
+            <a:schemeClr val="accent1">
+              <a:shade val="50000"/>
+            </a:schemeClr>
+          </a:lnRef>
+          <a:fillRef idx="1">
+            <a:schemeClr val="accent1"/>
+          </a:fillRef>
+          <a:effectRef idx="0">
+            <a:schemeClr val="accent1"/>
+          </a:effectRef>
+          <a:fontRef idx="minor">
+            <a:schemeClr val="lt1"/>
+          </a:fontRef>
+        </p:style>
+        <p:txBody>
+          <a:bodyPr rtlCol="0" anchor="ctr"/>
+          <a:lstStyle/>
+          <a:p>
+            <a:pPr algn="ctr"/>
+            <a:r>
+              <a:rPr lang="en-IE" dirty="0">
+                <a:solidFill>
+                  <a:sysClr val="windowText" lastClr="000000"/>
+                </a:solidFill>
+              </a:rPr>
+              <a:t>5</a:t>
+            </a:r>
+          </a:p>
+        </p:txBody>
+      </p:sp>
+      <p:sp>
+        <p:nvSpPr>
+          <p:cNvPr id="6" name="Rectangle 5"/>
+          <p:cNvSpPr/>
+          <p:nvPr/>
+        </p:nvSpPr>
+        <p:spPr>
+          <a:xfrm>
+            <a:off x="2005914" y="3174658"/>
+            <a:ext cx="533400" cy="381000"/>
+          </a:xfrm>
+          <a:prstGeom prst="rect">
+            <a:avLst/>
+          </a:prstGeom>
+          <a:solidFill>
+            <a:schemeClr val="bg1"/>
+          </a:solidFill>
+        </p:spPr>
+        <p:style>
+          <a:lnRef idx="2">
+            <a:schemeClr val="accent1">
+              <a:shade val="50000"/>
+            </a:schemeClr>
+          </a:lnRef>
+          <a:fillRef idx="1">
+            <a:schemeClr val="accent1"/>
+          </a:fillRef>
+          <a:effectRef idx="0">
+            <a:schemeClr val="accent1"/>
+          </a:effectRef>
+          <a:fontRef idx="minor">
+            <a:schemeClr val="lt1"/>
+          </a:fontRef>
+        </p:style>
+        <p:txBody>
+          <a:bodyPr rtlCol="0" anchor="ctr"/>
+          <a:lstStyle/>
+          <a:p>
+            <a:pPr algn="ctr"/>
+            <a:r>
+              <a:rPr lang="en-IE" dirty="0">
+                <a:solidFill>
+                  <a:sysClr val="windowText" lastClr="000000"/>
+                </a:solidFill>
+              </a:rPr>
+              <a:t>4</a:t>
+            </a:r>
+          </a:p>
+        </p:txBody>
+      </p:sp>
+      <p:sp>
+        <p:nvSpPr>
+          <p:cNvPr id="7" name="Rectangle 6"/>
+          <p:cNvSpPr/>
+          <p:nvPr/>
+        </p:nvSpPr>
+        <p:spPr>
+          <a:xfrm>
+            <a:off x="914400" y="3174658"/>
+            <a:ext cx="533400" cy="381000"/>
+          </a:xfrm>
+          <a:prstGeom prst="rect">
+            <a:avLst/>
+          </a:prstGeom>
+          <a:solidFill>
+            <a:schemeClr val="bg1"/>
+          </a:solidFill>
+        </p:spPr>
+        <p:style>
+          <a:lnRef idx="2">
+            <a:schemeClr val="accent1">
+              <a:shade val="50000"/>
+            </a:schemeClr>
+          </a:lnRef>
+          <a:fillRef idx="1">
+            <a:schemeClr val="accent1"/>
+          </a:fillRef>
+          <a:effectRef idx="0">
+            <a:schemeClr val="accent1"/>
+          </a:effectRef>
+          <a:fontRef idx="minor">
+            <a:schemeClr val="lt1"/>
+          </a:fontRef>
+        </p:style>
+        <p:txBody>
+          <a:bodyPr rtlCol="0" anchor="ctr"/>
+          <a:lstStyle/>
+          <a:p>
+            <a:pPr algn="ctr"/>
+            <a:r>
+              <a:rPr lang="en-IE" dirty="0">
+                <a:solidFill>
+                  <a:sysClr val="windowText" lastClr="000000"/>
+                </a:solidFill>
+              </a:rPr>
+              <a:t>2</a:t>
+            </a:r>
+          </a:p>
+        </p:txBody>
+      </p:sp>
+      <p:sp>
+        <p:nvSpPr>
+          <p:cNvPr id="8" name="Rectangle 7"/>
+          <p:cNvSpPr/>
+          <p:nvPr/>
+        </p:nvSpPr>
+        <p:spPr>
+          <a:xfrm>
+            <a:off x="6858000" y="3139646"/>
+            <a:ext cx="533400" cy="381000"/>
+          </a:xfrm>
+          <a:prstGeom prst="rect">
+            <a:avLst/>
+          </a:prstGeom>
+          <a:solidFill>
+            <a:schemeClr val="bg1"/>
+          </a:solidFill>
+        </p:spPr>
+        <p:style>
+          <a:lnRef idx="2">
+            <a:schemeClr val="accent1">
+              <a:shade val="50000"/>
+            </a:schemeClr>
+          </a:lnRef>
+          <a:fillRef idx="1">
+            <a:schemeClr val="accent1"/>
+          </a:fillRef>
+          <a:effectRef idx="0">
+            <a:schemeClr val="accent1"/>
+          </a:effectRef>
+          <a:fontRef idx="minor">
+            <a:schemeClr val="lt1"/>
+          </a:fontRef>
+        </p:style>
+        <p:txBody>
+          <a:bodyPr rtlCol="0" anchor="ctr"/>
+          <a:lstStyle/>
+          <a:p>
+            <a:pPr algn="ctr"/>
+            <a:r>
+              <a:rPr lang="en-IE" dirty="0">
+                <a:solidFill>
+                  <a:sysClr val="windowText" lastClr="000000"/>
+                </a:solidFill>
+              </a:rPr>
+              <a:t>4</a:t>
+            </a:r>
+          </a:p>
+        </p:txBody>
+      </p:sp>
+      <p:sp>
+        <p:nvSpPr>
+          <p:cNvPr id="9" name="Rectangle 8"/>
+          <p:cNvSpPr/>
+          <p:nvPr/>
+        </p:nvSpPr>
+        <p:spPr>
+          <a:xfrm>
+            <a:off x="1739214" y="4991100"/>
+            <a:ext cx="533400" cy="381000"/>
+          </a:xfrm>
+          <a:prstGeom prst="rect">
+            <a:avLst/>
+          </a:prstGeom>
+          <a:solidFill>
+            <a:schemeClr val="bg1"/>
+          </a:solidFill>
+        </p:spPr>
+        <p:style>
+          <a:lnRef idx="2">
+            <a:schemeClr val="accent1">
+              <a:shade val="50000"/>
+            </a:schemeClr>
+          </a:lnRef>
+          <a:fillRef idx="1">
+            <a:schemeClr val="accent1"/>
+          </a:fillRef>
+          <a:effectRef idx="0">
+            <a:schemeClr val="accent1"/>
+          </a:effectRef>
+          <a:fontRef idx="minor">
+            <a:schemeClr val="lt1"/>
+          </a:fontRef>
+        </p:style>
+        <p:txBody>
+          <a:bodyPr rtlCol="0" anchor="ctr"/>
+          <a:lstStyle/>
+          <a:p>
+            <a:pPr algn="ctr"/>
+            <a:r>
+              <a:rPr lang="en-IE" dirty="0">
+                <a:solidFill>
+                  <a:sysClr val="windowText" lastClr="000000"/>
+                </a:solidFill>
+              </a:rPr>
+              <a:t>2</a:t>
+            </a:r>
+          </a:p>
+        </p:txBody>
+      </p:sp>
+      <p:sp>
+        <p:nvSpPr>
+          <p:cNvPr id="10" name="Rectangle 9"/>
+          <p:cNvSpPr/>
+          <p:nvPr/>
+        </p:nvSpPr>
+        <p:spPr>
+          <a:xfrm>
+            <a:off x="5023022" y="3836773"/>
+            <a:ext cx="685800" cy="381000"/>
+          </a:xfrm>
+          <a:prstGeom prst="rect">
+            <a:avLst/>
+          </a:prstGeom>
+          <a:solidFill>
+            <a:schemeClr val="bg1"/>
+          </a:solidFill>
+        </p:spPr>
+        <p:style>
+          <a:lnRef idx="2">
+            <a:schemeClr val="accent1">
+              <a:shade val="50000"/>
+            </a:schemeClr>
+          </a:lnRef>
+          <a:fillRef idx="1">
+            <a:schemeClr val="accent1"/>
+          </a:fillRef>
+          <a:effectRef idx="0">
+            <a:schemeClr val="accent1"/>
+          </a:effectRef>
+          <a:fontRef idx="minor">
+            <a:schemeClr val="lt1"/>
+          </a:fontRef>
+        </p:style>
+        <p:txBody>
+          <a:bodyPr rtlCol="0" anchor="ctr"/>
+          <a:lstStyle/>
+          <a:p>
+            <a:pPr algn="ctr"/>
+            <a:r>
+              <a:rPr lang="en-IE" dirty="0" smtClean="0">
+                <a:solidFill>
+                  <a:sysClr val="windowText" lastClr="000000"/>
+                </a:solidFill>
+              </a:rPr>
+              <a:t>Head</a:t>
+            </a:r>
+            <a:endParaRPr lang="en-IE" dirty="0">
+              <a:solidFill>
+                <a:sysClr val="windowText" lastClr="000000"/>
+              </a:solidFill>
+            </a:endParaRPr>
+          </a:p>
+        </p:txBody>
+      </p:sp>
+      <p:sp>
+        <p:nvSpPr>
+          <p:cNvPr id="11" name="Rectangle 10"/>
+          <p:cNvSpPr/>
+          <p:nvPr/>
+        </p:nvSpPr>
+        <p:spPr>
+          <a:xfrm>
+            <a:off x="5711911" y="3143766"/>
+            <a:ext cx="533400" cy="381000"/>
+          </a:xfrm>
+          <a:prstGeom prst="rect">
+            <a:avLst/>
+          </a:prstGeom>
+          <a:solidFill>
+            <a:schemeClr val="bg1"/>
+          </a:solidFill>
+        </p:spPr>
+        <p:style>
+          <a:lnRef idx="2">
+            <a:schemeClr val="accent1">
+              <a:shade val="50000"/>
+            </a:schemeClr>
+          </a:lnRef>
+          <a:fillRef idx="1">
+            <a:schemeClr val="accent1"/>
+          </a:fillRef>
+          <a:effectRef idx="0">
+            <a:schemeClr val="accent1"/>
+          </a:effectRef>
+          <a:fontRef idx="minor">
+            <a:schemeClr val="lt1"/>
+          </a:fontRef>
+        </p:style>
+        <p:txBody>
+          <a:bodyPr rtlCol="0" anchor="ctr"/>
+          <a:lstStyle/>
+          <a:p>
+            <a:pPr algn="ctr"/>
+            <a:r>
+              <a:rPr lang="en-IE" dirty="0">
+                <a:solidFill>
+                  <a:sysClr val="windowText" lastClr="000000"/>
+                </a:solidFill>
+              </a:rPr>
+              <a:t>2</a:t>
+            </a:r>
+          </a:p>
+        </p:txBody>
+      </p:sp>
+      <p:sp>
+        <p:nvSpPr>
+          <p:cNvPr id="12" name="Rectangle 11"/>
+          <p:cNvSpPr/>
+          <p:nvPr/>
+        </p:nvSpPr>
+        <p:spPr>
+          <a:xfrm>
+            <a:off x="914400" y="4991100"/>
+            <a:ext cx="533400" cy="381000"/>
+          </a:xfrm>
+          <a:prstGeom prst="rect">
+            <a:avLst/>
+          </a:prstGeom>
+          <a:solidFill>
+            <a:schemeClr val="bg1"/>
+          </a:solidFill>
+        </p:spPr>
+        <p:style>
+          <a:lnRef idx="2">
+            <a:schemeClr val="accent1">
+              <a:shade val="50000"/>
+            </a:schemeClr>
+          </a:lnRef>
+          <a:fillRef idx="1">
+            <a:schemeClr val="accent1"/>
+          </a:fillRef>
+          <a:effectRef idx="0">
+            <a:schemeClr val="accent1"/>
+          </a:effectRef>
+          <a:fontRef idx="minor">
+            <a:schemeClr val="lt1"/>
+          </a:fontRef>
+        </p:style>
+        <p:txBody>
+          <a:bodyPr rtlCol="0" anchor="ctr"/>
+          <a:lstStyle/>
+          <a:p>
+            <a:pPr algn="ctr"/>
+            <a:r>
+              <a:rPr lang="en-IE" dirty="0">
+                <a:solidFill>
+                  <a:sysClr val="windowText" lastClr="000000"/>
+                </a:solidFill>
+              </a:rPr>
+              <a:t>5</a:t>
+            </a:r>
+          </a:p>
+        </p:txBody>
+      </p:sp>
+      <p:sp>
+        <p:nvSpPr>
+          <p:cNvPr id="13" name="Rectangle 12"/>
+          <p:cNvSpPr/>
+          <p:nvPr/>
+        </p:nvSpPr>
+        <p:spPr>
+          <a:xfrm>
+            <a:off x="2819400" y="4991100"/>
+            <a:ext cx="533400" cy="381000"/>
+          </a:xfrm>
+          <a:prstGeom prst="rect">
+            <a:avLst/>
+          </a:prstGeom>
+          <a:solidFill>
+            <a:schemeClr val="bg1"/>
+          </a:solidFill>
+        </p:spPr>
+        <p:style>
+          <a:lnRef idx="2">
+            <a:schemeClr val="accent1">
+              <a:shade val="50000"/>
+            </a:schemeClr>
+          </a:lnRef>
+          <a:fillRef idx="1">
+            <a:schemeClr val="accent1"/>
+          </a:fillRef>
+          <a:effectRef idx="0">
+            <a:schemeClr val="accent1"/>
+          </a:effectRef>
+          <a:fontRef idx="minor">
+            <a:schemeClr val="lt1"/>
+          </a:fontRef>
+        </p:style>
+        <p:txBody>
+          <a:bodyPr rtlCol="0" anchor="ctr"/>
+          <a:lstStyle/>
+          <a:p>
+            <a:pPr algn="ctr"/>
+            <a:r>
+              <a:rPr lang="en-IE" dirty="0">
+                <a:solidFill>
+                  <a:sysClr val="windowText" lastClr="000000"/>
+                </a:solidFill>
+              </a:rPr>
+              <a:t>4</a:t>
+            </a:r>
+          </a:p>
+        </p:txBody>
+      </p:sp>
+      <p:sp>
+        <p:nvSpPr>
+          <p:cNvPr id="14" name="Rectangle 13"/>
+          <p:cNvSpPr/>
+          <p:nvPr/>
+        </p:nvSpPr>
+        <p:spPr>
+          <a:xfrm>
+            <a:off x="785684" y="5743832"/>
+            <a:ext cx="685800" cy="381000"/>
+          </a:xfrm>
+          <a:prstGeom prst="rect">
+            <a:avLst/>
+          </a:prstGeom>
+          <a:solidFill>
+            <a:schemeClr val="bg1"/>
+          </a:solidFill>
+        </p:spPr>
+        <p:style>
+          <a:lnRef idx="2">
+            <a:schemeClr val="accent1">
+              <a:shade val="50000"/>
+            </a:schemeClr>
+          </a:lnRef>
+          <a:fillRef idx="1">
+            <a:schemeClr val="accent1"/>
+          </a:fillRef>
+          <a:effectRef idx="0">
+            <a:schemeClr val="accent1"/>
+          </a:effectRef>
+          <a:fontRef idx="minor">
+            <a:schemeClr val="lt1"/>
+          </a:fontRef>
+        </p:style>
+        <p:txBody>
+          <a:bodyPr rtlCol="0" anchor="ctr"/>
+          <a:lstStyle/>
+          <a:p>
+            <a:pPr algn="ctr"/>
+            <a:r>
+              <a:rPr lang="en-IE" dirty="0" smtClean="0">
+                <a:solidFill>
+                  <a:sysClr val="windowText" lastClr="000000"/>
+                </a:solidFill>
+              </a:rPr>
+              <a:t>Head</a:t>
+            </a:r>
+            <a:endParaRPr lang="en-IE" dirty="0">
+              <a:solidFill>
+                <a:sysClr val="windowText" lastClr="000000"/>
+              </a:solidFill>
+            </a:endParaRPr>
+          </a:p>
+        </p:txBody>
+      </p:sp>
+      <p:cxnSp>
+        <p:nvCxnSpPr>
+          <p:cNvPr id="15" name="Straight Arrow Connector 14"/>
+          <p:cNvCxnSpPr/>
+          <p:nvPr/>
+        </p:nvCxnSpPr>
+        <p:spPr>
+          <a:xfrm>
+            <a:off x="1472514" y="3373396"/>
+            <a:ext cx="533400" cy="0"/>
+          </a:xfrm>
+          <a:prstGeom prst="straightConnector1">
+            <a:avLst/>
+          </a:prstGeom>
+          <a:ln>
+            <a:tailEnd type="arrow"/>
+          </a:ln>
+        </p:spPr>
+        <p:style>
+          <a:lnRef idx="1">
+            <a:schemeClr val="accent1"/>
+          </a:lnRef>
+          <a:fillRef idx="0">
+            <a:schemeClr val="accent1"/>
+          </a:fillRef>
+          <a:effectRef idx="0">
+            <a:schemeClr val="accent1"/>
+          </a:effectRef>
+          <a:fontRef idx="minor">
+            <a:schemeClr val="tx1"/>
+          </a:fontRef>
+        </p:style>
+      </p:cxnSp>
+      <p:cxnSp>
+        <p:nvCxnSpPr>
+          <p:cNvPr id="16" name="Straight Arrow Connector 15"/>
+          <p:cNvCxnSpPr/>
+          <p:nvPr/>
+        </p:nvCxnSpPr>
+        <p:spPr>
+          <a:xfrm>
+            <a:off x="2566086" y="3334266"/>
+            <a:ext cx="533400" cy="0"/>
+          </a:xfrm>
+          <a:prstGeom prst="straightConnector1">
+            <a:avLst/>
+          </a:prstGeom>
+          <a:ln>
+            <a:tailEnd type="arrow"/>
+          </a:ln>
+        </p:spPr>
+        <p:style>
+          <a:lnRef idx="1">
+            <a:schemeClr val="accent1"/>
+          </a:lnRef>
+          <a:fillRef idx="0">
+            <a:schemeClr val="accent1"/>
+          </a:fillRef>
+          <a:effectRef idx="0">
+            <a:schemeClr val="accent1"/>
+          </a:effectRef>
+          <a:fontRef idx="minor">
+            <a:schemeClr val="tx1"/>
+          </a:fontRef>
+        </p:style>
+      </p:cxnSp>
+      <p:cxnSp>
+        <p:nvCxnSpPr>
+          <p:cNvPr id="17" name="Straight Arrow Connector 16"/>
+          <p:cNvCxnSpPr>
+            <a:stCxn id="37" idx="3"/>
+            <a:endCxn id="36" idx="1"/>
+          </p:cNvCxnSpPr>
+          <p:nvPr/>
+        </p:nvCxnSpPr>
+        <p:spPr>
+          <a:xfrm flipV="1">
+            <a:off x="5257800" y="5181600"/>
+            <a:ext cx="533400" cy="16476"/>
+          </a:xfrm>
+          <a:prstGeom prst="straightConnector1">
+            <a:avLst/>
+          </a:prstGeom>
+          <a:ln>
+            <a:tailEnd type="arrow"/>
+          </a:ln>
+        </p:spPr>
+        <p:style>
+          <a:lnRef idx="1">
+            <a:schemeClr val="accent1"/>
+          </a:lnRef>
+          <a:fillRef idx="0">
+            <a:schemeClr val="accent1"/>
+          </a:fillRef>
+          <a:effectRef idx="0">
+            <a:schemeClr val="accent1"/>
+          </a:effectRef>
+          <a:fontRef idx="minor">
+            <a:schemeClr val="tx1"/>
+          </a:fontRef>
+        </p:style>
+      </p:cxnSp>
+      <p:cxnSp>
+        <p:nvCxnSpPr>
+          <p:cNvPr id="18" name="Straight Arrow Connector 17"/>
+          <p:cNvCxnSpPr>
+            <a:stCxn id="4" idx="0"/>
+            <a:endCxn id="7" idx="2"/>
+          </p:cNvCxnSpPr>
+          <p:nvPr/>
+        </p:nvCxnSpPr>
+        <p:spPr>
+          <a:xfrm flipV="1">
+            <a:off x="647700" y="3555658"/>
+            <a:ext cx="533400" cy="281115"/>
+          </a:xfrm>
+          <a:prstGeom prst="straightConnector1">
+            <a:avLst/>
+          </a:prstGeom>
+          <a:ln>
+            <a:tailEnd type="arrow"/>
+          </a:ln>
+        </p:spPr>
+        <p:style>
+          <a:lnRef idx="1">
+            <a:schemeClr val="accent1"/>
+          </a:lnRef>
+          <a:fillRef idx="0">
+            <a:schemeClr val="accent1"/>
+          </a:fillRef>
+          <a:effectRef idx="0">
+            <a:schemeClr val="accent1"/>
+          </a:effectRef>
+          <a:fontRef idx="minor">
+            <a:schemeClr val="tx1"/>
+          </a:fontRef>
+        </p:style>
+      </p:cxnSp>
+      <p:cxnSp>
+        <p:nvCxnSpPr>
+          <p:cNvPr id="19" name="Straight Arrow Connector 18"/>
+          <p:cNvCxnSpPr/>
+          <p:nvPr/>
+        </p:nvCxnSpPr>
+        <p:spPr>
+          <a:xfrm>
+            <a:off x="6243251" y="3318819"/>
+            <a:ext cx="533400" cy="0"/>
+          </a:xfrm>
+          <a:prstGeom prst="straightConnector1">
+            <a:avLst/>
+          </a:prstGeom>
+          <a:ln>
+            <a:tailEnd type="arrow"/>
+          </a:ln>
+        </p:spPr>
+        <p:style>
+          <a:lnRef idx="1">
+            <a:schemeClr val="accent1"/>
+          </a:lnRef>
+          <a:fillRef idx="0">
+            <a:schemeClr val="accent1"/>
+          </a:fillRef>
+          <a:effectRef idx="0">
+            <a:schemeClr val="accent1"/>
+          </a:effectRef>
+          <a:fontRef idx="minor">
+            <a:schemeClr val="tx1"/>
+          </a:fontRef>
+        </p:style>
+      </p:cxnSp>
+      <p:cxnSp>
+        <p:nvCxnSpPr>
+          <p:cNvPr id="20" name="Straight Arrow Connector 19"/>
+          <p:cNvCxnSpPr/>
+          <p:nvPr/>
+        </p:nvCxnSpPr>
+        <p:spPr>
+          <a:xfrm>
+            <a:off x="7391400" y="3304404"/>
+            <a:ext cx="533400" cy="0"/>
+          </a:xfrm>
+          <a:prstGeom prst="straightConnector1">
+            <a:avLst/>
+          </a:prstGeom>
+          <a:ln>
+            <a:tailEnd type="arrow"/>
+          </a:ln>
+        </p:spPr>
+        <p:style>
+          <a:lnRef idx="1">
+            <a:schemeClr val="accent1"/>
+          </a:lnRef>
+          <a:fillRef idx="0">
+            <a:schemeClr val="accent1"/>
+          </a:fillRef>
+          <a:effectRef idx="0">
+            <a:schemeClr val="accent1"/>
+          </a:effectRef>
+          <a:fontRef idx="minor">
+            <a:schemeClr val="tx1"/>
+          </a:fontRef>
+        </p:style>
+      </p:cxnSp>
+      <p:cxnSp>
+        <p:nvCxnSpPr>
+          <p:cNvPr id="21" name="Straight Arrow Connector 20"/>
+          <p:cNvCxnSpPr/>
+          <p:nvPr/>
+        </p:nvCxnSpPr>
+        <p:spPr>
+          <a:xfrm>
+            <a:off x="2286000" y="6896100"/>
+            <a:ext cx="533400" cy="0"/>
+          </a:xfrm>
+          <a:prstGeom prst="straightConnector1">
+            <a:avLst/>
+          </a:prstGeom>
+          <a:ln>
+            <a:tailEnd type="arrow"/>
+          </a:ln>
+        </p:spPr>
+        <p:style>
+          <a:lnRef idx="1">
+            <a:schemeClr val="accent1"/>
+          </a:lnRef>
+          <a:fillRef idx="0">
+            <a:schemeClr val="accent1"/>
+          </a:fillRef>
+          <a:effectRef idx="0">
+            <a:schemeClr val="accent1"/>
+          </a:effectRef>
+          <a:fontRef idx="minor">
+            <a:schemeClr val="tx1"/>
+          </a:fontRef>
+        </p:style>
+      </p:cxnSp>
+      <p:cxnSp>
+        <p:nvCxnSpPr>
+          <p:cNvPr id="22" name="Straight Arrow Connector 21"/>
+          <p:cNvCxnSpPr>
+            <a:stCxn id="14" idx="0"/>
+            <a:endCxn id="9" idx="2"/>
+          </p:cNvCxnSpPr>
+          <p:nvPr/>
+        </p:nvCxnSpPr>
+        <p:spPr>
+          <a:xfrm flipV="1">
+            <a:off x="1128584" y="5372100"/>
+            <a:ext cx="877330" cy="371732"/>
+          </a:xfrm>
+          <a:prstGeom prst="straightConnector1">
+            <a:avLst/>
+          </a:prstGeom>
+          <a:ln>
+            <a:tailEnd type="arrow"/>
+          </a:ln>
+        </p:spPr>
+        <p:style>
+          <a:lnRef idx="1">
+            <a:schemeClr val="accent1"/>
+          </a:lnRef>
+          <a:fillRef idx="0">
+            <a:schemeClr val="accent1"/>
+          </a:fillRef>
+          <a:effectRef idx="0">
+            <a:schemeClr val="accent1"/>
+          </a:effectRef>
+          <a:fontRef idx="minor">
+            <a:schemeClr val="tx1"/>
+          </a:fontRef>
+        </p:style>
+      </p:cxnSp>
+      <p:cxnSp>
+        <p:nvCxnSpPr>
+          <p:cNvPr id="23" name="Straight Arrow Connector 22"/>
+          <p:cNvCxnSpPr/>
+          <p:nvPr/>
+        </p:nvCxnSpPr>
+        <p:spPr>
+          <a:xfrm>
+            <a:off x="2286000" y="5215581"/>
+            <a:ext cx="533400" cy="0"/>
+          </a:xfrm>
+          <a:prstGeom prst="straightConnector1">
+            <a:avLst/>
+          </a:prstGeom>
+          <a:ln>
+            <a:tailEnd type="arrow"/>
+          </a:ln>
+        </p:spPr>
+        <p:style>
+          <a:lnRef idx="1">
+            <a:schemeClr val="accent1"/>
+          </a:lnRef>
+          <a:fillRef idx="0">
+            <a:schemeClr val="accent1"/>
+          </a:fillRef>
+          <a:effectRef idx="0">
+            <a:schemeClr val="accent1"/>
+          </a:effectRef>
+          <a:fontRef idx="minor">
+            <a:schemeClr val="tx1"/>
+          </a:fontRef>
+        </p:style>
+      </p:cxnSp>
+      <p:cxnSp>
+        <p:nvCxnSpPr>
+          <p:cNvPr id="24" name="Straight Arrow Connector 23"/>
+          <p:cNvCxnSpPr/>
+          <p:nvPr/>
+        </p:nvCxnSpPr>
+        <p:spPr>
+          <a:xfrm>
+            <a:off x="3352800" y="5181600"/>
+            <a:ext cx="533400" cy="0"/>
+          </a:xfrm>
+          <a:prstGeom prst="straightConnector1">
+            <a:avLst/>
+          </a:prstGeom>
+          <a:ln>
+            <a:tailEnd type="arrow"/>
+          </a:ln>
+        </p:spPr>
+        <p:style>
+          <a:lnRef idx="1">
+            <a:schemeClr val="accent1"/>
+          </a:lnRef>
+          <a:fillRef idx="0">
+            <a:schemeClr val="accent1"/>
+          </a:fillRef>
+          <a:effectRef idx="0">
+            <a:schemeClr val="accent1"/>
+          </a:effectRef>
+          <a:fontRef idx="minor">
+            <a:schemeClr val="tx1"/>
+          </a:fontRef>
+        </p:style>
+      </p:cxnSp>
+      <p:cxnSp>
+        <p:nvCxnSpPr>
+          <p:cNvPr id="25" name="Straight Arrow Connector 24"/>
+          <p:cNvCxnSpPr>
+            <a:endCxn id="9" idx="1"/>
+          </p:cNvCxnSpPr>
+          <p:nvPr/>
+        </p:nvCxnSpPr>
+        <p:spPr>
+          <a:xfrm>
+            <a:off x="1471484" y="5181600"/>
+            <a:ext cx="267730" cy="0"/>
+          </a:xfrm>
+          <a:prstGeom prst="straightConnector1">
+            <a:avLst/>
+          </a:prstGeom>
+          <a:ln>
+            <a:tailEnd type="arrow"/>
+          </a:ln>
+        </p:spPr>
+        <p:style>
+          <a:lnRef idx="1">
+            <a:schemeClr val="accent1"/>
+          </a:lnRef>
+          <a:fillRef idx="0">
+            <a:schemeClr val="accent1"/>
+          </a:fillRef>
+          <a:effectRef idx="0">
+            <a:schemeClr val="accent1"/>
+          </a:effectRef>
+          <a:fontRef idx="minor">
+            <a:schemeClr val="tx1"/>
+          </a:fontRef>
+        </p:style>
+      </p:cxnSp>
+      <p:sp>
+        <p:nvSpPr>
+          <p:cNvPr id="34" name="Rectangle 33"/>
+          <p:cNvSpPr/>
+          <p:nvPr/>
+        </p:nvSpPr>
+        <p:spPr>
+          <a:xfrm>
+            <a:off x="5105400" y="5819002"/>
+            <a:ext cx="685800" cy="381000"/>
+          </a:xfrm>
+          <a:prstGeom prst="rect">
+            <a:avLst/>
+          </a:prstGeom>
+          <a:solidFill>
+            <a:schemeClr val="bg1"/>
+          </a:solidFill>
+        </p:spPr>
+        <p:style>
+          <a:lnRef idx="2">
+            <a:schemeClr val="accent1">
+              <a:shade val="50000"/>
+            </a:schemeClr>
+          </a:lnRef>
+          <a:fillRef idx="1">
+            <a:schemeClr val="accent1"/>
+          </a:fillRef>
+          <a:effectRef idx="0">
+            <a:schemeClr val="accent1"/>
+          </a:effectRef>
+          <a:fontRef idx="minor">
+            <a:schemeClr val="lt1"/>
+          </a:fontRef>
+        </p:style>
+        <p:txBody>
+          <a:bodyPr rtlCol="0" anchor="ctr"/>
+          <a:lstStyle/>
+          <a:p>
+            <a:pPr algn="ctr"/>
+            <a:r>
+              <a:rPr lang="en-IE" dirty="0" smtClean="0">
+                <a:solidFill>
+                  <a:sysClr val="windowText" lastClr="000000"/>
+                </a:solidFill>
+              </a:rPr>
+              <a:t>Head</a:t>
+            </a:r>
+            <a:endParaRPr lang="en-IE" dirty="0">
+              <a:solidFill>
+                <a:sysClr val="windowText" lastClr="000000"/>
+              </a:solidFill>
+            </a:endParaRPr>
+          </a:p>
+        </p:txBody>
+      </p:sp>
+      <p:sp>
+        <p:nvSpPr>
+          <p:cNvPr id="35" name="Rectangle 34"/>
+          <p:cNvSpPr/>
+          <p:nvPr/>
+        </p:nvSpPr>
+        <p:spPr>
+          <a:xfrm>
+            <a:off x="6858000" y="4991100"/>
+            <a:ext cx="533400" cy="381000"/>
+          </a:xfrm>
+          <a:prstGeom prst="rect">
+            <a:avLst/>
+          </a:prstGeom>
+          <a:solidFill>
+            <a:schemeClr val="bg1"/>
+          </a:solidFill>
+        </p:spPr>
+        <p:style>
+          <a:lnRef idx="2">
+            <a:schemeClr val="accent1">
+              <a:shade val="50000"/>
+            </a:schemeClr>
+          </a:lnRef>
+          <a:fillRef idx="1">
+            <a:schemeClr val="accent1"/>
+          </a:fillRef>
+          <a:effectRef idx="0">
+            <a:schemeClr val="accent1"/>
+          </a:effectRef>
+          <a:fontRef idx="minor">
+            <a:schemeClr val="lt1"/>
+          </a:fontRef>
+        </p:style>
+        <p:txBody>
+          <a:bodyPr rtlCol="0" anchor="ctr"/>
+          <a:lstStyle/>
+          <a:p>
+            <a:pPr algn="ctr"/>
+            <a:r>
+              <a:rPr lang="en-IE" dirty="0">
+                <a:solidFill>
+                  <a:sysClr val="windowText" lastClr="000000"/>
+                </a:solidFill>
+              </a:rPr>
+              <a:t>4</a:t>
+            </a:r>
+          </a:p>
+        </p:txBody>
+      </p:sp>
+      <p:sp>
+        <p:nvSpPr>
+          <p:cNvPr id="36" name="Rectangle 35"/>
+          <p:cNvSpPr/>
+          <p:nvPr/>
+        </p:nvSpPr>
+        <p:spPr>
+          <a:xfrm>
+            <a:off x="5791200" y="4991100"/>
+            <a:ext cx="533400" cy="381000"/>
+          </a:xfrm>
+          <a:prstGeom prst="rect">
+            <a:avLst/>
+          </a:prstGeom>
+          <a:solidFill>
+            <a:schemeClr val="bg1"/>
+          </a:solidFill>
+        </p:spPr>
+        <p:style>
+          <a:lnRef idx="2">
+            <a:schemeClr val="accent1">
+              <a:shade val="50000"/>
+            </a:schemeClr>
+          </a:lnRef>
+          <a:fillRef idx="1">
+            <a:schemeClr val="accent1"/>
+          </a:fillRef>
+          <a:effectRef idx="0">
+            <a:schemeClr val="accent1"/>
+          </a:effectRef>
+          <a:fontRef idx="minor">
+            <a:schemeClr val="lt1"/>
+          </a:fontRef>
+        </p:style>
+        <p:txBody>
+          <a:bodyPr rtlCol="0" anchor="ctr"/>
+          <a:lstStyle/>
+          <a:p>
+            <a:pPr algn="ctr"/>
+            <a:r>
+              <a:rPr lang="en-IE" dirty="0">
+                <a:solidFill>
+                  <a:sysClr val="windowText" lastClr="000000"/>
+                </a:solidFill>
+              </a:rPr>
+              <a:t>2</a:t>
+            </a:r>
+          </a:p>
+        </p:txBody>
+      </p:sp>
+      <p:sp>
+        <p:nvSpPr>
+          <p:cNvPr id="37" name="Rectangle 36"/>
+          <p:cNvSpPr/>
+          <p:nvPr/>
+        </p:nvSpPr>
+        <p:spPr>
+          <a:xfrm>
+            <a:off x="4724400" y="5007576"/>
+            <a:ext cx="533400" cy="381000"/>
+          </a:xfrm>
+          <a:prstGeom prst="rect">
+            <a:avLst/>
+          </a:prstGeom>
+          <a:solidFill>
+            <a:schemeClr val="bg1"/>
+          </a:solidFill>
+        </p:spPr>
+        <p:style>
+          <a:lnRef idx="2">
+            <a:schemeClr val="accent1">
+              <a:shade val="50000"/>
+            </a:schemeClr>
+          </a:lnRef>
+          <a:fillRef idx="1">
+            <a:schemeClr val="accent1"/>
+          </a:fillRef>
+          <a:effectRef idx="0">
+            <a:schemeClr val="accent1"/>
+          </a:effectRef>
+          <a:fontRef idx="minor">
+            <a:schemeClr val="lt1"/>
+          </a:fontRef>
+        </p:style>
+        <p:txBody>
+          <a:bodyPr rtlCol="0" anchor="ctr"/>
+          <a:lstStyle/>
+          <a:p>
+            <a:pPr algn="ctr"/>
+            <a:r>
+              <a:rPr lang="en-IE" dirty="0">
+                <a:solidFill>
+                  <a:sysClr val="windowText" lastClr="000000"/>
+                </a:solidFill>
+              </a:rPr>
+              <a:t>5</a:t>
+            </a:r>
+          </a:p>
+        </p:txBody>
+      </p:sp>
+      <p:cxnSp>
+        <p:nvCxnSpPr>
+          <p:cNvPr id="38" name="Straight Arrow Connector 37"/>
+          <p:cNvCxnSpPr>
+            <a:stCxn id="34" idx="0"/>
+            <a:endCxn id="37" idx="2"/>
+          </p:cNvCxnSpPr>
+          <p:nvPr/>
+        </p:nvCxnSpPr>
+        <p:spPr>
+          <a:xfrm flipH="1" flipV="1">
+            <a:off x="4991100" y="5388576"/>
+            <a:ext cx="457200" cy="430426"/>
+          </a:xfrm>
+          <a:prstGeom prst="straightConnector1">
+            <a:avLst/>
+          </a:prstGeom>
+          <a:ln>
+            <a:tailEnd type="arrow"/>
+          </a:ln>
+        </p:spPr>
+        <p:style>
+          <a:lnRef idx="1">
+            <a:schemeClr val="accent1"/>
+          </a:lnRef>
+          <a:fillRef idx="0">
+            <a:schemeClr val="accent1"/>
+          </a:fillRef>
+          <a:effectRef idx="0">
+            <a:schemeClr val="accent1"/>
+          </a:effectRef>
+          <a:fontRef idx="minor">
+            <a:schemeClr val="tx1"/>
+          </a:fontRef>
+        </p:style>
+      </p:cxnSp>
+      <p:cxnSp>
+        <p:nvCxnSpPr>
+          <p:cNvPr id="39" name="Straight Arrow Connector 38"/>
+          <p:cNvCxnSpPr>
+            <a:stCxn id="10" idx="0"/>
+            <a:endCxn id="11" idx="2"/>
+          </p:cNvCxnSpPr>
+          <p:nvPr/>
+        </p:nvCxnSpPr>
+        <p:spPr>
+          <a:xfrm flipV="1">
+            <a:off x="5365922" y="3524766"/>
+            <a:ext cx="612689" cy="312007"/>
+          </a:xfrm>
+          <a:prstGeom prst="straightConnector1">
+            <a:avLst/>
+          </a:prstGeom>
+          <a:ln>
+            <a:tailEnd type="arrow"/>
+          </a:ln>
+        </p:spPr>
+        <p:style>
+          <a:lnRef idx="1">
+            <a:schemeClr val="accent1"/>
+          </a:lnRef>
+          <a:fillRef idx="0">
+            <a:schemeClr val="accent1"/>
+          </a:fillRef>
+          <a:effectRef idx="0">
+            <a:schemeClr val="accent1"/>
+          </a:effectRef>
+          <a:fontRef idx="minor">
+            <a:schemeClr val="tx1"/>
+          </a:fontRef>
+        </p:style>
+      </p:cxnSp>
+      <p:cxnSp>
+        <p:nvCxnSpPr>
+          <p:cNvPr id="40" name="Straight Arrow Connector 39"/>
+          <p:cNvCxnSpPr>
+            <a:stCxn id="36" idx="3"/>
+            <a:endCxn id="35" idx="1"/>
+          </p:cNvCxnSpPr>
+          <p:nvPr/>
+        </p:nvCxnSpPr>
+        <p:spPr>
+          <a:xfrm>
+            <a:off x="6324600" y="5181600"/>
+            <a:ext cx="533400" cy="0"/>
+          </a:xfrm>
+          <a:prstGeom prst="straightConnector1">
+            <a:avLst/>
+          </a:prstGeom>
+          <a:ln>
+            <a:tailEnd type="arrow"/>
+          </a:ln>
+        </p:spPr>
+        <p:style>
+          <a:lnRef idx="1">
+            <a:schemeClr val="accent1"/>
+          </a:lnRef>
+          <a:fillRef idx="0">
+            <a:schemeClr val="accent1"/>
+          </a:fillRef>
+          <a:effectRef idx="0">
+            <a:schemeClr val="accent1"/>
+          </a:effectRef>
+          <a:fontRef idx="minor">
+            <a:schemeClr val="tx1"/>
+          </a:fontRef>
+        </p:style>
+      </p:cxnSp>
+      <p:cxnSp>
+        <p:nvCxnSpPr>
+          <p:cNvPr id="41" name="Straight Arrow Connector 40"/>
+          <p:cNvCxnSpPr>
+            <a:stCxn id="35" idx="3"/>
+          </p:cNvCxnSpPr>
+          <p:nvPr/>
+        </p:nvCxnSpPr>
+        <p:spPr>
+          <a:xfrm>
+            <a:off x="7391400" y="5181600"/>
+            <a:ext cx="533400" cy="0"/>
+          </a:xfrm>
+          <a:prstGeom prst="straightConnector1">
+            <a:avLst/>
+          </a:prstGeom>
+          <a:ln>
+            <a:tailEnd type="arrow"/>
+          </a:ln>
+        </p:spPr>
+        <p:style>
+          <a:lnRef idx="1">
+            <a:schemeClr val="accent1"/>
+          </a:lnRef>
+          <a:fillRef idx="0">
+            <a:schemeClr val="accent1"/>
+          </a:fillRef>
+          <a:effectRef idx="0">
+            <a:schemeClr val="accent1"/>
+          </a:effectRef>
+          <a:fontRef idx="minor">
+            <a:schemeClr val="tx1"/>
+          </a:fontRef>
+        </p:style>
+      </p:cxnSp>
+      <p:sp>
+        <p:nvSpPr>
+          <p:cNvPr id="26" name="Slide Number Placeholder 25"/>
+          <p:cNvSpPr>
+            <a:spLocks noGrp="1"/>
+          </p:cNvSpPr>
+          <p:nvPr>
+            <p:ph type="sldNum" sz="quarter" idx="12"/>
+          </p:nvPr>
+        </p:nvSpPr>
+        <p:spPr/>
+        <p:txBody>
+          <a:bodyPr/>
+          <a:lstStyle/>
+          <a:p>
+            <a:fld id="{B6F15528-21DE-4FAA-801E-634DDDAF4B2B}" type="slidenum">
+              <a:rPr lang="en-US" smtClean="0"/>
+              <a:pPr/>
+              <a:t>4</a:t>
+            </a:fld>
+            <a:endParaRPr lang="en-US"/>
+          </a:p>
+        </p:txBody>
+      </p:sp>
+    </p:spTree>
+    <p:extLst>
+      <p:ext uri="{BB962C8B-B14F-4D97-AF65-F5344CB8AC3E}">
+        <p14:creationId xmlns:p14="http://schemas.microsoft.com/office/powerpoint/2010/main" val="1431761086"/>
+      </p:ext>
+    </p:extLst>
+  </p:cSld>
+  <p:clrMapOvr>
+    <a:masterClrMapping/>
+  </p:clrMapOvr>
+</p:sld>
+</file>
+
+<file path=ppt/slides/slide5.xml><?xml version="1.0" encoding="utf-8"?>
+<p:sld xmlns:a="http://schemas.openxmlformats.org/drawingml/2006/main" xmlns:r="http://schemas.openxmlformats.org/officeDocument/2006/relationships" xmlns:p="http://schemas.openxmlformats.org/presentationml/2006/main">
+  <p:cSld>
+    <p:spTree>
+      <p:nvGrpSpPr>
+        <p:cNvPr id="1" name=""/>
+        <p:cNvGrpSpPr/>
+        <p:nvPr/>
+      </p:nvGrpSpPr>
+      <p:grpSpPr>
+        <a:xfrm>
+          <a:off x="0" y="0"/>
+          <a:ext cx="0" cy="0"/>
+          <a:chOff x="0" y="0"/>
+          <a:chExt cx="0" cy="0"/>
+        </a:xfrm>
+      </p:grpSpPr>
+      <p:sp>
+        <p:nvSpPr>
+          <p:cNvPr id="2" name="Title 1"/>
+          <p:cNvSpPr>
+            <a:spLocks noGrp="1"/>
+          </p:cNvSpPr>
+          <p:nvPr>
+            <p:ph type="title"/>
+          </p:nvPr>
+        </p:nvSpPr>
+        <p:spPr/>
+        <p:txBody>
+          <a:bodyPr/>
+          <a:lstStyle/>
+          <a:p>
+            <a:r>
+              <a:rPr lang="en-IE" dirty="0" smtClean="0"/>
+              <a:t>Atomic Instructions</a:t>
+            </a:r>
+            <a:endParaRPr lang="en-IE" dirty="0"/>
+          </a:p>
+        </p:txBody>
+      </p:sp>
+      <p:sp>
+        <p:nvSpPr>
+          <p:cNvPr id="3" name="Content Placeholder 2"/>
+          <p:cNvSpPr>
+            <a:spLocks noGrp="1"/>
+          </p:cNvSpPr>
+          <p:nvPr>
+            <p:ph idx="1"/>
+          </p:nvPr>
+        </p:nvSpPr>
+        <p:spPr/>
+        <p:txBody>
+          <a:bodyPr>
+            <a:normAutofit fontScale="85000" lnSpcReduction="10000"/>
+          </a:bodyPr>
+          <a:lstStyle/>
+          <a:p>
+            <a:r>
+              <a:rPr lang="en-IE" dirty="0" smtClean="0"/>
+              <a:t>Compare-and-swap can be used </a:t>
+            </a:r>
+            <a:r>
+              <a:rPr lang="en-IE" dirty="0" err="1" smtClean="0"/>
+              <a:t>locklessly</a:t>
+            </a:r>
+            <a:r>
+              <a:rPr lang="en-IE" dirty="0" smtClean="0"/>
+              <a:t> </a:t>
+            </a:r>
+            <a:r>
+              <a:rPr lang="en-IE" dirty="0" smtClean="0"/>
+              <a:t>as </a:t>
+            </a:r>
+            <a:r>
+              <a:rPr lang="en-IE" dirty="0" smtClean="0"/>
+              <a:t>follows:</a:t>
+            </a:r>
+          </a:p>
+          <a:p>
+            <a:pPr marL="0" indent="0">
+              <a:buNone/>
+            </a:pPr>
+            <a:r>
+              <a:rPr lang="en-IE" sz="1900" dirty="0"/>
+              <a:t>if(</a:t>
+            </a:r>
+            <a:r>
+              <a:rPr lang="en-IE" sz="1900" dirty="0" err="1"/>
+              <a:t>std</a:t>
+            </a:r>
+            <a:r>
+              <a:rPr lang="en-IE" sz="1900" dirty="0"/>
+              <a:t>::</a:t>
+            </a:r>
+            <a:r>
+              <a:rPr lang="en-IE" sz="1900" dirty="0" err="1" smtClean="0"/>
+              <a:t>atomic_compare_exchange_strongAtomic</a:t>
+            </a:r>
+            <a:r>
+              <a:rPr lang="en-IE" sz="1900" dirty="0" smtClean="0"/>
+              <a:t> *</a:t>
+            </a:r>
+            <a:r>
+              <a:rPr lang="en-IE" sz="1900" dirty="0" err="1" smtClean="0"/>
+              <a:t>Obj</a:t>
+            </a:r>
+            <a:r>
+              <a:rPr lang="en-IE" sz="1900" dirty="0" smtClean="0"/>
+              <a:t>, *Expected, Desired))</a:t>
+            </a:r>
+            <a:endParaRPr lang="en-IE" sz="1900" dirty="0"/>
+          </a:p>
+          <a:p>
+            <a:pPr marL="0" indent="0">
+              <a:buNone/>
+            </a:pPr>
+            <a:r>
+              <a:rPr lang="en-IE" sz="1900" dirty="0" smtClean="0"/>
+              <a:t>{</a:t>
+            </a:r>
+            <a:endParaRPr lang="en-IE" sz="1900" dirty="0"/>
+          </a:p>
+          <a:p>
+            <a:pPr marL="0" indent="0">
+              <a:buNone/>
+            </a:pPr>
+            <a:r>
+              <a:rPr lang="en-IE" sz="1900" dirty="0"/>
+              <a:t>	</a:t>
+            </a:r>
+            <a:r>
+              <a:rPr lang="en-IE" sz="1900" dirty="0" smtClean="0"/>
+              <a:t>//Value of </a:t>
+            </a:r>
+            <a:r>
+              <a:rPr lang="en-IE" sz="1900" dirty="0" err="1" smtClean="0"/>
+              <a:t>Obj</a:t>
+            </a:r>
+            <a:r>
+              <a:rPr lang="en-IE" sz="1900" dirty="0" smtClean="0"/>
+              <a:t> was equal to Expected, now equal to Desired</a:t>
+            </a:r>
+            <a:endParaRPr lang="en-IE" sz="1900" dirty="0"/>
+          </a:p>
+          <a:p>
+            <a:pPr marL="0" indent="0">
+              <a:buNone/>
+            </a:pPr>
+            <a:r>
+              <a:rPr lang="en-IE" sz="1900" dirty="0" smtClean="0"/>
+              <a:t>}</a:t>
+            </a:r>
+            <a:endParaRPr lang="en-IE" sz="1900" dirty="0"/>
+          </a:p>
+          <a:p>
+            <a:pPr marL="0" indent="0">
+              <a:buNone/>
+            </a:pPr>
+            <a:endParaRPr lang="en-IE" dirty="0" smtClean="0"/>
+          </a:p>
+          <a:p>
+            <a:r>
+              <a:rPr lang="en-IE" dirty="0" smtClean="0"/>
+              <a:t>Similarly we can use compare-and-swap to implement a lock which will allow us to do the same </a:t>
+            </a:r>
+            <a:r>
+              <a:rPr lang="en-IE" dirty="0" smtClean="0"/>
+              <a:t>thing:</a:t>
+            </a:r>
+            <a:endParaRPr lang="en-IE" dirty="0" smtClean="0"/>
+          </a:p>
+          <a:p>
+            <a:pPr marL="0" indent="0">
+              <a:buNone/>
+            </a:pPr>
+            <a:r>
+              <a:rPr lang="en-IE" sz="1700" dirty="0" smtClean="0"/>
+              <a:t>while(true){                        	</a:t>
+            </a:r>
+          </a:p>
+          <a:p>
+            <a:pPr marL="0" indent="0">
+              <a:buNone/>
+            </a:pPr>
+            <a:r>
+              <a:rPr lang="en-IE" sz="1700" dirty="0"/>
+              <a:t>	</a:t>
+            </a:r>
+            <a:r>
+              <a:rPr lang="en-IE" sz="1700" dirty="0" smtClean="0"/>
+              <a:t>if(</a:t>
+            </a:r>
+            <a:r>
+              <a:rPr lang="en-IE" sz="1700" dirty="0" err="1" smtClean="0"/>
+              <a:t>lock.compare_exchange_weak</a:t>
+            </a:r>
+            <a:r>
+              <a:rPr lang="en-IE" sz="1700" dirty="0" smtClean="0"/>
+              <a:t>(0, 1))</a:t>
+            </a:r>
+            <a:r>
+              <a:rPr lang="en-IE" sz="1700" dirty="0"/>
+              <a:t>break</a:t>
+            </a:r>
+            <a:r>
+              <a:rPr lang="en-IE" sz="1700" dirty="0" smtClean="0"/>
+              <a:t>;//Try and acquire lock</a:t>
+            </a:r>
+            <a:endParaRPr lang="en-IE" sz="1700" dirty="0"/>
+          </a:p>
+          <a:p>
+            <a:pPr marL="0" indent="0">
+              <a:buNone/>
+            </a:pPr>
+            <a:r>
+              <a:rPr lang="en-IE" sz="1700" dirty="0" smtClean="0"/>
+              <a:t>	_</a:t>
+            </a:r>
+            <a:r>
+              <a:rPr lang="en-IE" sz="1700" dirty="0" err="1"/>
+              <a:t>mm_pause</a:t>
+            </a:r>
+            <a:r>
+              <a:rPr lang="en-IE" sz="1700" dirty="0"/>
+              <a:t>();</a:t>
+            </a:r>
+          </a:p>
+          <a:p>
+            <a:pPr marL="0" indent="0">
+              <a:buNone/>
+            </a:pPr>
+            <a:r>
+              <a:rPr lang="en-IE" sz="1700" dirty="0" smtClean="0"/>
+              <a:t>}</a:t>
+            </a:r>
+          </a:p>
+          <a:p>
+            <a:pPr marL="0" indent="0">
+              <a:buNone/>
+            </a:pPr>
+            <a:r>
+              <a:rPr lang="en-IE" sz="1700" dirty="0" smtClean="0"/>
+              <a:t>//Lock acquired, change value of head to new node</a:t>
+            </a:r>
+            <a:endParaRPr lang="en-IE" sz="1700" dirty="0"/>
+          </a:p>
+          <a:p>
+            <a:pPr marL="0" indent="0">
+              <a:buNone/>
+            </a:pPr>
+            <a:endParaRPr lang="en-IE" dirty="0" smtClean="0"/>
+          </a:p>
+          <a:p>
+            <a:pPr marL="0" indent="0">
+              <a:buNone/>
+            </a:pPr>
+            <a:endParaRPr lang="en-IE" dirty="0" smtClean="0"/>
+          </a:p>
+          <a:p>
+            <a:pPr marL="0" indent="0">
+              <a:buNone/>
+            </a:pPr>
+            <a:endParaRPr lang="en-IE" dirty="0"/>
+          </a:p>
+        </p:txBody>
+      </p:sp>
+      <p:cxnSp>
+        <p:nvCxnSpPr>
+          <p:cNvPr id="21" name="Straight Arrow Connector 20"/>
+          <p:cNvCxnSpPr/>
+          <p:nvPr/>
+        </p:nvCxnSpPr>
+        <p:spPr>
+          <a:xfrm>
+            <a:off x="2286000" y="6896100"/>
+            <a:ext cx="533400" cy="0"/>
+          </a:xfrm>
+          <a:prstGeom prst="straightConnector1">
+            <a:avLst/>
+          </a:prstGeom>
+          <a:ln>
+            <a:tailEnd type="arrow"/>
+          </a:ln>
+        </p:spPr>
+        <p:style>
+          <a:lnRef idx="1">
+            <a:schemeClr val="accent1"/>
+          </a:lnRef>
+          <a:fillRef idx="0">
+            <a:schemeClr val="accent1"/>
+          </a:fillRef>
+          <a:effectRef idx="0">
+            <a:schemeClr val="accent1"/>
+          </a:effectRef>
+          <a:fontRef idx="minor">
+            <a:schemeClr val="tx1"/>
+          </a:fontRef>
+        </p:style>
+      </p:cxnSp>
+      <p:sp>
+        <p:nvSpPr>
+          <p:cNvPr id="4" name="Slide Number Placeholder 3"/>
+          <p:cNvSpPr>
+            <a:spLocks noGrp="1"/>
+          </p:cNvSpPr>
+          <p:nvPr>
+            <p:ph type="sldNum" sz="quarter" idx="12"/>
+          </p:nvPr>
+        </p:nvSpPr>
+        <p:spPr/>
+        <p:txBody>
+          <a:bodyPr/>
+          <a:lstStyle/>
+          <a:p>
+            <a:fld id="{B6F15528-21DE-4FAA-801E-634DDDAF4B2B}" type="slidenum">
+              <a:rPr lang="en-US" smtClean="0"/>
+              <a:pPr/>
+              <a:t>5</a:t>
+            </a:fld>
+            <a:endParaRPr lang="en-US"/>
+          </a:p>
+        </p:txBody>
+      </p:sp>
+    </p:spTree>
+    <p:extLst>
+      <p:ext uri="{BB962C8B-B14F-4D97-AF65-F5344CB8AC3E}">
+        <p14:creationId xmlns:p14="http://schemas.microsoft.com/office/powerpoint/2010/main" val="3552071899"/>
+      </p:ext>
+    </p:extLst>
+  </p:cSld>
+  <p:clrMapOvr>
+    <a:masterClrMapping/>
+  </p:clrMapOvr>
+</p:sld>
+</file>
+
+<file path=ppt/slides/slide6.xml><?xml version="1.0" encoding="utf-8"?>
+<p:sld xmlns:a="http://schemas.openxmlformats.org/drawingml/2006/main" xmlns:r="http://schemas.openxmlformats.org/officeDocument/2006/relationships" xmlns:p="http://schemas.openxmlformats.org/presentationml/2006/main">
+  <p:cSld>
+    <p:spTree>
+      <p:nvGrpSpPr>
+        <p:cNvPr id="1" name=""/>
+        <p:cNvGrpSpPr/>
+        <p:nvPr/>
+      </p:nvGrpSpPr>
+      <p:grpSpPr>
+        <a:xfrm>
+          <a:off x="0" y="0"/>
+          <a:ext cx="0" cy="0"/>
+          <a:chOff x="0" y="0"/>
+          <a:chExt cx="0" cy="0"/>
+        </a:xfrm>
+      </p:grpSpPr>
+      <p:sp>
+        <p:nvSpPr>
+          <p:cNvPr id="2" name="Title 1"/>
+          <p:cNvSpPr>
+            <a:spLocks noGrp="1"/>
+          </p:cNvSpPr>
+          <p:nvPr>
+            <p:ph type="title"/>
+          </p:nvPr>
+        </p:nvSpPr>
+        <p:spPr/>
+        <p:txBody>
+          <a:bodyPr/>
+          <a:lstStyle/>
+          <a:p>
+            <a:r>
+              <a:rPr lang="en-IE" dirty="0" smtClean="0"/>
+              <a:t>Locking Algorithms</a:t>
+            </a:r>
+            <a:endParaRPr lang="en-IE" dirty="0"/>
+          </a:p>
+        </p:txBody>
+      </p:sp>
+      <p:sp>
+        <p:nvSpPr>
+          <p:cNvPr id="3" name="Content Placeholder 2"/>
+          <p:cNvSpPr>
+            <a:spLocks noGrp="1"/>
+          </p:cNvSpPr>
+          <p:nvPr>
+            <p:ph idx="1"/>
+          </p:nvPr>
+        </p:nvSpPr>
+        <p:spPr/>
+        <p:txBody>
+          <a:bodyPr>
+            <a:normAutofit fontScale="92500"/>
+          </a:bodyPr>
+          <a:lstStyle/>
+          <a:p>
+            <a:r>
+              <a:rPr lang="en-IE" dirty="0" smtClean="0"/>
+              <a:t>Locked</a:t>
+            </a:r>
+          </a:p>
+          <a:p>
+            <a:pPr lvl="1"/>
+            <a:r>
+              <a:rPr lang="en-IE" dirty="0" smtClean="0"/>
+              <a:t>Uses mutexes and </a:t>
+            </a:r>
+            <a:r>
+              <a:rPr lang="en-IE" dirty="0" smtClean="0"/>
+              <a:t>semaphores to acquire a </a:t>
+            </a:r>
+            <a:r>
+              <a:rPr lang="en-IE" dirty="0" smtClean="0"/>
+              <a:t>lock</a:t>
+            </a:r>
+          </a:p>
+          <a:p>
+            <a:pPr lvl="1"/>
+            <a:r>
+              <a:rPr lang="en-IE" dirty="0"/>
+              <a:t>B</a:t>
+            </a:r>
+            <a:r>
+              <a:rPr lang="en-IE" dirty="0" smtClean="0"/>
+              <a:t>locks </a:t>
+            </a:r>
+            <a:r>
+              <a:rPr lang="en-IE" dirty="0" smtClean="0"/>
+              <a:t>threads that do not have the lock</a:t>
+            </a:r>
+          </a:p>
+          <a:p>
+            <a:r>
+              <a:rPr lang="en-IE" dirty="0" smtClean="0"/>
+              <a:t>Lock </a:t>
+            </a:r>
+            <a:r>
+              <a:rPr lang="en-IE" dirty="0" smtClean="0"/>
+              <a:t>Free</a:t>
+            </a:r>
+          </a:p>
+          <a:p>
+            <a:pPr lvl="1"/>
+            <a:r>
+              <a:rPr lang="en-IE" dirty="0" smtClean="0"/>
+              <a:t>Uses </a:t>
+            </a:r>
+            <a:r>
+              <a:rPr lang="en-IE" dirty="0" smtClean="0"/>
+              <a:t>atomic instructions such as </a:t>
+            </a:r>
+            <a:r>
+              <a:rPr lang="en-IE" dirty="0" smtClean="0"/>
+              <a:t>compare-and-swap</a:t>
+            </a:r>
+          </a:p>
+          <a:p>
+            <a:pPr lvl="1"/>
+            <a:r>
+              <a:rPr lang="en-IE" dirty="0" smtClean="0"/>
+              <a:t>Guarantees </a:t>
+            </a:r>
+            <a:r>
+              <a:rPr lang="en-IE" dirty="0" smtClean="0"/>
+              <a:t>system-wide throughput with the chance of starvation</a:t>
+            </a:r>
+          </a:p>
+          <a:p>
+            <a:r>
+              <a:rPr lang="en-IE" dirty="0" smtClean="0"/>
+              <a:t>Wait </a:t>
+            </a:r>
+            <a:r>
+              <a:rPr lang="en-IE" dirty="0" smtClean="0"/>
+              <a:t>Free</a:t>
+            </a:r>
+          </a:p>
+          <a:p>
+            <a:pPr lvl="1"/>
+            <a:r>
+              <a:rPr lang="en-IE" dirty="0" smtClean="0"/>
+              <a:t>Similar </a:t>
+            </a:r>
+            <a:r>
+              <a:rPr lang="en-IE" dirty="0" smtClean="0"/>
+              <a:t>to lock free but is also starvation free</a:t>
+            </a:r>
+            <a:endParaRPr lang="en-IE" dirty="0"/>
+          </a:p>
+        </p:txBody>
+      </p:sp>
+      <p:sp>
+        <p:nvSpPr>
+          <p:cNvPr id="4" name="Slide Number Placeholder 3"/>
+          <p:cNvSpPr>
+            <a:spLocks noGrp="1"/>
+          </p:cNvSpPr>
+          <p:nvPr>
+            <p:ph type="sldNum" sz="quarter" idx="12"/>
+          </p:nvPr>
+        </p:nvSpPr>
+        <p:spPr/>
+        <p:txBody>
+          <a:bodyPr/>
+          <a:lstStyle/>
+          <a:p>
+            <a:fld id="{B6F15528-21DE-4FAA-801E-634DDDAF4B2B}" type="slidenum">
+              <a:rPr lang="en-US" smtClean="0"/>
+              <a:pPr/>
+              <a:t>6</a:t>
+            </a:fld>
+            <a:endParaRPr lang="en-US"/>
+          </a:p>
+        </p:txBody>
+      </p:sp>
+    </p:spTree>
+    <p:extLst>
+      <p:ext uri="{BB962C8B-B14F-4D97-AF65-F5344CB8AC3E}">
+        <p14:creationId xmlns:p14="http://schemas.microsoft.com/office/powerpoint/2010/main" val="1363304196"/>
+      </p:ext>
+    </p:extLst>
+  </p:cSld>
+  <p:clrMapOvr>
+    <a:masterClrMapping/>
+  </p:clrMapOvr>
+</p:sld>
+</file>
+
+<file path=ppt/slides/slide7.xml><?xml version="1.0" encoding="utf-8"?>
+<p:sld xmlns:a="http://schemas.openxmlformats.org/drawingml/2006/main" xmlns:r="http://schemas.openxmlformats.org/officeDocument/2006/relationships" xmlns:p="http://schemas.openxmlformats.org/presentationml/2006/main">
+  <p:cSld>
+    <p:spTree>
+      <p:nvGrpSpPr>
+        <p:cNvPr id="1" name=""/>
+        <p:cNvGrpSpPr/>
+        <p:nvPr/>
+      </p:nvGrpSpPr>
+      <p:grpSpPr>
+        <a:xfrm>
+          <a:off x="0" y="0"/>
+          <a:ext cx="0" cy="0"/>
+          <a:chOff x="0" y="0"/>
+          <a:chExt cx="0" cy="0"/>
+        </a:xfrm>
+      </p:grpSpPr>
+      <p:sp>
+        <p:nvSpPr>
+          <p:cNvPr id="2" name="Title 1"/>
+          <p:cNvSpPr>
+            <a:spLocks noGrp="1"/>
+          </p:cNvSpPr>
+          <p:nvPr>
+            <p:ph type="title"/>
+          </p:nvPr>
+        </p:nvSpPr>
+        <p:spPr/>
+        <p:txBody>
+          <a:bodyPr>
+            <a:normAutofit fontScale="90000"/>
+          </a:bodyPr>
+          <a:lstStyle/>
+          <a:p>
+            <a:r>
+              <a:rPr lang="en-IE" dirty="0" smtClean="0"/>
+              <a:t>Why are Concurrent Data </a:t>
+            </a:r>
+            <a:br>
+              <a:rPr lang="en-IE" dirty="0" smtClean="0"/>
+            </a:br>
+            <a:r>
+              <a:rPr lang="en-IE" dirty="0" smtClean="0"/>
+              <a:t>Structures Important?</a:t>
+            </a:r>
+            <a:endParaRPr lang="en-IE" dirty="0"/>
+          </a:p>
+        </p:txBody>
+      </p:sp>
+      <p:sp>
+        <p:nvSpPr>
+          <p:cNvPr id="3" name="Content Placeholder 2"/>
+          <p:cNvSpPr>
+            <a:spLocks noGrp="1"/>
+          </p:cNvSpPr>
+          <p:nvPr>
+            <p:ph idx="1"/>
+          </p:nvPr>
+        </p:nvSpPr>
+        <p:spPr/>
+        <p:txBody>
+          <a:bodyPr/>
+          <a:lstStyle/>
+          <a:p>
+            <a:r>
+              <a:rPr lang="en-IE" dirty="0" smtClean="0"/>
+              <a:t>Potential for high scalability</a:t>
+            </a:r>
+          </a:p>
+          <a:p>
+            <a:r>
+              <a:rPr lang="en-IE" dirty="0" smtClean="0"/>
+              <a:t>Better performance than serial implementations of the same data structure</a:t>
+            </a:r>
+          </a:p>
+          <a:p>
+            <a:pPr marL="0" indent="0">
+              <a:buNone/>
+            </a:pPr>
+            <a:endParaRPr lang="en-IE" dirty="0"/>
+          </a:p>
+        </p:txBody>
+      </p:sp>
+      <p:sp>
+        <p:nvSpPr>
+          <p:cNvPr id="4" name="Slide Number Placeholder 3"/>
+          <p:cNvSpPr>
+            <a:spLocks noGrp="1"/>
+          </p:cNvSpPr>
+          <p:nvPr>
+            <p:ph type="sldNum" sz="quarter" idx="12"/>
+          </p:nvPr>
+        </p:nvSpPr>
+        <p:spPr/>
+        <p:txBody>
+          <a:bodyPr/>
+          <a:lstStyle/>
+          <a:p>
+            <a:fld id="{B6F15528-21DE-4FAA-801E-634DDDAF4B2B}" type="slidenum">
+              <a:rPr lang="en-US" smtClean="0"/>
+              <a:pPr/>
+              <a:t>7</a:t>
+            </a:fld>
+            <a:endParaRPr lang="en-US"/>
+          </a:p>
+        </p:txBody>
+      </p:sp>
+    </p:spTree>
+    <p:extLst>
+      <p:ext uri="{BB962C8B-B14F-4D97-AF65-F5344CB8AC3E}">
+        <p14:creationId xmlns:p14="http://schemas.microsoft.com/office/powerpoint/2010/main" val="3358584582"/>
+      </p:ext>
+    </p:extLst>
+  </p:cSld>
+  <p:clrMapOvr>
+    <a:masterClrMapping/>
+  </p:clrMapOvr>
+</p:sld>
+</file>
+
+<file path=ppt/slides/slide8.xml><?xml version="1.0" encoding="utf-8"?>
+<p:sld xmlns:a="http://schemas.openxmlformats.org/drawingml/2006/main" xmlns:r="http://schemas.openxmlformats.org/officeDocument/2006/relationships" xmlns:p="http://schemas.openxmlformats.org/presentationml/2006/main">
+  <p:cSld>
+    <p:spTree>
+      <p:nvGrpSpPr>
+        <p:cNvPr id="1" name=""/>
+        <p:cNvGrpSpPr/>
+        <p:nvPr/>
+      </p:nvGrpSpPr>
+      <p:grpSpPr>
+        <a:xfrm>
+          <a:off x="0" y="0"/>
+          <a:ext cx="0" cy="0"/>
+          <a:chOff x="0" y="0"/>
+          <a:chExt cx="0" cy="0"/>
+        </a:xfrm>
+      </p:grpSpPr>
+      <p:sp>
+        <p:nvSpPr>
+          <p:cNvPr id="2" name="Title 1"/>
+          <p:cNvSpPr>
+            <a:spLocks noGrp="1"/>
+          </p:cNvSpPr>
+          <p:nvPr>
+            <p:ph type="title"/>
+          </p:nvPr>
+        </p:nvSpPr>
+        <p:spPr/>
+        <p:txBody>
+          <a:bodyPr/>
+          <a:lstStyle/>
+          <a:p>
+            <a:r>
+              <a:rPr lang="en-IE" dirty="0" smtClean="0"/>
+              <a:t>Background Work</a:t>
+            </a:r>
+            <a:endParaRPr lang="en-IE" dirty="0"/>
+          </a:p>
+        </p:txBody>
+      </p:sp>
+      <p:sp>
+        <p:nvSpPr>
+          <p:cNvPr id="3" name="Content Placeholder 2"/>
+          <p:cNvSpPr>
+            <a:spLocks noGrp="1"/>
+          </p:cNvSpPr>
+          <p:nvPr>
+            <p:ph idx="1"/>
+          </p:nvPr>
+        </p:nvSpPr>
+        <p:spPr/>
+        <p:txBody>
+          <a:bodyPr/>
+          <a:lstStyle/>
+          <a:p>
+            <a:r>
+              <a:rPr lang="en-IE" dirty="0" smtClean="0"/>
+              <a:t>Some of my references:</a:t>
+            </a:r>
+          </a:p>
+          <a:p>
+            <a:r>
+              <a:rPr lang="en-IE" dirty="0" smtClean="0"/>
+              <a:t>“The Art of Multiprocessor Programming”- Herlihy &amp; </a:t>
+            </a:r>
+            <a:r>
+              <a:rPr lang="en-IE" dirty="0" err="1" smtClean="0"/>
+              <a:t>Shavit</a:t>
+            </a:r>
+            <a:r>
+              <a:rPr lang="en-IE" dirty="0" smtClean="0"/>
+              <a:t> - 2008</a:t>
+            </a:r>
+          </a:p>
+          <a:p>
+            <a:r>
+              <a:rPr lang="en-IE" dirty="0" smtClean="0"/>
+              <a:t>“Designing Concurrent Data Structures” – </a:t>
+            </a:r>
+            <a:r>
+              <a:rPr lang="en-IE" dirty="0" err="1" smtClean="0"/>
+              <a:t>Moir</a:t>
+            </a:r>
+            <a:r>
+              <a:rPr lang="en-IE" dirty="0" smtClean="0"/>
+              <a:t> &amp; </a:t>
+            </a:r>
+            <a:r>
+              <a:rPr lang="en-IE" dirty="0" err="1" smtClean="0"/>
+              <a:t>Shavit</a:t>
+            </a:r>
+            <a:r>
+              <a:rPr lang="en-IE" dirty="0" smtClean="0"/>
+              <a:t> - 2001</a:t>
+            </a:r>
+          </a:p>
+          <a:p>
+            <a:r>
+              <a:rPr lang="en-IE" dirty="0" smtClean="0"/>
+              <a:t>“Implementing Concurrent Data Objects” – Herlihy </a:t>
+            </a:r>
+            <a:r>
+              <a:rPr lang="en-IE" dirty="0" smtClean="0"/>
+              <a:t>– 1993</a:t>
+            </a:r>
+          </a:p>
+        </p:txBody>
+      </p:sp>
+      <p:sp>
+        <p:nvSpPr>
+          <p:cNvPr id="4" name="Slide Number Placeholder 3"/>
+          <p:cNvSpPr>
+            <a:spLocks noGrp="1"/>
+          </p:cNvSpPr>
+          <p:nvPr>
+            <p:ph type="sldNum" sz="quarter" idx="12"/>
+          </p:nvPr>
+        </p:nvSpPr>
+        <p:spPr/>
+        <p:txBody>
+          <a:bodyPr/>
+          <a:lstStyle/>
+          <a:p>
+            <a:fld id="{B6F15528-21DE-4FAA-801E-634DDDAF4B2B}" type="slidenum">
+              <a:rPr lang="en-US" smtClean="0"/>
+              <a:pPr/>
+              <a:t>8</a:t>
+            </a:fld>
+            <a:endParaRPr lang="en-US"/>
+          </a:p>
+        </p:txBody>
+      </p:sp>
+    </p:spTree>
+    <p:extLst>
+      <p:ext uri="{BB962C8B-B14F-4D97-AF65-F5344CB8AC3E}">
+        <p14:creationId xmlns:p14="http://schemas.microsoft.com/office/powerpoint/2010/main" val="330873260"/>
+      </p:ext>
+    </p:extLst>
+  </p:cSld>
+  <p:clrMapOvr>
+    <a:masterClrMapping/>
+  </p:clrMapOvr>
+</p:sld>
+</file>
+
+<file path=ppt/slides/slide9.xml><?xml version="1.0" encoding="utf-8"?>
+<p:sld xmlns:a="http://schemas.openxmlformats.org/drawingml/2006/main" xmlns:r="http://schemas.openxmlformats.org/officeDocument/2006/relationships" xmlns:p="http://schemas.openxmlformats.org/presentationml/2006/main">
+  <p:cSld>
+    <p:spTree>
+      <p:nvGrpSpPr>
+        <p:cNvPr id="1" name=""/>
+        <p:cNvGrpSpPr/>
+        <p:nvPr/>
+      </p:nvGrpSpPr>
+      <p:grpSpPr>
+        <a:xfrm>
+          <a:off x="0" y="0"/>
+          <a:ext cx="0" cy="0"/>
+          <a:chOff x="0" y="0"/>
+          <a:chExt cx="0" cy="0"/>
+        </a:xfrm>
+      </p:grpSpPr>
+      <p:sp>
+        <p:nvSpPr>
+          <p:cNvPr id="2" name="Title 1"/>
+          <p:cNvSpPr>
+            <a:spLocks noGrp="1"/>
+          </p:cNvSpPr>
+          <p:nvPr>
+            <p:ph type="title"/>
+          </p:nvPr>
+        </p:nvSpPr>
+        <p:spPr/>
+        <p:txBody>
+          <a:bodyPr/>
+          <a:lstStyle/>
+          <a:p>
+            <a:r>
+              <a:rPr lang="en-IE" dirty="0" smtClean="0"/>
+              <a:t>What I have Done</a:t>
+            </a:r>
+            <a:endParaRPr lang="en-IE" dirty="0"/>
+          </a:p>
+        </p:txBody>
+      </p:sp>
+      <p:sp>
+        <p:nvSpPr>
+          <p:cNvPr id="3" name="Content Placeholder 2"/>
+          <p:cNvSpPr>
+            <a:spLocks noGrp="1"/>
+          </p:cNvSpPr>
+          <p:nvPr>
+            <p:ph idx="1"/>
+          </p:nvPr>
+        </p:nvSpPr>
+        <p:spPr/>
+        <p:txBody>
+          <a:bodyPr>
+            <a:normAutofit/>
+          </a:bodyPr>
+          <a:lstStyle/>
+          <a:p>
+            <a:r>
+              <a:rPr lang="en-IE" dirty="0" smtClean="0"/>
+              <a:t>Implemented 3 concurrent data structures</a:t>
+            </a:r>
+          </a:p>
+          <a:p>
+            <a:pPr lvl="1"/>
+            <a:r>
+              <a:rPr lang="en-IE" dirty="0" smtClean="0"/>
+              <a:t>Ring Buffer</a:t>
+            </a:r>
+          </a:p>
+          <a:p>
+            <a:pPr lvl="1"/>
+            <a:r>
+              <a:rPr lang="en-IE" dirty="0" smtClean="0"/>
+              <a:t>Linked List</a:t>
+            </a:r>
+          </a:p>
+          <a:p>
+            <a:pPr lvl="1"/>
+            <a:r>
+              <a:rPr lang="en-IE" dirty="0" smtClean="0"/>
+              <a:t>Hash Table</a:t>
+            </a:r>
+          </a:p>
+          <a:p>
+            <a:r>
+              <a:rPr lang="en-IE" dirty="0" smtClean="0"/>
+              <a:t>Implemented both locked and lockless variations</a:t>
+            </a:r>
+          </a:p>
+          <a:p>
+            <a:r>
+              <a:rPr lang="en-IE" dirty="0"/>
+              <a:t>C</a:t>
+            </a:r>
+            <a:r>
+              <a:rPr lang="en-IE" dirty="0" smtClean="0"/>
+              <a:t>ompared </a:t>
+            </a:r>
+            <a:r>
+              <a:rPr lang="en-IE" dirty="0" smtClean="0"/>
+              <a:t>them on 3 different </a:t>
+            </a:r>
+            <a:r>
+              <a:rPr lang="en-IE" dirty="0" smtClean="0"/>
+              <a:t>systems</a:t>
+            </a:r>
+            <a:endParaRPr lang="en-IE" dirty="0" smtClean="0"/>
+          </a:p>
+        </p:txBody>
+      </p:sp>
+      <p:sp>
+        <p:nvSpPr>
+          <p:cNvPr id="4" name="Slide Number Placeholder 3"/>
+          <p:cNvSpPr>
+            <a:spLocks noGrp="1"/>
+          </p:cNvSpPr>
+          <p:nvPr>
+            <p:ph type="sldNum" sz="quarter" idx="12"/>
+          </p:nvPr>
+        </p:nvSpPr>
+        <p:spPr/>
+        <p:txBody>
+          <a:bodyPr/>
+          <a:lstStyle/>
+          <a:p>
+            <a:fld id="{B6F15528-21DE-4FAA-801E-634DDDAF4B2B}" type="slidenum">
+              <a:rPr lang="en-US" smtClean="0"/>
+              <a:pPr/>
+              <a:t>9</a:t>
+            </a:fld>
+            <a:endParaRPr lang="en-US"/>
+          </a:p>
+        </p:txBody>
+      </p:sp>
+    </p:spTree>
+    <p:extLst>
+      <p:ext uri="{BB962C8B-B14F-4D97-AF65-F5344CB8AC3E}">
+        <p14:creationId xmlns:p14="http://schemas.microsoft.com/office/powerpoint/2010/main" val="351189580"/>
       </p:ext>
     </p:extLst>
   </p:cSld>

--- a/Report/FYP_Presentation.pptx
+++ b/Report/FYP_Presentation.pptx
@@ -439,11 +439,11 @@
         </c:dLbls>
         <c:marker val="1"/>
         <c:smooth val="0"/>
-        <c:axId val="34099584"/>
-        <c:axId val="34111488"/>
+        <c:axId val="74622848"/>
+        <c:axId val="74629120"/>
       </c:lineChart>
       <c:catAx>
-        <c:axId val="34099584"/>
+        <c:axId val="74622848"/>
         <c:scaling>
           <c:orientation val="minMax"/>
         </c:scaling>
@@ -472,7 +472,7 @@
         <c:majorTickMark val="out"/>
         <c:minorTickMark val="none"/>
         <c:tickLblPos val="nextTo"/>
-        <c:crossAx val="34111488"/>
+        <c:crossAx val="74629120"/>
         <c:crosses val="autoZero"/>
         <c:auto val="1"/>
         <c:lblAlgn val="ctr"/>
@@ -480,7 +480,7 @@
         <c:noMultiLvlLbl val="0"/>
       </c:catAx>
       <c:valAx>
-        <c:axId val="34111488"/>
+        <c:axId val="74629120"/>
         <c:scaling>
           <c:orientation val="minMax"/>
         </c:scaling>
@@ -510,7 +510,7 @@
         <c:majorTickMark val="out"/>
         <c:minorTickMark val="none"/>
         <c:tickLblPos val="nextTo"/>
-        <c:crossAx val="34099584"/>
+        <c:crossAx val="74622848"/>
         <c:crosses val="autoZero"/>
         <c:crossBetween val="between"/>
       </c:valAx>
@@ -830,11 +830,11 @@
         </c:dLbls>
         <c:marker val="1"/>
         <c:smooth val="0"/>
-        <c:axId val="43938176"/>
-        <c:axId val="43940480"/>
+        <c:axId val="74664960"/>
+        <c:axId val="74675328"/>
       </c:lineChart>
       <c:catAx>
-        <c:axId val="43938176"/>
+        <c:axId val="74664960"/>
         <c:scaling>
           <c:orientation val="minMax"/>
         </c:scaling>
@@ -863,7 +863,7 @@
         <c:majorTickMark val="out"/>
         <c:minorTickMark val="none"/>
         <c:tickLblPos val="nextTo"/>
-        <c:crossAx val="43940480"/>
+        <c:crossAx val="74675328"/>
         <c:crosses val="autoZero"/>
         <c:auto val="1"/>
         <c:lblAlgn val="ctr"/>
@@ -871,7 +871,7 @@
         <c:noMultiLvlLbl val="0"/>
       </c:catAx>
       <c:valAx>
-        <c:axId val="43940480"/>
+        <c:axId val="74675328"/>
         <c:scaling>
           <c:orientation val="minMax"/>
         </c:scaling>
@@ -901,7 +901,7 @@
         <c:majorTickMark val="out"/>
         <c:minorTickMark val="none"/>
         <c:tickLblPos val="nextTo"/>
-        <c:crossAx val="43938176"/>
+        <c:crossAx val="74664960"/>
         <c:crosses val="autoZero"/>
         <c:crossBetween val="between"/>
       </c:valAx>
@@ -1221,11 +1221,11 @@
         </c:dLbls>
         <c:marker val="1"/>
         <c:smooth val="0"/>
-        <c:axId val="78711424"/>
-        <c:axId val="78721792"/>
+        <c:axId val="75907456"/>
+        <c:axId val="75909376"/>
       </c:lineChart>
       <c:catAx>
-        <c:axId val="78711424"/>
+        <c:axId val="75907456"/>
         <c:scaling>
           <c:orientation val="minMax"/>
         </c:scaling>
@@ -1254,7 +1254,7 @@
         <c:majorTickMark val="out"/>
         <c:minorTickMark val="none"/>
         <c:tickLblPos val="nextTo"/>
-        <c:crossAx val="78721792"/>
+        <c:crossAx val="75909376"/>
         <c:crosses val="autoZero"/>
         <c:auto val="1"/>
         <c:lblAlgn val="ctr"/>
@@ -1262,7 +1262,7 @@
         <c:noMultiLvlLbl val="0"/>
       </c:catAx>
       <c:valAx>
-        <c:axId val="78721792"/>
+        <c:axId val="75909376"/>
         <c:scaling>
           <c:orientation val="minMax"/>
         </c:scaling>
@@ -1292,7 +1292,7 @@
         <c:majorTickMark val="out"/>
         <c:minorTickMark val="none"/>
         <c:tickLblPos val="nextTo"/>
-        <c:crossAx val="78711424"/>
+        <c:crossAx val="75907456"/>
         <c:crosses val="autoZero"/>
         <c:crossBetween val="between"/>
       </c:valAx>
@@ -1525,11 +1525,11 @@
         </c:dLbls>
         <c:marker val="1"/>
         <c:smooth val="0"/>
-        <c:axId val="42408960"/>
-        <c:axId val="42939904"/>
+        <c:axId val="76223232"/>
+        <c:axId val="76225152"/>
       </c:lineChart>
       <c:catAx>
-        <c:axId val="42408960"/>
+        <c:axId val="76223232"/>
         <c:scaling>
           <c:orientation val="minMax"/>
         </c:scaling>
@@ -1558,7 +1558,7 @@
         <c:majorTickMark val="out"/>
         <c:minorTickMark val="none"/>
         <c:tickLblPos val="nextTo"/>
-        <c:crossAx val="42939904"/>
+        <c:crossAx val="76225152"/>
         <c:crosses val="autoZero"/>
         <c:auto val="1"/>
         <c:lblAlgn val="ctr"/>
@@ -1566,7 +1566,7 @@
         <c:noMultiLvlLbl val="0"/>
       </c:catAx>
       <c:valAx>
-        <c:axId val="42939904"/>
+        <c:axId val="76225152"/>
         <c:scaling>
           <c:orientation val="minMax"/>
         </c:scaling>
@@ -1596,7 +1596,7 @@
         <c:majorTickMark val="out"/>
         <c:minorTickMark val="none"/>
         <c:tickLblPos val="nextTo"/>
-        <c:crossAx val="42408960"/>
+        <c:crossAx val="76223232"/>
         <c:crosses val="autoZero"/>
         <c:crossBetween val="between"/>
       </c:valAx>
@@ -1829,11 +1829,11 @@
         </c:dLbls>
         <c:marker val="1"/>
         <c:smooth val="0"/>
-        <c:axId val="78736768"/>
-        <c:axId val="81105664"/>
+        <c:axId val="76244096"/>
+        <c:axId val="76246016"/>
       </c:lineChart>
       <c:catAx>
-        <c:axId val="78736768"/>
+        <c:axId val="76244096"/>
         <c:scaling>
           <c:orientation val="minMax"/>
         </c:scaling>
@@ -1862,7 +1862,7 @@
         <c:majorTickMark val="out"/>
         <c:minorTickMark val="none"/>
         <c:tickLblPos val="nextTo"/>
-        <c:crossAx val="81105664"/>
+        <c:crossAx val="76246016"/>
         <c:crosses val="autoZero"/>
         <c:auto val="1"/>
         <c:lblAlgn val="ctr"/>
@@ -1870,7 +1870,7 @@
         <c:noMultiLvlLbl val="0"/>
       </c:catAx>
       <c:valAx>
-        <c:axId val="81105664"/>
+        <c:axId val="76246016"/>
         <c:scaling>
           <c:orientation val="minMax"/>
         </c:scaling>
@@ -1900,7 +1900,7 @@
         <c:majorTickMark val="out"/>
         <c:minorTickMark val="none"/>
         <c:tickLblPos val="nextTo"/>
-        <c:crossAx val="78736768"/>
+        <c:crossAx val="76244096"/>
         <c:crosses val="autoZero"/>
         <c:crossBetween val="between"/>
       </c:valAx>
@@ -2133,11 +2133,11 @@
         </c:dLbls>
         <c:marker val="1"/>
         <c:smooth val="0"/>
-        <c:axId val="83867904"/>
-        <c:axId val="86352256"/>
+        <c:axId val="73082368"/>
+        <c:axId val="73084288"/>
       </c:lineChart>
       <c:catAx>
-        <c:axId val="83867904"/>
+        <c:axId val="73082368"/>
         <c:scaling>
           <c:orientation val="minMax"/>
         </c:scaling>
@@ -2166,7 +2166,7 @@
         <c:majorTickMark val="out"/>
         <c:minorTickMark val="none"/>
         <c:tickLblPos val="nextTo"/>
-        <c:crossAx val="86352256"/>
+        <c:crossAx val="73084288"/>
         <c:crosses val="autoZero"/>
         <c:auto val="1"/>
         <c:lblAlgn val="ctr"/>
@@ -2174,7 +2174,7 @@
         <c:noMultiLvlLbl val="0"/>
       </c:catAx>
       <c:valAx>
-        <c:axId val="86352256"/>
+        <c:axId val="73084288"/>
         <c:scaling>
           <c:orientation val="minMax"/>
         </c:scaling>
@@ -2204,7 +2204,7 @@
         <c:majorTickMark val="out"/>
         <c:minorTickMark val="none"/>
         <c:tickLblPos val="nextTo"/>
-        <c:crossAx val="83867904"/>
+        <c:crossAx val="73082368"/>
         <c:crosses val="autoZero"/>
         <c:crossBetween val="between"/>
       </c:valAx>
@@ -2306,7 +2306,7 @@
           <a:p>
             <a:fld id="{BC8F7A16-14FD-4EB5-B1E6-1AFC570F7645}" type="datetimeFigureOut">
               <a:rPr lang="en-IE" smtClean="0"/>
-              <a:t>31/03/2014</a:t>
+              <a:t>02/04/2014</a:t>
             </a:fld>
             <a:endParaRPr lang="en-IE"/>
           </a:p>
@@ -2755,7 +2755,7 @@
           <a:p>
             <a:fld id="{88460CD9-5D16-4ACF-BEBF-7066784FD23F}" type="datetime1">
               <a:rPr lang="en-US" smtClean="0"/>
-              <a:t>3/31/2014</a:t>
+              <a:t>4/2/2014</a:t>
             </a:fld>
             <a:endParaRPr lang="en-US"/>
           </a:p>
@@ -2921,7 +2921,7 @@
           <a:p>
             <a:fld id="{2EB6E1CB-20B3-40D1-9280-71D244A83D8E}" type="datetime1">
               <a:rPr lang="en-US" smtClean="0"/>
-              <a:t>3/31/2014</a:t>
+              <a:t>4/2/2014</a:t>
             </a:fld>
             <a:endParaRPr lang="en-US"/>
           </a:p>
@@ -3097,7 +3097,7 @@
           <a:p>
             <a:fld id="{0494C836-D170-47AB-BC1C-A40B02EA525C}" type="datetime1">
               <a:rPr lang="en-US" smtClean="0"/>
-              <a:t>3/31/2014</a:t>
+              <a:t>4/2/2014</a:t>
             </a:fld>
             <a:endParaRPr lang="en-US"/>
           </a:p>
@@ -3263,7 +3263,7 @@
           <a:p>
             <a:fld id="{DFE89DDC-7AE9-4FE4-BA33-76B64857618B}" type="datetime1">
               <a:rPr lang="en-US" smtClean="0"/>
-              <a:t>3/31/2014</a:t>
+              <a:t>4/2/2014</a:t>
             </a:fld>
             <a:endParaRPr lang="en-US"/>
           </a:p>
@@ -3505,7 +3505,7 @@
           <a:p>
             <a:fld id="{C40309E5-2AB2-44B0-842B-FFC1C21D7168}" type="datetime1">
               <a:rPr lang="en-US" smtClean="0"/>
-              <a:t>3/31/2014</a:t>
+              <a:t>4/2/2014</a:t>
             </a:fld>
             <a:endParaRPr lang="en-US"/>
           </a:p>
@@ -3789,7 +3789,7 @@
           <a:p>
             <a:fld id="{EFE4F76C-5CC4-4148-84B3-29C608D1B1A3}" type="datetime1">
               <a:rPr lang="en-US" smtClean="0"/>
-              <a:t>3/31/2014</a:t>
+              <a:t>4/2/2014</a:t>
             </a:fld>
             <a:endParaRPr lang="en-US"/>
           </a:p>
@@ -4207,7 +4207,7 @@
           <a:p>
             <a:fld id="{F799A748-9D51-4EBA-A2BB-364788F562A6}" type="datetime1">
               <a:rPr lang="en-US" smtClean="0"/>
-              <a:t>3/31/2014</a:t>
+              <a:t>4/2/2014</a:t>
             </a:fld>
             <a:endParaRPr lang="en-US"/>
           </a:p>
@@ -4321,7 +4321,7 @@
           <a:p>
             <a:fld id="{FC418AC3-0503-4A47-B753-104DE3F81EB2}" type="datetime1">
               <a:rPr lang="en-US" smtClean="0"/>
-              <a:t>3/31/2014</a:t>
+              <a:t>4/2/2014</a:t>
             </a:fld>
             <a:endParaRPr lang="en-US"/>
           </a:p>
@@ -4412,7 +4412,7 @@
           <a:p>
             <a:fld id="{A92A8CA2-BD65-4679-B58B-40912BF64724}" type="datetime1">
               <a:rPr lang="en-US" smtClean="0"/>
-              <a:t>3/31/2014</a:t>
+              <a:t>4/2/2014</a:t>
             </a:fld>
             <a:endParaRPr lang="en-US"/>
           </a:p>
@@ -4685,7 +4685,7 @@
           <a:p>
             <a:fld id="{27371409-E6EB-4850-B52B-DEFD041F2A9E}" type="datetime1">
               <a:rPr lang="en-US" smtClean="0"/>
-              <a:t>3/31/2014</a:t>
+              <a:t>4/2/2014</a:t>
             </a:fld>
             <a:endParaRPr lang="en-US"/>
           </a:p>
@@ -4934,7 +4934,7 @@
           <a:p>
             <a:fld id="{0788A745-EB1A-421D-92BA-3BAC39737967}" type="datetime1">
               <a:rPr lang="en-US" smtClean="0"/>
-              <a:t>3/31/2014</a:t>
+              <a:t>4/2/2014</a:t>
             </a:fld>
             <a:endParaRPr lang="en-US"/>
           </a:p>
@@ -5143,7 +5143,7 @@
           <a:p>
             <a:fld id="{B8673A36-D0E0-4555-9432-9FA894708CFE}" type="datetime1">
               <a:rPr lang="en-US" smtClean="0"/>
-              <a:t>3/31/2014</a:t>
+              <a:t>4/2/2014</a:t>
             </a:fld>
             <a:endParaRPr lang="en-US"/>
           </a:p>
@@ -5656,11 +5656,7 @@
           <a:p>
             <a:r>
               <a:rPr lang="en-IE" dirty="0" smtClean="0"/>
-              <a:t>Locked </a:t>
-            </a:r>
-            <a:r>
-              <a:rPr lang="en-IE" dirty="0" smtClean="0"/>
-              <a:t>Variations</a:t>
+              <a:t>Locked Variations</a:t>
             </a:r>
           </a:p>
           <a:p>
@@ -5691,59 +5687,30 @@
               <a:rPr lang="en-IE" dirty="0" smtClean="0"/>
               <a:t>ompare-and-swap</a:t>
             </a:r>
-            <a:endParaRPr lang="en-IE" dirty="0" smtClean="0"/>
           </a:p>
           <a:p>
             <a:r>
               <a:rPr lang="en-IE" dirty="0" smtClean="0"/>
-              <a:t>Lockless </a:t>
-            </a:r>
+              <a:t>Lockless Variations</a:t>
+            </a:r>
+          </a:p>
+          <a:p>
+            <a:pPr lvl="1"/>
             <a:r>
               <a:rPr lang="en-IE" dirty="0" smtClean="0"/>
-              <a:t>Variations</a:t>
-            </a:r>
-          </a:p>
-          <a:p>
-            <a:pPr lvl="1"/>
+              <a:t>C++11 atomic library operations</a:t>
+            </a:r>
+          </a:p>
+          <a:p>
             <a:r>
               <a:rPr lang="en-IE" dirty="0" smtClean="0"/>
-              <a:t>C</a:t>
-            </a:r>
+              <a:t>Multi Producer Multi Consumer (MPMC) </a:t>
+            </a:r>
+          </a:p>
+          <a:p>
             <a:r>
               <a:rPr lang="en-IE" dirty="0" smtClean="0"/>
-              <a:t>++11 atomic library operations</a:t>
-            </a:r>
-          </a:p>
-          <a:p>
-            <a:r>
-              <a:rPr lang="en-IE" dirty="0" smtClean="0"/>
-              <a:t>Multi </a:t>
-            </a:r>
-            <a:r>
-              <a:rPr lang="en-IE" dirty="0" smtClean="0"/>
-              <a:t>Producer Multi Consumer (MPMC</a:t>
-            </a:r>
-            <a:r>
-              <a:rPr lang="en-IE" dirty="0" smtClean="0"/>
-              <a:t>) </a:t>
-            </a:r>
-          </a:p>
-          <a:p>
-            <a:r>
-              <a:rPr lang="en-IE" dirty="0" smtClean="0"/>
-              <a:t>Single </a:t>
-            </a:r>
-            <a:r>
-              <a:rPr lang="en-IE" dirty="0" smtClean="0"/>
-              <a:t>Producer </a:t>
-            </a:r>
-            <a:r>
-              <a:rPr lang="en-IE" dirty="0" smtClean="0"/>
-              <a:t>Single </a:t>
-            </a:r>
-            <a:r>
-              <a:rPr lang="en-IE" dirty="0" smtClean="0"/>
-              <a:t>Consumer (SPSC)</a:t>
+              <a:t>Single Producer Single Consumer (SPSC)</a:t>
             </a:r>
             <a:endParaRPr lang="en-IE" dirty="0"/>
           </a:p>
@@ -5858,17 +5825,12 @@
               <a:rPr lang="en-IE" dirty="0" smtClean="0"/>
               <a:t>MPMC Locked</a:t>
             </a:r>
-            <a:endParaRPr lang="en-IE" dirty="0" smtClean="0"/>
           </a:p>
           <a:p>
             <a:pPr lvl="1"/>
             <a:r>
               <a:rPr lang="en-IE" dirty="0" smtClean="0"/>
-              <a:t>SPSC </a:t>
-            </a:r>
-            <a:r>
-              <a:rPr lang="en-IE" dirty="0" smtClean="0"/>
-              <a:t>Lockless</a:t>
+              <a:t>SPSC Lockless</a:t>
             </a:r>
             <a:endParaRPr lang="en-IE" dirty="0"/>
           </a:p>
@@ -5976,13 +5938,8 @@
             </a:r>
             <a:r>
               <a:rPr lang="en-IE" dirty="0" smtClean="0"/>
-              <a:t>inked </a:t>
-            </a:r>
-            <a:r>
-              <a:rPr lang="en-IE" dirty="0" smtClean="0"/>
-              <a:t>List – Locked/Lockless</a:t>
-            </a:r>
-            <a:endParaRPr lang="en-IE" dirty="0" smtClean="0"/>
+              <a:t>inked List – Locked/Lockless</a:t>
+            </a:r>
           </a:p>
           <a:p>
             <a:pPr marL="0" indent="0">
@@ -7746,22 +7703,14 @@
           <a:p>
             <a:r>
               <a:rPr lang="en-IE" dirty="0" smtClean="0"/>
-              <a:t>Closed </a:t>
-            </a:r>
+              <a:t>Closed Addressing</a:t>
+            </a:r>
+          </a:p>
+          <a:p>
+            <a:pPr lvl="1"/>
             <a:r>
               <a:rPr lang="en-IE" dirty="0" smtClean="0"/>
-              <a:t>Addressing</a:t>
-            </a:r>
-          </a:p>
-          <a:p>
-            <a:pPr lvl="1"/>
-            <a:r>
-              <a:rPr lang="en-IE" dirty="0" smtClean="0"/>
-              <a:t>Collisions </a:t>
-            </a:r>
-            <a:r>
-              <a:rPr lang="en-IE" dirty="0" smtClean="0"/>
-              <a:t>are added onto a linked list</a:t>
+              <a:t>Collisions are added onto a linked list</a:t>
             </a:r>
           </a:p>
           <a:p>
@@ -7780,11 +7729,7 @@
             <a:pPr lvl="1"/>
             <a:r>
               <a:rPr lang="en-IE" dirty="0" smtClean="0"/>
-              <a:t>MPMC </a:t>
-            </a:r>
-            <a:r>
-              <a:rPr lang="en-IE" dirty="0" smtClean="0"/>
-              <a:t>Globally Locked Hash Table </a:t>
+              <a:t>MPMC Globally Locked Hash Table </a:t>
             </a:r>
           </a:p>
           <a:p>
@@ -7928,15 +7873,7 @@
             </a:r>
             <a:r>
               <a:rPr lang="en-IE" sz="3200" dirty="0" smtClean="0"/>
-              <a:t>(</a:t>
-            </a:r>
-            <a:r>
-              <a:rPr lang="en-IE" sz="3200" dirty="0" smtClean="0"/>
-              <a:t>Ivy Bridge EX 22nm</a:t>
-            </a:r>
-            <a:r>
-              <a:rPr lang="en-IE" sz="3200" dirty="0" smtClean="0"/>
-              <a:t>, </a:t>
+              <a:t>(Ivy Bridge EX 22nm, </a:t>
             </a:r>
             <a:r>
               <a:rPr lang="en-IE" sz="3200" dirty="0"/>
@@ -8096,20 +8033,11 @@
               <a:rPr lang="en-IE" dirty="0" smtClean="0"/>
               <a:t>Locked vs Lockless</a:t>
             </a:r>
-            <a:endParaRPr lang="en-IE" dirty="0" smtClean="0"/>
           </a:p>
           <a:p>
             <a:r>
               <a:rPr lang="en-IE" dirty="0" smtClean="0"/>
-              <a:t>Used </a:t>
-            </a:r>
-            <a:r>
-              <a:rPr lang="en-IE" dirty="0" smtClean="0"/>
-              <a:t>Hardware Performance </a:t>
-            </a:r>
-            <a:r>
-              <a:rPr lang="en-IE" dirty="0" smtClean="0"/>
-              <a:t>Counters</a:t>
+              <a:t>Used Hardware Performance Counters</a:t>
             </a:r>
           </a:p>
           <a:p>
@@ -8138,15 +8066,7 @@
             <a:pPr lvl="1"/>
             <a:r>
               <a:rPr lang="en-IE" dirty="0" smtClean="0"/>
-              <a:t>R</a:t>
-            </a:r>
-            <a:r>
-              <a:rPr lang="en-IE" dirty="0" smtClean="0"/>
-              <a:t>ecord </a:t>
-            </a:r>
-            <a:r>
-              <a:rPr lang="en-IE" dirty="0" smtClean="0"/>
-              <a:t>cache misses, </a:t>
+              <a:t>Record cache misses, </a:t>
             </a:r>
             <a:r>
               <a:rPr lang="en-IE" dirty="0" err="1" smtClean="0"/>
@@ -8653,22 +8573,14 @@
           <a:p>
             <a:r>
               <a:rPr lang="en-IE" dirty="0" smtClean="0"/>
-              <a:t>Concurrent Data </a:t>
-            </a:r>
+              <a:t>Concurrent Data Structure</a:t>
+            </a:r>
+          </a:p>
+          <a:p>
+            <a:pPr lvl="1"/>
             <a:r>
               <a:rPr lang="en-IE" dirty="0" smtClean="0"/>
-              <a:t>Structure</a:t>
-            </a:r>
-          </a:p>
-          <a:p>
-            <a:pPr lvl="1"/>
-            <a:r>
-              <a:rPr lang="en-IE" dirty="0" smtClean="0"/>
-              <a:t>Designed </a:t>
-            </a:r>
-            <a:r>
-              <a:rPr lang="en-IE" dirty="0" smtClean="0"/>
-              <a:t>for access by multiple threads</a:t>
+              <a:t>Designed for access by multiple threads</a:t>
             </a:r>
           </a:p>
           <a:p>
@@ -8971,13 +8883,8 @@
           <a:p>
             <a:r>
               <a:rPr lang="en-IE" dirty="0" smtClean="0"/>
-              <a:t>Sample of Hardware Performance Counter Data from previous </a:t>
-            </a:r>
-            <a:r>
-              <a:rPr lang="en-IE" dirty="0" smtClean="0"/>
-              <a:t>slide (Cube):</a:t>
-            </a:r>
-            <a:endParaRPr lang="en-IE" dirty="0" smtClean="0"/>
+              <a:t>Sample of Hardware Performance Counter Data from previous slide (Cube):</a:t>
+            </a:r>
           </a:p>
           <a:p>
             <a:pPr marL="0" indent="0">
@@ -9311,8 +9218,12 @@
           <a:p>
             <a:pPr lvl="1"/>
             <a:r>
+              <a:rPr lang="en-IE" smtClean="0"/>
+              <a:t>Generally provide </a:t>
+            </a:r>
+            <a:r>
               <a:rPr lang="en-IE" dirty="0" smtClean="0"/>
-              <a:t>Generally provides a performance boost when compared to locked algorithms</a:t>
+              <a:t>a performance boost when compared to locked algorithms</a:t>
             </a:r>
           </a:p>
           <a:p>
@@ -9321,7 +9232,6 @@
               <a:rPr lang="en-IE" dirty="0" smtClean="0"/>
               <a:t>There are always exceptions</a:t>
             </a:r>
-            <a:endParaRPr lang="en-IE" dirty="0" smtClean="0"/>
           </a:p>
           <a:p>
             <a:pPr marL="0" indent="0">
@@ -9491,7 +9401,6 @@
               <a:rPr lang="en-IE" dirty="0" smtClean="0"/>
               <a:t>Hash Table</a:t>
             </a:r>
-            <a:endParaRPr lang="en-IE" dirty="0" smtClean="0"/>
           </a:p>
           <a:p>
             <a:pPr marL="0" indent="0">
@@ -9661,7 +9570,6 @@
               <a:rPr lang="en-IE" dirty="0" smtClean="0"/>
               <a:t>	}</a:t>
             </a:r>
-            <a:endParaRPr lang="en-IE" dirty="0" smtClean="0"/>
           </a:p>
           <a:p>
             <a:endParaRPr lang="en-IE" dirty="0"/>
@@ -9762,13 +9670,8 @@
           <a:p>
             <a:r>
               <a:rPr lang="en-IE" dirty="0" smtClean="0"/>
-              <a:t>Can use compare-and-swap </a:t>
-            </a:r>
-            <a:r>
-              <a:rPr lang="en-IE" dirty="0" smtClean="0"/>
-              <a:t>to atomically add a node to the head of a linked list:</a:t>
-            </a:r>
-            <a:endParaRPr lang="en-IE" dirty="0" smtClean="0"/>
+              <a:t>Can use compare-and-swap to atomically add a node to the head of a linked list:</a:t>
+            </a:r>
           </a:p>
           <a:p>
             <a:pPr marL="0" indent="0">
@@ -11175,15 +11078,7 @@
             </a:r>
             <a:r>
               <a:rPr lang="en-IE" dirty="0" smtClean="0"/>
-              <a:t> </a:t>
-            </a:r>
-            <a:r>
-              <a:rPr lang="en-IE" dirty="0" smtClean="0"/>
-              <a:t>as </a:t>
-            </a:r>
-            <a:r>
-              <a:rPr lang="en-IE" dirty="0" smtClean="0"/>
-              <a:t>follows:</a:t>
+              <a:t> as follows:</a:t>
             </a:r>
           </a:p>
           <a:p>
@@ -11271,13 +11166,8 @@
           <a:p>
             <a:r>
               <a:rPr lang="en-IE" dirty="0" smtClean="0"/>
-              <a:t>Similarly we can use compare-and-swap to implement a lock which will allow us to do the same </a:t>
-            </a:r>
-            <a:r>
-              <a:rPr lang="en-IE" dirty="0" smtClean="0"/>
-              <a:t>thing:</a:t>
-            </a:r>
-            <a:endParaRPr lang="en-IE" dirty="0" smtClean="0"/>
+              <a:t>Similarly we can use compare-and-swap to implement a lock which will allow us to do the same thing:</a:t>
+            </a:r>
           </a:p>
           <a:p>
             <a:pPr marL="0" indent="0">
@@ -11510,15 +11400,7 @@
             <a:pPr lvl="1"/>
             <a:r>
               <a:rPr lang="en-IE" dirty="0" smtClean="0"/>
-              <a:t>Uses mutexes and </a:t>
-            </a:r>
-            <a:r>
-              <a:rPr lang="en-IE" dirty="0" smtClean="0"/>
-              <a:t>semaphores to acquire a </a:t>
-            </a:r>
-            <a:r>
-              <a:rPr lang="en-IE" dirty="0" smtClean="0"/>
-              <a:t>lock</a:t>
+              <a:t>Uses mutexes and semaphores to acquire a lock</a:t>
             </a:r>
           </a:p>
           <a:p>
@@ -11529,68 +11411,40 @@
             </a:r>
             <a:r>
               <a:rPr lang="en-IE" dirty="0" smtClean="0"/>
-              <a:t>locks </a:t>
-            </a:r>
+              <a:t>locks threads that do not have the lock</a:t>
+            </a:r>
+          </a:p>
+          <a:p>
             <a:r>
               <a:rPr lang="en-IE" dirty="0" smtClean="0"/>
-              <a:t>threads that do not have the lock</a:t>
-            </a:r>
-          </a:p>
-          <a:p>
+              <a:t>Lock Free</a:t>
+            </a:r>
+          </a:p>
+          <a:p>
+            <a:pPr lvl="1"/>
             <a:r>
               <a:rPr lang="en-IE" dirty="0" smtClean="0"/>
-              <a:t>Lock </a:t>
-            </a:r>
+              <a:t>Uses atomic instructions such as compare-and-swap</a:t>
+            </a:r>
+          </a:p>
+          <a:p>
+            <a:pPr lvl="1"/>
             <a:r>
               <a:rPr lang="en-IE" dirty="0" smtClean="0"/>
-              <a:t>Free</a:t>
+              <a:t>Guarantees system-wide throughput with the chance of starvation</a:t>
+            </a:r>
+          </a:p>
+          <a:p>
+            <a:r>
+              <a:rPr lang="en-IE" dirty="0" smtClean="0"/>
+              <a:t>Wait Free</a:t>
             </a:r>
           </a:p>
           <a:p>
             <a:pPr lvl="1"/>
             <a:r>
               <a:rPr lang="en-IE" dirty="0" smtClean="0"/>
-              <a:t>Uses </a:t>
-            </a:r>
-            <a:r>
-              <a:rPr lang="en-IE" dirty="0" smtClean="0"/>
-              <a:t>atomic instructions such as </a:t>
-            </a:r>
-            <a:r>
-              <a:rPr lang="en-IE" dirty="0" smtClean="0"/>
-              <a:t>compare-and-swap</a:t>
-            </a:r>
-          </a:p>
-          <a:p>
-            <a:pPr lvl="1"/>
-            <a:r>
-              <a:rPr lang="en-IE" dirty="0" smtClean="0"/>
-              <a:t>Guarantees </a:t>
-            </a:r>
-            <a:r>
-              <a:rPr lang="en-IE" dirty="0" smtClean="0"/>
-              <a:t>system-wide throughput with the chance of starvation</a:t>
-            </a:r>
-          </a:p>
-          <a:p>
-            <a:r>
-              <a:rPr lang="en-IE" dirty="0" smtClean="0"/>
-              <a:t>Wait </a:t>
-            </a:r>
-            <a:r>
-              <a:rPr lang="en-IE" dirty="0" smtClean="0"/>
-              <a:t>Free</a:t>
-            </a:r>
-          </a:p>
-          <a:p>
-            <a:pPr lvl="1"/>
-            <a:r>
-              <a:rPr lang="en-IE" dirty="0" smtClean="0"/>
-              <a:t>Similar </a:t>
-            </a:r>
-            <a:r>
-              <a:rPr lang="en-IE" dirty="0" smtClean="0"/>
-              <a:t>to lock free but is also starvation free</a:t>
+              <a:t>Similar to lock free but is also starvation free</a:t>
             </a:r>
             <a:endParaRPr lang="en-IE" dirty="0"/>
           </a:p>
@@ -11852,11 +11706,7 @@
           <a:p>
             <a:r>
               <a:rPr lang="en-IE" dirty="0" smtClean="0"/>
-              <a:t>“Implementing Concurrent Data Objects” – Herlihy </a:t>
-            </a:r>
-            <a:r>
-              <a:rPr lang="en-IE" dirty="0" smtClean="0"/>
-              <a:t>– 1993</a:t>
+              <a:t>“Implementing Concurrent Data Objects” – Herlihy – 1993</a:t>
             </a:r>
           </a:p>
         </p:txBody>
@@ -11994,17 +11844,8 @@
             </a:r>
             <a:r>
               <a:rPr lang="en-IE" dirty="0" smtClean="0"/>
-              <a:t>ompared </a:t>
-            </a:r>
-            <a:r>
-              <a:rPr lang="en-IE" dirty="0" smtClean="0"/>
-              <a:t>them on 3 different </a:t>
-            </a:r>
-            <a:r>
-              <a:rPr lang="en-IE" dirty="0" smtClean="0"/>
-              <a:t>systems</a:t>
-            </a:r>
-            <a:endParaRPr lang="en-IE" dirty="0" smtClean="0"/>
+              <a:t>ompared them on 3 different systems</a:t>
+            </a:r>
           </a:p>
         </p:txBody>
       </p:sp>

--- a/Report/FYP_Presentation.pptx
+++ b/Report/FYP_Presentation.pptx
@@ -5,7 +5,7 @@
     <p:sldMasterId id="2147483648" r:id="rId1"/>
   </p:sldMasterIdLst>
   <p:notesMasterIdLst>
-    <p:notesMasterId r:id="rId26"/>
+    <p:notesMasterId r:id="rId27"/>
   </p:notesMasterIdLst>
   <p:sldIdLst>
     <p:sldId id="256" r:id="rId2"/>
@@ -14,24 +14,25 @@
     <p:sldId id="272" r:id="rId5"/>
     <p:sldId id="274" r:id="rId6"/>
     <p:sldId id="266" r:id="rId7"/>
-    <p:sldId id="258" r:id="rId8"/>
-    <p:sldId id="259" r:id="rId9"/>
-    <p:sldId id="260" r:id="rId10"/>
-    <p:sldId id="267" r:id="rId11"/>
-    <p:sldId id="268" r:id="rId12"/>
-    <p:sldId id="269" r:id="rId13"/>
-    <p:sldId id="270" r:id="rId14"/>
-    <p:sldId id="275" r:id="rId15"/>
-    <p:sldId id="261" r:id="rId16"/>
-    <p:sldId id="279" r:id="rId17"/>
-    <p:sldId id="277" r:id="rId18"/>
-    <p:sldId id="278" r:id="rId19"/>
-    <p:sldId id="280" r:id="rId20"/>
-    <p:sldId id="282" r:id="rId21"/>
-    <p:sldId id="283" r:id="rId22"/>
-    <p:sldId id="281" r:id="rId23"/>
-    <p:sldId id="263" r:id="rId24"/>
-    <p:sldId id="284" r:id="rId25"/>
+    <p:sldId id="259" r:id="rId8"/>
+    <p:sldId id="260" r:id="rId9"/>
+    <p:sldId id="267" r:id="rId10"/>
+    <p:sldId id="268" r:id="rId11"/>
+    <p:sldId id="269" r:id="rId12"/>
+    <p:sldId id="270" r:id="rId13"/>
+    <p:sldId id="275" r:id="rId14"/>
+    <p:sldId id="261" r:id="rId15"/>
+    <p:sldId id="279" r:id="rId16"/>
+    <p:sldId id="277" r:id="rId17"/>
+    <p:sldId id="278" r:id="rId18"/>
+    <p:sldId id="280" r:id="rId19"/>
+    <p:sldId id="282" r:id="rId20"/>
+    <p:sldId id="283" r:id="rId21"/>
+    <p:sldId id="281" r:id="rId22"/>
+    <p:sldId id="263" r:id="rId23"/>
+    <p:sldId id="284" r:id="rId24"/>
+    <p:sldId id="285" r:id="rId25"/>
+    <p:sldId id="286" r:id="rId26"/>
   </p:sldIdLst>
   <p:sldSz cx="9144000" cy="6858000" type="screen4x3"/>
   <p:notesSz cx="6858000" cy="9144000"/>
@@ -439,11 +440,11 @@
         </c:dLbls>
         <c:marker val="1"/>
         <c:smooth val="0"/>
-        <c:axId val="74622848"/>
-        <c:axId val="74629120"/>
+        <c:axId val="92645248"/>
+        <c:axId val="92651520"/>
       </c:lineChart>
       <c:catAx>
-        <c:axId val="74622848"/>
+        <c:axId val="92645248"/>
         <c:scaling>
           <c:orientation val="minMax"/>
         </c:scaling>
@@ -472,7 +473,7 @@
         <c:majorTickMark val="out"/>
         <c:minorTickMark val="none"/>
         <c:tickLblPos val="nextTo"/>
-        <c:crossAx val="74629120"/>
+        <c:crossAx val="92651520"/>
         <c:crosses val="autoZero"/>
         <c:auto val="1"/>
         <c:lblAlgn val="ctr"/>
@@ -480,7 +481,7 @@
         <c:noMultiLvlLbl val="0"/>
       </c:catAx>
       <c:valAx>
-        <c:axId val="74629120"/>
+        <c:axId val="92651520"/>
         <c:scaling>
           <c:orientation val="minMax"/>
         </c:scaling>
@@ -510,7 +511,7 @@
         <c:majorTickMark val="out"/>
         <c:minorTickMark val="none"/>
         <c:tickLblPos val="nextTo"/>
-        <c:crossAx val="74622848"/>
+        <c:crossAx val="92645248"/>
         <c:crosses val="autoZero"/>
         <c:crossBetween val="between"/>
       </c:valAx>
@@ -830,11 +831,11 @@
         </c:dLbls>
         <c:marker val="1"/>
         <c:smooth val="0"/>
-        <c:axId val="74664960"/>
-        <c:axId val="74675328"/>
+        <c:axId val="93211648"/>
+        <c:axId val="93222016"/>
       </c:lineChart>
       <c:catAx>
-        <c:axId val="74664960"/>
+        <c:axId val="93211648"/>
         <c:scaling>
           <c:orientation val="minMax"/>
         </c:scaling>
@@ -863,7 +864,7 @@
         <c:majorTickMark val="out"/>
         <c:minorTickMark val="none"/>
         <c:tickLblPos val="nextTo"/>
-        <c:crossAx val="74675328"/>
+        <c:crossAx val="93222016"/>
         <c:crosses val="autoZero"/>
         <c:auto val="1"/>
         <c:lblAlgn val="ctr"/>
@@ -871,7 +872,7 @@
         <c:noMultiLvlLbl val="0"/>
       </c:catAx>
       <c:valAx>
-        <c:axId val="74675328"/>
+        <c:axId val="93222016"/>
         <c:scaling>
           <c:orientation val="minMax"/>
         </c:scaling>
@@ -901,7 +902,7 @@
         <c:majorTickMark val="out"/>
         <c:minorTickMark val="none"/>
         <c:tickLblPos val="nextTo"/>
-        <c:crossAx val="74664960"/>
+        <c:crossAx val="93211648"/>
         <c:crosses val="autoZero"/>
         <c:crossBetween val="between"/>
       </c:valAx>
@@ -1221,11 +1222,11 @@
         </c:dLbls>
         <c:marker val="1"/>
         <c:smooth val="0"/>
-        <c:axId val="75907456"/>
-        <c:axId val="75909376"/>
+        <c:axId val="93274496"/>
+        <c:axId val="93276416"/>
       </c:lineChart>
       <c:catAx>
-        <c:axId val="75907456"/>
+        <c:axId val="93274496"/>
         <c:scaling>
           <c:orientation val="minMax"/>
         </c:scaling>
@@ -1254,7 +1255,7 @@
         <c:majorTickMark val="out"/>
         <c:minorTickMark val="none"/>
         <c:tickLblPos val="nextTo"/>
-        <c:crossAx val="75909376"/>
+        <c:crossAx val="93276416"/>
         <c:crosses val="autoZero"/>
         <c:auto val="1"/>
         <c:lblAlgn val="ctr"/>
@@ -1262,7 +1263,7 @@
         <c:noMultiLvlLbl val="0"/>
       </c:catAx>
       <c:valAx>
-        <c:axId val="75909376"/>
+        <c:axId val="93276416"/>
         <c:scaling>
           <c:orientation val="minMax"/>
         </c:scaling>
@@ -1292,7 +1293,7 @@
         <c:majorTickMark val="out"/>
         <c:minorTickMark val="none"/>
         <c:tickLblPos val="nextTo"/>
-        <c:crossAx val="75907456"/>
+        <c:crossAx val="93274496"/>
         <c:crosses val="autoZero"/>
         <c:crossBetween val="between"/>
       </c:valAx>
@@ -1525,11 +1526,11 @@
         </c:dLbls>
         <c:marker val="1"/>
         <c:smooth val="0"/>
-        <c:axId val="76223232"/>
-        <c:axId val="76225152"/>
+        <c:axId val="93324032"/>
+        <c:axId val="93325952"/>
       </c:lineChart>
       <c:catAx>
-        <c:axId val="76223232"/>
+        <c:axId val="93324032"/>
         <c:scaling>
           <c:orientation val="minMax"/>
         </c:scaling>
@@ -1558,7 +1559,7 @@
         <c:majorTickMark val="out"/>
         <c:minorTickMark val="none"/>
         <c:tickLblPos val="nextTo"/>
-        <c:crossAx val="76225152"/>
+        <c:crossAx val="93325952"/>
         <c:crosses val="autoZero"/>
         <c:auto val="1"/>
         <c:lblAlgn val="ctr"/>
@@ -1566,7 +1567,7 @@
         <c:noMultiLvlLbl val="0"/>
       </c:catAx>
       <c:valAx>
-        <c:axId val="76225152"/>
+        <c:axId val="93325952"/>
         <c:scaling>
           <c:orientation val="minMax"/>
         </c:scaling>
@@ -1596,7 +1597,7 @@
         <c:majorTickMark val="out"/>
         <c:minorTickMark val="none"/>
         <c:tickLblPos val="nextTo"/>
-        <c:crossAx val="76223232"/>
+        <c:crossAx val="93324032"/>
         <c:crosses val="autoZero"/>
         <c:crossBetween val="between"/>
       </c:valAx>
@@ -1829,11 +1830,11 @@
         </c:dLbls>
         <c:marker val="1"/>
         <c:smooth val="0"/>
-        <c:axId val="76244096"/>
-        <c:axId val="76246016"/>
+        <c:axId val="93348992"/>
+        <c:axId val="93350912"/>
       </c:lineChart>
       <c:catAx>
-        <c:axId val="76244096"/>
+        <c:axId val="93348992"/>
         <c:scaling>
           <c:orientation val="minMax"/>
         </c:scaling>
@@ -1862,7 +1863,7 @@
         <c:majorTickMark val="out"/>
         <c:minorTickMark val="none"/>
         <c:tickLblPos val="nextTo"/>
-        <c:crossAx val="76246016"/>
+        <c:crossAx val="93350912"/>
         <c:crosses val="autoZero"/>
         <c:auto val="1"/>
         <c:lblAlgn val="ctr"/>
@@ -1870,7 +1871,7 @@
         <c:noMultiLvlLbl val="0"/>
       </c:catAx>
       <c:valAx>
-        <c:axId val="76246016"/>
+        <c:axId val="93350912"/>
         <c:scaling>
           <c:orientation val="minMax"/>
         </c:scaling>
@@ -1900,7 +1901,7 @@
         <c:majorTickMark val="out"/>
         <c:minorTickMark val="none"/>
         <c:tickLblPos val="nextTo"/>
-        <c:crossAx val="76244096"/>
+        <c:crossAx val="93348992"/>
         <c:crosses val="autoZero"/>
         <c:crossBetween val="between"/>
       </c:valAx>
@@ -2133,11 +2134,11 @@
         </c:dLbls>
         <c:marker val="1"/>
         <c:smooth val="0"/>
-        <c:axId val="73082368"/>
-        <c:axId val="73084288"/>
+        <c:axId val="92476928"/>
+        <c:axId val="92478848"/>
       </c:lineChart>
       <c:catAx>
-        <c:axId val="73082368"/>
+        <c:axId val="92476928"/>
         <c:scaling>
           <c:orientation val="minMax"/>
         </c:scaling>
@@ -2166,7 +2167,7 @@
         <c:majorTickMark val="out"/>
         <c:minorTickMark val="none"/>
         <c:tickLblPos val="nextTo"/>
-        <c:crossAx val="73084288"/>
+        <c:crossAx val="92478848"/>
         <c:crosses val="autoZero"/>
         <c:auto val="1"/>
         <c:lblAlgn val="ctr"/>
@@ -2174,7 +2175,7 @@
         <c:noMultiLvlLbl val="0"/>
       </c:catAx>
       <c:valAx>
-        <c:axId val="73084288"/>
+        <c:axId val="92478848"/>
         <c:scaling>
           <c:orientation val="minMax"/>
         </c:scaling>
@@ -2204,7 +2205,7 @@
         <c:majorTickMark val="out"/>
         <c:minorTickMark val="none"/>
         <c:tickLblPos val="nextTo"/>
-        <c:crossAx val="73082368"/>
+        <c:crossAx val="92476928"/>
         <c:crosses val="autoZero"/>
         <c:crossBetween val="between"/>
       </c:valAx>
@@ -5631,7 +5632,7 @@
           <a:p>
             <a:r>
               <a:rPr lang="en-IE" dirty="0" smtClean="0"/>
-              <a:t>Data Structure Implementation</a:t>
+              <a:t>Ring Buffer</a:t>
             </a:r>
             <a:endParaRPr lang="en-IE" dirty="0"/>
           </a:p>
@@ -5649,68 +5650,32 @@
         </p:nvSpPr>
         <p:spPr/>
         <p:txBody>
-          <a:bodyPr>
-            <a:normAutofit/>
-          </a:bodyPr>
+          <a:bodyPr/>
           <a:lstStyle/>
           <a:p>
             <a:r>
               <a:rPr lang="en-IE" dirty="0" smtClean="0"/>
-              <a:t>Locked Variations</a:t>
+              <a:t>Used to get to grips with the C++11 library</a:t>
+            </a:r>
+          </a:p>
+          <a:p>
+            <a:r>
+              <a:rPr lang="en-IE" dirty="0" smtClean="0"/>
+              <a:t>Variations</a:t>
             </a:r>
           </a:p>
           <a:p>
             <a:pPr lvl="1"/>
             <a:r>
               <a:rPr lang="en-IE" dirty="0" smtClean="0"/>
-              <a:t>Mutex</a:t>
+              <a:t>MPMC Locked</a:t>
             </a:r>
           </a:p>
           <a:p>
             <a:pPr lvl="1"/>
             <a:r>
-              <a:rPr lang="en-IE" dirty="0"/>
-              <a:t>T</a:t>
-            </a:r>
-            <a:r>
               <a:rPr lang="en-IE" dirty="0" smtClean="0"/>
-              <a:t>est-and-set</a:t>
-            </a:r>
-          </a:p>
-          <a:p>
-            <a:pPr lvl="1"/>
-            <a:r>
-              <a:rPr lang="en-IE" dirty="0"/>
-              <a:t>C</a:t>
-            </a:r>
-            <a:r>
-              <a:rPr lang="en-IE" dirty="0" smtClean="0"/>
-              <a:t>ompare-and-swap</a:t>
-            </a:r>
-          </a:p>
-          <a:p>
-            <a:r>
-              <a:rPr lang="en-IE" dirty="0" smtClean="0"/>
-              <a:t>Lockless Variations</a:t>
-            </a:r>
-          </a:p>
-          <a:p>
-            <a:pPr lvl="1"/>
-            <a:r>
-              <a:rPr lang="en-IE" dirty="0" smtClean="0"/>
-              <a:t>C++11 atomic library operations</a:t>
-            </a:r>
-          </a:p>
-          <a:p>
-            <a:r>
-              <a:rPr lang="en-IE" dirty="0" smtClean="0"/>
-              <a:t>Multi Producer Multi Consumer (MPMC) </a:t>
-            </a:r>
-          </a:p>
-          <a:p>
-            <a:r>
-              <a:rPr lang="en-IE" dirty="0" smtClean="0"/>
-              <a:t>Single Producer Single Consumer (SPSC)</a:t>
+              <a:t>SPSC Lockless</a:t>
             </a:r>
             <a:endParaRPr lang="en-IE" dirty="0"/>
           </a:p>
@@ -5735,126 +5700,6 @@
               <a:rPr lang="en-US" smtClean="0"/>
               <a:pPr/>
               <a:t>10</a:t>
-            </a:fld>
-            <a:endParaRPr lang="en-US"/>
-          </a:p>
-        </p:txBody>
-      </p:sp>
-    </p:spTree>
-    <p:extLst>
-      <p:ext uri="{BB962C8B-B14F-4D97-AF65-F5344CB8AC3E}">
-        <p14:creationId xmlns:p14="http://schemas.microsoft.com/office/powerpoint/2010/main" val="3503624377"/>
-      </p:ext>
-    </p:extLst>
-  </p:cSld>
-  <p:clrMapOvr>
-    <a:masterClrMapping/>
-  </p:clrMapOvr>
-</p:sld>
-</file>
-
-<file path=ppt/slides/slide11.xml><?xml version="1.0" encoding="utf-8"?>
-<p:sld xmlns:a="http://schemas.openxmlformats.org/drawingml/2006/main" xmlns:r="http://schemas.openxmlformats.org/officeDocument/2006/relationships" xmlns:p="http://schemas.openxmlformats.org/presentationml/2006/main">
-  <p:cSld>
-    <p:spTree>
-      <p:nvGrpSpPr>
-        <p:cNvPr id="1" name=""/>
-        <p:cNvGrpSpPr/>
-        <p:nvPr/>
-      </p:nvGrpSpPr>
-      <p:grpSpPr>
-        <a:xfrm>
-          <a:off x="0" y="0"/>
-          <a:ext cx="0" cy="0"/>
-          <a:chOff x="0" y="0"/>
-          <a:chExt cx="0" cy="0"/>
-        </a:xfrm>
-      </p:grpSpPr>
-      <p:sp>
-        <p:nvSpPr>
-          <p:cNvPr id="2" name="Title 1"/>
-          <p:cNvSpPr>
-            <a:spLocks noGrp="1"/>
-          </p:cNvSpPr>
-          <p:nvPr>
-            <p:ph type="title"/>
-          </p:nvPr>
-        </p:nvSpPr>
-        <p:spPr/>
-        <p:txBody>
-          <a:bodyPr/>
-          <a:lstStyle/>
-          <a:p>
-            <a:r>
-              <a:rPr lang="en-IE" dirty="0" smtClean="0"/>
-              <a:t>Ring Buffer</a:t>
-            </a:r>
-            <a:endParaRPr lang="en-IE" dirty="0"/>
-          </a:p>
-        </p:txBody>
-      </p:sp>
-      <p:sp>
-        <p:nvSpPr>
-          <p:cNvPr id="3" name="Content Placeholder 2"/>
-          <p:cNvSpPr>
-            <a:spLocks noGrp="1"/>
-          </p:cNvSpPr>
-          <p:nvPr>
-            <p:ph idx="1"/>
-          </p:nvPr>
-        </p:nvSpPr>
-        <p:spPr/>
-        <p:txBody>
-          <a:bodyPr/>
-          <a:lstStyle/>
-          <a:p>
-            <a:r>
-              <a:rPr lang="en-IE" dirty="0" smtClean="0"/>
-              <a:t>Used to get to grips with the C++11 library</a:t>
-            </a:r>
-          </a:p>
-          <a:p>
-            <a:r>
-              <a:rPr lang="en-IE" dirty="0" smtClean="0"/>
-              <a:t>Variations</a:t>
-            </a:r>
-          </a:p>
-          <a:p>
-            <a:pPr lvl="1"/>
-            <a:r>
-              <a:rPr lang="en-IE" dirty="0" smtClean="0"/>
-              <a:t>MPMC Locked</a:t>
-            </a:r>
-          </a:p>
-          <a:p>
-            <a:pPr lvl="1"/>
-            <a:r>
-              <a:rPr lang="en-IE" dirty="0" smtClean="0"/>
-              <a:t>SPSC Lockless</a:t>
-            </a:r>
-            <a:endParaRPr lang="en-IE" dirty="0"/>
-          </a:p>
-        </p:txBody>
-      </p:sp>
-      <p:sp>
-        <p:nvSpPr>
-          <p:cNvPr id="4" name="Slide Number Placeholder 3"/>
-          <p:cNvSpPr>
-            <a:spLocks noGrp="1"/>
-          </p:cNvSpPr>
-          <p:nvPr>
-            <p:ph type="sldNum" sz="quarter" idx="12"/>
-          </p:nvPr>
-        </p:nvSpPr>
-        <p:spPr/>
-        <p:txBody>
-          <a:bodyPr/>
-          <a:lstStyle/>
-          <a:p>
-            <a:fld id="{B6F15528-21DE-4FAA-801E-634DDDAF4B2B}" type="slidenum">
-              <a:rPr lang="en-US" smtClean="0"/>
-              <a:pPr/>
-              <a:t>11</a:t>
             </a:fld>
             <a:endParaRPr lang="en-US"/>
           </a:p>
@@ -5873,7 +5718,7 @@
 </p:sld>
 </file>
 
-<file path=ppt/slides/slide12.xml><?xml version="1.0" encoding="utf-8"?>
+<file path=ppt/slides/slide11.xml><?xml version="1.0" encoding="utf-8"?>
 <p:sld xmlns:a="http://schemas.openxmlformats.org/drawingml/2006/main" xmlns:r="http://schemas.openxmlformats.org/officeDocument/2006/relationships" xmlns:p="http://schemas.openxmlformats.org/presentationml/2006/main">
   <p:cSld>
     <p:spTree>
@@ -7627,7 +7472,7 @@
             <a:fld id="{B6F15528-21DE-4FAA-801E-634DDDAF4B2B}" type="slidenum">
               <a:rPr lang="en-US" smtClean="0"/>
               <a:pPr/>
-              <a:t>12</a:t>
+              <a:t>11</a:t>
             </a:fld>
             <a:endParaRPr lang="en-US"/>
           </a:p>
@@ -7637,6 +7482,177 @@
     <p:extLst>
       <p:ext uri="{BB962C8B-B14F-4D97-AF65-F5344CB8AC3E}">
         <p14:creationId xmlns:p14="http://schemas.microsoft.com/office/powerpoint/2010/main" val="2658147231"/>
+      </p:ext>
+    </p:extLst>
+  </p:cSld>
+  <p:clrMapOvr>
+    <a:masterClrMapping/>
+  </p:clrMapOvr>
+</p:sld>
+</file>
+
+<file path=ppt/slides/slide12.xml><?xml version="1.0" encoding="utf-8"?>
+<p:sld xmlns:a="http://schemas.openxmlformats.org/drawingml/2006/main" xmlns:r="http://schemas.openxmlformats.org/officeDocument/2006/relationships" xmlns:p="http://schemas.openxmlformats.org/presentationml/2006/main">
+  <p:cSld>
+    <p:spTree>
+      <p:nvGrpSpPr>
+        <p:cNvPr id="1" name=""/>
+        <p:cNvGrpSpPr/>
+        <p:nvPr/>
+      </p:nvGrpSpPr>
+      <p:grpSpPr>
+        <a:xfrm>
+          <a:off x="0" y="0"/>
+          <a:ext cx="0" cy="0"/>
+          <a:chOff x="0" y="0"/>
+          <a:chExt cx="0" cy="0"/>
+        </a:xfrm>
+      </p:grpSpPr>
+      <p:sp>
+        <p:nvSpPr>
+          <p:cNvPr id="2" name="Title 1"/>
+          <p:cNvSpPr>
+            <a:spLocks noGrp="1"/>
+          </p:cNvSpPr>
+          <p:nvPr>
+            <p:ph type="title"/>
+          </p:nvPr>
+        </p:nvSpPr>
+        <p:spPr/>
+        <p:txBody>
+          <a:bodyPr/>
+          <a:lstStyle/>
+          <a:p>
+            <a:r>
+              <a:rPr lang="en-IE" dirty="0" smtClean="0"/>
+              <a:t>Hash Table</a:t>
+            </a:r>
+            <a:endParaRPr lang="en-IE" dirty="0"/>
+          </a:p>
+        </p:txBody>
+      </p:sp>
+      <p:sp>
+        <p:nvSpPr>
+          <p:cNvPr id="3" name="Content Placeholder 2"/>
+          <p:cNvSpPr>
+            <a:spLocks noGrp="1"/>
+          </p:cNvSpPr>
+          <p:nvPr>
+            <p:ph idx="1"/>
+          </p:nvPr>
+        </p:nvSpPr>
+        <p:spPr/>
+        <p:txBody>
+          <a:bodyPr>
+            <a:normAutofit fontScale="85000" lnSpcReduction="20000"/>
+          </a:bodyPr>
+          <a:lstStyle/>
+          <a:p>
+            <a:r>
+              <a:rPr lang="en-IE" dirty="0" smtClean="0"/>
+              <a:t>Closed Addressing</a:t>
+            </a:r>
+          </a:p>
+          <a:p>
+            <a:pPr lvl="1"/>
+            <a:r>
+              <a:rPr lang="en-IE" dirty="0" smtClean="0"/>
+              <a:t>Collisions are added onto a linked list</a:t>
+            </a:r>
+          </a:p>
+          <a:p>
+            <a:r>
+              <a:rPr lang="en-IE" dirty="0" smtClean="0"/>
+              <a:t>Functionality</a:t>
+            </a:r>
+          </a:p>
+          <a:p>
+            <a:pPr lvl="1"/>
+            <a:r>
+              <a:rPr lang="en-IE" dirty="0" smtClean="0"/>
+              <a:t>Contains</a:t>
+            </a:r>
+          </a:p>
+          <a:p>
+            <a:pPr lvl="1"/>
+            <a:r>
+              <a:rPr lang="en-IE" dirty="0" smtClean="0"/>
+              <a:t>Add</a:t>
+            </a:r>
+          </a:p>
+          <a:p>
+            <a:pPr lvl="1"/>
+            <a:r>
+              <a:rPr lang="en-IE" dirty="0" smtClean="0"/>
+              <a:t>Remove</a:t>
+            </a:r>
+          </a:p>
+          <a:p>
+            <a:pPr lvl="1"/>
+            <a:r>
+              <a:rPr lang="en-IE" dirty="0" smtClean="0"/>
+              <a:t>Resize</a:t>
+            </a:r>
+            <a:endParaRPr lang="en-IE" dirty="0" smtClean="0"/>
+          </a:p>
+          <a:p>
+            <a:r>
+              <a:rPr lang="en-IE" dirty="0" smtClean="0"/>
+              <a:t>Variations</a:t>
+            </a:r>
+          </a:p>
+          <a:p>
+            <a:pPr lvl="1"/>
+            <a:r>
+              <a:rPr lang="en-IE" dirty="0" smtClean="0"/>
+              <a:t>MPMC Globally Locked Hash Table </a:t>
+            </a:r>
+          </a:p>
+          <a:p>
+            <a:pPr lvl="1"/>
+            <a:r>
+              <a:rPr lang="en-IE" dirty="0" smtClean="0"/>
+              <a:t>MPMC Lock Per List </a:t>
+            </a:r>
+          </a:p>
+          <a:p>
+            <a:pPr lvl="1"/>
+            <a:r>
+              <a:rPr lang="en-IE" dirty="0" smtClean="0"/>
+              <a:t>MPMC Lockless</a:t>
+            </a:r>
+            <a:endParaRPr lang="en-IE" dirty="0"/>
+          </a:p>
+        </p:txBody>
+      </p:sp>
+      <p:sp>
+        <p:nvSpPr>
+          <p:cNvPr id="4" name="Slide Number Placeholder 3"/>
+          <p:cNvSpPr>
+            <a:spLocks noGrp="1"/>
+          </p:cNvSpPr>
+          <p:nvPr>
+            <p:ph type="sldNum" sz="quarter" idx="12"/>
+          </p:nvPr>
+        </p:nvSpPr>
+        <p:spPr/>
+        <p:txBody>
+          <a:bodyPr/>
+          <a:lstStyle/>
+          <a:p>
+            <a:fld id="{B6F15528-21DE-4FAA-801E-634DDDAF4B2B}" type="slidenum">
+              <a:rPr lang="en-US" smtClean="0"/>
+              <a:pPr/>
+              <a:t>12</a:t>
+            </a:fld>
+            <a:endParaRPr lang="en-US"/>
+          </a:p>
+        </p:txBody>
+      </p:sp>
+    </p:spTree>
+    <p:extLst>
+      <p:ext uri="{BB962C8B-B14F-4D97-AF65-F5344CB8AC3E}">
+        <p14:creationId xmlns:p14="http://schemas.microsoft.com/office/powerpoint/2010/main" val="227156003"/>
       </p:ext>
     </p:extLst>
   </p:cSld>
@@ -7680,7 +7696,7 @@
           <a:p>
             <a:r>
               <a:rPr lang="en-IE" dirty="0" smtClean="0"/>
-              <a:t>Hash Table</a:t>
+              <a:t>System Details</a:t>
             </a:r>
             <a:endParaRPr lang="en-IE" dirty="0"/>
           </a:p>
@@ -7701,50 +7717,75 @@
           <a:bodyPr/>
           <a:lstStyle/>
           <a:p>
-            <a:r>
-              <a:rPr lang="en-IE" dirty="0" smtClean="0"/>
-              <a:t>Closed Addressing</a:t>
-            </a:r>
-          </a:p>
-          <a:p>
-            <a:pPr lvl="1"/>
-            <a:r>
-              <a:rPr lang="en-IE" dirty="0" smtClean="0"/>
-              <a:t>Collisions are added onto a linked list</a:t>
-            </a:r>
-          </a:p>
-          <a:p>
-            <a:r>
-              <a:rPr lang="en-IE" dirty="0" smtClean="0"/>
-              <a:t>Contains/Add/Remove/Resize</a:t>
-            </a:r>
-          </a:p>
-          <a:p>
-            <a:r>
-              <a:rPr lang="en-IE" dirty="0" smtClean="0"/>
-              <a:t>Variations</a:t>
-            </a:r>
-          </a:p>
-          <a:p>
-            <a:pPr lvl="1"/>
-            <a:r>
-              <a:rPr lang="en-IE" dirty="0" smtClean="0"/>
-              <a:t>MPMC Globally Locked Hash Table </a:t>
-            </a:r>
-          </a:p>
-          <a:p>
-            <a:pPr lvl="1"/>
-            <a:r>
-              <a:rPr lang="en-IE" dirty="0" smtClean="0"/>
-              <a:t>MPMC Lock Per List </a:t>
-            </a:r>
-          </a:p>
-          <a:p>
-            <a:pPr lvl="1"/>
-            <a:r>
-              <a:rPr lang="en-IE" dirty="0" smtClean="0"/>
-              <a:t>MPMC Lockless</a:t>
-            </a:r>
+            <a:pPr lvl="1">
+              <a:buFont typeface="Arial" panose="020B0604020202020204" pitchFamily="34" charset="0"/>
+              <a:buChar char="•"/>
+            </a:pPr>
+            <a:r>
+              <a:rPr lang="en-IE" sz="3200" dirty="0" smtClean="0"/>
+              <a:t>My </a:t>
+            </a:r>
+            <a:r>
+              <a:rPr lang="en-IE" sz="3200" dirty="0"/>
+              <a:t>Local Machine </a:t>
+            </a:r>
+            <a:r>
+              <a:rPr lang="en-IE" sz="3200" dirty="0" smtClean="0"/>
+              <a:t>(Sandy Bridge 32nm, </a:t>
+            </a:r>
+            <a:r>
+              <a:rPr lang="en-IE" sz="3200" dirty="0"/>
+              <a:t>4 Cores @ 3.30GHz)</a:t>
+            </a:r>
+          </a:p>
+          <a:p>
+            <a:pPr lvl="1">
+              <a:buFont typeface="Arial" panose="020B0604020202020204" pitchFamily="34" charset="0"/>
+              <a:buChar char="•"/>
+            </a:pPr>
+            <a:r>
+              <a:rPr lang="en-IE" sz="3200" dirty="0"/>
+              <a:t>Stoker </a:t>
+            </a:r>
+            <a:r>
+              <a:rPr lang="en-IE" sz="3200" dirty="0" smtClean="0"/>
+              <a:t>(Ivy Bridge EX 22nm, </a:t>
+            </a:r>
+            <a:r>
+              <a:rPr lang="en-IE" sz="3200" dirty="0"/>
+              <a:t>32 Cores @ 2.00GHz)</a:t>
+            </a:r>
+          </a:p>
+          <a:p>
+            <a:pPr lvl="1">
+              <a:buFont typeface="Arial" panose="020B0604020202020204" pitchFamily="34" charset="0"/>
+              <a:buChar char="•"/>
+            </a:pPr>
+            <a:r>
+              <a:rPr lang="en-IE" sz="3200" dirty="0"/>
+              <a:t>Cube </a:t>
+            </a:r>
+            <a:r>
+              <a:rPr lang="en-IE" sz="3200" dirty="0" smtClean="0"/>
+              <a:t>(</a:t>
+            </a:r>
+            <a:r>
+              <a:rPr lang="en-IE" sz="3200" dirty="0" err="1" smtClean="0"/>
+              <a:t>Gainestown</a:t>
+            </a:r>
+            <a:r>
+              <a:rPr lang="en-IE" sz="3200" dirty="0" smtClean="0"/>
+              <a:t> 45nm, </a:t>
+            </a:r>
+            <a:r>
+              <a:rPr lang="en-IE" sz="3200" dirty="0"/>
+              <a:t>16 Cores @ 2.27 GHz)</a:t>
+            </a:r>
+          </a:p>
+          <a:p>
+            <a:pPr marL="0" indent="0">
+              <a:buNone/>
+            </a:pPr>
             <a:endParaRPr lang="en-IE" dirty="0"/>
           </a:p>
         </p:txBody>
@@ -7776,7 +7817,7 @@
     </p:spTree>
     <p:extLst>
       <p:ext uri="{BB962C8B-B14F-4D97-AF65-F5344CB8AC3E}">
-        <p14:creationId xmlns:p14="http://schemas.microsoft.com/office/powerpoint/2010/main" val="227156003"/>
+        <p14:creationId xmlns:p14="http://schemas.microsoft.com/office/powerpoint/2010/main" val="3586616813"/>
       </p:ext>
     </p:extLst>
   </p:cSld>
@@ -7820,7 +7861,7 @@
           <a:p>
             <a:r>
               <a:rPr lang="en-IE" dirty="0" smtClean="0"/>
-              <a:t>System Details</a:t>
+              <a:t>Evaluation</a:t>
             </a:r>
             <a:endParaRPr lang="en-IE" dirty="0"/>
           </a:p>
@@ -7838,78 +7879,79 @@
         </p:nvSpPr>
         <p:spPr/>
         <p:txBody>
-          <a:bodyPr/>
-          <a:lstStyle/>
-          <a:p>
-            <a:pPr lvl="1">
-              <a:buFont typeface="Arial" panose="020B0604020202020204" pitchFamily="34" charset="0"/>
-              <a:buChar char="•"/>
-            </a:pPr>
-            <a:r>
-              <a:rPr lang="en-IE" sz="3200" dirty="0" smtClean="0"/>
-              <a:t>My </a:t>
-            </a:r>
-            <a:r>
-              <a:rPr lang="en-IE" sz="3200" dirty="0"/>
-              <a:t>Local Machine </a:t>
-            </a:r>
-            <a:r>
-              <a:rPr lang="en-IE" sz="3200" dirty="0" smtClean="0"/>
-              <a:t>(Sandy Bridge 32nm, </a:t>
-            </a:r>
-            <a:r>
-              <a:rPr lang="en-IE" sz="3200" dirty="0"/>
-              <a:t>4 Cores @ 3.30GHz)</a:t>
-            </a:r>
-          </a:p>
-          <a:p>
-            <a:pPr lvl="1">
-              <a:buFont typeface="Arial" panose="020B0604020202020204" pitchFamily="34" charset="0"/>
-              <a:buChar char="•"/>
-            </a:pPr>
-            <a:r>
-              <a:rPr lang="en-IE" sz="3200" dirty="0"/>
-              <a:t>Stoker </a:t>
-            </a:r>
-            <a:r>
-              <a:rPr lang="en-IE" sz="3200" dirty="0" smtClean="0"/>
-              <a:t>(Ivy Bridge EX 22nm, </a:t>
-            </a:r>
-            <a:r>
-              <a:rPr lang="en-IE" sz="3200" dirty="0"/>
-              <a:t>32 Cores @ 2.00GHz)</a:t>
-            </a:r>
-          </a:p>
-          <a:p>
-            <a:pPr lvl="1">
-              <a:buFont typeface="Arial" panose="020B0604020202020204" pitchFamily="34" charset="0"/>
-              <a:buChar char="•"/>
-            </a:pPr>
-            <a:r>
-              <a:rPr lang="en-IE" sz="3200" dirty="0"/>
-              <a:t>Cube </a:t>
-            </a:r>
-            <a:r>
-              <a:rPr lang="en-IE" sz="3200" dirty="0" smtClean="0"/>
-              <a:t>(</a:t>
-            </a:r>
-            <a:r>
-              <a:rPr lang="en-IE" sz="3200" dirty="0" err="1" smtClean="0"/>
-              <a:t>Gainestown</a:t>
-            </a:r>
-            <a:r>
-              <a:rPr lang="en-IE" sz="3200" dirty="0" smtClean="0"/>
-              <a:t> 45nm, </a:t>
-            </a:r>
-            <a:r>
-              <a:rPr lang="en-IE" sz="3200" dirty="0"/>
-              <a:t>16 Cores @ 2.27 GHz)</a:t>
-            </a:r>
-          </a:p>
-          <a:p>
-            <a:pPr marL="0" indent="0">
-              <a:buNone/>
-            </a:pPr>
+          <a:bodyPr>
+            <a:normAutofit/>
+          </a:bodyPr>
+          <a:lstStyle/>
+          <a:p>
+            <a:r>
+              <a:rPr lang="en-IE" dirty="0" smtClean="0"/>
+              <a:t>Compared Data Structure Variations</a:t>
+            </a:r>
+          </a:p>
+          <a:p>
+            <a:pPr lvl="1"/>
+            <a:r>
+              <a:rPr lang="en-IE" dirty="0" smtClean="0"/>
+              <a:t>Thread Count 1-128</a:t>
+            </a:r>
+          </a:p>
+          <a:p>
+            <a:pPr lvl="1"/>
+            <a:r>
+              <a:rPr lang="en-IE" dirty="0" smtClean="0"/>
+              <a:t>Varied list, buffer and table sizes</a:t>
+            </a:r>
+          </a:p>
+          <a:p>
+            <a:pPr lvl="1"/>
+            <a:r>
+              <a:rPr lang="en-IE" dirty="0" smtClean="0"/>
+              <a:t>Locked vs Lockless</a:t>
+            </a:r>
+          </a:p>
+          <a:p>
+            <a:r>
+              <a:rPr lang="en-IE" dirty="0" smtClean="0"/>
+              <a:t>Used Hardware Performance Counters</a:t>
+            </a:r>
+          </a:p>
+          <a:p>
+            <a:pPr lvl="1"/>
+            <a:r>
+              <a:rPr lang="en-IE" dirty="0"/>
+              <a:t>S</a:t>
+            </a:r>
+            <a:r>
+              <a:rPr lang="en-IE" dirty="0" smtClean="0"/>
+              <a:t>pecial registers</a:t>
+            </a:r>
+          </a:p>
+          <a:p>
+            <a:pPr lvl="1"/>
+            <a:r>
+              <a:rPr lang="en-IE" dirty="0"/>
+              <a:t>P</a:t>
+            </a:r>
+            <a:r>
+              <a:rPr lang="en-IE" dirty="0" smtClean="0"/>
+              <a:t>erformance analysis</a:t>
+            </a:r>
+          </a:p>
+          <a:p>
+            <a:pPr lvl="1"/>
+            <a:r>
+              <a:rPr lang="en-IE" dirty="0" smtClean="0"/>
+              <a:t>Record cache misses, </a:t>
+            </a:r>
+            <a:r>
+              <a:rPr lang="en-IE" dirty="0" err="1" smtClean="0"/>
+              <a:t>cpu</a:t>
+            </a:r>
+            <a:r>
+              <a:rPr lang="en-IE" dirty="0" smtClean="0"/>
+              <a:t> cycles etc…</a:t>
+            </a:r>
             <a:endParaRPr lang="en-IE" dirty="0"/>
           </a:p>
         </p:txBody>
@@ -7941,13 +7983,20 @@
     </p:spTree>
     <p:extLst>
       <p:ext uri="{BB962C8B-B14F-4D97-AF65-F5344CB8AC3E}">
-        <p14:creationId xmlns:p14="http://schemas.microsoft.com/office/powerpoint/2010/main" val="3586616813"/>
+        <p14:creationId xmlns:p14="http://schemas.microsoft.com/office/powerpoint/2010/main" val="792295864"/>
       </p:ext>
     </p:extLst>
   </p:cSld>
   <p:clrMapOvr>
     <a:masterClrMapping/>
   </p:clrMapOvr>
+  <p:timing>
+    <p:tnLst>
+      <p:par>
+        <p:cTn id="1" dur="indefinite" restart="never" nodeType="tmRoot"/>
+      </p:par>
+    </p:tnLst>
+  </p:timing>
 </p:sld>
 </file>
 
@@ -7984,105 +8033,40 @@
           <a:lstStyle/>
           <a:p>
             <a:r>
-              <a:rPr lang="en-IE" dirty="0" smtClean="0"/>
-              <a:t>Evaluation</a:t>
-            </a:r>
-            <a:endParaRPr lang="en-IE" dirty="0"/>
-          </a:p>
-        </p:txBody>
-      </p:sp>
-      <p:sp>
-        <p:nvSpPr>
-          <p:cNvPr id="3" name="Content Placeholder 2"/>
-          <p:cNvSpPr>
-            <a:spLocks noGrp="1"/>
-          </p:cNvSpPr>
+              <a:rPr lang="en-IE" dirty="0"/>
+              <a:t>Results &amp; Analysis</a:t>
+            </a:r>
+          </a:p>
+        </p:txBody>
+      </p:sp>
+      <p:graphicFrame>
+        <p:nvGraphicFramePr>
+          <p:cNvPr id="5" name="Content Placeholder 4"/>
+          <p:cNvGraphicFramePr>
+            <a:graphicFrameLocks noGrp="1"/>
+          </p:cNvGraphicFramePr>
           <p:nvPr>
             <p:ph idx="1"/>
-          </p:nvPr>
-        </p:nvSpPr>
-        <p:spPr/>
-        <p:txBody>
-          <a:bodyPr>
-            <a:normAutofit/>
-          </a:bodyPr>
-          <a:lstStyle/>
-          <a:p>
-            <a:r>
-              <a:rPr lang="en-IE" dirty="0" smtClean="0"/>
-              <a:t>Compared Data Structure Variations</a:t>
-            </a:r>
-          </a:p>
-          <a:p>
-            <a:pPr lvl="1"/>
-            <a:r>
-              <a:rPr lang="en-IE" dirty="0" smtClean="0"/>
-              <a:t>Thread Count 1-128</a:t>
-            </a:r>
-          </a:p>
-          <a:p>
-            <a:pPr lvl="1"/>
-            <a:r>
-              <a:rPr lang="en-IE" dirty="0" smtClean="0"/>
-              <a:t>Varied list, buffer and table sizes</a:t>
-            </a:r>
-          </a:p>
-          <a:p>
-            <a:pPr lvl="1"/>
-            <a:r>
-              <a:rPr lang="en-IE" dirty="0" smtClean="0"/>
-              <a:t>Locked vs Lockless</a:t>
-            </a:r>
-          </a:p>
-          <a:p>
-            <a:r>
-              <a:rPr lang="en-IE" dirty="0" smtClean="0"/>
-              <a:t>Used Hardware Performance Counters</a:t>
-            </a:r>
-          </a:p>
-          <a:p>
-            <a:pPr lvl="1"/>
-            <a:r>
-              <a:rPr lang="en-IE" dirty="0"/>
-              <a:t>S</a:t>
-            </a:r>
-            <a:r>
-              <a:rPr lang="en-IE" dirty="0" smtClean="0"/>
-              <a:t>pecial registers</a:t>
-            </a:r>
-          </a:p>
-          <a:p>
-            <a:pPr lvl="1"/>
-            <a:r>
-              <a:rPr lang="en-IE" dirty="0"/>
-              <a:t>P</a:t>
-            </a:r>
-            <a:r>
-              <a:rPr lang="en-IE" dirty="0" smtClean="0"/>
-              <a:t>erformance analysis</a:t>
-            </a:r>
-          </a:p>
-          <a:p>
-            <a:pPr lvl="1"/>
-            <a:r>
-              <a:rPr lang="en-IE" dirty="0" smtClean="0"/>
-              <a:t>Record cache misses, </a:t>
-            </a:r>
-            <a:r>
-              <a:rPr lang="en-IE" dirty="0" err="1" smtClean="0"/>
-              <a:t>cpu</a:t>
-            </a:r>
-            <a:r>
-              <a:rPr lang="en-IE" dirty="0" smtClean="0"/>
-              <a:t> cycles etc…</a:t>
-            </a:r>
-            <a:endParaRPr lang="en-IE" dirty="0"/>
-          </a:p>
-        </p:txBody>
-      </p:sp>
-      <p:sp>
-        <p:nvSpPr>
-          <p:cNvPr id="4" name="Slide Number Placeholder 3"/>
+            <p:extLst>
+              <p:ext uri="{D42A27DB-BD31-4B8C-83A1-F6EECF244321}">
+                <p14:modId xmlns:p14="http://schemas.microsoft.com/office/powerpoint/2010/main" val="4163705258"/>
+              </p:ext>
+            </p:extLst>
+          </p:nvPr>
+        </p:nvGraphicFramePr>
+        <p:xfrm>
+          <a:off x="457200" y="1600200"/>
+          <a:ext cx="8229600" cy="4525963"/>
+        </p:xfrm>
+        <a:graphic>
+          <a:graphicData uri="http://schemas.openxmlformats.org/drawingml/2006/chart">
+            <c:chart xmlns:c="http://schemas.openxmlformats.org/drawingml/2006/chart" xmlns:r="http://schemas.openxmlformats.org/officeDocument/2006/relationships" r:id="rId2"/>
+          </a:graphicData>
+        </a:graphic>
+      </p:graphicFrame>
+      <p:sp>
+        <p:nvSpPr>
+          <p:cNvPr id="6" name="Slide Number Placeholder 5"/>
           <p:cNvSpPr>
             <a:spLocks noGrp="1"/>
           </p:cNvSpPr>
@@ -8107,20 +8091,13 @@
     </p:spTree>
     <p:extLst>
       <p:ext uri="{BB962C8B-B14F-4D97-AF65-F5344CB8AC3E}">
-        <p14:creationId xmlns:p14="http://schemas.microsoft.com/office/powerpoint/2010/main" val="792295864"/>
+        <p14:creationId xmlns:p14="http://schemas.microsoft.com/office/powerpoint/2010/main" val="1082891656"/>
       </p:ext>
     </p:extLst>
   </p:cSld>
   <p:clrMapOvr>
     <a:masterClrMapping/>
   </p:clrMapOvr>
-  <p:timing>
-    <p:tnLst>
-      <p:par>
-        <p:cTn id="1" dur="indefinite" restart="never" nodeType="tmRoot"/>
-      </p:par>
-    </p:tnLst>
-  </p:timing>
 </p:sld>
 </file>
 
@@ -8171,11 +8148,6 @@
           </p:cNvGraphicFramePr>
           <p:nvPr>
             <p:ph idx="1"/>
-            <p:extLst>
-              <p:ext uri="{D42A27DB-BD31-4B8C-83A1-F6EECF244321}">
-                <p14:modId xmlns:p14="http://schemas.microsoft.com/office/powerpoint/2010/main" val="4163705258"/>
-              </p:ext>
-            </p:extLst>
           </p:nvPr>
         </p:nvGraphicFramePr>
         <p:xfrm>
@@ -8215,7 +8187,7 @@
     </p:spTree>
     <p:extLst>
       <p:ext uri="{BB962C8B-B14F-4D97-AF65-F5344CB8AC3E}">
-        <p14:creationId xmlns:p14="http://schemas.microsoft.com/office/powerpoint/2010/main" val="1082891656"/>
+        <p14:creationId xmlns:p14="http://schemas.microsoft.com/office/powerpoint/2010/main" val="3893594049"/>
       </p:ext>
     </p:extLst>
   </p:cSld>
@@ -8311,7 +8283,7 @@
     </p:spTree>
     <p:extLst>
       <p:ext uri="{BB962C8B-B14F-4D97-AF65-F5344CB8AC3E}">
-        <p14:creationId xmlns:p14="http://schemas.microsoft.com/office/powerpoint/2010/main" val="3893594049"/>
+        <p14:creationId xmlns:p14="http://schemas.microsoft.com/office/powerpoint/2010/main" val="3751500213"/>
       </p:ext>
     </p:extLst>
   </p:cSld>
@@ -8350,19 +8322,46 @@
         </p:nvSpPr>
         <p:spPr/>
         <p:txBody>
+          <a:bodyPr>
+            <a:normAutofit/>
+          </a:bodyPr>
+          <a:lstStyle/>
+          <a:p>
+            <a:r>
+              <a:rPr lang="en-IE" dirty="0" smtClean="0"/>
+              <a:t>Results &amp; Analysis</a:t>
+            </a:r>
+            <a:endParaRPr lang="en-IE" dirty="0"/>
+          </a:p>
+        </p:txBody>
+      </p:sp>
+      <p:sp>
+        <p:nvSpPr>
+          <p:cNvPr id="3" name="Slide Number Placeholder 2"/>
+          <p:cNvSpPr>
+            <a:spLocks noGrp="1"/>
+          </p:cNvSpPr>
+          <p:nvPr>
+            <p:ph type="sldNum" sz="quarter" idx="12"/>
+          </p:nvPr>
+        </p:nvSpPr>
+        <p:spPr/>
+        <p:txBody>
           <a:bodyPr/>
           <a:lstStyle/>
           <a:p>
-            <a:r>
-              <a:rPr lang="en-IE" dirty="0"/>
-              <a:t>Results &amp; Analysis</a:t>
-            </a:r>
+            <a:fld id="{B6F15528-21DE-4FAA-801E-634DDDAF4B2B}" type="slidenum">
+              <a:rPr lang="en-US" smtClean="0"/>
+              <a:pPr/>
+              <a:t>18</a:t>
+            </a:fld>
+            <a:endParaRPr lang="en-US"/>
           </a:p>
         </p:txBody>
       </p:sp>
       <p:graphicFrame>
         <p:nvGraphicFramePr>
-          <p:cNvPr id="5" name="Content Placeholder 4"/>
+          <p:cNvPr id="6" name="Content Placeholder 5"/>
           <p:cNvGraphicFramePr>
             <a:graphicFrameLocks noGrp="1"/>
           </p:cNvGraphicFramePr>
@@ -8380,34 +8379,10 @@
           </a:graphicData>
         </a:graphic>
       </p:graphicFrame>
-      <p:sp>
-        <p:nvSpPr>
-          <p:cNvPr id="6" name="Slide Number Placeholder 5"/>
-          <p:cNvSpPr>
-            <a:spLocks noGrp="1"/>
-          </p:cNvSpPr>
-          <p:nvPr>
-            <p:ph type="sldNum" sz="quarter" idx="12"/>
-          </p:nvPr>
-        </p:nvSpPr>
-        <p:spPr/>
-        <p:txBody>
-          <a:bodyPr/>
-          <a:lstStyle/>
-          <a:p>
-            <a:fld id="{B6F15528-21DE-4FAA-801E-634DDDAF4B2B}" type="slidenum">
-              <a:rPr lang="en-US" smtClean="0"/>
-              <a:pPr/>
-              <a:t>18</a:t>
-            </a:fld>
-            <a:endParaRPr lang="en-US"/>
-          </a:p>
-        </p:txBody>
-      </p:sp>
     </p:spTree>
     <p:extLst>
       <p:ext uri="{BB962C8B-B14F-4D97-AF65-F5344CB8AC3E}">
-        <p14:creationId xmlns:p14="http://schemas.microsoft.com/office/powerpoint/2010/main" val="3751500213"/>
+        <p14:creationId xmlns:p14="http://schemas.microsoft.com/office/powerpoint/2010/main" val="2890730007"/>
       </p:ext>
     </p:extLst>
   </p:cSld>
@@ -8446,22 +8421,19 @@
         </p:nvSpPr>
         <p:spPr/>
         <p:txBody>
-          <a:bodyPr>
-            <a:normAutofit/>
-          </a:bodyPr>
-          <a:lstStyle/>
-          <a:p>
-            <a:r>
-              <a:rPr lang="en-IE" dirty="0" smtClean="0"/>
+          <a:bodyPr/>
+          <a:lstStyle/>
+          <a:p>
+            <a:r>
+              <a:rPr lang="en-IE" dirty="0"/>
               <a:t>Results &amp; Analysis</a:t>
             </a:r>
-            <a:endParaRPr lang="en-IE" dirty="0"/>
-          </a:p>
-        </p:txBody>
-      </p:sp>
-      <p:sp>
-        <p:nvSpPr>
-          <p:cNvPr id="3" name="Slide Number Placeholder 2"/>
+          </a:p>
+        </p:txBody>
+      </p:sp>
+      <p:sp>
+        <p:nvSpPr>
+          <p:cNvPr id="4" name="Slide Number Placeholder 3"/>
           <p:cNvSpPr>
             <a:spLocks noGrp="1"/>
           </p:cNvSpPr>
@@ -8485,7 +8457,7 @@
       </p:sp>
       <p:graphicFrame>
         <p:nvGraphicFramePr>
-          <p:cNvPr id="6" name="Content Placeholder 5"/>
+          <p:cNvPr id="5" name="Content Placeholder 4"/>
           <p:cNvGraphicFramePr>
             <a:graphicFrameLocks noGrp="1"/>
           </p:cNvGraphicFramePr>
@@ -8506,7 +8478,7 @@
     </p:spTree>
     <p:extLst>
       <p:ext uri="{BB962C8B-B14F-4D97-AF65-F5344CB8AC3E}">
-        <p14:creationId xmlns:p14="http://schemas.microsoft.com/office/powerpoint/2010/main" val="2890730007"/>
+        <p14:creationId xmlns:p14="http://schemas.microsoft.com/office/powerpoint/2010/main" val="2686976860"/>
       </p:ext>
     </p:extLst>
   </p:cSld>
@@ -8580,8 +8552,20 @@
             <a:pPr lvl="1"/>
             <a:r>
               <a:rPr lang="en-IE" dirty="0" smtClean="0"/>
-              <a:t>Designed for access by multiple threads</a:t>
-            </a:r>
+              <a:t>Designed for access by multiple </a:t>
+            </a:r>
+            <a:r>
+              <a:rPr lang="en-IE" dirty="0" smtClean="0"/>
+              <a:t>threads</a:t>
+            </a:r>
+          </a:p>
+          <a:p>
+            <a:pPr lvl="1"/>
+            <a:r>
+              <a:rPr lang="en-IE" dirty="0" smtClean="0"/>
+              <a:t>Potential to be highly scalable</a:t>
+            </a:r>
+            <a:endParaRPr lang="en-IE" dirty="0" smtClean="0"/>
           </a:p>
           <a:p>
             <a:r>
@@ -8720,7 +8704,7 @@
     </p:spTree>
     <p:extLst>
       <p:ext uri="{BB962C8B-B14F-4D97-AF65-F5344CB8AC3E}">
-        <p14:creationId xmlns:p14="http://schemas.microsoft.com/office/powerpoint/2010/main" val="2686976860"/>
+        <p14:creationId xmlns:p14="http://schemas.microsoft.com/office/powerpoint/2010/main" val="2388643619"/>
       </p:ext>
     </p:extLst>
   </p:cSld>
@@ -8731,102 +8715,6 @@
 </file>
 
 <file path=ppt/slides/slide21.xml><?xml version="1.0" encoding="utf-8"?>
-<p:sld xmlns:a="http://schemas.openxmlformats.org/drawingml/2006/main" xmlns:r="http://schemas.openxmlformats.org/officeDocument/2006/relationships" xmlns:p="http://schemas.openxmlformats.org/presentationml/2006/main">
-  <p:cSld>
-    <p:spTree>
-      <p:nvGrpSpPr>
-        <p:cNvPr id="1" name=""/>
-        <p:cNvGrpSpPr/>
-        <p:nvPr/>
-      </p:nvGrpSpPr>
-      <p:grpSpPr>
-        <a:xfrm>
-          <a:off x="0" y="0"/>
-          <a:ext cx="0" cy="0"/>
-          <a:chOff x="0" y="0"/>
-          <a:chExt cx="0" cy="0"/>
-        </a:xfrm>
-      </p:grpSpPr>
-      <p:sp>
-        <p:nvSpPr>
-          <p:cNvPr id="2" name="Title 1"/>
-          <p:cNvSpPr>
-            <a:spLocks noGrp="1"/>
-          </p:cNvSpPr>
-          <p:nvPr>
-            <p:ph type="title"/>
-          </p:nvPr>
-        </p:nvSpPr>
-        <p:spPr/>
-        <p:txBody>
-          <a:bodyPr/>
-          <a:lstStyle/>
-          <a:p>
-            <a:r>
-              <a:rPr lang="en-IE" dirty="0"/>
-              <a:t>Results &amp; Analysis</a:t>
-            </a:r>
-          </a:p>
-        </p:txBody>
-      </p:sp>
-      <p:sp>
-        <p:nvSpPr>
-          <p:cNvPr id="4" name="Slide Number Placeholder 3"/>
-          <p:cNvSpPr>
-            <a:spLocks noGrp="1"/>
-          </p:cNvSpPr>
-          <p:nvPr>
-            <p:ph type="sldNum" sz="quarter" idx="12"/>
-          </p:nvPr>
-        </p:nvSpPr>
-        <p:spPr/>
-        <p:txBody>
-          <a:bodyPr/>
-          <a:lstStyle/>
-          <a:p>
-            <a:fld id="{B6F15528-21DE-4FAA-801E-634DDDAF4B2B}" type="slidenum">
-              <a:rPr lang="en-US" smtClean="0"/>
-              <a:pPr/>
-              <a:t>21</a:t>
-            </a:fld>
-            <a:endParaRPr lang="en-US"/>
-          </a:p>
-        </p:txBody>
-      </p:sp>
-      <p:graphicFrame>
-        <p:nvGraphicFramePr>
-          <p:cNvPr id="5" name="Content Placeholder 4"/>
-          <p:cNvGraphicFramePr>
-            <a:graphicFrameLocks noGrp="1"/>
-          </p:cNvGraphicFramePr>
-          <p:nvPr>
-            <p:ph idx="1"/>
-          </p:nvPr>
-        </p:nvGraphicFramePr>
-        <p:xfrm>
-          <a:off x="457200" y="1600200"/>
-          <a:ext cx="8229600" cy="4525963"/>
-        </p:xfrm>
-        <a:graphic>
-          <a:graphicData uri="http://schemas.openxmlformats.org/drawingml/2006/chart">
-            <c:chart xmlns:c="http://schemas.openxmlformats.org/drawingml/2006/chart" xmlns:r="http://schemas.openxmlformats.org/officeDocument/2006/relationships" r:id="rId2"/>
-          </a:graphicData>
-        </a:graphic>
-      </p:graphicFrame>
-    </p:spTree>
-    <p:extLst>
-      <p:ext uri="{BB962C8B-B14F-4D97-AF65-F5344CB8AC3E}">
-        <p14:creationId xmlns:p14="http://schemas.microsoft.com/office/powerpoint/2010/main" val="2388643619"/>
-      </p:ext>
-    </p:extLst>
-  </p:cSld>
-  <p:clrMapOvr>
-    <a:masterClrMapping/>
-  </p:clrMapOvr>
-</p:sld>
-</file>
-
-<file path=ppt/slides/slide22.xml><?xml version="1.0" encoding="utf-8"?>
 <p:sld xmlns:a="http://schemas.openxmlformats.org/drawingml/2006/main" xmlns:r="http://schemas.openxmlformats.org/officeDocument/2006/relationships" xmlns:p="http://schemas.openxmlformats.org/presentationml/2006/main">
   <p:cSld>
     <p:spTree>
@@ -9125,7 +9013,7 @@
             <a:fld id="{B6F15528-21DE-4FAA-801E-634DDDAF4B2B}" type="slidenum">
               <a:rPr lang="en-US" smtClean="0"/>
               <a:pPr/>
-              <a:t>22</a:t>
+              <a:t>21</a:t>
             </a:fld>
             <a:endParaRPr lang="en-US"/>
           </a:p>
@@ -9141,6 +9029,153 @@
   <p:clrMapOvr>
     <a:masterClrMapping/>
   </p:clrMapOvr>
+</p:sld>
+</file>
+
+<file path=ppt/slides/slide22.xml><?xml version="1.0" encoding="utf-8"?>
+<p:sld xmlns:a="http://schemas.openxmlformats.org/drawingml/2006/main" xmlns:r="http://schemas.openxmlformats.org/officeDocument/2006/relationships" xmlns:p="http://schemas.openxmlformats.org/presentationml/2006/main">
+  <p:cSld>
+    <p:spTree>
+      <p:nvGrpSpPr>
+        <p:cNvPr id="1" name=""/>
+        <p:cNvGrpSpPr/>
+        <p:nvPr/>
+      </p:nvGrpSpPr>
+      <p:grpSpPr>
+        <a:xfrm>
+          <a:off x="0" y="0"/>
+          <a:ext cx="0" cy="0"/>
+          <a:chOff x="0" y="0"/>
+          <a:chExt cx="0" cy="0"/>
+        </a:xfrm>
+      </p:grpSpPr>
+      <p:sp>
+        <p:nvSpPr>
+          <p:cNvPr id="2" name="Title 1"/>
+          <p:cNvSpPr>
+            <a:spLocks noGrp="1"/>
+          </p:cNvSpPr>
+          <p:nvPr>
+            <p:ph type="title"/>
+          </p:nvPr>
+        </p:nvSpPr>
+        <p:spPr/>
+        <p:txBody>
+          <a:bodyPr/>
+          <a:lstStyle/>
+          <a:p>
+            <a:r>
+              <a:rPr lang="en-IE" dirty="0" smtClean="0"/>
+              <a:t>What have </a:t>
+            </a:r>
+            <a:r>
+              <a:rPr lang="en-IE" smtClean="0"/>
+              <a:t>I learned?</a:t>
+            </a:r>
+            <a:endParaRPr lang="en-IE"/>
+          </a:p>
+        </p:txBody>
+      </p:sp>
+      <p:sp>
+        <p:nvSpPr>
+          <p:cNvPr id="3" name="Content Placeholder 2"/>
+          <p:cNvSpPr>
+            <a:spLocks noGrp="1"/>
+          </p:cNvSpPr>
+          <p:nvPr>
+            <p:ph idx="1"/>
+          </p:nvPr>
+        </p:nvSpPr>
+        <p:spPr/>
+        <p:txBody>
+          <a:bodyPr/>
+          <a:lstStyle/>
+          <a:p>
+            <a:r>
+              <a:rPr lang="en-IE" dirty="0" smtClean="0"/>
+              <a:t>Lockless algorithms</a:t>
+            </a:r>
+          </a:p>
+          <a:p>
+            <a:pPr lvl="1"/>
+            <a:r>
+              <a:rPr lang="en-IE" dirty="0" smtClean="0"/>
+              <a:t>More Difficult to Design &amp; Implement</a:t>
+            </a:r>
+          </a:p>
+          <a:p>
+            <a:pPr lvl="1"/>
+            <a:r>
+              <a:rPr lang="en-IE" smtClean="0"/>
+              <a:t>Generally provide </a:t>
+            </a:r>
+            <a:r>
+              <a:rPr lang="en-IE" dirty="0" smtClean="0"/>
+              <a:t>a performance boost when compared to locked algorithms</a:t>
+            </a:r>
+          </a:p>
+          <a:p>
+            <a:pPr lvl="1"/>
+            <a:r>
+              <a:rPr lang="en-IE" dirty="0" smtClean="0"/>
+              <a:t>There are always exceptions</a:t>
+            </a:r>
+          </a:p>
+          <a:p>
+            <a:pPr marL="0" indent="0">
+              <a:buNone/>
+            </a:pPr>
+            <a:endParaRPr lang="en-IE" dirty="0" smtClean="0"/>
+          </a:p>
+          <a:p>
+            <a:endParaRPr lang="en-IE" dirty="0" smtClean="0"/>
+          </a:p>
+          <a:p>
+            <a:endParaRPr lang="en-IE" dirty="0"/>
+          </a:p>
+        </p:txBody>
+      </p:sp>
+      <p:sp>
+        <p:nvSpPr>
+          <p:cNvPr id="4" name="Slide Number Placeholder 3"/>
+          <p:cNvSpPr>
+            <a:spLocks noGrp="1"/>
+          </p:cNvSpPr>
+          <p:nvPr>
+            <p:ph type="sldNum" sz="quarter" idx="12"/>
+          </p:nvPr>
+        </p:nvSpPr>
+        <p:spPr/>
+        <p:txBody>
+          <a:bodyPr/>
+          <a:lstStyle/>
+          <a:p>
+            <a:fld id="{B6F15528-21DE-4FAA-801E-634DDDAF4B2B}" type="slidenum">
+              <a:rPr lang="en-US" smtClean="0"/>
+              <a:pPr/>
+              <a:t>22</a:t>
+            </a:fld>
+            <a:endParaRPr lang="en-US"/>
+          </a:p>
+        </p:txBody>
+      </p:sp>
+    </p:spTree>
+    <p:extLst>
+      <p:ext uri="{BB962C8B-B14F-4D97-AF65-F5344CB8AC3E}">
+        <p14:creationId xmlns:p14="http://schemas.microsoft.com/office/powerpoint/2010/main" val="1539224103"/>
+      </p:ext>
+    </p:extLst>
+  </p:cSld>
+  <p:clrMapOvr>
+    <a:masterClrMapping/>
+  </p:clrMapOvr>
+  <p:timing>
+    <p:tnLst>
+      <p:par>
+        <p:cTn id="1" dur="indefinite" restart="never" nodeType="tmRoot"/>
+      </p:par>
+    </p:tnLst>
+  </p:timing>
 </p:sld>
 </file>
 
@@ -9178,13 +9213,9 @@
           <a:p>
             <a:r>
               <a:rPr lang="en-IE" dirty="0" smtClean="0"/>
-              <a:t>What have </a:t>
-            </a:r>
-            <a:r>
-              <a:rPr lang="en-IE" smtClean="0"/>
-              <a:t>I learned?</a:t>
-            </a:r>
-            <a:endParaRPr lang="en-IE"/>
+              <a:t>What have I learned?</a:t>
+            </a:r>
+            <a:endParaRPr lang="en-IE" dirty="0"/>
           </a:p>
         </p:txBody>
       </p:sp>
@@ -9200,43 +9231,46 @@
         </p:nvSpPr>
         <p:spPr/>
         <p:txBody>
-          <a:bodyPr/>
+          <a:bodyPr>
+            <a:normAutofit/>
+          </a:bodyPr>
           <a:lstStyle/>
           <a:p>
             <a:r>
               <a:rPr lang="en-IE" dirty="0" smtClean="0"/>
-              <a:t>Lockless algorithms</a:t>
+              <a:t>Ring Buffer</a:t>
             </a:r>
           </a:p>
           <a:p>
             <a:pPr lvl="1"/>
             <a:r>
               <a:rPr lang="en-IE" dirty="0" smtClean="0"/>
-              <a:t>More Difficult to Design &amp; Implement</a:t>
+              <a:t>Locked variations proved to be mostly slower than lockless varieties</a:t>
             </a:r>
           </a:p>
           <a:p>
             <a:pPr lvl="1"/>
             <a:r>
-              <a:rPr lang="en-IE" smtClean="0"/>
-              <a:t>Generally provide </a:t>
-            </a:r>
-            <a:r>
               <a:rPr lang="en-IE" dirty="0" smtClean="0"/>
-              <a:t>a performance boost when compared to locked algorithms</a:t>
+              <a:t>Exceptions came in the form of the TAS and TTAS locks running on the Local Machine</a:t>
             </a:r>
           </a:p>
           <a:p>
             <a:pPr lvl="1"/>
             <a:r>
               <a:rPr lang="en-IE" dirty="0" smtClean="0"/>
-              <a:t>There are always exceptions</a:t>
-            </a:r>
+              <a:t>Stoker proved to be the fastest of the three machines with the lockless algorithm</a:t>
+            </a:r>
+            <a:endParaRPr lang="en-IE" dirty="0" smtClean="0"/>
           </a:p>
           <a:p>
             <a:pPr marL="0" indent="0">
               <a:buNone/>
             </a:pPr>
+            <a:r>
+              <a:rPr lang="en-IE" dirty="0"/>
+              <a:t>	</a:t>
+            </a:r>
             <a:endParaRPr lang="en-IE" dirty="0" smtClean="0"/>
           </a:p>
           <a:p>
@@ -9274,7 +9308,7 @@
     </p:spTree>
     <p:extLst>
       <p:ext uri="{BB962C8B-B14F-4D97-AF65-F5344CB8AC3E}">
-        <p14:creationId xmlns:p14="http://schemas.microsoft.com/office/powerpoint/2010/main" val="1539224103"/>
+        <p14:creationId xmlns:p14="http://schemas.microsoft.com/office/powerpoint/2010/main" val="4120852742"/>
       </p:ext>
     </p:extLst>
   </p:cSld>
@@ -9354,58 +9388,64 @@
           <a:p>
             <a:r>
               <a:rPr lang="en-IE" dirty="0" smtClean="0"/>
-              <a:t>Ring Buffer</a:t>
+              <a:t>Linked </a:t>
+            </a:r>
+            <a:r>
+              <a:rPr lang="en-IE" dirty="0" smtClean="0"/>
+              <a:t>List</a:t>
             </a:r>
           </a:p>
           <a:p>
             <a:pPr lvl="1"/>
             <a:r>
               <a:rPr lang="en-IE" dirty="0" smtClean="0"/>
-              <a:t>Stoker performed well with the lockless algorithm</a:t>
-            </a:r>
-          </a:p>
-          <a:p>
-            <a:pPr lvl="1"/>
+              <a:t>Local </a:t>
+            </a:r>
             <a:r>
               <a:rPr lang="en-IE" dirty="0" smtClean="0"/>
-              <a:t>Locked variations proved to be more effective for both Cube and my Local Machine</a:t>
-            </a:r>
-          </a:p>
-          <a:p>
-            <a:r>
-              <a:rPr lang="en-IE" dirty="0" smtClean="0"/>
-              <a:t>Linked List</a:t>
-            </a:r>
-          </a:p>
-          <a:p>
-            <a:pPr lvl="1"/>
-            <a:r>
-              <a:rPr lang="en-IE" dirty="0" smtClean="0"/>
-              <a:t>My Local Machine performed well </a:t>
+              <a:t>Machine performed well </a:t>
             </a:r>
             <a:r>
               <a:rPr lang="en-IE" dirty="0" err="1" smtClean="0"/>
               <a:t>locklessly</a:t>
             </a:r>
+            <a:r>
+              <a:rPr lang="en-IE" dirty="0" smtClean="0"/>
+              <a:t>, outperforming the other two machines</a:t>
+            </a:r>
             <a:endParaRPr lang="en-IE" dirty="0"/>
           </a:p>
           <a:p>
             <a:pPr lvl="1"/>
             <a:r>
               <a:rPr lang="en-IE" dirty="0" smtClean="0"/>
-              <a:t>Outperformed every lock</a:t>
-            </a:r>
-          </a:p>
-          <a:p>
+              <a:t>Local Machine outperformed </a:t>
+            </a:r>
             <a:r>
               <a:rPr lang="en-IE" dirty="0" smtClean="0"/>
-              <a:t>Hash Table</a:t>
-            </a:r>
+              <a:t>every </a:t>
+            </a:r>
+            <a:r>
+              <a:rPr lang="en-IE" dirty="0" smtClean="0"/>
+              <a:t>lock on all 3 variations with the lockless variation</a:t>
+            </a:r>
+          </a:p>
+          <a:p>
+            <a:pPr lvl="1"/>
+            <a:r>
+              <a:rPr lang="en-IE" dirty="0" smtClean="0"/>
+              <a:t>Gained the largest performance boost by using a lockless algorithm out of the three data structures</a:t>
+            </a:r>
+            <a:endParaRPr lang="en-IE" dirty="0" smtClean="0"/>
           </a:p>
           <a:p>
             <a:pPr marL="0" indent="0">
               <a:buNone/>
             </a:pPr>
+            <a:r>
+              <a:rPr lang="en-IE" dirty="0"/>
+              <a:t>	</a:t>
+            </a:r>
             <a:endParaRPr lang="en-IE" dirty="0" smtClean="0"/>
           </a:p>
           <a:p>
@@ -9443,7 +9483,169 @@
     </p:spTree>
     <p:extLst>
       <p:ext uri="{BB962C8B-B14F-4D97-AF65-F5344CB8AC3E}">
-        <p14:creationId xmlns:p14="http://schemas.microsoft.com/office/powerpoint/2010/main" val="4120852742"/>
+        <p14:creationId xmlns:p14="http://schemas.microsoft.com/office/powerpoint/2010/main" val="3471223033"/>
+      </p:ext>
+    </p:extLst>
+  </p:cSld>
+  <p:clrMapOvr>
+    <a:masterClrMapping/>
+  </p:clrMapOvr>
+  <p:timing>
+    <p:tnLst>
+      <p:par>
+        <p:cTn id="1" dur="indefinite" restart="never" nodeType="tmRoot"/>
+      </p:par>
+    </p:tnLst>
+  </p:timing>
+</p:sld>
+</file>
+
+<file path=ppt/slides/slide25.xml><?xml version="1.0" encoding="utf-8"?>
+<p:sld xmlns:a="http://schemas.openxmlformats.org/drawingml/2006/main" xmlns:r="http://schemas.openxmlformats.org/officeDocument/2006/relationships" xmlns:p="http://schemas.openxmlformats.org/presentationml/2006/main">
+  <p:cSld>
+    <p:spTree>
+      <p:nvGrpSpPr>
+        <p:cNvPr id="1" name=""/>
+        <p:cNvGrpSpPr/>
+        <p:nvPr/>
+      </p:nvGrpSpPr>
+      <p:grpSpPr>
+        <a:xfrm>
+          <a:off x="0" y="0"/>
+          <a:ext cx="0" cy="0"/>
+          <a:chOff x="0" y="0"/>
+          <a:chExt cx="0" cy="0"/>
+        </a:xfrm>
+      </p:grpSpPr>
+      <p:sp>
+        <p:nvSpPr>
+          <p:cNvPr id="2" name="Title 1"/>
+          <p:cNvSpPr>
+            <a:spLocks noGrp="1"/>
+          </p:cNvSpPr>
+          <p:nvPr>
+            <p:ph type="title"/>
+          </p:nvPr>
+        </p:nvSpPr>
+        <p:spPr/>
+        <p:txBody>
+          <a:bodyPr/>
+          <a:lstStyle/>
+          <a:p>
+            <a:r>
+              <a:rPr lang="en-IE" dirty="0" smtClean="0"/>
+              <a:t>What have </a:t>
+            </a:r>
+            <a:r>
+              <a:rPr lang="en-IE" smtClean="0"/>
+              <a:t>I learned?</a:t>
+            </a:r>
+            <a:endParaRPr lang="en-IE"/>
+          </a:p>
+        </p:txBody>
+      </p:sp>
+      <p:sp>
+        <p:nvSpPr>
+          <p:cNvPr id="3" name="Content Placeholder 2"/>
+          <p:cNvSpPr>
+            <a:spLocks noGrp="1"/>
+          </p:cNvSpPr>
+          <p:nvPr>
+            <p:ph idx="1"/>
+          </p:nvPr>
+        </p:nvSpPr>
+        <p:spPr/>
+        <p:txBody>
+          <a:bodyPr>
+            <a:normAutofit/>
+          </a:bodyPr>
+          <a:lstStyle/>
+          <a:p>
+            <a:r>
+              <a:rPr lang="en-IE" dirty="0" smtClean="0"/>
+              <a:t>Hash Table</a:t>
+            </a:r>
+          </a:p>
+          <a:p>
+            <a:pPr lvl="1"/>
+            <a:r>
+              <a:rPr lang="en-IE" dirty="0" smtClean="0"/>
+              <a:t>Globally Locked and Lock per Bucket performed relatively equally</a:t>
+            </a:r>
+          </a:p>
+          <a:p>
+            <a:pPr lvl="1"/>
+            <a:r>
+              <a:rPr lang="en-IE" dirty="0" err="1" smtClean="0"/>
+              <a:t>TestAndSet</a:t>
+            </a:r>
+            <a:r>
+              <a:rPr lang="en-IE" dirty="0" smtClean="0"/>
+              <a:t> lock seems to be well suited to my implementation with consistently good performance across variations</a:t>
+            </a:r>
+          </a:p>
+          <a:p>
+            <a:pPr lvl="1"/>
+            <a:r>
+              <a:rPr lang="en-IE" dirty="0" smtClean="0"/>
+              <a:t>Surprisingly, b</a:t>
+            </a:r>
+            <a:r>
+              <a:rPr lang="en-IE" dirty="0" smtClean="0"/>
+              <a:t>oth locked variations outperformed the lockless variant by </a:t>
+            </a:r>
+            <a:r>
+              <a:rPr lang="en-IE" smtClean="0"/>
+              <a:t>a sizeable margin</a:t>
+            </a:r>
+            <a:endParaRPr lang="en-IE" dirty="0" smtClean="0"/>
+          </a:p>
+          <a:p>
+            <a:pPr marL="0" indent="0">
+              <a:buNone/>
+            </a:pPr>
+            <a:r>
+              <a:rPr lang="en-IE" dirty="0"/>
+              <a:t>	</a:t>
+            </a:r>
+            <a:endParaRPr lang="en-IE" dirty="0" smtClean="0"/>
+          </a:p>
+          <a:p>
+            <a:endParaRPr lang="en-IE" dirty="0" smtClean="0"/>
+          </a:p>
+          <a:p>
+            <a:endParaRPr lang="en-IE" dirty="0"/>
+          </a:p>
+        </p:txBody>
+      </p:sp>
+      <p:sp>
+        <p:nvSpPr>
+          <p:cNvPr id="4" name="Slide Number Placeholder 3"/>
+          <p:cNvSpPr>
+            <a:spLocks noGrp="1"/>
+          </p:cNvSpPr>
+          <p:nvPr>
+            <p:ph type="sldNum" sz="quarter" idx="12"/>
+          </p:nvPr>
+        </p:nvSpPr>
+        <p:spPr/>
+        <p:txBody>
+          <a:bodyPr/>
+          <a:lstStyle/>
+          <a:p>
+            <a:fld id="{B6F15528-21DE-4FAA-801E-634DDDAF4B2B}" type="slidenum">
+              <a:rPr lang="en-US" smtClean="0"/>
+              <a:pPr/>
+              <a:t>25</a:t>
+            </a:fld>
+            <a:endParaRPr lang="en-US"/>
+          </a:p>
+        </p:txBody>
+      </p:sp>
+    </p:spTree>
+    <p:extLst>
+      <p:ext uri="{BB962C8B-B14F-4D97-AF65-F5344CB8AC3E}">
+        <p14:creationId xmlns:p14="http://schemas.microsoft.com/office/powerpoint/2010/main" val="998323645"/>
       </p:ext>
     </p:extLst>
   </p:cSld>
@@ -11099,11 +11301,15 @@
             </a:r>
             <a:r>
               <a:rPr lang="en-IE" sz="1900" dirty="0" err="1" smtClean="0"/>
-              <a:t>atomic_compare_exchange_strongAtomic</a:t>
+              <a:t>atomic_compare_exchange_strong</a:t>
             </a:r>
             <a:r>
               <a:rPr lang="en-IE" sz="1900" dirty="0" smtClean="0"/>
-              <a:t> *</a:t>
+              <a:t>(Atomic </a:t>
+            </a:r>
+            <a:r>
+              <a:rPr lang="en-IE" sz="1900" dirty="0" smtClean="0"/>
+              <a:t>*</a:t>
             </a:r>
             <a:r>
               <a:rPr lang="en-IE" sz="1900" dirty="0" err="1" smtClean="0"/>
@@ -11192,11 +11398,31 @@
             </a:r>
             <a:r>
               <a:rPr lang="en-IE" sz="1700" dirty="0" err="1" smtClean="0"/>
-              <a:t>lock.compare_exchange_weak</a:t>
+              <a:t>std</a:t>
             </a:r>
             <a:r>
               <a:rPr lang="en-IE" sz="1700" dirty="0" smtClean="0"/>
-              <a:t>(0, 1))</a:t>
+              <a:t>::</a:t>
+            </a:r>
+            <a:r>
+              <a:rPr lang="en-IE" sz="1700" dirty="0" err="1" smtClean="0"/>
+              <a:t>atomic_compare_exchange_weak</a:t>
+            </a:r>
+            <a:r>
+              <a:rPr lang="en-IE" sz="1700" dirty="0" smtClean="0"/>
+              <a:t>(Atomic * </a:t>
+            </a:r>
+            <a:r>
+              <a:rPr lang="en-IE" sz="1700" dirty="0" err="1" smtClean="0"/>
+              <a:t>Obj</a:t>
+            </a:r>
+            <a:r>
+              <a:rPr lang="en-IE" sz="1700" dirty="0" smtClean="0"/>
+              <a:t>, 0</a:t>
+            </a:r>
+            <a:r>
+              <a:rPr lang="en-IE" sz="1700" dirty="0" smtClean="0"/>
+              <a:t>, 1))</a:t>
             </a:r>
             <a:r>
               <a:rPr lang="en-IE" sz="1700" dirty="0"/>
@@ -11516,57 +11742,117 @@
         </p:nvSpPr>
         <p:spPr/>
         <p:txBody>
-          <a:bodyPr>
-            <a:normAutofit fontScale="90000"/>
-          </a:bodyPr>
+          <a:bodyPr/>
           <a:lstStyle/>
           <a:p>
             <a:r>
               <a:rPr lang="en-IE" dirty="0" smtClean="0"/>
-              <a:t>Why are Concurrent Data </a:t>
-            </a:r>
-            <a:br>
+              <a:t>Background Work</a:t>
+            </a:r>
+            <a:endParaRPr lang="en-IE" dirty="0"/>
+          </a:p>
+        </p:txBody>
+      </p:sp>
+      <p:sp>
+        <p:nvSpPr>
+          <p:cNvPr id="3" name="Content Placeholder 2"/>
+          <p:cNvSpPr>
+            <a:spLocks noGrp="1"/>
+          </p:cNvSpPr>
+          <p:nvPr>
+            <p:ph idx="1"/>
+          </p:nvPr>
+        </p:nvSpPr>
+        <p:spPr/>
+        <p:txBody>
+          <a:bodyPr/>
+          <a:lstStyle/>
+          <a:p>
+            <a:r>
               <a:rPr lang="en-IE" dirty="0" smtClean="0"/>
-            </a:br>
+              <a:t>Some of my references</a:t>
+            </a:r>
             <a:r>
               <a:rPr lang="en-IE" dirty="0" smtClean="0"/>
-              <a:t>Structures Important?</a:t>
-            </a:r>
-            <a:endParaRPr lang="en-IE" dirty="0"/>
-          </a:p>
-        </p:txBody>
-      </p:sp>
-      <p:sp>
-        <p:nvSpPr>
-          <p:cNvPr id="3" name="Content Placeholder 2"/>
-          <p:cNvSpPr>
-            <a:spLocks noGrp="1"/>
-          </p:cNvSpPr>
-          <p:nvPr>
-            <p:ph idx="1"/>
-          </p:nvPr>
-        </p:nvSpPr>
-        <p:spPr/>
-        <p:txBody>
-          <a:bodyPr/>
-          <a:lstStyle/>
-          <a:p>
+              <a:t>:</a:t>
+            </a:r>
+          </a:p>
+          <a:p>
+            <a:pPr lvl="1"/>
             <a:r>
               <a:rPr lang="en-IE" dirty="0" smtClean="0"/>
-              <a:t>Potential for high scalability</a:t>
-            </a:r>
-          </a:p>
-          <a:p>
+              <a:t>“</a:t>
+            </a:r>
             <a:r>
               <a:rPr lang="en-IE" dirty="0" smtClean="0"/>
-              <a:t>Better performance than serial implementations of the same data structure</a:t>
-            </a:r>
-          </a:p>
-          <a:p>
-            <a:pPr marL="0" indent="0">
-              <a:buNone/>
-            </a:pPr>
-            <a:endParaRPr lang="en-IE" dirty="0"/>
+              <a:t>The Art of Multiprocessor Programming”- Herlihy &amp; </a:t>
+            </a:r>
+            <a:r>
+              <a:rPr lang="en-IE" dirty="0" err="1" smtClean="0"/>
+              <a:t>Shavit</a:t>
+            </a:r>
+            <a:r>
+              <a:rPr lang="en-IE" dirty="0" smtClean="0"/>
+              <a:t> </a:t>
+            </a:r>
+            <a:r>
+              <a:rPr lang="en-IE" dirty="0" smtClean="0"/>
+              <a:t>– 2008</a:t>
+            </a:r>
+          </a:p>
+          <a:p>
+            <a:pPr lvl="1"/>
+            <a:r>
+              <a:rPr lang="en-IE" dirty="0" smtClean="0"/>
+              <a:t>“Designing </a:t>
+            </a:r>
+            <a:r>
+              <a:rPr lang="en-IE" dirty="0" smtClean="0"/>
+              <a:t>Concurrent Data Structures” – </a:t>
+            </a:r>
+            <a:r>
+              <a:rPr lang="en-IE" dirty="0" err="1" smtClean="0"/>
+              <a:t>Moir</a:t>
+            </a:r>
+            <a:r>
+              <a:rPr lang="en-IE" dirty="0" smtClean="0"/>
+              <a:t> &amp; </a:t>
+            </a:r>
+            <a:r>
+              <a:rPr lang="en-IE" dirty="0" err="1" smtClean="0"/>
+              <a:t>Shavit</a:t>
+            </a:r>
+            <a:r>
+              <a:rPr lang="en-IE" dirty="0" smtClean="0"/>
+              <a:t> </a:t>
+            </a:r>
+            <a:r>
+              <a:rPr lang="en-IE" dirty="0" smtClean="0"/>
+              <a:t>– 2001</a:t>
+            </a:r>
+          </a:p>
+          <a:p>
+            <a:pPr lvl="1"/>
+            <a:r>
+              <a:rPr lang="en-IE" dirty="0" smtClean="0"/>
+              <a:t>“Implementing </a:t>
+            </a:r>
+            <a:r>
+              <a:rPr lang="en-IE" dirty="0" smtClean="0"/>
+              <a:t>Concurrent Data Objects” – Herlihy – </a:t>
+            </a:r>
+            <a:r>
+              <a:rPr lang="en-IE" dirty="0" smtClean="0"/>
+              <a:t>1993</a:t>
+            </a:r>
+          </a:p>
+          <a:p>
+            <a:pPr lvl="1"/>
+            <a:r>
+              <a:rPr lang="en-IE" dirty="0" smtClean="0"/>
+              <a:t>Locklessinc.com</a:t>
+            </a:r>
+            <a:endParaRPr lang="en-IE" dirty="0" smtClean="0"/>
           </a:p>
         </p:txBody>
       </p:sp>
@@ -11597,7 +11883,7 @@
     </p:spTree>
     <p:extLst>
       <p:ext uri="{BB962C8B-B14F-4D97-AF65-F5344CB8AC3E}">
-        <p14:creationId xmlns:p14="http://schemas.microsoft.com/office/powerpoint/2010/main" val="3358584582"/>
+        <p14:creationId xmlns:p14="http://schemas.microsoft.com/office/powerpoint/2010/main" val="330873260"/>
       </p:ext>
     </p:extLst>
   </p:cSld>
@@ -11641,7 +11927,7 @@
           <a:p>
             <a:r>
               <a:rPr lang="en-IE" dirty="0" smtClean="0"/>
-              <a:t>Background Work</a:t>
+              <a:t>What I have Done</a:t>
             </a:r>
             <a:endParaRPr lang="en-IE" dirty="0"/>
           </a:p>
@@ -11659,54 +11945,51 @@
         </p:nvSpPr>
         <p:spPr/>
         <p:txBody>
-          <a:bodyPr/>
+          <a:bodyPr>
+            <a:normAutofit/>
+          </a:bodyPr>
           <a:lstStyle/>
           <a:p>
             <a:r>
               <a:rPr lang="en-IE" dirty="0" smtClean="0"/>
-              <a:t>Some of my references:</a:t>
-            </a:r>
-          </a:p>
-          <a:p>
+              <a:t>Implemented 3 concurrent data structures</a:t>
+            </a:r>
+          </a:p>
+          <a:p>
+            <a:pPr lvl="1"/>
             <a:r>
               <a:rPr lang="en-IE" dirty="0" smtClean="0"/>
-              <a:t>“The Art of Multiprocessor Programming”- Herlihy &amp; </a:t>
-            </a:r>
-            <a:r>
-              <a:rPr lang="en-IE" dirty="0" err="1" smtClean="0"/>
-              <a:t>Shavit</a:t>
-            </a:r>
+              <a:t>Ring Buffer</a:t>
+            </a:r>
+          </a:p>
+          <a:p>
+            <a:pPr lvl="1"/>
             <a:r>
               <a:rPr lang="en-IE" dirty="0" smtClean="0"/>
-              <a:t> - 2008</a:t>
-            </a:r>
-          </a:p>
-          <a:p>
+              <a:t>Linked List</a:t>
+            </a:r>
+          </a:p>
+          <a:p>
+            <a:pPr lvl="1"/>
             <a:r>
               <a:rPr lang="en-IE" dirty="0" smtClean="0"/>
-              <a:t>“Designing Concurrent Data Structures” – </a:t>
-            </a:r>
-            <a:r>
-              <a:rPr lang="en-IE" dirty="0" err="1" smtClean="0"/>
-              <a:t>Moir</a:t>
-            </a:r>
+              <a:t>Hash Table</a:t>
+            </a:r>
+          </a:p>
+          <a:p>
             <a:r>
               <a:rPr lang="en-IE" dirty="0" smtClean="0"/>
-              <a:t> &amp; </a:t>
-            </a:r>
-            <a:r>
-              <a:rPr lang="en-IE" dirty="0" err="1" smtClean="0"/>
-              <a:t>Shavit</a:t>
+              <a:t>Implemented both locked and lockless variations</a:t>
+            </a:r>
+          </a:p>
+          <a:p>
+            <a:r>
+              <a:rPr lang="en-IE" dirty="0"/>
+              <a:t>C</a:t>
             </a:r>
             <a:r>
               <a:rPr lang="en-IE" dirty="0" smtClean="0"/>
-              <a:t> - 2001</a:t>
-            </a:r>
-          </a:p>
-          <a:p>
-            <a:r>
-              <a:rPr lang="en-IE" dirty="0" smtClean="0"/>
-              <a:t>“Implementing Concurrent Data Objects” – Herlihy – 1993</a:t>
+              <a:t>ompared them on 3 different systems</a:t>
             </a:r>
           </a:p>
         </p:txBody>
@@ -11738,7 +12021,7 @@
     </p:spTree>
     <p:extLst>
       <p:ext uri="{BB962C8B-B14F-4D97-AF65-F5344CB8AC3E}">
-        <p14:creationId xmlns:p14="http://schemas.microsoft.com/office/powerpoint/2010/main" val="330873260"/>
+        <p14:creationId xmlns:p14="http://schemas.microsoft.com/office/powerpoint/2010/main" val="351189580"/>
       </p:ext>
     </p:extLst>
   </p:cSld>
@@ -11782,7 +12065,7 @@
           <a:p>
             <a:r>
               <a:rPr lang="en-IE" dirty="0" smtClean="0"/>
-              <a:t>What I have Done</a:t>
+              <a:t>Data Structure Implementation</a:t>
             </a:r>
             <a:endParaRPr lang="en-IE" dirty="0"/>
           </a:p>
@@ -11801,51 +12084,85 @@
         <p:spPr/>
         <p:txBody>
           <a:bodyPr>
-            <a:normAutofit/>
+            <a:normAutofit fontScale="92500" lnSpcReduction="10000"/>
           </a:bodyPr>
           <a:lstStyle/>
           <a:p>
             <a:r>
               <a:rPr lang="en-IE" dirty="0" smtClean="0"/>
-              <a:t>Implemented 3 concurrent data structures</a:t>
+              <a:t>Locked Variations</a:t>
             </a:r>
           </a:p>
           <a:p>
             <a:pPr lvl="1"/>
             <a:r>
               <a:rPr lang="en-IE" dirty="0" smtClean="0"/>
-              <a:t>Ring Buffer</a:t>
+              <a:t>Mutex</a:t>
             </a:r>
           </a:p>
           <a:p>
             <a:pPr lvl="1"/>
             <a:r>
+              <a:rPr lang="en-IE" dirty="0"/>
+              <a:t>T</a:t>
+            </a:r>
+            <a:r>
               <a:rPr lang="en-IE" dirty="0" smtClean="0"/>
-              <a:t>Linked List</a:t>
+              <a:t>est-and-set</a:t>
             </a:r>
           </a:p>
           <a:p>
             <a:pPr lvl="1"/>
             <a:r>
               <a:rPr lang="en-IE" dirty="0" smtClean="0"/>
-              <a:t>Hash Table</a:t>
-            </a:r>
+              <a:t>Ticket Lock</a:t>
+            </a:r>
+            <a:endParaRPr lang="en-IE" dirty="0" smtClean="0"/>
           </a:p>
           <a:p>
             <a:r>
               <a:rPr lang="en-IE" dirty="0" smtClean="0"/>
-              <a:t>Implemented both locked and lockless variations</a:t>
-            </a:r>
-          </a:p>
-          <a:p>
-            <a:r>
-              <a:rPr lang="en-IE" dirty="0"/>
-              <a:t>C</a:t>
-            </a:r>
+              <a:t>Lockless Variations</a:t>
+            </a:r>
+          </a:p>
+          <a:p>
+            <a:pPr lvl="1"/>
             <a:r>
               <a:rPr lang="en-IE" dirty="0" smtClean="0"/>
-              <a:t>ompared them on 3 different systems</a:t>
-            </a:r>
+              <a:t>C++11 atomic library </a:t>
+            </a:r>
+            <a:r>
+              <a:rPr lang="en-IE" dirty="0" smtClean="0"/>
+              <a:t>operations</a:t>
+            </a:r>
+          </a:p>
+          <a:p>
+            <a:pPr lvl="2"/>
+            <a:r>
+              <a:rPr lang="en-IE" dirty="0" smtClean="0"/>
+              <a:t>Atomic Compare-and-swap</a:t>
+            </a:r>
+          </a:p>
+          <a:p>
+            <a:pPr lvl="2"/>
+            <a:r>
+              <a:rPr lang="en-IE" dirty="0" smtClean="0"/>
+              <a:t>Atomic Fetch-and-add</a:t>
+            </a:r>
+            <a:endParaRPr lang="en-IE" dirty="0" smtClean="0"/>
+          </a:p>
+          <a:p>
+            <a:r>
+              <a:rPr lang="en-IE" dirty="0" smtClean="0"/>
+              <a:t>Multi Producer Multi Consumer (MPMC) </a:t>
+            </a:r>
+          </a:p>
+          <a:p>
+            <a:r>
+              <a:rPr lang="en-IE" dirty="0" smtClean="0"/>
+              <a:t>Single Producer Single Consumer (SPSC)</a:t>
+            </a:r>
+            <a:endParaRPr lang="en-IE" dirty="0"/>
           </a:p>
         </p:txBody>
       </p:sp>
@@ -11876,7 +12193,7 @@
     </p:spTree>
     <p:extLst>
       <p:ext uri="{BB962C8B-B14F-4D97-AF65-F5344CB8AC3E}">
-        <p14:creationId xmlns:p14="http://schemas.microsoft.com/office/powerpoint/2010/main" val="351189580"/>
+        <p14:creationId xmlns:p14="http://schemas.microsoft.com/office/powerpoint/2010/main" val="3503624377"/>
       </p:ext>
     </p:extLst>
   </p:cSld>
